--- a/tf/Introduction to TensorFlow.pptx
+++ b/tf/Introduction to TensorFlow.pptx
@@ -5,11 +5,22 @@
     <p:sldMasterId id="2147483707" r:id="rId1"/>
   </p:sldMasterIdLst>
   <p:notesMasterIdLst>
-    <p:notesMasterId r:id="rId4"/>
+    <p:notesMasterId r:id="rId15"/>
   </p:notesMasterIdLst>
   <p:sldIdLst>
     <p:sldId id="266" r:id="rId2"/>
-    <p:sldId id="268" r:id="rId3"/>
+    <p:sldId id="269" r:id="rId3"/>
+    <p:sldId id="273" r:id="rId4"/>
+    <p:sldId id="270" r:id="rId5"/>
+    <p:sldId id="271" r:id="rId6"/>
+    <p:sldId id="272" r:id="rId7"/>
+    <p:sldId id="275" r:id="rId8"/>
+    <p:sldId id="276" r:id="rId9"/>
+    <p:sldId id="274" r:id="rId10"/>
+    <p:sldId id="277" r:id="rId11"/>
+    <p:sldId id="278" r:id="rId12"/>
+    <p:sldId id="279" r:id="rId13"/>
+    <p:sldId id="268" r:id="rId14"/>
   </p:sldIdLst>
   <p:sldSz cx="12192000" cy="6858000"/>
   <p:notesSz cx="6858000" cy="9144000"/>
@@ -198,7 +209,7 @@
           <a:p>
             <a:fld id="{D46E3B93-8523-4DBC-8FC5-65A9B9CDE5EE}" type="datetimeFigureOut">
               <a:rPr lang="en-US" smtClean="0"/>
-              <a:t>8/7/2019</a:t>
+              <a:t>10/28/2019</a:t>
             </a:fld>
             <a:endParaRPr lang="en-US"/>
           </a:p>
@@ -594,7 +605,7 @@
           <a:p>
             <a:fld id="{CE8F6EB4-B6EF-44F6-BBD1-CD5E279CFAE2}" type="datetime4">
               <a:rPr lang="en-US" smtClean="0"/>
-              <a:t>August 7, 2019</a:t>
+              <a:t>October 28, 2019</a:t>
             </a:fld>
             <a:endParaRPr lang="en-US" dirty="0"/>
           </a:p>
@@ -766,7 +777,7 @@
           <a:p>
             <a:fld id="{8A405AA7-4C18-4A99-8AAA-8677C1976FC9}" type="datetime4">
               <a:rPr lang="en-US" smtClean="0"/>
-              <a:t>August 7, 2019</a:t>
+              <a:t>October 28, 2019</a:t>
             </a:fld>
             <a:endParaRPr lang="en-US" dirty="0"/>
           </a:p>
@@ -948,7 +959,7 @@
           <a:p>
             <a:fld id="{4EA0D668-33DD-41B9-B668-7E7FF430C345}" type="datetime4">
               <a:rPr lang="en-US" smtClean="0"/>
-              <a:t>August 7, 2019</a:t>
+              <a:t>October 28, 2019</a:t>
             </a:fld>
             <a:endParaRPr lang="en-US" dirty="0"/>
           </a:p>
@@ -1131,7 +1142,7 @@
           <a:p>
             <a:fld id="{8AAE40A0-A7D8-4DC3-BC9E-BADA32DA2004}" type="datetime4">
               <a:rPr lang="en-US" smtClean="0"/>
-              <a:t>August 7, 2019</a:t>
+              <a:t>October 28, 2019</a:t>
             </a:fld>
             <a:endParaRPr lang="en-US" dirty="0"/>
           </a:p>
@@ -1448,7 +1459,7 @@
           <a:p>
             <a:fld id="{B08FEED8-D7D4-44E9-BFBC-ED06B5996D94}" type="datetime4">
               <a:rPr lang="en-US" smtClean="0"/>
-              <a:t>August 7, 2019</a:t>
+              <a:t>October 28, 2019</a:t>
             </a:fld>
             <a:endParaRPr lang="en-US" dirty="0"/>
           </a:p>
@@ -1748,7 +1759,7 @@
           <a:p>
             <a:fld id="{A143C325-9442-4629-8CC6-5CAC69736C93}" type="datetime4">
               <a:rPr lang="en-US" smtClean="0"/>
-              <a:t>August 7, 2019</a:t>
+              <a:t>October 28, 2019</a:t>
             </a:fld>
             <a:endParaRPr lang="en-US" dirty="0"/>
           </a:p>
@@ -2116,7 +2127,7 @@
           <a:p>
             <a:fld id="{EEDAFACB-3FED-4607-9FDD-34A82581A119}" type="datetime4">
               <a:rPr lang="en-US" smtClean="0"/>
-              <a:t>August 7, 2019</a:t>
+              <a:t>October 28, 2019</a:t>
             </a:fld>
             <a:endParaRPr lang="en-US" dirty="0"/>
           </a:p>
@@ -2237,7 +2248,7 @@
           <a:p>
             <a:fld id="{EC2805D6-2E3E-42F7-ABBA-DCD51C704328}" type="datetime4">
               <a:rPr lang="en-US" smtClean="0"/>
-              <a:t>August 7, 2019</a:t>
+              <a:t>October 28, 2019</a:t>
             </a:fld>
             <a:endParaRPr lang="en-US" dirty="0"/>
           </a:p>
@@ -2336,7 +2347,7 @@
           <a:p>
             <a:fld id="{7A745AAB-8888-45FB-8C4E-B86AF9A05200}" type="datetime4">
               <a:rPr lang="en-US" smtClean="0"/>
-              <a:t>August 7, 2019</a:t>
+              <a:t>October 28, 2019</a:t>
             </a:fld>
             <a:endParaRPr lang="en-US" dirty="0"/>
           </a:p>
@@ -2615,7 +2626,7 @@
           <a:p>
             <a:fld id="{9F896CED-8AFA-412F-B61A-472E6093CDBA}" type="datetime4">
               <a:rPr lang="en-US" smtClean="0"/>
-              <a:t>August 7, 2019</a:t>
+              <a:t>October 28, 2019</a:t>
             </a:fld>
             <a:endParaRPr lang="en-US" dirty="0"/>
           </a:p>
@@ -2874,7 +2885,7 @@
           <a:p>
             <a:fld id="{61078AB2-2970-444D-B1FF-A9F37FC020F5}" type="datetime4">
               <a:rPr lang="en-US" smtClean="0"/>
-              <a:t>August 7, 2019</a:t>
+              <a:t>October 28, 2019</a:t>
             </a:fld>
             <a:endParaRPr lang="en-US" dirty="0"/>
           </a:p>
@@ -3092,7 +3103,7 @@
           <a:p>
             <a:fld id="{1148AE1E-D441-45CD-8192-49B13802301D}" type="datetime4">
               <a:rPr lang="en-US" smtClean="0"/>
-              <a:t>August 7, 2019</a:t>
+              <a:t>October 28, 2019</a:t>
             </a:fld>
             <a:endParaRPr lang="en-US" dirty="0"/>
           </a:p>
@@ -3566,6 +3577,10 @@
               </a:rPr>
               <a:t>Introduction to </a:t>
             </a:r>
+            <a:r>
+              <a:rPr lang="en-US" b="1" dirty="0"/>
+              <a:t/>
+            </a:r>
             <a:br>
               <a:rPr lang="en-US" b="1" dirty="0"/>
             </a:br>
@@ -3805,6 +3820,423 @@
 </p:sld>
 </file>
 
+<file path=ppt/slides/slide10.xml><?xml version="1.0" encoding="utf-8"?>
+<p:sld xmlns:a="http://schemas.openxmlformats.org/drawingml/2006/main" xmlns:r="http://schemas.openxmlformats.org/officeDocument/2006/relationships" xmlns:p="http://schemas.openxmlformats.org/presentationml/2006/main">
+  <p:cSld>
+    <p:spTree>
+      <p:nvGrpSpPr>
+        <p:cNvPr id="1" name=""/>
+        <p:cNvGrpSpPr/>
+        <p:nvPr/>
+      </p:nvGrpSpPr>
+      <p:grpSpPr>
+        <a:xfrm>
+          <a:off x="0" y="0"/>
+          <a:ext cx="0" cy="0"/>
+          <a:chOff x="0" y="0"/>
+          <a:chExt cx="0" cy="0"/>
+        </a:xfrm>
+      </p:grpSpPr>
+      <p:sp>
+        <p:nvSpPr>
+          <p:cNvPr id="4" name="Title 3"/>
+          <p:cNvSpPr>
+            <a:spLocks noGrp="1"/>
+          </p:cNvSpPr>
+          <p:nvPr>
+            <p:ph type="title"/>
+          </p:nvPr>
+        </p:nvSpPr>
+        <p:spPr/>
+        <p:txBody>
+          <a:bodyPr/>
+          <a:lstStyle/>
+          <a:p>
+            <a:r>
+              <a:rPr lang="en-US" dirty="0" smtClean="0"/>
+              <a:t>TEXT-BASED MODELS</a:t>
+            </a:r>
+            <a:endParaRPr lang="en-US" dirty="0"/>
+          </a:p>
+        </p:txBody>
+      </p:sp>
+      <p:sp>
+        <p:nvSpPr>
+          <p:cNvPr id="5" name="Content Placeholder 4"/>
+          <p:cNvSpPr>
+            <a:spLocks noGrp="1"/>
+          </p:cNvSpPr>
+          <p:nvPr>
+            <p:ph idx="1"/>
+          </p:nvPr>
+        </p:nvSpPr>
+        <p:spPr/>
+        <p:txBody>
+          <a:bodyPr/>
+          <a:lstStyle/>
+          <a:p>
+            <a:endParaRPr lang="en-US" dirty="0"/>
+          </a:p>
+        </p:txBody>
+      </p:sp>
+    </p:spTree>
+    <p:extLst>
+      <p:ext uri="{BB962C8B-B14F-4D97-AF65-F5344CB8AC3E}">
+        <p14:creationId xmlns:p14="http://schemas.microsoft.com/office/powerpoint/2010/main" val="2031667520"/>
+      </p:ext>
+    </p:extLst>
+  </p:cSld>
+  <p:clrMapOvr>
+    <a:masterClrMapping/>
+  </p:clrMapOvr>
+</p:sld>
+</file>
+
+<file path=ppt/slides/slide11.xml><?xml version="1.0" encoding="utf-8"?>
+<p:sld xmlns:a="http://schemas.openxmlformats.org/drawingml/2006/main" xmlns:r="http://schemas.openxmlformats.org/officeDocument/2006/relationships" xmlns:p="http://schemas.openxmlformats.org/presentationml/2006/main">
+  <p:cSld>
+    <p:spTree>
+      <p:nvGrpSpPr>
+        <p:cNvPr id="1" name=""/>
+        <p:cNvGrpSpPr/>
+        <p:nvPr/>
+      </p:nvGrpSpPr>
+      <p:grpSpPr>
+        <a:xfrm>
+          <a:off x="0" y="0"/>
+          <a:ext cx="0" cy="0"/>
+          <a:chOff x="0" y="0"/>
+          <a:chExt cx="0" cy="0"/>
+        </a:xfrm>
+      </p:grpSpPr>
+      <p:sp>
+        <p:nvSpPr>
+          <p:cNvPr id="4" name="Title 3"/>
+          <p:cNvSpPr>
+            <a:spLocks noGrp="1"/>
+          </p:cNvSpPr>
+          <p:nvPr>
+            <p:ph type="title"/>
+          </p:nvPr>
+        </p:nvSpPr>
+        <p:spPr/>
+        <p:txBody>
+          <a:bodyPr/>
+          <a:lstStyle/>
+          <a:p>
+            <a:r>
+              <a:rPr lang="en-US" dirty="0" smtClean="0"/>
+              <a:t>VIDEO MODELS</a:t>
+            </a:r>
+            <a:endParaRPr lang="en-US" dirty="0"/>
+          </a:p>
+        </p:txBody>
+      </p:sp>
+      <p:sp>
+        <p:nvSpPr>
+          <p:cNvPr id="5" name="Content Placeholder 4"/>
+          <p:cNvSpPr>
+            <a:spLocks noGrp="1"/>
+          </p:cNvSpPr>
+          <p:nvPr>
+            <p:ph idx="1"/>
+          </p:nvPr>
+        </p:nvSpPr>
+        <p:spPr/>
+        <p:txBody>
+          <a:bodyPr/>
+          <a:lstStyle/>
+          <a:p>
+            <a:endParaRPr lang="en-US" dirty="0"/>
+          </a:p>
+        </p:txBody>
+      </p:sp>
+    </p:spTree>
+    <p:extLst>
+      <p:ext uri="{BB962C8B-B14F-4D97-AF65-F5344CB8AC3E}">
+        <p14:creationId xmlns:p14="http://schemas.microsoft.com/office/powerpoint/2010/main" val="113501044"/>
+      </p:ext>
+    </p:extLst>
+  </p:cSld>
+  <p:clrMapOvr>
+    <a:masterClrMapping/>
+  </p:clrMapOvr>
+</p:sld>
+</file>
+
+<file path=ppt/slides/slide12.xml><?xml version="1.0" encoding="utf-8"?>
+<p:sld xmlns:a="http://schemas.openxmlformats.org/drawingml/2006/main" xmlns:r="http://schemas.openxmlformats.org/officeDocument/2006/relationships" xmlns:p="http://schemas.openxmlformats.org/presentationml/2006/main">
+  <p:cSld>
+    <p:spTree>
+      <p:nvGrpSpPr>
+        <p:cNvPr id="1" name=""/>
+        <p:cNvGrpSpPr/>
+        <p:nvPr/>
+      </p:nvGrpSpPr>
+      <p:grpSpPr>
+        <a:xfrm>
+          <a:off x="0" y="0"/>
+          <a:ext cx="0" cy="0"/>
+          <a:chOff x="0" y="0"/>
+          <a:chExt cx="0" cy="0"/>
+        </a:xfrm>
+      </p:grpSpPr>
+      <p:sp>
+        <p:nvSpPr>
+          <p:cNvPr id="4" name="Title 3"/>
+          <p:cNvSpPr>
+            <a:spLocks noGrp="1"/>
+          </p:cNvSpPr>
+          <p:nvPr>
+            <p:ph type="title"/>
+          </p:nvPr>
+        </p:nvSpPr>
+        <p:spPr/>
+        <p:txBody>
+          <a:bodyPr/>
+          <a:lstStyle/>
+          <a:p>
+            <a:r>
+              <a:rPr lang="en-US" dirty="0" smtClean="0"/>
+              <a:t>INTERPRETABILITY</a:t>
+            </a:r>
+            <a:endParaRPr lang="en-US" dirty="0"/>
+          </a:p>
+        </p:txBody>
+      </p:sp>
+      <p:sp>
+        <p:nvSpPr>
+          <p:cNvPr id="5" name="Content Placeholder 4"/>
+          <p:cNvSpPr>
+            <a:spLocks noGrp="1"/>
+          </p:cNvSpPr>
+          <p:nvPr>
+            <p:ph idx="1"/>
+          </p:nvPr>
+        </p:nvSpPr>
+        <p:spPr/>
+        <p:txBody>
+          <a:bodyPr/>
+          <a:lstStyle/>
+          <a:p>
+            <a:endParaRPr lang="en-US" dirty="0"/>
+          </a:p>
+        </p:txBody>
+      </p:sp>
+    </p:spTree>
+    <p:extLst>
+      <p:ext uri="{BB962C8B-B14F-4D97-AF65-F5344CB8AC3E}">
+        <p14:creationId xmlns:p14="http://schemas.microsoft.com/office/powerpoint/2010/main" val="3018532001"/>
+      </p:ext>
+    </p:extLst>
+  </p:cSld>
+  <p:clrMapOvr>
+    <a:masterClrMapping/>
+  </p:clrMapOvr>
+</p:sld>
+</file>
+
+<file path=ppt/slides/slide13.xml><?xml version="1.0" encoding="utf-8"?>
+<p:sld xmlns:a="http://schemas.openxmlformats.org/drawingml/2006/main" xmlns:r="http://schemas.openxmlformats.org/officeDocument/2006/relationships" xmlns:p="http://schemas.openxmlformats.org/presentationml/2006/main">
+  <p:cSld>
+    <p:spTree>
+      <p:nvGrpSpPr>
+        <p:cNvPr id="1" name=""/>
+        <p:cNvGrpSpPr/>
+        <p:nvPr/>
+      </p:nvGrpSpPr>
+      <p:grpSpPr>
+        <a:xfrm>
+          <a:off x="0" y="0"/>
+          <a:ext cx="0" cy="0"/>
+          <a:chOff x="0" y="0"/>
+          <a:chExt cx="0" cy="0"/>
+        </a:xfrm>
+      </p:grpSpPr>
+      <p:sp>
+        <p:nvSpPr>
+          <p:cNvPr id="7" name="Title 6">
+            <a:extLst>
+              <a:ext uri="{FF2B5EF4-FFF2-40B4-BE49-F238E27FC236}">
+                <a16:creationId xmlns:a16="http://schemas.microsoft.com/office/drawing/2014/main" id="{495B4BC0-844B-4414-A623-BEF78AAC1BA1}"/>
+              </a:ext>
+            </a:extLst>
+          </p:cNvPr>
+          <p:cNvSpPr>
+            <a:spLocks noGrp="1"/>
+          </p:cNvSpPr>
+          <p:nvPr>
+            <p:ph type="title"/>
+          </p:nvPr>
+        </p:nvSpPr>
+        <p:spPr/>
+        <p:txBody>
+          <a:bodyPr/>
+          <a:lstStyle/>
+          <a:p>
+            <a:r>
+              <a:rPr lang="en-US" dirty="0"/>
+              <a:t>ACKNOWLEDGMENTS</a:t>
+            </a:r>
+          </a:p>
+        </p:txBody>
+      </p:sp>
+      <p:sp>
+        <p:nvSpPr>
+          <p:cNvPr id="8" name="Content Placeholder 7">
+            <a:extLst>
+              <a:ext uri="{FF2B5EF4-FFF2-40B4-BE49-F238E27FC236}">
+                <a16:creationId xmlns:a16="http://schemas.microsoft.com/office/drawing/2014/main" id="{2BED3EB3-7E98-4A82-8335-7321D9E37B16}"/>
+              </a:ext>
+            </a:extLst>
+          </p:cNvPr>
+          <p:cNvSpPr>
+            <a:spLocks noGrp="1"/>
+          </p:cNvSpPr>
+          <p:nvPr>
+            <p:ph idx="1"/>
+          </p:nvPr>
+        </p:nvSpPr>
+        <p:spPr/>
+        <p:txBody>
+          <a:bodyPr/>
+          <a:lstStyle/>
+          <a:p>
+            <a:r>
+              <a:rPr lang="en-US" dirty="0"/>
+              <a:t>TensorFlow, the TensorFlow logo, and any related marks are trademarks of Google Inc.</a:t>
+            </a:r>
+          </a:p>
+        </p:txBody>
+      </p:sp>
+      <p:sp>
+        <p:nvSpPr>
+          <p:cNvPr id="4" name="Date Placeholder 3">
+            <a:extLst>
+              <a:ext uri="{FF2B5EF4-FFF2-40B4-BE49-F238E27FC236}">
+                <a16:creationId xmlns:a16="http://schemas.microsoft.com/office/drawing/2014/main" id="{540F37F1-4F33-429F-A568-1A3ADC499E54}"/>
+              </a:ext>
+            </a:extLst>
+          </p:cNvPr>
+          <p:cNvSpPr>
+            <a:spLocks noGrp="1"/>
+          </p:cNvSpPr>
+          <p:nvPr>
+            <p:ph type="dt" sz="half" idx="10"/>
+          </p:nvPr>
+        </p:nvSpPr>
+        <p:spPr/>
+        <p:txBody>
+          <a:bodyPr/>
+          <a:lstStyle/>
+          <a:p>
+            <a:fld id="{B08FEED8-D7D4-44E9-BFBC-ED06B5996D94}" type="datetime4">
+              <a:rPr lang="en-US" smtClean="0"/>
+              <a:t>October 28, 2019</a:t>
+            </a:fld>
+            <a:endParaRPr lang="en-US" dirty="0"/>
+          </a:p>
+        </p:txBody>
+      </p:sp>
+      <p:sp>
+        <p:nvSpPr>
+          <p:cNvPr id="5" name="Footer Placeholder 4">
+            <a:extLst>
+              <a:ext uri="{FF2B5EF4-FFF2-40B4-BE49-F238E27FC236}">
+                <a16:creationId xmlns:a16="http://schemas.microsoft.com/office/drawing/2014/main" id="{673FFA57-C126-4795-A5F6-DD33AAC5ACBD}"/>
+              </a:ext>
+            </a:extLst>
+          </p:cNvPr>
+          <p:cNvSpPr>
+            <a:spLocks noGrp="1"/>
+          </p:cNvSpPr>
+          <p:nvPr>
+            <p:ph type="ftr" sz="quarter" idx="11"/>
+          </p:nvPr>
+        </p:nvSpPr>
+        <p:spPr/>
+        <p:txBody>
+          <a:bodyPr/>
+          <a:lstStyle/>
+          <a:p>
+            <a:r>
+              <a:rPr lang="en-US"/>
+              <a:t>Digital Scholarship Services </a:t>
+            </a:r>
+            <a:r>
+              <a:rPr lang="en-US">
+                <a:solidFill>
+                  <a:schemeClr val="accent1">
+                    <a:lumMod val="50000"/>
+                  </a:schemeClr>
+                </a:solidFill>
+              </a:rPr>
+              <a:t>| Email</a:t>
+            </a:r>
+            <a:r>
+              <a:rPr lang="en-US"/>
+              <a:t> cf24@rice.edu </a:t>
+            </a:r>
+            <a:r>
+              <a:rPr lang="en-US">
+                <a:solidFill>
+                  <a:schemeClr val="accent1">
+                    <a:lumMod val="50000"/>
+                  </a:schemeClr>
+                </a:solidFill>
+              </a:rPr>
+              <a:t>|</a:t>
+            </a:r>
+            <a:r>
+              <a:rPr lang="en-US"/>
+              <a:t> library.rice.edu/dss</a:t>
+            </a:r>
+            <a:endParaRPr lang="en-US" dirty="0"/>
+          </a:p>
+        </p:txBody>
+      </p:sp>
+      <p:sp>
+        <p:nvSpPr>
+          <p:cNvPr id="6" name="Slide Number Placeholder 5">
+            <a:extLst>
+              <a:ext uri="{FF2B5EF4-FFF2-40B4-BE49-F238E27FC236}">
+                <a16:creationId xmlns:a16="http://schemas.microsoft.com/office/drawing/2014/main" id="{2FA49567-BB70-4798-8746-D0B522CCEE20}"/>
+              </a:ext>
+            </a:extLst>
+          </p:cNvPr>
+          <p:cNvSpPr>
+            <a:spLocks noGrp="1"/>
+          </p:cNvSpPr>
+          <p:nvPr>
+            <p:ph type="sldNum" sz="quarter" idx="12"/>
+          </p:nvPr>
+        </p:nvSpPr>
+        <p:spPr/>
+        <p:txBody>
+          <a:bodyPr/>
+          <a:lstStyle/>
+          <a:p>
+            <a:fld id="{D57F1E4F-1CFF-5643-939E-02111984F565}" type="slidenum">
+              <a:rPr lang="en-US" smtClean="0"/>
+              <a:t>13</a:t>
+            </a:fld>
+            <a:endParaRPr lang="en-US" dirty="0"/>
+          </a:p>
+        </p:txBody>
+      </p:sp>
+    </p:spTree>
+    <p:extLst>
+      <p:ext uri="{BB962C8B-B14F-4D97-AF65-F5344CB8AC3E}">
+        <p14:creationId xmlns:p14="http://schemas.microsoft.com/office/powerpoint/2010/main" val="1585568494"/>
+      </p:ext>
+    </p:extLst>
+  </p:cSld>
+  <p:clrMapOvr>
+    <a:masterClrMapping/>
+  </p:clrMapOvr>
+</p:sld>
+</file>
+
 <file path=ppt/slides/slide2.xml><?xml version="1.0" encoding="utf-8"?>
 <p:sld xmlns:a="http://schemas.openxmlformats.org/drawingml/2006/main" xmlns:r="http://schemas.openxmlformats.org/officeDocument/2006/relationships" xmlns:p="http://schemas.openxmlformats.org/presentationml/2006/main">
   <p:cSld>
@@ -3824,13 +4256,7 @@
       </p:grpSpPr>
       <p:sp>
         <p:nvSpPr>
-          <p:cNvPr id="7" name="Title 6">
-            <a:extLst>
-              <a:ext uri="{FF2B5EF4-FFF2-40B4-BE49-F238E27FC236}">
-                <a16:creationId xmlns:a16="http://schemas.microsoft.com/office/drawing/2014/main" id="{495B4BC0-844B-4414-A623-BEF78AAC1BA1}"/>
-              </a:ext>
-            </a:extLst>
-          </p:cNvPr>
+          <p:cNvPr id="4" name="Title 3"/>
           <p:cNvSpPr>
             <a:spLocks noGrp="1"/>
           </p:cNvSpPr>
@@ -3844,21 +4270,16 @@
           <a:lstStyle/>
           <a:p>
             <a:r>
-              <a:rPr lang="en-US" dirty="0"/>
-              <a:t>ACKNOWLEDGMENTS</a:t>
-            </a:r>
-          </a:p>
-        </p:txBody>
-      </p:sp>
-      <p:sp>
-        <p:nvSpPr>
-          <p:cNvPr id="8" name="Content Placeholder 7">
-            <a:extLst>
-              <a:ext uri="{FF2B5EF4-FFF2-40B4-BE49-F238E27FC236}">
-                <a16:creationId xmlns:a16="http://schemas.microsoft.com/office/drawing/2014/main" id="{2BED3EB3-7E98-4A82-8335-7321D9E37B16}"/>
-              </a:ext>
-            </a:extLst>
-          </p:cNvPr>
+              <a:rPr lang="en-US" dirty="0" smtClean="0"/>
+              <a:t>ABOUT TENSORFLOW</a:t>
+            </a:r>
+            <a:endParaRPr lang="en-US" dirty="0"/>
+          </a:p>
+        </p:txBody>
+      </p:sp>
+      <p:sp>
+        <p:nvSpPr>
+          <p:cNvPr id="5" name="Content Placeholder 4"/>
           <p:cNvSpPr>
             <a:spLocks noGrp="1"/>
           </p:cNvSpPr>
@@ -3871,22 +4292,96 @@
           <a:bodyPr/>
           <a:lstStyle/>
           <a:p>
-            <a:r>
-              <a:rPr lang="en-US" dirty="0"/>
-              <a:t>TensorFlow, the TensorFlow logo, and any related marks are trademarks of Google Inc.</a:t>
-            </a:r>
-          </a:p>
-        </p:txBody>
-      </p:sp>
-      <p:sp>
-        <p:nvSpPr>
-          <p:cNvPr id="4" name="Date Placeholder 3">
-            <a:extLst>
-              <a:ext uri="{FF2B5EF4-FFF2-40B4-BE49-F238E27FC236}">
-                <a16:creationId xmlns:a16="http://schemas.microsoft.com/office/drawing/2014/main" id="{540F37F1-4F33-429F-A568-1A3ADC499E54}"/>
-              </a:ext>
-            </a:extLst>
-          </p:cNvPr>
+            <a:endParaRPr lang="en-US" dirty="0"/>
+          </a:p>
+        </p:txBody>
+      </p:sp>
+    </p:spTree>
+    <p:extLst>
+      <p:ext uri="{BB962C8B-B14F-4D97-AF65-F5344CB8AC3E}">
+        <p14:creationId xmlns:p14="http://schemas.microsoft.com/office/powerpoint/2010/main" val="1975586487"/>
+      </p:ext>
+    </p:extLst>
+  </p:cSld>
+  <p:clrMapOvr>
+    <a:masterClrMapping/>
+  </p:clrMapOvr>
+</p:sld>
+</file>
+
+<file path=ppt/slides/slide3.xml><?xml version="1.0" encoding="utf-8"?>
+<p:sld xmlns:a="http://schemas.openxmlformats.org/drawingml/2006/main" xmlns:r="http://schemas.openxmlformats.org/officeDocument/2006/relationships" xmlns:p="http://schemas.openxmlformats.org/presentationml/2006/main">
+  <p:cSld>
+    <p:spTree>
+      <p:nvGrpSpPr>
+        <p:cNvPr id="1" name=""/>
+        <p:cNvGrpSpPr/>
+        <p:nvPr/>
+      </p:nvGrpSpPr>
+      <p:grpSpPr>
+        <a:xfrm>
+          <a:off x="0" y="0"/>
+          <a:ext cx="0" cy="0"/>
+          <a:chOff x="0" y="0"/>
+          <a:chExt cx="0" cy="0"/>
+        </a:xfrm>
+      </p:grpSpPr>
+      <p:sp>
+        <p:nvSpPr>
+          <p:cNvPr id="7" name="Title 6"/>
+          <p:cNvSpPr>
+            <a:spLocks noGrp="1"/>
+          </p:cNvSpPr>
+          <p:nvPr>
+            <p:ph type="title"/>
+          </p:nvPr>
+        </p:nvSpPr>
+        <p:spPr/>
+        <p:txBody>
+          <a:bodyPr/>
+          <a:lstStyle/>
+          <a:p>
+            <a:r>
+              <a:rPr lang="en-US" dirty="0" smtClean="0"/>
+              <a:t>WHAT IS</a:t>
+            </a:r>
+            <a:br>
+              <a:rPr lang="en-US" dirty="0" smtClean="0"/>
+            </a:br>
+            <a:r>
+              <a:rPr lang="en-US" dirty="0" smtClean="0"/>
+              <a:t>MACHINE LEARNING?</a:t>
+            </a:r>
+            <a:endParaRPr lang="en-US" dirty="0"/>
+          </a:p>
+        </p:txBody>
+      </p:sp>
+      <p:sp>
+        <p:nvSpPr>
+          <p:cNvPr id="8" name="Text Placeholder 7"/>
+          <p:cNvSpPr>
+            <a:spLocks noGrp="1"/>
+          </p:cNvSpPr>
+          <p:nvPr>
+            <p:ph type="body" idx="1"/>
+          </p:nvPr>
+        </p:nvSpPr>
+        <p:spPr/>
+        <p:txBody>
+          <a:bodyPr/>
+          <a:lstStyle/>
+          <a:p>
+            <a:r>
+              <a:rPr lang="en-US" dirty="0" smtClean="0"/>
+              <a:t>Regression, Classification, Artificial Intelligence, Reinforcement Learning</a:t>
+            </a:r>
+            <a:endParaRPr lang="en-US" dirty="0"/>
+          </a:p>
+        </p:txBody>
+      </p:sp>
+      <p:sp>
+        <p:nvSpPr>
+          <p:cNvPr id="4" name="Date Placeholder 3"/>
           <p:cNvSpPr>
             <a:spLocks noGrp="1"/>
           </p:cNvSpPr>
@@ -3899,9 +4394,9 @@
           <a:bodyPr/>
           <a:lstStyle/>
           <a:p>
-            <a:fld id="{B08FEED8-D7D4-44E9-BFBC-ED06B5996D94}" type="datetime4">
+            <a:fld id="{8AAE40A0-A7D8-4DC3-BC9E-BADA32DA2004}" type="datetime4">
               <a:rPr lang="en-US" smtClean="0"/>
-              <a:t>August 7, 2019</a:t>
+              <a:t>October 28, 2019</a:t>
             </a:fld>
             <a:endParaRPr lang="en-US" dirty="0"/>
           </a:p>
@@ -3909,13 +4404,7 @@
       </p:sp>
       <p:sp>
         <p:nvSpPr>
-          <p:cNvPr id="5" name="Footer Placeholder 4">
-            <a:extLst>
-              <a:ext uri="{FF2B5EF4-FFF2-40B4-BE49-F238E27FC236}">
-                <a16:creationId xmlns:a16="http://schemas.microsoft.com/office/drawing/2014/main" id="{673FFA57-C126-4795-A5F6-DD33AAC5ACBD}"/>
-              </a:ext>
-            </a:extLst>
-          </p:cNvPr>
+          <p:cNvPr id="5" name="Footer Placeholder 4"/>
           <p:cNvSpPr>
             <a:spLocks noGrp="1"/>
           </p:cNvSpPr>
@@ -3929,11 +4418,11 @@
           <a:lstStyle/>
           <a:p>
             <a:r>
-              <a:rPr lang="en-US"/>
+              <a:rPr lang="en-US" smtClean="0"/>
               <a:t>Digital Scholarship Services </a:t>
             </a:r>
             <a:r>
-              <a:rPr lang="en-US">
+              <a:rPr lang="en-US" smtClean="0">
                 <a:solidFill>
                   <a:schemeClr val="accent1">
                     <a:lumMod val="50000"/>
@@ -3943,11 +4432,11 @@
               <a:t>| Email</a:t>
             </a:r>
             <a:r>
-              <a:rPr lang="en-US"/>
+              <a:rPr lang="en-US" smtClean="0"/>
               <a:t> cf24@rice.edu </a:t>
             </a:r>
             <a:r>
-              <a:rPr lang="en-US">
+              <a:rPr lang="en-US" smtClean="0">
                 <a:solidFill>
                   <a:schemeClr val="accent1">
                     <a:lumMod val="50000"/>
@@ -3957,7 +4446,7 @@
               <a:t>|</a:t>
             </a:r>
             <a:r>
-              <a:rPr lang="en-US"/>
+              <a:rPr lang="en-US" smtClean="0"/>
               <a:t> library.rice.edu/dss</a:t>
             </a:r>
             <a:endParaRPr lang="en-US" dirty="0"/>
@@ -3966,13 +4455,7 @@
       </p:sp>
       <p:sp>
         <p:nvSpPr>
-          <p:cNvPr id="6" name="Slide Number Placeholder 5">
-            <a:extLst>
-              <a:ext uri="{FF2B5EF4-FFF2-40B4-BE49-F238E27FC236}">
-                <a16:creationId xmlns:a16="http://schemas.microsoft.com/office/drawing/2014/main" id="{2FA49567-BB70-4798-8746-D0B522CCEE20}"/>
-              </a:ext>
-            </a:extLst>
-          </p:cNvPr>
+          <p:cNvPr id="6" name="Slide Number Placeholder 5"/>
           <p:cNvSpPr>
             <a:spLocks noGrp="1"/>
           </p:cNvSpPr>
@@ -3987,7 +4470,7 @@
           <a:p>
             <a:fld id="{D57F1E4F-1CFF-5643-939E-02111984F565}" type="slidenum">
               <a:rPr lang="en-US" smtClean="0"/>
-              <a:t>2</a:t>
+              <a:t>3</a:t>
             </a:fld>
             <a:endParaRPr lang="en-US" dirty="0"/>
           </a:p>
@@ -3996,7 +4479,951 @@
     </p:spTree>
     <p:extLst>
       <p:ext uri="{BB962C8B-B14F-4D97-AF65-F5344CB8AC3E}">
-        <p14:creationId xmlns:p14="http://schemas.microsoft.com/office/powerpoint/2010/main" val="1585568494"/>
+        <p14:creationId xmlns:p14="http://schemas.microsoft.com/office/powerpoint/2010/main" val="2634181450"/>
+      </p:ext>
+    </p:extLst>
+  </p:cSld>
+  <p:clrMapOvr>
+    <a:masterClrMapping/>
+  </p:clrMapOvr>
+</p:sld>
+</file>
+
+<file path=ppt/slides/slide4.xml><?xml version="1.0" encoding="utf-8"?>
+<p:sld xmlns:a="http://schemas.openxmlformats.org/drawingml/2006/main" xmlns:r="http://schemas.openxmlformats.org/officeDocument/2006/relationships" xmlns:p="http://schemas.openxmlformats.org/presentationml/2006/main">
+  <p:cSld>
+    <p:spTree>
+      <p:nvGrpSpPr>
+        <p:cNvPr id="1" name=""/>
+        <p:cNvGrpSpPr/>
+        <p:nvPr/>
+      </p:nvGrpSpPr>
+      <p:grpSpPr>
+        <a:xfrm>
+          <a:off x="0" y="0"/>
+          <a:ext cx="0" cy="0"/>
+          <a:chOff x="0" y="0"/>
+          <a:chExt cx="0" cy="0"/>
+        </a:xfrm>
+      </p:grpSpPr>
+      <p:sp>
+        <p:nvSpPr>
+          <p:cNvPr id="7" name="Title 6"/>
+          <p:cNvSpPr>
+            <a:spLocks noGrp="1"/>
+          </p:cNvSpPr>
+          <p:nvPr>
+            <p:ph type="title"/>
+          </p:nvPr>
+        </p:nvSpPr>
+        <p:spPr/>
+        <p:txBody>
+          <a:bodyPr/>
+          <a:lstStyle/>
+          <a:p>
+            <a:r>
+              <a:rPr lang="en-US" dirty="0" smtClean="0"/>
+              <a:t>LINEAR REGRESSION</a:t>
+            </a:r>
+            <a:endParaRPr lang="en-US" dirty="0"/>
+          </a:p>
+        </p:txBody>
+      </p:sp>
+      <p:sp>
+        <p:nvSpPr>
+          <p:cNvPr id="8" name="Text Placeholder 7"/>
+          <p:cNvSpPr>
+            <a:spLocks noGrp="1"/>
+          </p:cNvSpPr>
+          <p:nvPr>
+            <p:ph type="body" idx="1"/>
+          </p:nvPr>
+        </p:nvSpPr>
+        <p:spPr/>
+        <p:txBody>
+          <a:bodyPr/>
+          <a:lstStyle/>
+          <a:p>
+            <a:r>
+              <a:rPr lang="en-US" dirty="0" smtClean="0"/>
+              <a:t>Simple Modeling</a:t>
+            </a:r>
+            <a:endParaRPr lang="en-US" dirty="0"/>
+          </a:p>
+        </p:txBody>
+      </p:sp>
+      <p:sp>
+        <p:nvSpPr>
+          <p:cNvPr id="4" name="Date Placeholder 3"/>
+          <p:cNvSpPr>
+            <a:spLocks noGrp="1"/>
+          </p:cNvSpPr>
+          <p:nvPr>
+            <p:ph type="dt" sz="half" idx="10"/>
+          </p:nvPr>
+        </p:nvSpPr>
+        <p:spPr/>
+        <p:txBody>
+          <a:bodyPr/>
+          <a:lstStyle/>
+          <a:p>
+            <a:fld id="{8AAE40A0-A7D8-4DC3-BC9E-BADA32DA2004}" type="datetime4">
+              <a:rPr lang="en-US" smtClean="0"/>
+              <a:t>October 28, 2019</a:t>
+            </a:fld>
+            <a:endParaRPr lang="en-US" dirty="0"/>
+          </a:p>
+        </p:txBody>
+      </p:sp>
+      <p:sp>
+        <p:nvSpPr>
+          <p:cNvPr id="5" name="Footer Placeholder 4"/>
+          <p:cNvSpPr>
+            <a:spLocks noGrp="1"/>
+          </p:cNvSpPr>
+          <p:nvPr>
+            <p:ph type="ftr" sz="quarter" idx="11"/>
+          </p:nvPr>
+        </p:nvSpPr>
+        <p:spPr/>
+        <p:txBody>
+          <a:bodyPr/>
+          <a:lstStyle/>
+          <a:p>
+            <a:r>
+              <a:rPr lang="en-US" smtClean="0"/>
+              <a:t>Digital Scholarship Services </a:t>
+            </a:r>
+            <a:r>
+              <a:rPr lang="en-US" smtClean="0">
+                <a:solidFill>
+                  <a:schemeClr val="accent1">
+                    <a:lumMod val="50000"/>
+                  </a:schemeClr>
+                </a:solidFill>
+              </a:rPr>
+              <a:t>| Email</a:t>
+            </a:r>
+            <a:r>
+              <a:rPr lang="en-US" smtClean="0"/>
+              <a:t> cf24@rice.edu </a:t>
+            </a:r>
+            <a:r>
+              <a:rPr lang="en-US" smtClean="0">
+                <a:solidFill>
+                  <a:schemeClr val="accent1">
+                    <a:lumMod val="50000"/>
+                  </a:schemeClr>
+                </a:solidFill>
+              </a:rPr>
+              <a:t>|</a:t>
+            </a:r>
+            <a:r>
+              <a:rPr lang="en-US" smtClean="0"/>
+              <a:t> library.rice.edu/dss</a:t>
+            </a:r>
+            <a:endParaRPr lang="en-US" dirty="0"/>
+          </a:p>
+        </p:txBody>
+      </p:sp>
+      <p:sp>
+        <p:nvSpPr>
+          <p:cNvPr id="6" name="Slide Number Placeholder 5"/>
+          <p:cNvSpPr>
+            <a:spLocks noGrp="1"/>
+          </p:cNvSpPr>
+          <p:nvPr>
+            <p:ph type="sldNum" sz="quarter" idx="12"/>
+          </p:nvPr>
+        </p:nvSpPr>
+        <p:spPr/>
+        <p:txBody>
+          <a:bodyPr/>
+          <a:lstStyle/>
+          <a:p>
+            <a:fld id="{D57F1E4F-1CFF-5643-939E-02111984F565}" type="slidenum">
+              <a:rPr lang="en-US" smtClean="0"/>
+              <a:t>4</a:t>
+            </a:fld>
+            <a:endParaRPr lang="en-US" dirty="0"/>
+          </a:p>
+        </p:txBody>
+      </p:sp>
+    </p:spTree>
+    <p:extLst>
+      <p:ext uri="{BB962C8B-B14F-4D97-AF65-F5344CB8AC3E}">
+        <p14:creationId xmlns:p14="http://schemas.microsoft.com/office/powerpoint/2010/main" val="2415813672"/>
+      </p:ext>
+    </p:extLst>
+  </p:cSld>
+  <p:clrMapOvr>
+    <a:masterClrMapping/>
+  </p:clrMapOvr>
+</p:sld>
+</file>
+
+<file path=ppt/slides/slide5.xml><?xml version="1.0" encoding="utf-8"?>
+<p:sld xmlns:a="http://schemas.openxmlformats.org/drawingml/2006/main" xmlns:r="http://schemas.openxmlformats.org/officeDocument/2006/relationships" xmlns:p="http://schemas.openxmlformats.org/presentationml/2006/main">
+  <p:cSld>
+    <p:spTree>
+      <p:nvGrpSpPr>
+        <p:cNvPr id="1" name=""/>
+        <p:cNvGrpSpPr/>
+        <p:nvPr/>
+      </p:nvGrpSpPr>
+      <p:grpSpPr>
+        <a:xfrm>
+          <a:off x="0" y="0"/>
+          <a:ext cx="0" cy="0"/>
+          <a:chOff x="0" y="0"/>
+          <a:chExt cx="0" cy="0"/>
+        </a:xfrm>
+      </p:grpSpPr>
+      <p:sp>
+        <p:nvSpPr>
+          <p:cNvPr id="7" name="Title 6"/>
+          <p:cNvSpPr>
+            <a:spLocks noGrp="1"/>
+          </p:cNvSpPr>
+          <p:nvPr>
+            <p:ph type="title"/>
+          </p:nvPr>
+        </p:nvSpPr>
+        <p:spPr/>
+        <p:txBody>
+          <a:bodyPr/>
+          <a:lstStyle/>
+          <a:p>
+            <a:r>
+              <a:rPr lang="en-US" dirty="0" smtClean="0"/>
+              <a:t>LOGISTIC REGRESSION</a:t>
+            </a:r>
+            <a:endParaRPr lang="en-US" dirty="0"/>
+          </a:p>
+        </p:txBody>
+      </p:sp>
+      <p:sp>
+        <p:nvSpPr>
+          <p:cNvPr id="8" name="Text Placeholder 7"/>
+          <p:cNvSpPr>
+            <a:spLocks noGrp="1"/>
+          </p:cNvSpPr>
+          <p:nvPr>
+            <p:ph type="body" idx="1"/>
+          </p:nvPr>
+        </p:nvSpPr>
+        <p:spPr/>
+        <p:txBody>
+          <a:bodyPr/>
+          <a:lstStyle/>
+          <a:p>
+            <a:r>
+              <a:rPr lang="en-US" dirty="0" smtClean="0"/>
+              <a:t>Not regression at all! Simple classification</a:t>
+            </a:r>
+            <a:endParaRPr lang="en-US" dirty="0"/>
+          </a:p>
+        </p:txBody>
+      </p:sp>
+      <p:sp>
+        <p:nvSpPr>
+          <p:cNvPr id="4" name="Date Placeholder 3"/>
+          <p:cNvSpPr>
+            <a:spLocks noGrp="1"/>
+          </p:cNvSpPr>
+          <p:nvPr>
+            <p:ph type="dt" sz="half" idx="10"/>
+          </p:nvPr>
+        </p:nvSpPr>
+        <p:spPr/>
+        <p:txBody>
+          <a:bodyPr/>
+          <a:lstStyle/>
+          <a:p>
+            <a:fld id="{8AAE40A0-A7D8-4DC3-BC9E-BADA32DA2004}" type="datetime4">
+              <a:rPr lang="en-US" smtClean="0"/>
+              <a:t>October 28, 2019</a:t>
+            </a:fld>
+            <a:endParaRPr lang="en-US" dirty="0"/>
+          </a:p>
+        </p:txBody>
+      </p:sp>
+      <p:sp>
+        <p:nvSpPr>
+          <p:cNvPr id="5" name="Footer Placeholder 4"/>
+          <p:cNvSpPr>
+            <a:spLocks noGrp="1"/>
+          </p:cNvSpPr>
+          <p:nvPr>
+            <p:ph type="ftr" sz="quarter" idx="11"/>
+          </p:nvPr>
+        </p:nvSpPr>
+        <p:spPr/>
+        <p:txBody>
+          <a:bodyPr/>
+          <a:lstStyle/>
+          <a:p>
+            <a:r>
+              <a:rPr lang="en-US" smtClean="0"/>
+              <a:t>Digital Scholarship Services </a:t>
+            </a:r>
+            <a:r>
+              <a:rPr lang="en-US" smtClean="0">
+                <a:solidFill>
+                  <a:schemeClr val="accent1">
+                    <a:lumMod val="50000"/>
+                  </a:schemeClr>
+                </a:solidFill>
+              </a:rPr>
+              <a:t>| Email</a:t>
+            </a:r>
+            <a:r>
+              <a:rPr lang="en-US" smtClean="0"/>
+              <a:t> cf24@rice.edu </a:t>
+            </a:r>
+            <a:r>
+              <a:rPr lang="en-US" smtClean="0">
+                <a:solidFill>
+                  <a:schemeClr val="accent1">
+                    <a:lumMod val="50000"/>
+                  </a:schemeClr>
+                </a:solidFill>
+              </a:rPr>
+              <a:t>|</a:t>
+            </a:r>
+            <a:r>
+              <a:rPr lang="en-US" smtClean="0"/>
+              <a:t> library.rice.edu/dss</a:t>
+            </a:r>
+            <a:endParaRPr lang="en-US" dirty="0"/>
+          </a:p>
+        </p:txBody>
+      </p:sp>
+      <p:sp>
+        <p:nvSpPr>
+          <p:cNvPr id="6" name="Slide Number Placeholder 5"/>
+          <p:cNvSpPr>
+            <a:spLocks noGrp="1"/>
+          </p:cNvSpPr>
+          <p:nvPr>
+            <p:ph type="sldNum" sz="quarter" idx="12"/>
+          </p:nvPr>
+        </p:nvSpPr>
+        <p:spPr/>
+        <p:txBody>
+          <a:bodyPr/>
+          <a:lstStyle/>
+          <a:p>
+            <a:fld id="{D57F1E4F-1CFF-5643-939E-02111984F565}" type="slidenum">
+              <a:rPr lang="en-US" smtClean="0"/>
+              <a:t>5</a:t>
+            </a:fld>
+            <a:endParaRPr lang="en-US" dirty="0"/>
+          </a:p>
+        </p:txBody>
+      </p:sp>
+    </p:spTree>
+    <p:extLst>
+      <p:ext uri="{BB962C8B-B14F-4D97-AF65-F5344CB8AC3E}">
+        <p14:creationId xmlns:p14="http://schemas.microsoft.com/office/powerpoint/2010/main" val="1100806539"/>
+      </p:ext>
+    </p:extLst>
+  </p:cSld>
+  <p:clrMapOvr>
+    <a:masterClrMapping/>
+  </p:clrMapOvr>
+</p:sld>
+</file>
+
+<file path=ppt/slides/slide6.xml><?xml version="1.0" encoding="utf-8"?>
+<p:sld xmlns:a="http://schemas.openxmlformats.org/drawingml/2006/main" xmlns:r="http://schemas.openxmlformats.org/officeDocument/2006/relationships" xmlns:p="http://schemas.openxmlformats.org/presentationml/2006/main">
+  <p:cSld>
+    <p:spTree>
+      <p:nvGrpSpPr>
+        <p:cNvPr id="1" name=""/>
+        <p:cNvGrpSpPr/>
+        <p:nvPr/>
+      </p:nvGrpSpPr>
+      <p:grpSpPr>
+        <a:xfrm>
+          <a:off x="0" y="0"/>
+          <a:ext cx="0" cy="0"/>
+          <a:chOff x="0" y="0"/>
+          <a:chExt cx="0" cy="0"/>
+        </a:xfrm>
+      </p:grpSpPr>
+      <p:sp>
+        <p:nvSpPr>
+          <p:cNvPr id="7" name="Title 6"/>
+          <p:cNvSpPr>
+            <a:spLocks noGrp="1"/>
+          </p:cNvSpPr>
+          <p:nvPr>
+            <p:ph type="title"/>
+          </p:nvPr>
+        </p:nvSpPr>
+        <p:spPr/>
+        <p:txBody>
+          <a:bodyPr/>
+          <a:lstStyle/>
+          <a:p>
+            <a:r>
+              <a:rPr lang="en-US" dirty="0" smtClean="0"/>
+              <a:t>NEURAL NETWORKS</a:t>
+            </a:r>
+            <a:br>
+              <a:rPr lang="en-US" dirty="0" smtClean="0"/>
+            </a:br>
+            <a:r>
+              <a:rPr lang="en-US" dirty="0" smtClean="0"/>
+              <a:t>&amp; CONVOLUTION</a:t>
+            </a:r>
+            <a:endParaRPr lang="en-US" dirty="0"/>
+          </a:p>
+        </p:txBody>
+      </p:sp>
+      <p:sp>
+        <p:nvSpPr>
+          <p:cNvPr id="8" name="Text Placeholder 7"/>
+          <p:cNvSpPr>
+            <a:spLocks noGrp="1"/>
+          </p:cNvSpPr>
+          <p:nvPr>
+            <p:ph type="body" idx="1"/>
+          </p:nvPr>
+        </p:nvSpPr>
+        <p:spPr/>
+        <p:txBody>
+          <a:bodyPr/>
+          <a:lstStyle/>
+          <a:p>
+            <a:r>
+              <a:rPr lang="en-US" dirty="0" smtClean="0"/>
+              <a:t>More flexible, more costly to train and use</a:t>
+            </a:r>
+            <a:endParaRPr lang="en-US" dirty="0"/>
+          </a:p>
+        </p:txBody>
+      </p:sp>
+      <p:sp>
+        <p:nvSpPr>
+          <p:cNvPr id="4" name="Date Placeholder 3"/>
+          <p:cNvSpPr>
+            <a:spLocks noGrp="1"/>
+          </p:cNvSpPr>
+          <p:nvPr>
+            <p:ph type="dt" sz="half" idx="10"/>
+          </p:nvPr>
+        </p:nvSpPr>
+        <p:spPr/>
+        <p:txBody>
+          <a:bodyPr/>
+          <a:lstStyle/>
+          <a:p>
+            <a:fld id="{8AAE40A0-A7D8-4DC3-BC9E-BADA32DA2004}" type="datetime4">
+              <a:rPr lang="en-US" smtClean="0"/>
+              <a:t>October 28, 2019</a:t>
+            </a:fld>
+            <a:endParaRPr lang="en-US" dirty="0"/>
+          </a:p>
+        </p:txBody>
+      </p:sp>
+      <p:sp>
+        <p:nvSpPr>
+          <p:cNvPr id="5" name="Footer Placeholder 4"/>
+          <p:cNvSpPr>
+            <a:spLocks noGrp="1"/>
+          </p:cNvSpPr>
+          <p:nvPr>
+            <p:ph type="ftr" sz="quarter" idx="11"/>
+          </p:nvPr>
+        </p:nvSpPr>
+        <p:spPr/>
+        <p:txBody>
+          <a:bodyPr/>
+          <a:lstStyle/>
+          <a:p>
+            <a:r>
+              <a:rPr lang="en-US" smtClean="0"/>
+              <a:t>Digital Scholarship Services </a:t>
+            </a:r>
+            <a:r>
+              <a:rPr lang="en-US" smtClean="0">
+                <a:solidFill>
+                  <a:schemeClr val="accent1">
+                    <a:lumMod val="50000"/>
+                  </a:schemeClr>
+                </a:solidFill>
+              </a:rPr>
+              <a:t>| Email</a:t>
+            </a:r>
+            <a:r>
+              <a:rPr lang="en-US" smtClean="0"/>
+              <a:t> cf24@rice.edu </a:t>
+            </a:r>
+            <a:r>
+              <a:rPr lang="en-US" smtClean="0">
+                <a:solidFill>
+                  <a:schemeClr val="accent1">
+                    <a:lumMod val="50000"/>
+                  </a:schemeClr>
+                </a:solidFill>
+              </a:rPr>
+              <a:t>|</a:t>
+            </a:r>
+            <a:r>
+              <a:rPr lang="en-US" smtClean="0"/>
+              <a:t> library.rice.edu/dss</a:t>
+            </a:r>
+            <a:endParaRPr lang="en-US" dirty="0"/>
+          </a:p>
+        </p:txBody>
+      </p:sp>
+      <p:sp>
+        <p:nvSpPr>
+          <p:cNvPr id="6" name="Slide Number Placeholder 5"/>
+          <p:cNvSpPr>
+            <a:spLocks noGrp="1"/>
+          </p:cNvSpPr>
+          <p:nvPr>
+            <p:ph type="sldNum" sz="quarter" idx="12"/>
+          </p:nvPr>
+        </p:nvSpPr>
+        <p:spPr/>
+        <p:txBody>
+          <a:bodyPr/>
+          <a:lstStyle/>
+          <a:p>
+            <a:fld id="{D57F1E4F-1CFF-5643-939E-02111984F565}" type="slidenum">
+              <a:rPr lang="en-US" smtClean="0"/>
+              <a:t>6</a:t>
+            </a:fld>
+            <a:endParaRPr lang="en-US" dirty="0"/>
+          </a:p>
+        </p:txBody>
+      </p:sp>
+    </p:spTree>
+    <p:extLst>
+      <p:ext uri="{BB962C8B-B14F-4D97-AF65-F5344CB8AC3E}">
+        <p14:creationId xmlns:p14="http://schemas.microsoft.com/office/powerpoint/2010/main" val="2033922517"/>
+      </p:ext>
+    </p:extLst>
+  </p:cSld>
+  <p:clrMapOvr>
+    <a:masterClrMapping/>
+  </p:clrMapOvr>
+</p:sld>
+</file>
+
+<file path=ppt/slides/slide7.xml><?xml version="1.0" encoding="utf-8"?>
+<p:sld xmlns:a="http://schemas.openxmlformats.org/drawingml/2006/main" xmlns:r="http://schemas.openxmlformats.org/officeDocument/2006/relationships" xmlns:p="http://schemas.openxmlformats.org/presentationml/2006/main">
+  <p:cSld>
+    <p:spTree>
+      <p:nvGrpSpPr>
+        <p:cNvPr id="1" name=""/>
+        <p:cNvGrpSpPr/>
+        <p:nvPr/>
+      </p:nvGrpSpPr>
+      <p:grpSpPr>
+        <a:xfrm>
+          <a:off x="0" y="0"/>
+          <a:ext cx="0" cy="0"/>
+          <a:chOff x="0" y="0"/>
+          <a:chExt cx="0" cy="0"/>
+        </a:xfrm>
+      </p:grpSpPr>
+      <p:sp>
+        <p:nvSpPr>
+          <p:cNvPr id="7" name="Title 6"/>
+          <p:cNvSpPr>
+            <a:spLocks noGrp="1"/>
+          </p:cNvSpPr>
+          <p:nvPr>
+            <p:ph type="title"/>
+          </p:nvPr>
+        </p:nvSpPr>
+        <p:spPr/>
+        <p:txBody>
+          <a:bodyPr/>
+          <a:lstStyle/>
+          <a:p>
+            <a:r>
+              <a:rPr lang="en-US" dirty="0" smtClean="0"/>
+              <a:t>ARTIFICIAL INTELLIGENCE</a:t>
+            </a:r>
+            <a:endParaRPr lang="en-US" dirty="0"/>
+          </a:p>
+        </p:txBody>
+      </p:sp>
+      <p:sp>
+        <p:nvSpPr>
+          <p:cNvPr id="8" name="Text Placeholder 7"/>
+          <p:cNvSpPr>
+            <a:spLocks noGrp="1"/>
+          </p:cNvSpPr>
+          <p:nvPr>
+            <p:ph type="body" idx="1"/>
+          </p:nvPr>
+        </p:nvSpPr>
+        <p:spPr/>
+        <p:txBody>
+          <a:bodyPr/>
+          <a:lstStyle/>
+          <a:p>
+            <a:r>
+              <a:rPr lang="en-US" dirty="0" smtClean="0"/>
+              <a:t>How intelligent is it?</a:t>
+            </a:r>
+            <a:endParaRPr lang="en-US" dirty="0"/>
+          </a:p>
+        </p:txBody>
+      </p:sp>
+      <p:sp>
+        <p:nvSpPr>
+          <p:cNvPr id="4" name="Date Placeholder 3"/>
+          <p:cNvSpPr>
+            <a:spLocks noGrp="1"/>
+          </p:cNvSpPr>
+          <p:nvPr>
+            <p:ph type="dt" sz="half" idx="10"/>
+          </p:nvPr>
+        </p:nvSpPr>
+        <p:spPr/>
+        <p:txBody>
+          <a:bodyPr/>
+          <a:lstStyle/>
+          <a:p>
+            <a:fld id="{8AAE40A0-A7D8-4DC3-BC9E-BADA32DA2004}" type="datetime4">
+              <a:rPr lang="en-US" smtClean="0"/>
+              <a:t>October 28, 2019</a:t>
+            </a:fld>
+            <a:endParaRPr lang="en-US" dirty="0"/>
+          </a:p>
+        </p:txBody>
+      </p:sp>
+      <p:sp>
+        <p:nvSpPr>
+          <p:cNvPr id="5" name="Footer Placeholder 4"/>
+          <p:cNvSpPr>
+            <a:spLocks noGrp="1"/>
+          </p:cNvSpPr>
+          <p:nvPr>
+            <p:ph type="ftr" sz="quarter" idx="11"/>
+          </p:nvPr>
+        </p:nvSpPr>
+        <p:spPr/>
+        <p:txBody>
+          <a:bodyPr/>
+          <a:lstStyle/>
+          <a:p>
+            <a:r>
+              <a:rPr lang="en-US" smtClean="0"/>
+              <a:t>Digital Scholarship Services </a:t>
+            </a:r>
+            <a:r>
+              <a:rPr lang="en-US" smtClean="0">
+                <a:solidFill>
+                  <a:schemeClr val="accent1">
+                    <a:lumMod val="50000"/>
+                  </a:schemeClr>
+                </a:solidFill>
+              </a:rPr>
+              <a:t>| Email</a:t>
+            </a:r>
+            <a:r>
+              <a:rPr lang="en-US" smtClean="0"/>
+              <a:t> cf24@rice.edu </a:t>
+            </a:r>
+            <a:r>
+              <a:rPr lang="en-US" smtClean="0">
+                <a:solidFill>
+                  <a:schemeClr val="accent1">
+                    <a:lumMod val="50000"/>
+                  </a:schemeClr>
+                </a:solidFill>
+              </a:rPr>
+              <a:t>|</a:t>
+            </a:r>
+            <a:r>
+              <a:rPr lang="en-US" smtClean="0"/>
+              <a:t> library.rice.edu/dss</a:t>
+            </a:r>
+            <a:endParaRPr lang="en-US" dirty="0"/>
+          </a:p>
+        </p:txBody>
+      </p:sp>
+      <p:sp>
+        <p:nvSpPr>
+          <p:cNvPr id="6" name="Slide Number Placeholder 5"/>
+          <p:cNvSpPr>
+            <a:spLocks noGrp="1"/>
+          </p:cNvSpPr>
+          <p:nvPr>
+            <p:ph type="sldNum" sz="quarter" idx="12"/>
+          </p:nvPr>
+        </p:nvSpPr>
+        <p:spPr/>
+        <p:txBody>
+          <a:bodyPr/>
+          <a:lstStyle/>
+          <a:p>
+            <a:fld id="{D57F1E4F-1CFF-5643-939E-02111984F565}" type="slidenum">
+              <a:rPr lang="en-US" smtClean="0"/>
+              <a:t>7</a:t>
+            </a:fld>
+            <a:endParaRPr lang="en-US" dirty="0"/>
+          </a:p>
+        </p:txBody>
+      </p:sp>
+    </p:spTree>
+    <p:extLst>
+      <p:ext uri="{BB962C8B-B14F-4D97-AF65-F5344CB8AC3E}">
+        <p14:creationId xmlns:p14="http://schemas.microsoft.com/office/powerpoint/2010/main" val="2833101456"/>
+      </p:ext>
+    </p:extLst>
+  </p:cSld>
+  <p:clrMapOvr>
+    <a:masterClrMapping/>
+  </p:clrMapOvr>
+</p:sld>
+</file>
+
+<file path=ppt/slides/slide8.xml><?xml version="1.0" encoding="utf-8"?>
+<p:sld xmlns:a="http://schemas.openxmlformats.org/drawingml/2006/main" xmlns:r="http://schemas.openxmlformats.org/officeDocument/2006/relationships" xmlns:p="http://schemas.openxmlformats.org/presentationml/2006/main">
+  <p:cSld>
+    <p:spTree>
+      <p:nvGrpSpPr>
+        <p:cNvPr id="1" name=""/>
+        <p:cNvGrpSpPr/>
+        <p:nvPr/>
+      </p:nvGrpSpPr>
+      <p:grpSpPr>
+        <a:xfrm>
+          <a:off x="0" y="0"/>
+          <a:ext cx="0" cy="0"/>
+          <a:chOff x="0" y="0"/>
+          <a:chExt cx="0" cy="0"/>
+        </a:xfrm>
+      </p:grpSpPr>
+      <p:sp>
+        <p:nvSpPr>
+          <p:cNvPr id="4" name="Title 3"/>
+          <p:cNvSpPr>
+            <a:spLocks noGrp="1"/>
+          </p:cNvSpPr>
+          <p:nvPr>
+            <p:ph type="title"/>
+          </p:nvPr>
+        </p:nvSpPr>
+        <p:spPr/>
+        <p:txBody>
+          <a:bodyPr/>
+          <a:lstStyle/>
+          <a:p>
+            <a:r>
+              <a:rPr lang="en-US" dirty="0" smtClean="0"/>
+              <a:t>PERCEPTRONS</a:t>
+            </a:r>
+            <a:endParaRPr lang="en-US" dirty="0"/>
+          </a:p>
+        </p:txBody>
+      </p:sp>
+      <p:sp>
+        <p:nvSpPr>
+          <p:cNvPr id="5" name="Content Placeholder 4"/>
+          <p:cNvSpPr>
+            <a:spLocks noGrp="1"/>
+          </p:cNvSpPr>
+          <p:nvPr>
+            <p:ph idx="1"/>
+          </p:nvPr>
+        </p:nvSpPr>
+        <p:spPr/>
+        <p:txBody>
+          <a:bodyPr/>
+          <a:lstStyle/>
+          <a:p>
+            <a:endParaRPr lang="en-US" dirty="0"/>
+          </a:p>
+        </p:txBody>
+      </p:sp>
+    </p:spTree>
+    <p:extLst>
+      <p:ext uri="{BB962C8B-B14F-4D97-AF65-F5344CB8AC3E}">
+        <p14:creationId xmlns:p14="http://schemas.microsoft.com/office/powerpoint/2010/main" val="4246251967"/>
+      </p:ext>
+    </p:extLst>
+  </p:cSld>
+  <p:clrMapOvr>
+    <a:masterClrMapping/>
+  </p:clrMapOvr>
+</p:sld>
+</file>
+
+<file path=ppt/slides/slide9.xml><?xml version="1.0" encoding="utf-8"?>
+<p:sld xmlns:a="http://schemas.openxmlformats.org/drawingml/2006/main" xmlns:r="http://schemas.openxmlformats.org/officeDocument/2006/relationships" xmlns:p="http://schemas.openxmlformats.org/presentationml/2006/main">
+  <p:cSld>
+    <p:spTree>
+      <p:nvGrpSpPr>
+        <p:cNvPr id="1" name=""/>
+        <p:cNvGrpSpPr/>
+        <p:nvPr/>
+      </p:nvGrpSpPr>
+      <p:grpSpPr>
+        <a:xfrm>
+          <a:off x="0" y="0"/>
+          <a:ext cx="0" cy="0"/>
+          <a:chOff x="0" y="0"/>
+          <a:chExt cx="0" cy="0"/>
+        </a:xfrm>
+      </p:grpSpPr>
+      <p:sp>
+        <p:nvSpPr>
+          <p:cNvPr id="7" name="Title 6"/>
+          <p:cNvSpPr>
+            <a:spLocks noGrp="1"/>
+          </p:cNvSpPr>
+          <p:nvPr>
+            <p:ph type="title"/>
+          </p:nvPr>
+        </p:nvSpPr>
+        <p:spPr/>
+        <p:txBody>
+          <a:bodyPr/>
+          <a:lstStyle/>
+          <a:p>
+            <a:r>
+              <a:rPr lang="en-US" dirty="0" smtClean="0"/>
+              <a:t>FURTHER DIRECTIONS</a:t>
+            </a:r>
+            <a:endParaRPr lang="en-US" dirty="0"/>
+          </a:p>
+        </p:txBody>
+      </p:sp>
+      <p:sp>
+        <p:nvSpPr>
+          <p:cNvPr id="8" name="Text Placeholder 7"/>
+          <p:cNvSpPr>
+            <a:spLocks noGrp="1"/>
+          </p:cNvSpPr>
+          <p:nvPr>
+            <p:ph type="body" idx="1"/>
+          </p:nvPr>
+        </p:nvSpPr>
+        <p:spPr/>
+        <p:txBody>
+          <a:bodyPr/>
+          <a:lstStyle/>
+          <a:p>
+            <a:r>
+              <a:rPr lang="en-US" dirty="0" smtClean="0"/>
+              <a:t>An overview of current research topics</a:t>
+            </a:r>
+            <a:endParaRPr lang="en-US" dirty="0"/>
+          </a:p>
+        </p:txBody>
+      </p:sp>
+      <p:sp>
+        <p:nvSpPr>
+          <p:cNvPr id="4" name="Date Placeholder 3"/>
+          <p:cNvSpPr>
+            <a:spLocks noGrp="1"/>
+          </p:cNvSpPr>
+          <p:nvPr>
+            <p:ph type="dt" sz="half" idx="10"/>
+          </p:nvPr>
+        </p:nvSpPr>
+        <p:spPr/>
+        <p:txBody>
+          <a:bodyPr/>
+          <a:lstStyle/>
+          <a:p>
+            <a:fld id="{8AAE40A0-A7D8-4DC3-BC9E-BADA32DA2004}" type="datetime4">
+              <a:rPr lang="en-US" smtClean="0"/>
+              <a:t>October 28, 2019</a:t>
+            </a:fld>
+            <a:endParaRPr lang="en-US" dirty="0"/>
+          </a:p>
+        </p:txBody>
+      </p:sp>
+      <p:sp>
+        <p:nvSpPr>
+          <p:cNvPr id="5" name="Footer Placeholder 4"/>
+          <p:cNvSpPr>
+            <a:spLocks noGrp="1"/>
+          </p:cNvSpPr>
+          <p:nvPr>
+            <p:ph type="ftr" sz="quarter" idx="11"/>
+          </p:nvPr>
+        </p:nvSpPr>
+        <p:spPr/>
+        <p:txBody>
+          <a:bodyPr/>
+          <a:lstStyle/>
+          <a:p>
+            <a:r>
+              <a:rPr lang="en-US" smtClean="0"/>
+              <a:t>Digital Scholarship Services </a:t>
+            </a:r>
+            <a:r>
+              <a:rPr lang="en-US" smtClean="0">
+                <a:solidFill>
+                  <a:schemeClr val="accent1">
+                    <a:lumMod val="50000"/>
+                  </a:schemeClr>
+                </a:solidFill>
+              </a:rPr>
+              <a:t>| Email</a:t>
+            </a:r>
+            <a:r>
+              <a:rPr lang="en-US" smtClean="0"/>
+              <a:t> cf24@rice.edu </a:t>
+            </a:r>
+            <a:r>
+              <a:rPr lang="en-US" smtClean="0">
+                <a:solidFill>
+                  <a:schemeClr val="accent1">
+                    <a:lumMod val="50000"/>
+                  </a:schemeClr>
+                </a:solidFill>
+              </a:rPr>
+              <a:t>|</a:t>
+            </a:r>
+            <a:r>
+              <a:rPr lang="en-US" smtClean="0"/>
+              <a:t> library.rice.edu/dss</a:t>
+            </a:r>
+            <a:endParaRPr lang="en-US" dirty="0"/>
+          </a:p>
+        </p:txBody>
+      </p:sp>
+      <p:sp>
+        <p:nvSpPr>
+          <p:cNvPr id="6" name="Slide Number Placeholder 5"/>
+          <p:cNvSpPr>
+            <a:spLocks noGrp="1"/>
+          </p:cNvSpPr>
+          <p:nvPr>
+            <p:ph type="sldNum" sz="quarter" idx="12"/>
+          </p:nvPr>
+        </p:nvSpPr>
+        <p:spPr/>
+        <p:txBody>
+          <a:bodyPr/>
+          <a:lstStyle/>
+          <a:p>
+            <a:fld id="{D57F1E4F-1CFF-5643-939E-02111984F565}" type="slidenum">
+              <a:rPr lang="en-US" smtClean="0"/>
+              <a:t>9</a:t>
+            </a:fld>
+            <a:endParaRPr lang="en-US" dirty="0"/>
+          </a:p>
+        </p:txBody>
+      </p:sp>
+    </p:spTree>
+    <p:extLst>
+      <p:ext uri="{BB962C8B-B14F-4D97-AF65-F5344CB8AC3E}">
+        <p14:creationId xmlns:p14="http://schemas.microsoft.com/office/powerpoint/2010/main" val="1706520227"/>
       </p:ext>
     </p:extLst>
   </p:cSld>

--- a/tf/Introduction to TensorFlow.pptx
+++ b/tf/Introduction to TensorFlow.pptx
@@ -5,22 +5,42 @@
     <p:sldMasterId id="2147483707" r:id="rId1"/>
   </p:sldMasterIdLst>
   <p:notesMasterIdLst>
-    <p:notesMasterId r:id="rId15"/>
+    <p:notesMasterId r:id="rId35"/>
   </p:notesMasterIdLst>
   <p:sldIdLst>
     <p:sldId id="266" r:id="rId2"/>
     <p:sldId id="269" r:id="rId3"/>
-    <p:sldId id="273" r:id="rId4"/>
-    <p:sldId id="270" r:id="rId5"/>
-    <p:sldId id="271" r:id="rId6"/>
-    <p:sldId id="272" r:id="rId7"/>
-    <p:sldId id="275" r:id="rId8"/>
-    <p:sldId id="276" r:id="rId9"/>
-    <p:sldId id="274" r:id="rId10"/>
-    <p:sldId id="277" r:id="rId11"/>
-    <p:sldId id="278" r:id="rId12"/>
-    <p:sldId id="279" r:id="rId13"/>
-    <p:sldId id="268" r:id="rId14"/>
+    <p:sldId id="287" r:id="rId4"/>
+    <p:sldId id="273" r:id="rId5"/>
+    <p:sldId id="280" r:id="rId6"/>
+    <p:sldId id="281" r:id="rId7"/>
+    <p:sldId id="283" r:id="rId8"/>
+    <p:sldId id="286" r:id="rId9"/>
+    <p:sldId id="284" r:id="rId10"/>
+    <p:sldId id="285" r:id="rId11"/>
+    <p:sldId id="270" r:id="rId12"/>
+    <p:sldId id="288" r:id="rId13"/>
+    <p:sldId id="289" r:id="rId14"/>
+    <p:sldId id="271" r:id="rId15"/>
+    <p:sldId id="290" r:id="rId16"/>
+    <p:sldId id="292" r:id="rId17"/>
+    <p:sldId id="291" r:id="rId18"/>
+    <p:sldId id="293" r:id="rId19"/>
+    <p:sldId id="295" r:id="rId20"/>
+    <p:sldId id="296" r:id="rId21"/>
+    <p:sldId id="297" r:id="rId22"/>
+    <p:sldId id="298" r:id="rId23"/>
+    <p:sldId id="272" r:id="rId24"/>
+    <p:sldId id="294" r:id="rId25"/>
+    <p:sldId id="275" r:id="rId26"/>
+    <p:sldId id="276" r:id="rId27"/>
+    <p:sldId id="299" r:id="rId28"/>
+    <p:sldId id="274" r:id="rId29"/>
+    <p:sldId id="277" r:id="rId30"/>
+    <p:sldId id="278" r:id="rId31"/>
+    <p:sldId id="279" r:id="rId32"/>
+    <p:sldId id="300" r:id="rId33"/>
+    <p:sldId id="268" r:id="rId34"/>
   </p:sldIdLst>
   <p:sldSz cx="12192000" cy="6858000"/>
   <p:notesSz cx="6858000" cy="9144000"/>
@@ -209,7 +229,7 @@
           <a:p>
             <a:fld id="{D46E3B93-8523-4DBC-8FC5-65A9B9CDE5EE}" type="datetimeFigureOut">
               <a:rPr lang="en-US" smtClean="0"/>
-              <a:t>10/28/2019</a:t>
+              <a:t>11/4/2019</a:t>
             </a:fld>
             <a:endParaRPr lang="en-US"/>
           </a:p>
@@ -605,7 +625,7 @@
           <a:p>
             <a:fld id="{CE8F6EB4-B6EF-44F6-BBD1-CD5E279CFAE2}" type="datetime4">
               <a:rPr lang="en-US" smtClean="0"/>
-              <a:t>October 28, 2019</a:t>
+              <a:t>November 4, 2019</a:t>
             </a:fld>
             <a:endParaRPr lang="en-US" dirty="0"/>
           </a:p>
@@ -777,7 +797,7 @@
           <a:p>
             <a:fld id="{8A405AA7-4C18-4A99-8AAA-8677C1976FC9}" type="datetime4">
               <a:rPr lang="en-US" smtClean="0"/>
-              <a:t>October 28, 2019</a:t>
+              <a:t>November 4, 2019</a:t>
             </a:fld>
             <a:endParaRPr lang="en-US" dirty="0"/>
           </a:p>
@@ -959,7 +979,7 @@
           <a:p>
             <a:fld id="{4EA0D668-33DD-41B9-B668-7E7FF430C345}" type="datetime4">
               <a:rPr lang="en-US" smtClean="0"/>
-              <a:t>October 28, 2019</a:t>
+              <a:t>November 4, 2019</a:t>
             </a:fld>
             <a:endParaRPr lang="en-US" dirty="0"/>
           </a:p>
@@ -1142,7 +1162,7 @@
           <a:p>
             <a:fld id="{8AAE40A0-A7D8-4DC3-BC9E-BADA32DA2004}" type="datetime4">
               <a:rPr lang="en-US" smtClean="0"/>
-              <a:t>October 28, 2019</a:t>
+              <a:t>November 4, 2019</a:t>
             </a:fld>
             <a:endParaRPr lang="en-US" dirty="0"/>
           </a:p>
@@ -1459,7 +1479,7 @@
           <a:p>
             <a:fld id="{B08FEED8-D7D4-44E9-BFBC-ED06B5996D94}" type="datetime4">
               <a:rPr lang="en-US" smtClean="0"/>
-              <a:t>October 28, 2019</a:t>
+              <a:t>November 4, 2019</a:t>
             </a:fld>
             <a:endParaRPr lang="en-US" dirty="0"/>
           </a:p>
@@ -1759,7 +1779,7 @@
           <a:p>
             <a:fld id="{A143C325-9442-4629-8CC6-5CAC69736C93}" type="datetime4">
               <a:rPr lang="en-US" smtClean="0"/>
-              <a:t>October 28, 2019</a:t>
+              <a:t>November 4, 2019</a:t>
             </a:fld>
             <a:endParaRPr lang="en-US" dirty="0"/>
           </a:p>
@@ -2127,7 +2147,7 @@
           <a:p>
             <a:fld id="{EEDAFACB-3FED-4607-9FDD-34A82581A119}" type="datetime4">
               <a:rPr lang="en-US" smtClean="0"/>
-              <a:t>October 28, 2019</a:t>
+              <a:t>November 4, 2019</a:t>
             </a:fld>
             <a:endParaRPr lang="en-US" dirty="0"/>
           </a:p>
@@ -2248,7 +2268,7 @@
           <a:p>
             <a:fld id="{EC2805D6-2E3E-42F7-ABBA-DCD51C704328}" type="datetime4">
               <a:rPr lang="en-US" smtClean="0"/>
-              <a:t>October 28, 2019</a:t>
+              <a:t>November 4, 2019</a:t>
             </a:fld>
             <a:endParaRPr lang="en-US" dirty="0"/>
           </a:p>
@@ -2347,7 +2367,7 @@
           <a:p>
             <a:fld id="{7A745AAB-8888-45FB-8C4E-B86AF9A05200}" type="datetime4">
               <a:rPr lang="en-US" smtClean="0"/>
-              <a:t>October 28, 2019</a:t>
+              <a:t>November 4, 2019</a:t>
             </a:fld>
             <a:endParaRPr lang="en-US" dirty="0"/>
           </a:p>
@@ -2626,7 +2646,7 @@
           <a:p>
             <a:fld id="{9F896CED-8AFA-412F-B61A-472E6093CDBA}" type="datetime4">
               <a:rPr lang="en-US" smtClean="0"/>
-              <a:t>October 28, 2019</a:t>
+              <a:t>November 4, 2019</a:t>
             </a:fld>
             <a:endParaRPr lang="en-US" dirty="0"/>
           </a:p>
@@ -2885,7 +2905,7 @@
           <a:p>
             <a:fld id="{61078AB2-2970-444D-B1FF-A9F37FC020F5}" type="datetime4">
               <a:rPr lang="en-US" smtClean="0"/>
-              <a:t>October 28, 2019</a:t>
+              <a:t>November 4, 2019</a:t>
             </a:fld>
             <a:endParaRPr lang="en-US" dirty="0"/>
           </a:p>
@@ -3103,7 +3123,7 @@
           <a:p>
             <a:fld id="{1148AE1E-D441-45CD-8192-49B13802301D}" type="datetime4">
               <a:rPr lang="en-US" smtClean="0"/>
-              <a:t>October 28, 2019</a:t>
+              <a:t>November 4, 2019</a:t>
             </a:fld>
             <a:endParaRPr lang="en-US" dirty="0"/>
           </a:p>
@@ -3854,7 +3874,7 @@
           <a:p>
             <a:r>
               <a:rPr lang="en-US" dirty="0" smtClean="0"/>
-              <a:t>TEXT-BASED MODELS</a:t>
+              <a:t>NEURAL NETWORKS</a:t>
             </a:r>
             <a:endParaRPr lang="en-US" dirty="0"/>
           </a:p>
@@ -3870,19 +3890,89 @@
             <p:ph idx="1"/>
           </p:nvPr>
         </p:nvSpPr>
-        <p:spPr/>
-        <p:txBody>
-          <a:bodyPr/>
-          <a:lstStyle/>
-          <a:p>
-            <a:endParaRPr lang="en-US" dirty="0"/>
-          </a:p>
-        </p:txBody>
-      </p:sp>
+        <p:spPr>
+          <a:xfrm>
+            <a:off x="838200" y="1825625"/>
+            <a:ext cx="5354782" cy="4351338"/>
+          </a:xfrm>
+        </p:spPr>
+        <p:txBody>
+          <a:bodyPr/>
+          <a:lstStyle/>
+          <a:p>
+            <a:r>
+              <a:rPr lang="en-US" dirty="0" smtClean="0"/>
+              <a:t>Basically, a system of connections</a:t>
+            </a:r>
+          </a:p>
+          <a:p>
+            <a:pPr lvl="1"/>
+            <a:r>
+              <a:rPr lang="en-US" dirty="0" smtClean="0"/>
+              <a:t>Analogy to the brain (neuron)</a:t>
+            </a:r>
+          </a:p>
+          <a:p>
+            <a:pPr lvl="1"/>
+            <a:r>
+              <a:rPr lang="en-US" dirty="0" smtClean="0"/>
+              <a:t>Figuring out how much one neuron impacts others</a:t>
+            </a:r>
+          </a:p>
+          <a:p>
+            <a:r>
+              <a:rPr lang="en-US" dirty="0" smtClean="0"/>
+              <a:t>Traditionally, this is framed as a sequence of ‘layers’ with connections between layers, although this is changing</a:t>
+            </a:r>
+            <a:endParaRPr lang="en-US" dirty="0"/>
+          </a:p>
+        </p:txBody>
+      </p:sp>
+      <p:pic>
+        <p:nvPicPr>
+          <p:cNvPr id="1026" name="Picture 2" descr="https://upload.wikimedia.org/wikipedia/commons/thumb/4/46/Colored_neural_network.svg/1024px-Colored_neural_network.svg.png"/>
+          <p:cNvPicPr>
+            <a:picLocks noChangeAspect="1" noChangeArrowheads="1"/>
+          </p:cNvPicPr>
+          <p:nvPr/>
+        </p:nvPicPr>
+        <p:blipFill>
+          <a:blip r:embed="rId2">
+            <a:extLst>
+              <a:ext uri="{28A0092B-C50C-407E-A947-70E740481C1C}">
+                <a14:useLocalDpi xmlns:a14="http://schemas.microsoft.com/office/drawing/2010/main" val="0"/>
+              </a:ext>
+            </a:extLst>
+          </a:blip>
+          <a:srcRect/>
+          <a:stretch>
+            <a:fillRect/>
+          </a:stretch>
+        </p:blipFill>
+        <p:spPr bwMode="auto">
+          <a:xfrm>
+            <a:off x="7314912" y="2048308"/>
+            <a:ext cx="3246522" cy="3905972"/>
+          </a:xfrm>
+          <a:prstGeom prst="rect">
+            <a:avLst/>
+          </a:prstGeom>
+          <a:noFill/>
+          <a:extLst>
+            <a:ext uri="{909E8E84-426E-40DD-AFC4-6F175D3DCCD1}">
+              <a14:hiddenFill xmlns:a14="http://schemas.microsoft.com/office/drawing/2010/main">
+                <a:solidFill>
+                  <a:srgbClr val="FFFFFF"/>
+                </a:solidFill>
+              </a14:hiddenFill>
+            </a:ext>
+          </a:extLst>
+        </p:spPr>
+      </p:pic>
     </p:spTree>
     <p:extLst>
       <p:ext uri="{BB962C8B-B14F-4D97-AF65-F5344CB8AC3E}">
-        <p14:creationId xmlns:p14="http://schemas.microsoft.com/office/powerpoint/2010/main" val="2031667520"/>
+        <p14:creationId xmlns:p14="http://schemas.microsoft.com/office/powerpoint/2010/main" val="473732089"/>
       </p:ext>
     </p:extLst>
   </p:cSld>
@@ -3911,7 +4001,7 @@
       </p:grpSpPr>
       <p:sp>
         <p:nvSpPr>
-          <p:cNvPr id="4" name="Title 3"/>
+          <p:cNvPr id="7" name="Title 6"/>
           <p:cNvSpPr>
             <a:spLocks noGrp="1"/>
           </p:cNvSpPr>
@@ -3926,27 +4016,128 @@
           <a:p>
             <a:r>
               <a:rPr lang="en-US" dirty="0" smtClean="0"/>
-              <a:t>VIDEO MODELS</a:t>
-            </a:r>
-            <a:endParaRPr lang="en-US" dirty="0"/>
-          </a:p>
-        </p:txBody>
-      </p:sp>
-      <p:sp>
-        <p:nvSpPr>
-          <p:cNvPr id="5" name="Content Placeholder 4"/>
-          <p:cNvSpPr>
-            <a:spLocks noGrp="1"/>
-          </p:cNvSpPr>
-          <p:nvPr>
-            <p:ph idx="1"/>
-          </p:nvPr>
-        </p:nvSpPr>
-        <p:spPr/>
-        <p:txBody>
-          <a:bodyPr/>
-          <a:lstStyle/>
-          <a:p>
+              <a:t>LINEAR REGRESSION</a:t>
+            </a:r>
+            <a:endParaRPr lang="en-US" dirty="0"/>
+          </a:p>
+        </p:txBody>
+      </p:sp>
+      <p:sp>
+        <p:nvSpPr>
+          <p:cNvPr id="8" name="Text Placeholder 7"/>
+          <p:cNvSpPr>
+            <a:spLocks noGrp="1"/>
+          </p:cNvSpPr>
+          <p:nvPr>
+            <p:ph type="body" idx="1"/>
+          </p:nvPr>
+        </p:nvSpPr>
+        <p:spPr/>
+        <p:txBody>
+          <a:bodyPr/>
+          <a:lstStyle/>
+          <a:p>
+            <a:r>
+              <a:rPr lang="en-US" dirty="0" smtClean="0"/>
+              <a:t>Simple Modeling</a:t>
+            </a:r>
+            <a:endParaRPr lang="en-US" dirty="0"/>
+          </a:p>
+        </p:txBody>
+      </p:sp>
+      <p:sp>
+        <p:nvSpPr>
+          <p:cNvPr id="4" name="Date Placeholder 3"/>
+          <p:cNvSpPr>
+            <a:spLocks noGrp="1"/>
+          </p:cNvSpPr>
+          <p:nvPr>
+            <p:ph type="dt" sz="half" idx="10"/>
+          </p:nvPr>
+        </p:nvSpPr>
+        <p:spPr/>
+        <p:txBody>
+          <a:bodyPr/>
+          <a:lstStyle/>
+          <a:p>
+            <a:fld id="{8AAE40A0-A7D8-4DC3-BC9E-BADA32DA2004}" type="datetime4">
+              <a:rPr lang="en-US" smtClean="0"/>
+              <a:t>November 4, 2019</a:t>
+            </a:fld>
+            <a:endParaRPr lang="en-US" dirty="0"/>
+          </a:p>
+        </p:txBody>
+      </p:sp>
+      <p:sp>
+        <p:nvSpPr>
+          <p:cNvPr id="5" name="Footer Placeholder 4"/>
+          <p:cNvSpPr>
+            <a:spLocks noGrp="1"/>
+          </p:cNvSpPr>
+          <p:nvPr>
+            <p:ph type="ftr" sz="quarter" idx="11"/>
+          </p:nvPr>
+        </p:nvSpPr>
+        <p:spPr/>
+        <p:txBody>
+          <a:bodyPr/>
+          <a:lstStyle/>
+          <a:p>
+            <a:r>
+              <a:rPr lang="en-US" smtClean="0"/>
+              <a:t>Digital Scholarship Services </a:t>
+            </a:r>
+            <a:r>
+              <a:rPr lang="en-US" smtClean="0">
+                <a:solidFill>
+                  <a:schemeClr val="accent1">
+                    <a:lumMod val="50000"/>
+                  </a:schemeClr>
+                </a:solidFill>
+              </a:rPr>
+              <a:t>| Email</a:t>
+            </a:r>
+            <a:r>
+              <a:rPr lang="en-US" smtClean="0"/>
+              <a:t> cf24@rice.edu </a:t>
+            </a:r>
+            <a:r>
+              <a:rPr lang="en-US" smtClean="0">
+                <a:solidFill>
+                  <a:schemeClr val="accent1">
+                    <a:lumMod val="50000"/>
+                  </a:schemeClr>
+                </a:solidFill>
+              </a:rPr>
+              <a:t>|</a:t>
+            </a:r>
+            <a:r>
+              <a:rPr lang="en-US" smtClean="0"/>
+              <a:t> library.rice.edu/dss</a:t>
+            </a:r>
+            <a:endParaRPr lang="en-US" dirty="0"/>
+          </a:p>
+        </p:txBody>
+      </p:sp>
+      <p:sp>
+        <p:nvSpPr>
+          <p:cNvPr id="6" name="Slide Number Placeholder 5"/>
+          <p:cNvSpPr>
+            <a:spLocks noGrp="1"/>
+          </p:cNvSpPr>
+          <p:nvPr>
+            <p:ph type="sldNum" sz="quarter" idx="12"/>
+          </p:nvPr>
+        </p:nvSpPr>
+        <p:spPr/>
+        <p:txBody>
+          <a:bodyPr/>
+          <a:lstStyle/>
+          <a:p>
+            <a:fld id="{D57F1E4F-1CFF-5643-939E-02111984F565}" type="slidenum">
+              <a:rPr lang="en-US" smtClean="0"/>
+              <a:t>11</a:t>
+            </a:fld>
             <a:endParaRPr lang="en-US" dirty="0"/>
           </a:p>
         </p:txBody>
@@ -3954,7 +4145,7 @@
     </p:spTree>
     <p:extLst>
       <p:ext uri="{BB962C8B-B14F-4D97-AF65-F5344CB8AC3E}">
-        <p14:creationId xmlns:p14="http://schemas.microsoft.com/office/powerpoint/2010/main" val="113501044"/>
+        <p14:creationId xmlns:p14="http://schemas.microsoft.com/office/powerpoint/2010/main" val="2415813672"/>
       </p:ext>
     </p:extLst>
   </p:cSld>
@@ -3983,7 +4174,7 @@
       </p:grpSpPr>
       <p:sp>
         <p:nvSpPr>
-          <p:cNvPr id="4" name="Title 3"/>
+          <p:cNvPr id="7" name="Title 6"/>
           <p:cNvSpPr>
             <a:spLocks noGrp="1"/>
           </p:cNvSpPr>
@@ -3998,15 +4189,15 @@
           <a:p>
             <a:r>
               <a:rPr lang="en-US" dirty="0" smtClean="0"/>
-              <a:t>INTERPRETABILITY</a:t>
-            </a:r>
-            <a:endParaRPr lang="en-US" dirty="0"/>
-          </a:p>
-        </p:txBody>
-      </p:sp>
-      <p:sp>
-        <p:nvSpPr>
-          <p:cNvPr id="5" name="Content Placeholder 4"/>
+              <a:t>BASIC LINEAR REGRESSION</a:t>
+            </a:r>
+            <a:endParaRPr lang="en-US" dirty="0"/>
+          </a:p>
+        </p:txBody>
+      </p:sp>
+      <p:sp>
+        <p:nvSpPr>
+          <p:cNvPr id="8" name="Content Placeholder 7"/>
           <p:cNvSpPr>
             <a:spLocks noGrp="1"/>
           </p:cNvSpPr>
@@ -4019,6 +4210,113 @@
           <a:bodyPr/>
           <a:lstStyle/>
           <a:p>
+            <a:r>
+              <a:rPr lang="en-US" dirty="0" smtClean="0"/>
+              <a:t>Commonly referred to as ‘line of best fit’, ‘trend line,’ and similar things</a:t>
+            </a:r>
+          </a:p>
+          <a:p>
+            <a:r>
+              <a:rPr lang="en-US" dirty="0" smtClean="0"/>
+              <a:t>Basic idea: minimizing the squared prediction error</a:t>
+            </a:r>
+            <a:endParaRPr lang="en-US" dirty="0"/>
+          </a:p>
+        </p:txBody>
+      </p:sp>
+      <p:sp>
+        <p:nvSpPr>
+          <p:cNvPr id="4" name="Date Placeholder 3"/>
+          <p:cNvSpPr>
+            <a:spLocks noGrp="1"/>
+          </p:cNvSpPr>
+          <p:nvPr>
+            <p:ph type="dt" sz="half" idx="10"/>
+          </p:nvPr>
+        </p:nvSpPr>
+        <p:spPr/>
+        <p:txBody>
+          <a:bodyPr/>
+          <a:lstStyle/>
+          <a:p>
+            <a:fld id="{B08FEED8-D7D4-44E9-BFBC-ED06B5996D94}" type="datetime4">
+              <a:rPr lang="en-US" smtClean="0"/>
+              <a:t>November 6, 2019</a:t>
+            </a:fld>
+            <a:endParaRPr lang="en-US" dirty="0"/>
+          </a:p>
+        </p:txBody>
+      </p:sp>
+      <p:sp>
+        <p:nvSpPr>
+          <p:cNvPr id="5" name="Footer Placeholder 4"/>
+          <p:cNvSpPr>
+            <a:spLocks noGrp="1"/>
+          </p:cNvSpPr>
+          <p:nvPr>
+            <p:ph type="ftr" sz="quarter" idx="11"/>
+          </p:nvPr>
+        </p:nvSpPr>
+        <p:spPr/>
+        <p:txBody>
+          <a:bodyPr/>
+          <a:lstStyle/>
+          <a:p>
+            <a:r>
+              <a:rPr lang="en-US" smtClean="0"/>
+              <a:t>Digital Scholarship Services </a:t>
+            </a:r>
+            <a:r>
+              <a:rPr lang="en-US" smtClean="0">
+                <a:solidFill>
+                  <a:schemeClr val="accent1">
+                    <a:lumMod val="50000"/>
+                  </a:schemeClr>
+                </a:solidFill>
+              </a:rPr>
+              <a:t>| Email</a:t>
+            </a:r>
+            <a:r>
+              <a:rPr lang="en-US" smtClean="0"/>
+              <a:t> cf24@rice.edu </a:t>
+            </a:r>
+            <a:r>
+              <a:rPr lang="en-US" smtClean="0">
+                <a:solidFill>
+                  <a:schemeClr val="accent1">
+                    <a:lumMod val="50000"/>
+                  </a:schemeClr>
+                </a:solidFill>
+              </a:rPr>
+              <a:t>|</a:t>
+            </a:r>
+            <a:r>
+              <a:rPr lang="en-US" smtClean="0"/>
+              <a:t> library.rice.edu/dss</a:t>
+            </a:r>
+            <a:endParaRPr lang="en-US" dirty="0"/>
+          </a:p>
+        </p:txBody>
+      </p:sp>
+      <p:sp>
+        <p:nvSpPr>
+          <p:cNvPr id="6" name="Slide Number Placeholder 5"/>
+          <p:cNvSpPr>
+            <a:spLocks noGrp="1"/>
+          </p:cNvSpPr>
+          <p:nvPr>
+            <p:ph type="sldNum" sz="quarter" idx="12"/>
+          </p:nvPr>
+        </p:nvSpPr>
+        <p:spPr/>
+        <p:txBody>
+          <a:bodyPr/>
+          <a:lstStyle/>
+          <a:p>
+            <a:fld id="{D57F1E4F-1CFF-5643-939E-02111984F565}" type="slidenum">
+              <a:rPr lang="en-US" smtClean="0"/>
+              <a:t>12</a:t>
+            </a:fld>
             <a:endParaRPr lang="en-US" dirty="0"/>
           </a:p>
         </p:txBody>
@@ -4026,7 +4324,7 @@
     </p:spTree>
     <p:extLst>
       <p:ext uri="{BB962C8B-B14F-4D97-AF65-F5344CB8AC3E}">
-        <p14:creationId xmlns:p14="http://schemas.microsoft.com/office/powerpoint/2010/main" val="3018532001"/>
+        <p14:creationId xmlns:p14="http://schemas.microsoft.com/office/powerpoint/2010/main" val="1553564871"/>
       </p:ext>
     </p:extLst>
   </p:cSld>
@@ -4055,13 +4353,7 @@
       </p:grpSpPr>
       <p:sp>
         <p:nvSpPr>
-          <p:cNvPr id="7" name="Title 6">
-            <a:extLst>
-              <a:ext uri="{FF2B5EF4-FFF2-40B4-BE49-F238E27FC236}">
-                <a16:creationId xmlns:a16="http://schemas.microsoft.com/office/drawing/2014/main" id="{495B4BC0-844B-4414-A623-BEF78AAC1BA1}"/>
-              </a:ext>
-            </a:extLst>
-          </p:cNvPr>
+          <p:cNvPr id="7" name="Title 6"/>
           <p:cNvSpPr>
             <a:spLocks noGrp="1"/>
           </p:cNvSpPr>
@@ -4075,21 +4367,16 @@
           <a:lstStyle/>
           <a:p>
             <a:r>
-              <a:rPr lang="en-US" dirty="0"/>
-              <a:t>ACKNOWLEDGMENTS</a:t>
-            </a:r>
-          </a:p>
-        </p:txBody>
-      </p:sp>
-      <p:sp>
-        <p:nvSpPr>
-          <p:cNvPr id="8" name="Content Placeholder 7">
-            <a:extLst>
-              <a:ext uri="{FF2B5EF4-FFF2-40B4-BE49-F238E27FC236}">
-                <a16:creationId xmlns:a16="http://schemas.microsoft.com/office/drawing/2014/main" id="{2BED3EB3-7E98-4A82-8335-7321D9E37B16}"/>
-              </a:ext>
-            </a:extLst>
-          </p:cNvPr>
+              <a:rPr lang="en-US" dirty="0" smtClean="0"/>
+              <a:t>WHY LINEAR REGRESSION?</a:t>
+            </a:r>
+            <a:endParaRPr lang="en-US" dirty="0"/>
+          </a:p>
+        </p:txBody>
+      </p:sp>
+      <p:sp>
+        <p:nvSpPr>
+          <p:cNvPr id="8" name="Content Placeholder 7"/>
           <p:cNvSpPr>
             <a:spLocks noGrp="1"/>
           </p:cNvSpPr>
@@ -4103,21 +4390,35 @@
           <a:lstStyle/>
           <a:p>
             <a:r>
-              <a:rPr lang="en-US" dirty="0"/>
-              <a:t>TensorFlow, the TensorFlow logo, and any related marks are trademarks of Google Inc.</a:t>
-            </a:r>
-          </a:p>
-        </p:txBody>
-      </p:sp>
-      <p:sp>
-        <p:nvSpPr>
-          <p:cNvPr id="4" name="Date Placeholder 3">
-            <a:extLst>
-              <a:ext uri="{FF2B5EF4-FFF2-40B4-BE49-F238E27FC236}">
-                <a16:creationId xmlns:a16="http://schemas.microsoft.com/office/drawing/2014/main" id="{540F37F1-4F33-429F-A568-1A3ADC499E54}"/>
-              </a:ext>
-            </a:extLst>
-          </p:cNvPr>
+              <a:rPr lang="en-US" dirty="0" smtClean="0"/>
+              <a:t>There’s a tendency among people new to machine learning to immediately jump to deep neural networks when they don’t need to</a:t>
+            </a:r>
+          </a:p>
+          <a:p>
+            <a:r>
+              <a:rPr lang="en-US" dirty="0" smtClean="0"/>
+              <a:t>Simple model, easy to interpret, extremely fast!</a:t>
+            </a:r>
+          </a:p>
+          <a:p>
+            <a:r>
+              <a:rPr lang="en-US" dirty="0" smtClean="0"/>
+              <a:t>Often, the most appropriate method</a:t>
+            </a:r>
+          </a:p>
+          <a:p>
+            <a:pPr lvl="1"/>
+            <a:r>
+              <a:rPr lang="en-US" dirty="0" smtClean="0"/>
+              <a:t>Occam’s razor</a:t>
+            </a:r>
+            <a:endParaRPr lang="en-US" dirty="0"/>
+          </a:p>
+        </p:txBody>
+      </p:sp>
+      <p:sp>
+        <p:nvSpPr>
+          <p:cNvPr id="4" name="Date Placeholder 3"/>
           <p:cNvSpPr>
             <a:spLocks noGrp="1"/>
           </p:cNvSpPr>
@@ -4132,7 +4433,7 @@
           <a:p>
             <a:fld id="{B08FEED8-D7D4-44E9-BFBC-ED06B5996D94}" type="datetime4">
               <a:rPr lang="en-US" smtClean="0"/>
-              <a:t>October 28, 2019</a:t>
+              <a:t>November 6, 2019</a:t>
             </a:fld>
             <a:endParaRPr lang="en-US" dirty="0"/>
           </a:p>
@@ -4140,13 +4441,7 @@
       </p:sp>
       <p:sp>
         <p:nvSpPr>
-          <p:cNvPr id="5" name="Footer Placeholder 4">
-            <a:extLst>
-              <a:ext uri="{FF2B5EF4-FFF2-40B4-BE49-F238E27FC236}">
-                <a16:creationId xmlns:a16="http://schemas.microsoft.com/office/drawing/2014/main" id="{673FFA57-C126-4795-A5F6-DD33AAC5ACBD}"/>
-              </a:ext>
-            </a:extLst>
-          </p:cNvPr>
+          <p:cNvPr id="5" name="Footer Placeholder 4"/>
           <p:cNvSpPr>
             <a:spLocks noGrp="1"/>
           </p:cNvSpPr>
@@ -4160,11 +4455,11 @@
           <a:lstStyle/>
           <a:p>
             <a:r>
-              <a:rPr lang="en-US"/>
+              <a:rPr lang="en-US" smtClean="0"/>
               <a:t>Digital Scholarship Services </a:t>
             </a:r>
             <a:r>
-              <a:rPr lang="en-US">
+              <a:rPr lang="en-US" smtClean="0">
                 <a:solidFill>
                   <a:schemeClr val="accent1">
                     <a:lumMod val="50000"/>
@@ -4174,11 +4469,11 @@
               <a:t>| Email</a:t>
             </a:r>
             <a:r>
-              <a:rPr lang="en-US"/>
+              <a:rPr lang="en-US" smtClean="0"/>
               <a:t> cf24@rice.edu </a:t>
             </a:r>
             <a:r>
-              <a:rPr lang="en-US">
+              <a:rPr lang="en-US" smtClean="0">
                 <a:solidFill>
                   <a:schemeClr val="accent1">
                     <a:lumMod val="50000"/>
@@ -4188,7 +4483,7 @@
               <a:t>|</a:t>
             </a:r>
             <a:r>
-              <a:rPr lang="en-US"/>
+              <a:rPr lang="en-US" smtClean="0"/>
               <a:t> library.rice.edu/dss</a:t>
             </a:r>
             <a:endParaRPr lang="en-US" dirty="0"/>
@@ -4197,13 +4492,7 @@
       </p:sp>
       <p:sp>
         <p:nvSpPr>
-          <p:cNvPr id="6" name="Slide Number Placeholder 5">
-            <a:extLst>
-              <a:ext uri="{FF2B5EF4-FFF2-40B4-BE49-F238E27FC236}">
-                <a16:creationId xmlns:a16="http://schemas.microsoft.com/office/drawing/2014/main" id="{2FA49567-BB70-4798-8746-D0B522CCEE20}"/>
-              </a:ext>
-            </a:extLst>
-          </p:cNvPr>
+          <p:cNvPr id="6" name="Slide Number Placeholder 5"/>
           <p:cNvSpPr>
             <a:spLocks noGrp="1"/>
           </p:cNvSpPr>
@@ -4227,7 +4516,1206 @@
     </p:spTree>
     <p:extLst>
       <p:ext uri="{BB962C8B-B14F-4D97-AF65-F5344CB8AC3E}">
-        <p14:creationId xmlns:p14="http://schemas.microsoft.com/office/powerpoint/2010/main" val="1585568494"/>
+        <p14:creationId xmlns:p14="http://schemas.microsoft.com/office/powerpoint/2010/main" val="2699442216"/>
+      </p:ext>
+    </p:extLst>
+  </p:cSld>
+  <p:clrMapOvr>
+    <a:masterClrMapping/>
+  </p:clrMapOvr>
+</p:sld>
+</file>
+
+<file path=ppt/slides/slide14.xml><?xml version="1.0" encoding="utf-8"?>
+<p:sld xmlns:a="http://schemas.openxmlformats.org/drawingml/2006/main" xmlns:r="http://schemas.openxmlformats.org/officeDocument/2006/relationships" xmlns:p="http://schemas.openxmlformats.org/presentationml/2006/main">
+  <p:cSld>
+    <p:spTree>
+      <p:nvGrpSpPr>
+        <p:cNvPr id="1" name=""/>
+        <p:cNvGrpSpPr/>
+        <p:nvPr/>
+      </p:nvGrpSpPr>
+      <p:grpSpPr>
+        <a:xfrm>
+          <a:off x="0" y="0"/>
+          <a:ext cx="0" cy="0"/>
+          <a:chOff x="0" y="0"/>
+          <a:chExt cx="0" cy="0"/>
+        </a:xfrm>
+      </p:grpSpPr>
+      <p:sp>
+        <p:nvSpPr>
+          <p:cNvPr id="7" name="Title 6"/>
+          <p:cNvSpPr>
+            <a:spLocks noGrp="1"/>
+          </p:cNvSpPr>
+          <p:nvPr>
+            <p:ph type="title"/>
+          </p:nvPr>
+        </p:nvSpPr>
+        <p:spPr/>
+        <p:txBody>
+          <a:bodyPr/>
+          <a:lstStyle/>
+          <a:p>
+            <a:r>
+              <a:rPr lang="en-US" dirty="0" smtClean="0"/>
+              <a:t>LOGISTIC REGRESSION</a:t>
+            </a:r>
+            <a:endParaRPr lang="en-US" dirty="0"/>
+          </a:p>
+        </p:txBody>
+      </p:sp>
+      <p:sp>
+        <p:nvSpPr>
+          <p:cNvPr id="8" name="Text Placeholder 7"/>
+          <p:cNvSpPr>
+            <a:spLocks noGrp="1"/>
+          </p:cNvSpPr>
+          <p:nvPr>
+            <p:ph type="body" idx="1"/>
+          </p:nvPr>
+        </p:nvSpPr>
+        <p:spPr/>
+        <p:txBody>
+          <a:bodyPr/>
+          <a:lstStyle/>
+          <a:p>
+            <a:r>
+              <a:rPr lang="en-US" dirty="0" smtClean="0"/>
+              <a:t>Not regression at all! Simple classification</a:t>
+            </a:r>
+            <a:endParaRPr lang="en-US" dirty="0"/>
+          </a:p>
+        </p:txBody>
+      </p:sp>
+      <p:sp>
+        <p:nvSpPr>
+          <p:cNvPr id="4" name="Date Placeholder 3"/>
+          <p:cNvSpPr>
+            <a:spLocks noGrp="1"/>
+          </p:cNvSpPr>
+          <p:nvPr>
+            <p:ph type="dt" sz="half" idx="10"/>
+          </p:nvPr>
+        </p:nvSpPr>
+        <p:spPr/>
+        <p:txBody>
+          <a:bodyPr/>
+          <a:lstStyle/>
+          <a:p>
+            <a:fld id="{8AAE40A0-A7D8-4DC3-BC9E-BADA32DA2004}" type="datetime4">
+              <a:rPr lang="en-US" smtClean="0"/>
+              <a:t>November 4, 2019</a:t>
+            </a:fld>
+            <a:endParaRPr lang="en-US" dirty="0"/>
+          </a:p>
+        </p:txBody>
+      </p:sp>
+      <p:sp>
+        <p:nvSpPr>
+          <p:cNvPr id="5" name="Footer Placeholder 4"/>
+          <p:cNvSpPr>
+            <a:spLocks noGrp="1"/>
+          </p:cNvSpPr>
+          <p:nvPr>
+            <p:ph type="ftr" sz="quarter" idx="11"/>
+          </p:nvPr>
+        </p:nvSpPr>
+        <p:spPr/>
+        <p:txBody>
+          <a:bodyPr/>
+          <a:lstStyle/>
+          <a:p>
+            <a:r>
+              <a:rPr lang="en-US" smtClean="0"/>
+              <a:t>Digital Scholarship Services </a:t>
+            </a:r>
+            <a:r>
+              <a:rPr lang="en-US" smtClean="0">
+                <a:solidFill>
+                  <a:schemeClr val="accent1">
+                    <a:lumMod val="50000"/>
+                  </a:schemeClr>
+                </a:solidFill>
+              </a:rPr>
+              <a:t>| Email</a:t>
+            </a:r>
+            <a:r>
+              <a:rPr lang="en-US" smtClean="0"/>
+              <a:t> cf24@rice.edu </a:t>
+            </a:r>
+            <a:r>
+              <a:rPr lang="en-US" smtClean="0">
+                <a:solidFill>
+                  <a:schemeClr val="accent1">
+                    <a:lumMod val="50000"/>
+                  </a:schemeClr>
+                </a:solidFill>
+              </a:rPr>
+              <a:t>|</a:t>
+            </a:r>
+            <a:r>
+              <a:rPr lang="en-US" smtClean="0"/>
+              <a:t> library.rice.edu/dss</a:t>
+            </a:r>
+            <a:endParaRPr lang="en-US" dirty="0"/>
+          </a:p>
+        </p:txBody>
+      </p:sp>
+      <p:sp>
+        <p:nvSpPr>
+          <p:cNvPr id="6" name="Slide Number Placeholder 5"/>
+          <p:cNvSpPr>
+            <a:spLocks noGrp="1"/>
+          </p:cNvSpPr>
+          <p:nvPr>
+            <p:ph type="sldNum" sz="quarter" idx="12"/>
+          </p:nvPr>
+        </p:nvSpPr>
+        <p:spPr/>
+        <p:txBody>
+          <a:bodyPr/>
+          <a:lstStyle/>
+          <a:p>
+            <a:fld id="{D57F1E4F-1CFF-5643-939E-02111984F565}" type="slidenum">
+              <a:rPr lang="en-US" smtClean="0"/>
+              <a:t>14</a:t>
+            </a:fld>
+            <a:endParaRPr lang="en-US" dirty="0"/>
+          </a:p>
+        </p:txBody>
+      </p:sp>
+    </p:spTree>
+    <p:extLst>
+      <p:ext uri="{BB962C8B-B14F-4D97-AF65-F5344CB8AC3E}">
+        <p14:creationId xmlns:p14="http://schemas.microsoft.com/office/powerpoint/2010/main" val="1100806539"/>
+      </p:ext>
+    </p:extLst>
+  </p:cSld>
+  <p:clrMapOvr>
+    <a:masterClrMapping/>
+  </p:clrMapOvr>
+</p:sld>
+</file>
+
+<file path=ppt/slides/slide15.xml><?xml version="1.0" encoding="utf-8"?>
+<p:sld xmlns:a="http://schemas.openxmlformats.org/drawingml/2006/main" xmlns:r="http://schemas.openxmlformats.org/officeDocument/2006/relationships" xmlns:p="http://schemas.openxmlformats.org/presentationml/2006/main">
+  <p:cSld>
+    <p:spTree>
+      <p:nvGrpSpPr>
+        <p:cNvPr id="1" name=""/>
+        <p:cNvGrpSpPr/>
+        <p:nvPr/>
+      </p:nvGrpSpPr>
+      <p:grpSpPr>
+        <a:xfrm>
+          <a:off x="0" y="0"/>
+          <a:ext cx="0" cy="0"/>
+          <a:chOff x="0" y="0"/>
+          <a:chExt cx="0" cy="0"/>
+        </a:xfrm>
+      </p:grpSpPr>
+      <p:sp>
+        <p:nvSpPr>
+          <p:cNvPr id="7" name="Title 6"/>
+          <p:cNvSpPr>
+            <a:spLocks noGrp="1"/>
+          </p:cNvSpPr>
+          <p:nvPr>
+            <p:ph type="title"/>
+          </p:nvPr>
+        </p:nvSpPr>
+        <p:spPr/>
+        <p:txBody>
+          <a:bodyPr/>
+          <a:lstStyle/>
+          <a:p>
+            <a:r>
+              <a:rPr lang="en-US" dirty="0" smtClean="0"/>
+              <a:t>BASIC LOGISTIC REGRESSION</a:t>
+            </a:r>
+            <a:endParaRPr lang="en-US" dirty="0"/>
+          </a:p>
+        </p:txBody>
+      </p:sp>
+      <p:sp>
+        <p:nvSpPr>
+          <p:cNvPr id="8" name="Content Placeholder 7"/>
+          <p:cNvSpPr>
+            <a:spLocks noGrp="1"/>
+          </p:cNvSpPr>
+          <p:nvPr>
+            <p:ph idx="1"/>
+          </p:nvPr>
+        </p:nvSpPr>
+        <p:spPr/>
+        <p:txBody>
+          <a:bodyPr/>
+          <a:lstStyle/>
+          <a:p>
+            <a:r>
+              <a:rPr lang="en-US" dirty="0" smtClean="0"/>
+              <a:t>Not regression!</a:t>
+            </a:r>
+          </a:p>
+          <a:p>
+            <a:pPr lvl="1"/>
+            <a:r>
+              <a:rPr lang="en-US" dirty="0" smtClean="0"/>
+              <a:t>Sadly, a lot of terms are confusing in machine learning</a:t>
+            </a:r>
+          </a:p>
+          <a:p>
+            <a:r>
+              <a:rPr lang="en-US" dirty="0" smtClean="0"/>
+              <a:t>Basic idea: predict the probability that each sample belongs to a class (consistency is key!) and minimize the difference between predicted probability and actual membership</a:t>
+            </a:r>
+          </a:p>
+          <a:p>
+            <a:pPr lvl="1"/>
+            <a:r>
+              <a:rPr lang="en-US" dirty="0"/>
+              <a:t>e</a:t>
+            </a:r>
+            <a:r>
+              <a:rPr lang="en-US" dirty="0" smtClean="0"/>
+              <a:t>.g. if we predict a picture is of a cat with 95% probability and it isn’t, that’s a pretty big penalty, but predicting 51% cat is significantly less</a:t>
+            </a:r>
+            <a:endParaRPr lang="en-US" dirty="0"/>
+          </a:p>
+        </p:txBody>
+      </p:sp>
+      <p:sp>
+        <p:nvSpPr>
+          <p:cNvPr id="4" name="Date Placeholder 3"/>
+          <p:cNvSpPr>
+            <a:spLocks noGrp="1"/>
+          </p:cNvSpPr>
+          <p:nvPr>
+            <p:ph type="dt" sz="half" idx="10"/>
+          </p:nvPr>
+        </p:nvSpPr>
+        <p:spPr/>
+        <p:txBody>
+          <a:bodyPr/>
+          <a:lstStyle/>
+          <a:p>
+            <a:fld id="{B08FEED8-D7D4-44E9-BFBC-ED06B5996D94}" type="datetime4">
+              <a:rPr lang="en-US" smtClean="0"/>
+              <a:t>November 6, 2019</a:t>
+            </a:fld>
+            <a:endParaRPr lang="en-US" dirty="0"/>
+          </a:p>
+        </p:txBody>
+      </p:sp>
+      <p:sp>
+        <p:nvSpPr>
+          <p:cNvPr id="5" name="Footer Placeholder 4"/>
+          <p:cNvSpPr>
+            <a:spLocks noGrp="1"/>
+          </p:cNvSpPr>
+          <p:nvPr>
+            <p:ph type="ftr" sz="quarter" idx="11"/>
+          </p:nvPr>
+        </p:nvSpPr>
+        <p:spPr/>
+        <p:txBody>
+          <a:bodyPr/>
+          <a:lstStyle/>
+          <a:p>
+            <a:r>
+              <a:rPr lang="en-US" smtClean="0"/>
+              <a:t>Digital Scholarship Services </a:t>
+            </a:r>
+            <a:r>
+              <a:rPr lang="en-US" smtClean="0">
+                <a:solidFill>
+                  <a:schemeClr val="accent1">
+                    <a:lumMod val="50000"/>
+                  </a:schemeClr>
+                </a:solidFill>
+              </a:rPr>
+              <a:t>| Email</a:t>
+            </a:r>
+            <a:r>
+              <a:rPr lang="en-US" smtClean="0"/>
+              <a:t> cf24@rice.edu </a:t>
+            </a:r>
+            <a:r>
+              <a:rPr lang="en-US" smtClean="0">
+                <a:solidFill>
+                  <a:schemeClr val="accent1">
+                    <a:lumMod val="50000"/>
+                  </a:schemeClr>
+                </a:solidFill>
+              </a:rPr>
+              <a:t>|</a:t>
+            </a:r>
+            <a:r>
+              <a:rPr lang="en-US" smtClean="0"/>
+              <a:t> library.rice.edu/dss</a:t>
+            </a:r>
+            <a:endParaRPr lang="en-US" dirty="0"/>
+          </a:p>
+        </p:txBody>
+      </p:sp>
+      <p:sp>
+        <p:nvSpPr>
+          <p:cNvPr id="6" name="Slide Number Placeholder 5"/>
+          <p:cNvSpPr>
+            <a:spLocks noGrp="1"/>
+          </p:cNvSpPr>
+          <p:nvPr>
+            <p:ph type="sldNum" sz="quarter" idx="12"/>
+          </p:nvPr>
+        </p:nvSpPr>
+        <p:spPr/>
+        <p:txBody>
+          <a:bodyPr/>
+          <a:lstStyle/>
+          <a:p>
+            <a:fld id="{D57F1E4F-1CFF-5643-939E-02111984F565}" type="slidenum">
+              <a:rPr lang="en-US" smtClean="0"/>
+              <a:t>15</a:t>
+            </a:fld>
+            <a:endParaRPr lang="en-US" dirty="0"/>
+          </a:p>
+        </p:txBody>
+      </p:sp>
+    </p:spTree>
+    <p:extLst>
+      <p:ext uri="{BB962C8B-B14F-4D97-AF65-F5344CB8AC3E}">
+        <p14:creationId xmlns:p14="http://schemas.microsoft.com/office/powerpoint/2010/main" val="3875514367"/>
+      </p:ext>
+    </p:extLst>
+  </p:cSld>
+  <p:clrMapOvr>
+    <a:masterClrMapping/>
+  </p:clrMapOvr>
+</p:sld>
+</file>
+
+<file path=ppt/slides/slide16.xml><?xml version="1.0" encoding="utf-8"?>
+<p:sld xmlns:a="http://schemas.openxmlformats.org/drawingml/2006/main" xmlns:r="http://schemas.openxmlformats.org/officeDocument/2006/relationships" xmlns:p="http://schemas.openxmlformats.org/presentationml/2006/main">
+  <p:cSld>
+    <p:spTree>
+      <p:nvGrpSpPr>
+        <p:cNvPr id="1" name=""/>
+        <p:cNvGrpSpPr/>
+        <p:nvPr/>
+      </p:nvGrpSpPr>
+      <p:grpSpPr>
+        <a:xfrm>
+          <a:off x="0" y="0"/>
+          <a:ext cx="0" cy="0"/>
+          <a:chOff x="0" y="0"/>
+          <a:chExt cx="0" cy="0"/>
+        </a:xfrm>
+      </p:grpSpPr>
+      <p:sp>
+        <p:nvSpPr>
+          <p:cNvPr id="7" name="Title 6"/>
+          <p:cNvSpPr>
+            <a:spLocks noGrp="1"/>
+          </p:cNvSpPr>
+          <p:nvPr>
+            <p:ph type="title"/>
+          </p:nvPr>
+        </p:nvSpPr>
+        <p:spPr/>
+        <p:txBody>
+          <a:bodyPr/>
+          <a:lstStyle/>
+          <a:p>
+            <a:r>
+              <a:rPr lang="en-US" dirty="0" smtClean="0"/>
+              <a:t>WHY LOGISTIC REGRESSION?</a:t>
+            </a:r>
+            <a:endParaRPr lang="en-US" dirty="0"/>
+          </a:p>
+        </p:txBody>
+      </p:sp>
+      <p:sp>
+        <p:nvSpPr>
+          <p:cNvPr id="8" name="Content Placeholder 7"/>
+          <p:cNvSpPr>
+            <a:spLocks noGrp="1"/>
+          </p:cNvSpPr>
+          <p:nvPr>
+            <p:ph idx="1"/>
+          </p:nvPr>
+        </p:nvSpPr>
+        <p:spPr/>
+        <p:txBody>
+          <a:bodyPr/>
+          <a:lstStyle/>
+          <a:p>
+            <a:r>
+              <a:rPr lang="en-US" dirty="0" smtClean="0"/>
+              <a:t>There’s a tendency among people new to machine learning to immediately jump to deep neural networks when they don’t need to</a:t>
+            </a:r>
+          </a:p>
+          <a:p>
+            <a:r>
+              <a:rPr lang="en-US" dirty="0" smtClean="0"/>
+              <a:t>Simple model, easy to interpret, extremely fast!</a:t>
+            </a:r>
+          </a:p>
+          <a:p>
+            <a:r>
+              <a:rPr lang="en-US" dirty="0" smtClean="0"/>
+              <a:t>And, it can outperform neural networks on a wide range of problems in a fraction of the time!</a:t>
+            </a:r>
+            <a:endParaRPr lang="en-US" dirty="0"/>
+          </a:p>
+        </p:txBody>
+      </p:sp>
+      <p:sp>
+        <p:nvSpPr>
+          <p:cNvPr id="4" name="Date Placeholder 3"/>
+          <p:cNvSpPr>
+            <a:spLocks noGrp="1"/>
+          </p:cNvSpPr>
+          <p:nvPr>
+            <p:ph type="dt" sz="half" idx="10"/>
+          </p:nvPr>
+        </p:nvSpPr>
+        <p:spPr/>
+        <p:txBody>
+          <a:bodyPr/>
+          <a:lstStyle/>
+          <a:p>
+            <a:fld id="{B08FEED8-D7D4-44E9-BFBC-ED06B5996D94}" type="datetime4">
+              <a:rPr lang="en-US" smtClean="0"/>
+              <a:t>November 6, 2019</a:t>
+            </a:fld>
+            <a:endParaRPr lang="en-US" dirty="0"/>
+          </a:p>
+        </p:txBody>
+      </p:sp>
+      <p:sp>
+        <p:nvSpPr>
+          <p:cNvPr id="5" name="Footer Placeholder 4"/>
+          <p:cNvSpPr>
+            <a:spLocks noGrp="1"/>
+          </p:cNvSpPr>
+          <p:nvPr>
+            <p:ph type="ftr" sz="quarter" idx="11"/>
+          </p:nvPr>
+        </p:nvSpPr>
+        <p:spPr/>
+        <p:txBody>
+          <a:bodyPr/>
+          <a:lstStyle/>
+          <a:p>
+            <a:r>
+              <a:rPr lang="en-US" smtClean="0"/>
+              <a:t>Digital Scholarship Services </a:t>
+            </a:r>
+            <a:r>
+              <a:rPr lang="en-US" smtClean="0">
+                <a:solidFill>
+                  <a:schemeClr val="accent1">
+                    <a:lumMod val="50000"/>
+                  </a:schemeClr>
+                </a:solidFill>
+              </a:rPr>
+              <a:t>| Email</a:t>
+            </a:r>
+            <a:r>
+              <a:rPr lang="en-US" smtClean="0"/>
+              <a:t> cf24@rice.edu </a:t>
+            </a:r>
+            <a:r>
+              <a:rPr lang="en-US" smtClean="0">
+                <a:solidFill>
+                  <a:schemeClr val="accent1">
+                    <a:lumMod val="50000"/>
+                  </a:schemeClr>
+                </a:solidFill>
+              </a:rPr>
+              <a:t>|</a:t>
+            </a:r>
+            <a:r>
+              <a:rPr lang="en-US" smtClean="0"/>
+              <a:t> library.rice.edu/dss</a:t>
+            </a:r>
+            <a:endParaRPr lang="en-US" dirty="0"/>
+          </a:p>
+        </p:txBody>
+      </p:sp>
+      <p:sp>
+        <p:nvSpPr>
+          <p:cNvPr id="6" name="Slide Number Placeholder 5"/>
+          <p:cNvSpPr>
+            <a:spLocks noGrp="1"/>
+          </p:cNvSpPr>
+          <p:nvPr>
+            <p:ph type="sldNum" sz="quarter" idx="12"/>
+          </p:nvPr>
+        </p:nvSpPr>
+        <p:spPr/>
+        <p:txBody>
+          <a:bodyPr/>
+          <a:lstStyle/>
+          <a:p>
+            <a:fld id="{D57F1E4F-1CFF-5643-939E-02111984F565}" type="slidenum">
+              <a:rPr lang="en-US" smtClean="0"/>
+              <a:t>16</a:t>
+            </a:fld>
+            <a:endParaRPr lang="en-US" dirty="0"/>
+          </a:p>
+        </p:txBody>
+      </p:sp>
+    </p:spTree>
+    <p:extLst>
+      <p:ext uri="{BB962C8B-B14F-4D97-AF65-F5344CB8AC3E}">
+        <p14:creationId xmlns:p14="http://schemas.microsoft.com/office/powerpoint/2010/main" val="348744355"/>
+      </p:ext>
+    </p:extLst>
+  </p:cSld>
+  <p:clrMapOvr>
+    <a:masterClrMapping/>
+  </p:clrMapOvr>
+</p:sld>
+</file>
+
+<file path=ppt/slides/slide17.xml><?xml version="1.0" encoding="utf-8"?>
+<p:sld xmlns:a="http://schemas.openxmlformats.org/drawingml/2006/main" xmlns:r="http://schemas.openxmlformats.org/officeDocument/2006/relationships" xmlns:p="http://schemas.openxmlformats.org/presentationml/2006/main">
+  <p:cSld>
+    <p:spTree>
+      <p:nvGrpSpPr>
+        <p:cNvPr id="1" name=""/>
+        <p:cNvGrpSpPr/>
+        <p:nvPr/>
+      </p:nvGrpSpPr>
+      <p:grpSpPr>
+        <a:xfrm>
+          <a:off x="0" y="0"/>
+          <a:ext cx="0" cy="0"/>
+          <a:chOff x="0" y="0"/>
+          <a:chExt cx="0" cy="0"/>
+        </a:xfrm>
+      </p:grpSpPr>
+      <p:sp>
+        <p:nvSpPr>
+          <p:cNvPr id="7" name="Title 6"/>
+          <p:cNvSpPr>
+            <a:spLocks noGrp="1"/>
+          </p:cNvSpPr>
+          <p:nvPr>
+            <p:ph type="title"/>
+          </p:nvPr>
+        </p:nvSpPr>
+        <p:spPr/>
+        <p:txBody>
+          <a:bodyPr/>
+          <a:lstStyle/>
+          <a:p>
+            <a:r>
+              <a:rPr lang="en-US" dirty="0" smtClean="0"/>
+              <a:t>NEURAL </a:t>
+            </a:r>
+            <a:r>
+              <a:rPr lang="en-US" dirty="0" smtClean="0"/>
+              <a:t>NETWORKS</a:t>
+            </a:r>
+            <a:endParaRPr lang="en-US" dirty="0"/>
+          </a:p>
+        </p:txBody>
+      </p:sp>
+      <p:sp>
+        <p:nvSpPr>
+          <p:cNvPr id="8" name="Text Placeholder 7"/>
+          <p:cNvSpPr>
+            <a:spLocks noGrp="1"/>
+          </p:cNvSpPr>
+          <p:nvPr>
+            <p:ph type="body" idx="1"/>
+          </p:nvPr>
+        </p:nvSpPr>
+        <p:spPr/>
+        <p:txBody>
+          <a:bodyPr/>
+          <a:lstStyle/>
+          <a:p>
+            <a:r>
+              <a:rPr lang="en-US" dirty="0" smtClean="0"/>
+              <a:t>More flexible, more costly to train and use</a:t>
+            </a:r>
+            <a:endParaRPr lang="en-US" dirty="0"/>
+          </a:p>
+        </p:txBody>
+      </p:sp>
+      <p:sp>
+        <p:nvSpPr>
+          <p:cNvPr id="4" name="Date Placeholder 3"/>
+          <p:cNvSpPr>
+            <a:spLocks noGrp="1"/>
+          </p:cNvSpPr>
+          <p:nvPr>
+            <p:ph type="dt" sz="half" idx="10"/>
+          </p:nvPr>
+        </p:nvSpPr>
+        <p:spPr/>
+        <p:txBody>
+          <a:bodyPr/>
+          <a:lstStyle/>
+          <a:p>
+            <a:fld id="{8AAE40A0-A7D8-4DC3-BC9E-BADA32DA2004}" type="datetime4">
+              <a:rPr lang="en-US" smtClean="0"/>
+              <a:t>November 6, 2019</a:t>
+            </a:fld>
+            <a:endParaRPr lang="en-US" dirty="0"/>
+          </a:p>
+        </p:txBody>
+      </p:sp>
+      <p:sp>
+        <p:nvSpPr>
+          <p:cNvPr id="5" name="Footer Placeholder 4"/>
+          <p:cNvSpPr>
+            <a:spLocks noGrp="1"/>
+          </p:cNvSpPr>
+          <p:nvPr>
+            <p:ph type="ftr" sz="quarter" idx="11"/>
+          </p:nvPr>
+        </p:nvSpPr>
+        <p:spPr/>
+        <p:txBody>
+          <a:bodyPr/>
+          <a:lstStyle/>
+          <a:p>
+            <a:r>
+              <a:rPr lang="en-US" smtClean="0"/>
+              <a:t>Digital Scholarship Services </a:t>
+            </a:r>
+            <a:r>
+              <a:rPr lang="en-US" smtClean="0">
+                <a:solidFill>
+                  <a:schemeClr val="accent1">
+                    <a:lumMod val="50000"/>
+                  </a:schemeClr>
+                </a:solidFill>
+              </a:rPr>
+              <a:t>| Email</a:t>
+            </a:r>
+            <a:r>
+              <a:rPr lang="en-US" smtClean="0"/>
+              <a:t> cf24@rice.edu </a:t>
+            </a:r>
+            <a:r>
+              <a:rPr lang="en-US" smtClean="0">
+                <a:solidFill>
+                  <a:schemeClr val="accent1">
+                    <a:lumMod val="50000"/>
+                  </a:schemeClr>
+                </a:solidFill>
+              </a:rPr>
+              <a:t>|</a:t>
+            </a:r>
+            <a:r>
+              <a:rPr lang="en-US" smtClean="0"/>
+              <a:t> library.rice.edu/dss</a:t>
+            </a:r>
+            <a:endParaRPr lang="en-US" dirty="0"/>
+          </a:p>
+        </p:txBody>
+      </p:sp>
+      <p:sp>
+        <p:nvSpPr>
+          <p:cNvPr id="6" name="Slide Number Placeholder 5"/>
+          <p:cNvSpPr>
+            <a:spLocks noGrp="1"/>
+          </p:cNvSpPr>
+          <p:nvPr>
+            <p:ph type="sldNum" sz="quarter" idx="12"/>
+          </p:nvPr>
+        </p:nvSpPr>
+        <p:spPr/>
+        <p:txBody>
+          <a:bodyPr/>
+          <a:lstStyle/>
+          <a:p>
+            <a:fld id="{D57F1E4F-1CFF-5643-939E-02111984F565}" type="slidenum">
+              <a:rPr lang="en-US" smtClean="0"/>
+              <a:t>17</a:t>
+            </a:fld>
+            <a:endParaRPr lang="en-US" dirty="0"/>
+          </a:p>
+        </p:txBody>
+      </p:sp>
+    </p:spTree>
+    <p:extLst>
+      <p:ext uri="{BB962C8B-B14F-4D97-AF65-F5344CB8AC3E}">
+        <p14:creationId xmlns:p14="http://schemas.microsoft.com/office/powerpoint/2010/main" val="4032952738"/>
+      </p:ext>
+    </p:extLst>
+  </p:cSld>
+  <p:clrMapOvr>
+    <a:masterClrMapping/>
+  </p:clrMapOvr>
+</p:sld>
+</file>
+
+<file path=ppt/slides/slide18.xml><?xml version="1.0" encoding="utf-8"?>
+<p:sld xmlns:a="http://schemas.openxmlformats.org/drawingml/2006/main" xmlns:r="http://schemas.openxmlformats.org/officeDocument/2006/relationships" xmlns:p="http://schemas.openxmlformats.org/presentationml/2006/main">
+  <p:cSld>
+    <p:spTree>
+      <p:nvGrpSpPr>
+        <p:cNvPr id="1" name=""/>
+        <p:cNvGrpSpPr/>
+        <p:nvPr/>
+      </p:nvGrpSpPr>
+      <p:grpSpPr>
+        <a:xfrm>
+          <a:off x="0" y="0"/>
+          <a:ext cx="0" cy="0"/>
+          <a:chOff x="0" y="0"/>
+          <a:chExt cx="0" cy="0"/>
+        </a:xfrm>
+      </p:grpSpPr>
+      <p:sp>
+        <p:nvSpPr>
+          <p:cNvPr id="7" name="Title 6"/>
+          <p:cNvSpPr>
+            <a:spLocks noGrp="1"/>
+          </p:cNvSpPr>
+          <p:nvPr>
+            <p:ph type="title"/>
+          </p:nvPr>
+        </p:nvSpPr>
+        <p:spPr/>
+        <p:txBody>
+          <a:bodyPr/>
+          <a:lstStyle/>
+          <a:p>
+            <a:r>
+              <a:rPr lang="en-US" dirty="0" smtClean="0"/>
+              <a:t>WHY NEURAL NETWORKS?</a:t>
+            </a:r>
+            <a:endParaRPr lang="en-US" dirty="0"/>
+          </a:p>
+        </p:txBody>
+      </p:sp>
+      <p:sp>
+        <p:nvSpPr>
+          <p:cNvPr id="8" name="Content Placeholder 7"/>
+          <p:cNvSpPr>
+            <a:spLocks noGrp="1"/>
+          </p:cNvSpPr>
+          <p:nvPr>
+            <p:ph idx="1"/>
+          </p:nvPr>
+        </p:nvSpPr>
+        <p:spPr/>
+        <p:txBody>
+          <a:bodyPr/>
+          <a:lstStyle/>
+          <a:p>
+            <a:r>
+              <a:rPr lang="en-US" dirty="0" smtClean="0"/>
+              <a:t>Extraordinarily flexible</a:t>
+            </a:r>
+          </a:p>
+          <a:p>
+            <a:r>
+              <a:rPr lang="en-US" dirty="0" smtClean="0"/>
+              <a:t>Can capture relationships linear and logistic regression are unable to</a:t>
+            </a:r>
+          </a:p>
+          <a:p>
+            <a:r>
+              <a:rPr lang="en-US" dirty="0" smtClean="0"/>
+              <a:t>Decide the tradeoffs are worth it</a:t>
+            </a:r>
+          </a:p>
+          <a:p>
+            <a:pPr lvl="1"/>
+            <a:r>
+              <a:rPr lang="en-US" dirty="0" smtClean="0"/>
+              <a:t>Time</a:t>
+            </a:r>
+          </a:p>
+          <a:p>
+            <a:pPr lvl="1"/>
+            <a:r>
+              <a:rPr lang="en-US" dirty="0" smtClean="0"/>
+              <a:t>Computing power</a:t>
+            </a:r>
+          </a:p>
+          <a:p>
+            <a:pPr lvl="1"/>
+            <a:r>
+              <a:rPr lang="en-US" dirty="0" smtClean="0"/>
+              <a:t>Interpretability</a:t>
+            </a:r>
+            <a:endParaRPr lang="en-US" dirty="0"/>
+          </a:p>
+        </p:txBody>
+      </p:sp>
+      <p:sp>
+        <p:nvSpPr>
+          <p:cNvPr id="4" name="Date Placeholder 3"/>
+          <p:cNvSpPr>
+            <a:spLocks noGrp="1"/>
+          </p:cNvSpPr>
+          <p:nvPr>
+            <p:ph type="dt" sz="half" idx="10"/>
+          </p:nvPr>
+        </p:nvSpPr>
+        <p:spPr/>
+        <p:txBody>
+          <a:bodyPr/>
+          <a:lstStyle/>
+          <a:p>
+            <a:fld id="{B08FEED8-D7D4-44E9-BFBC-ED06B5996D94}" type="datetime4">
+              <a:rPr lang="en-US" smtClean="0"/>
+              <a:t>November 6, 2019</a:t>
+            </a:fld>
+            <a:endParaRPr lang="en-US" dirty="0"/>
+          </a:p>
+        </p:txBody>
+      </p:sp>
+      <p:sp>
+        <p:nvSpPr>
+          <p:cNvPr id="5" name="Footer Placeholder 4"/>
+          <p:cNvSpPr>
+            <a:spLocks noGrp="1"/>
+          </p:cNvSpPr>
+          <p:nvPr>
+            <p:ph type="ftr" sz="quarter" idx="11"/>
+          </p:nvPr>
+        </p:nvSpPr>
+        <p:spPr/>
+        <p:txBody>
+          <a:bodyPr/>
+          <a:lstStyle/>
+          <a:p>
+            <a:r>
+              <a:rPr lang="en-US" smtClean="0"/>
+              <a:t>Digital Scholarship Services </a:t>
+            </a:r>
+            <a:r>
+              <a:rPr lang="en-US" smtClean="0">
+                <a:solidFill>
+                  <a:schemeClr val="accent1">
+                    <a:lumMod val="50000"/>
+                  </a:schemeClr>
+                </a:solidFill>
+              </a:rPr>
+              <a:t>| Email</a:t>
+            </a:r>
+            <a:r>
+              <a:rPr lang="en-US" smtClean="0"/>
+              <a:t> cf24@rice.edu </a:t>
+            </a:r>
+            <a:r>
+              <a:rPr lang="en-US" smtClean="0">
+                <a:solidFill>
+                  <a:schemeClr val="accent1">
+                    <a:lumMod val="50000"/>
+                  </a:schemeClr>
+                </a:solidFill>
+              </a:rPr>
+              <a:t>|</a:t>
+            </a:r>
+            <a:r>
+              <a:rPr lang="en-US" smtClean="0"/>
+              <a:t> library.rice.edu/dss</a:t>
+            </a:r>
+            <a:endParaRPr lang="en-US" dirty="0"/>
+          </a:p>
+        </p:txBody>
+      </p:sp>
+      <p:sp>
+        <p:nvSpPr>
+          <p:cNvPr id="6" name="Slide Number Placeholder 5"/>
+          <p:cNvSpPr>
+            <a:spLocks noGrp="1"/>
+          </p:cNvSpPr>
+          <p:nvPr>
+            <p:ph type="sldNum" sz="quarter" idx="12"/>
+          </p:nvPr>
+        </p:nvSpPr>
+        <p:spPr/>
+        <p:txBody>
+          <a:bodyPr/>
+          <a:lstStyle/>
+          <a:p>
+            <a:fld id="{D57F1E4F-1CFF-5643-939E-02111984F565}" type="slidenum">
+              <a:rPr lang="en-US" smtClean="0"/>
+              <a:t>18</a:t>
+            </a:fld>
+            <a:endParaRPr lang="en-US" dirty="0"/>
+          </a:p>
+        </p:txBody>
+      </p:sp>
+    </p:spTree>
+    <p:extLst>
+      <p:ext uri="{BB962C8B-B14F-4D97-AF65-F5344CB8AC3E}">
+        <p14:creationId xmlns:p14="http://schemas.microsoft.com/office/powerpoint/2010/main" val="2870469920"/>
+      </p:ext>
+    </p:extLst>
+  </p:cSld>
+  <p:clrMapOvr>
+    <a:masterClrMapping/>
+  </p:clrMapOvr>
+</p:sld>
+</file>
+
+<file path=ppt/slides/slide19.xml><?xml version="1.0" encoding="utf-8"?>
+<p:sld xmlns:a="http://schemas.openxmlformats.org/drawingml/2006/main" xmlns:r="http://schemas.openxmlformats.org/officeDocument/2006/relationships" xmlns:p="http://schemas.openxmlformats.org/presentationml/2006/main">
+  <p:cSld>
+    <p:spTree>
+      <p:nvGrpSpPr>
+        <p:cNvPr id="1" name=""/>
+        <p:cNvGrpSpPr/>
+        <p:nvPr/>
+      </p:nvGrpSpPr>
+      <p:grpSpPr>
+        <a:xfrm>
+          <a:off x="0" y="0"/>
+          <a:ext cx="0" cy="0"/>
+          <a:chOff x="0" y="0"/>
+          <a:chExt cx="0" cy="0"/>
+        </a:xfrm>
+      </p:grpSpPr>
+      <p:sp>
+        <p:nvSpPr>
+          <p:cNvPr id="7" name="Title 6"/>
+          <p:cNvSpPr>
+            <a:spLocks noGrp="1"/>
+          </p:cNvSpPr>
+          <p:nvPr>
+            <p:ph type="title"/>
+          </p:nvPr>
+        </p:nvSpPr>
+        <p:spPr/>
+        <p:txBody>
+          <a:bodyPr/>
+          <a:lstStyle/>
+          <a:p>
+            <a:r>
+              <a:rPr lang="en-US" dirty="0" smtClean="0"/>
+              <a:t>HOW DO NEURAL NETS WORK?</a:t>
+            </a:r>
+            <a:endParaRPr lang="en-US" dirty="0"/>
+          </a:p>
+        </p:txBody>
+      </p:sp>
+      <p:sp>
+        <p:nvSpPr>
+          <p:cNvPr id="8" name="Content Placeholder 7"/>
+          <p:cNvSpPr>
+            <a:spLocks noGrp="1"/>
+          </p:cNvSpPr>
+          <p:nvPr>
+            <p:ph idx="1"/>
+          </p:nvPr>
+        </p:nvSpPr>
+        <p:spPr/>
+        <p:txBody>
+          <a:bodyPr/>
+          <a:lstStyle/>
+          <a:p>
+            <a:r>
+              <a:rPr lang="en-US" dirty="0" smtClean="0"/>
+              <a:t>Forward and backward</a:t>
+            </a:r>
+          </a:p>
+          <a:p>
+            <a:r>
+              <a:rPr lang="en-US" dirty="0" smtClean="0"/>
+              <a:t>Forward:</a:t>
+            </a:r>
+          </a:p>
+          <a:p>
+            <a:pPr lvl="1"/>
+            <a:r>
+              <a:rPr lang="en-US" dirty="0" smtClean="0"/>
+              <a:t>Each layer ‘feeds forward’ to the next</a:t>
+            </a:r>
+          </a:p>
+          <a:p>
+            <a:pPr lvl="1"/>
+            <a:r>
+              <a:rPr lang="en-US" dirty="0" smtClean="0"/>
+              <a:t>This continues until we hit ‘output’</a:t>
+            </a:r>
+          </a:p>
+          <a:p>
+            <a:r>
+              <a:rPr lang="en-US" dirty="0" smtClean="0"/>
+              <a:t>Backward:</a:t>
+            </a:r>
+          </a:p>
+          <a:p>
+            <a:pPr lvl="1"/>
+            <a:r>
+              <a:rPr lang="en-US" dirty="0" smtClean="0"/>
+              <a:t>Updating based on our results</a:t>
+            </a:r>
+          </a:p>
+          <a:p>
+            <a:pPr lvl="1"/>
+            <a:r>
+              <a:rPr lang="en-US" dirty="0" smtClean="0"/>
+              <a:t>If we’re really off base, change.</a:t>
+            </a:r>
+          </a:p>
+          <a:p>
+            <a:pPr lvl="1"/>
+            <a:r>
+              <a:rPr lang="en-US" dirty="0" smtClean="0"/>
+              <a:t>If not, don’t.</a:t>
+            </a:r>
+            <a:endParaRPr lang="en-US" dirty="0"/>
+          </a:p>
+        </p:txBody>
+      </p:sp>
+      <p:sp>
+        <p:nvSpPr>
+          <p:cNvPr id="4" name="Date Placeholder 3"/>
+          <p:cNvSpPr>
+            <a:spLocks noGrp="1"/>
+          </p:cNvSpPr>
+          <p:nvPr>
+            <p:ph type="dt" sz="half" idx="10"/>
+          </p:nvPr>
+        </p:nvSpPr>
+        <p:spPr/>
+        <p:txBody>
+          <a:bodyPr/>
+          <a:lstStyle/>
+          <a:p>
+            <a:fld id="{B08FEED8-D7D4-44E9-BFBC-ED06B5996D94}" type="datetime4">
+              <a:rPr lang="en-US" smtClean="0"/>
+              <a:t>November 6, 2019</a:t>
+            </a:fld>
+            <a:endParaRPr lang="en-US" dirty="0"/>
+          </a:p>
+        </p:txBody>
+      </p:sp>
+      <p:sp>
+        <p:nvSpPr>
+          <p:cNvPr id="5" name="Footer Placeholder 4"/>
+          <p:cNvSpPr>
+            <a:spLocks noGrp="1"/>
+          </p:cNvSpPr>
+          <p:nvPr>
+            <p:ph type="ftr" sz="quarter" idx="11"/>
+          </p:nvPr>
+        </p:nvSpPr>
+        <p:spPr/>
+        <p:txBody>
+          <a:bodyPr/>
+          <a:lstStyle/>
+          <a:p>
+            <a:r>
+              <a:rPr lang="en-US" smtClean="0"/>
+              <a:t>Digital Scholarship Services </a:t>
+            </a:r>
+            <a:r>
+              <a:rPr lang="en-US" smtClean="0">
+                <a:solidFill>
+                  <a:schemeClr val="accent1">
+                    <a:lumMod val="50000"/>
+                  </a:schemeClr>
+                </a:solidFill>
+              </a:rPr>
+              <a:t>| Email</a:t>
+            </a:r>
+            <a:r>
+              <a:rPr lang="en-US" smtClean="0"/>
+              <a:t> cf24@rice.edu </a:t>
+            </a:r>
+            <a:r>
+              <a:rPr lang="en-US" smtClean="0">
+                <a:solidFill>
+                  <a:schemeClr val="accent1">
+                    <a:lumMod val="50000"/>
+                  </a:schemeClr>
+                </a:solidFill>
+              </a:rPr>
+              <a:t>|</a:t>
+            </a:r>
+            <a:r>
+              <a:rPr lang="en-US" smtClean="0"/>
+              <a:t> library.rice.edu/dss</a:t>
+            </a:r>
+            <a:endParaRPr lang="en-US" dirty="0"/>
+          </a:p>
+        </p:txBody>
+      </p:sp>
+      <p:sp>
+        <p:nvSpPr>
+          <p:cNvPr id="6" name="Slide Number Placeholder 5"/>
+          <p:cNvSpPr>
+            <a:spLocks noGrp="1"/>
+          </p:cNvSpPr>
+          <p:nvPr>
+            <p:ph type="sldNum" sz="quarter" idx="12"/>
+          </p:nvPr>
+        </p:nvSpPr>
+        <p:spPr/>
+        <p:txBody>
+          <a:bodyPr/>
+          <a:lstStyle/>
+          <a:p>
+            <a:fld id="{D57F1E4F-1CFF-5643-939E-02111984F565}" type="slidenum">
+              <a:rPr lang="en-US" smtClean="0"/>
+              <a:t>19</a:t>
+            </a:fld>
+            <a:endParaRPr lang="en-US" dirty="0"/>
+          </a:p>
+        </p:txBody>
+      </p:sp>
+      <p:pic>
+        <p:nvPicPr>
+          <p:cNvPr id="9" name="Picture 2" descr="https://upload.wikimedia.org/wikipedia/commons/thumb/4/46/Colored_neural_network.svg/1024px-Colored_neural_network.svg.png"/>
+          <p:cNvPicPr>
+            <a:picLocks noChangeAspect="1" noChangeArrowheads="1"/>
+          </p:cNvPicPr>
+          <p:nvPr/>
+        </p:nvPicPr>
+        <p:blipFill>
+          <a:blip r:embed="rId2">
+            <a:extLst>
+              <a:ext uri="{28A0092B-C50C-407E-A947-70E740481C1C}">
+                <a14:useLocalDpi xmlns:a14="http://schemas.microsoft.com/office/drawing/2010/main" val="0"/>
+              </a:ext>
+            </a:extLst>
+          </a:blip>
+          <a:srcRect/>
+          <a:stretch>
+            <a:fillRect/>
+          </a:stretch>
+        </p:blipFill>
+        <p:spPr bwMode="auto">
+          <a:xfrm>
+            <a:off x="8107277" y="1690688"/>
+            <a:ext cx="3246522" cy="3905972"/>
+          </a:xfrm>
+          <a:prstGeom prst="rect">
+            <a:avLst/>
+          </a:prstGeom>
+          <a:noFill/>
+          <a:extLst>
+            <a:ext uri="{909E8E84-426E-40DD-AFC4-6F175D3DCCD1}">
+              <a14:hiddenFill xmlns:a14="http://schemas.microsoft.com/office/drawing/2010/main">
+                <a:solidFill>
+                  <a:srgbClr val="FFFFFF"/>
+                </a:solidFill>
+              </a14:hiddenFill>
+            </a:ext>
+          </a:extLst>
+        </p:spPr>
+      </p:pic>
+    </p:spTree>
+    <p:extLst>
+      <p:ext uri="{BB962C8B-B14F-4D97-AF65-F5344CB8AC3E}">
+        <p14:creationId xmlns:p14="http://schemas.microsoft.com/office/powerpoint/2010/main" val="49162374"/>
       </p:ext>
     </p:extLst>
   </p:cSld>
@@ -4292,6 +5780,49 @@
           <a:bodyPr/>
           <a:lstStyle/>
           <a:p>
+            <a:r>
+              <a:rPr lang="en-US" dirty="0" smtClean="0"/>
+              <a:t>Created by </a:t>
+            </a:r>
+            <a:r>
+              <a:rPr lang="en-US" dirty="0"/>
+              <a:t>G</a:t>
+            </a:r>
+            <a:r>
+              <a:rPr lang="en-US" dirty="0" smtClean="0"/>
+              <a:t>oogle in 2015</a:t>
+            </a:r>
+          </a:p>
+          <a:p>
+            <a:r>
+              <a:rPr lang="en-US" dirty="0" smtClean="0"/>
+              <a:t>Wide industry use, especially within Google</a:t>
+            </a:r>
+          </a:p>
+          <a:p>
+            <a:r>
+              <a:rPr lang="en-US" dirty="0" smtClean="0"/>
+              <a:t>Optimized methods for extremely fast computation</a:t>
+            </a:r>
+          </a:p>
+          <a:p>
+            <a:r>
+              <a:rPr lang="en-US" dirty="0" smtClean="0"/>
+              <a:t>Great for research as well!</a:t>
+            </a:r>
+          </a:p>
+          <a:p>
+            <a:r>
+              <a:rPr lang="en-US" dirty="0" smtClean="0"/>
+              <a:t>Very low-level</a:t>
+            </a:r>
+          </a:p>
+          <a:p>
+            <a:pPr lvl="1"/>
+            <a:r>
+              <a:rPr lang="en-US" dirty="0" smtClean="0"/>
+              <a:t>i.e. not user-friendly, but extremely powerful</a:t>
+            </a:r>
             <a:endParaRPr lang="en-US" dirty="0"/>
           </a:p>
         </p:txBody>
@@ -4300,6 +5831,1683 @@
     <p:extLst>
       <p:ext uri="{BB962C8B-B14F-4D97-AF65-F5344CB8AC3E}">
         <p14:creationId xmlns:p14="http://schemas.microsoft.com/office/powerpoint/2010/main" val="1975586487"/>
+      </p:ext>
+    </p:extLst>
+  </p:cSld>
+  <p:clrMapOvr>
+    <a:masterClrMapping/>
+  </p:clrMapOvr>
+</p:sld>
+</file>
+
+<file path=ppt/slides/slide20.xml><?xml version="1.0" encoding="utf-8"?>
+<p:sld xmlns:a="http://schemas.openxmlformats.org/drawingml/2006/main" xmlns:r="http://schemas.openxmlformats.org/officeDocument/2006/relationships" xmlns:p="http://schemas.openxmlformats.org/presentationml/2006/main">
+  <p:cSld>
+    <p:spTree>
+      <p:nvGrpSpPr>
+        <p:cNvPr id="1" name=""/>
+        <p:cNvGrpSpPr/>
+        <p:nvPr/>
+      </p:nvGrpSpPr>
+      <p:grpSpPr>
+        <a:xfrm>
+          <a:off x="0" y="0"/>
+          <a:ext cx="0" cy="0"/>
+          <a:chOff x="0" y="0"/>
+          <a:chExt cx="0" cy="0"/>
+        </a:xfrm>
+      </p:grpSpPr>
+      <p:sp>
+        <p:nvSpPr>
+          <p:cNvPr id="7" name="Title 6"/>
+          <p:cNvSpPr>
+            <a:spLocks noGrp="1"/>
+          </p:cNvSpPr>
+          <p:nvPr>
+            <p:ph type="title"/>
+          </p:nvPr>
+        </p:nvSpPr>
+        <p:spPr/>
+        <p:txBody>
+          <a:bodyPr/>
+          <a:lstStyle/>
+          <a:p>
+            <a:r>
+              <a:rPr lang="en-US" dirty="0" smtClean="0"/>
+              <a:t>NEURAL NETWORK PHASES</a:t>
+            </a:r>
+            <a:endParaRPr lang="en-US" dirty="0"/>
+          </a:p>
+        </p:txBody>
+      </p:sp>
+      <p:sp>
+        <p:nvSpPr>
+          <p:cNvPr id="8" name="Content Placeholder 7"/>
+          <p:cNvSpPr>
+            <a:spLocks noGrp="1"/>
+          </p:cNvSpPr>
+          <p:nvPr>
+            <p:ph idx="1"/>
+          </p:nvPr>
+        </p:nvSpPr>
+        <p:spPr/>
+        <p:txBody>
+          <a:bodyPr/>
+          <a:lstStyle/>
+          <a:p>
+            <a:r>
+              <a:rPr lang="en-US" dirty="0" smtClean="0"/>
+              <a:t>Training: </a:t>
+            </a:r>
+          </a:p>
+          <a:p>
+            <a:pPr lvl="1"/>
+            <a:r>
+              <a:rPr lang="en-US" dirty="0" smtClean="0"/>
+              <a:t>Give the neural net labelled data</a:t>
+            </a:r>
+          </a:p>
+          <a:p>
+            <a:pPr lvl="1"/>
+            <a:r>
+              <a:rPr lang="en-US" dirty="0" smtClean="0"/>
+              <a:t>Allow it to update based on mistakes</a:t>
+            </a:r>
+          </a:p>
+          <a:p>
+            <a:r>
+              <a:rPr lang="en-US" dirty="0" smtClean="0"/>
+              <a:t>Validation:</a:t>
+            </a:r>
+          </a:p>
+          <a:p>
+            <a:pPr lvl="1"/>
+            <a:r>
+              <a:rPr lang="en-US" dirty="0" smtClean="0"/>
+              <a:t>An intermediate step</a:t>
+            </a:r>
+          </a:p>
+          <a:p>
+            <a:pPr lvl="1"/>
+            <a:r>
+              <a:rPr lang="en-US" dirty="0" smtClean="0"/>
+              <a:t>A hold-out test set of unseen examples, just to get a baseline reading, and see how training is going (diagnostic)</a:t>
+            </a:r>
+          </a:p>
+          <a:p>
+            <a:r>
+              <a:rPr lang="en-US" dirty="0" smtClean="0"/>
+              <a:t>Testing:</a:t>
+            </a:r>
+          </a:p>
+          <a:p>
+            <a:pPr lvl="1"/>
+            <a:r>
+              <a:rPr lang="en-US" dirty="0" smtClean="0"/>
+              <a:t>After we’re completely done training &amp; validating, see how well it generalizes to a completely unseen set, and evaluate our final performance!</a:t>
+            </a:r>
+            <a:endParaRPr lang="en-US" dirty="0"/>
+          </a:p>
+        </p:txBody>
+      </p:sp>
+      <p:sp>
+        <p:nvSpPr>
+          <p:cNvPr id="4" name="Date Placeholder 3"/>
+          <p:cNvSpPr>
+            <a:spLocks noGrp="1"/>
+          </p:cNvSpPr>
+          <p:nvPr>
+            <p:ph type="dt" sz="half" idx="10"/>
+          </p:nvPr>
+        </p:nvSpPr>
+        <p:spPr/>
+        <p:txBody>
+          <a:bodyPr/>
+          <a:lstStyle/>
+          <a:p>
+            <a:fld id="{B08FEED8-D7D4-44E9-BFBC-ED06B5996D94}" type="datetime4">
+              <a:rPr lang="en-US" smtClean="0"/>
+              <a:t>November 6, 2019</a:t>
+            </a:fld>
+            <a:endParaRPr lang="en-US" dirty="0"/>
+          </a:p>
+        </p:txBody>
+      </p:sp>
+      <p:sp>
+        <p:nvSpPr>
+          <p:cNvPr id="5" name="Footer Placeholder 4"/>
+          <p:cNvSpPr>
+            <a:spLocks noGrp="1"/>
+          </p:cNvSpPr>
+          <p:nvPr>
+            <p:ph type="ftr" sz="quarter" idx="11"/>
+          </p:nvPr>
+        </p:nvSpPr>
+        <p:spPr/>
+        <p:txBody>
+          <a:bodyPr/>
+          <a:lstStyle/>
+          <a:p>
+            <a:r>
+              <a:rPr lang="en-US" smtClean="0"/>
+              <a:t>Digital Scholarship Services </a:t>
+            </a:r>
+            <a:r>
+              <a:rPr lang="en-US" smtClean="0">
+                <a:solidFill>
+                  <a:schemeClr val="accent1">
+                    <a:lumMod val="50000"/>
+                  </a:schemeClr>
+                </a:solidFill>
+              </a:rPr>
+              <a:t>| Email</a:t>
+            </a:r>
+            <a:r>
+              <a:rPr lang="en-US" smtClean="0"/>
+              <a:t> cf24@rice.edu </a:t>
+            </a:r>
+            <a:r>
+              <a:rPr lang="en-US" smtClean="0">
+                <a:solidFill>
+                  <a:schemeClr val="accent1">
+                    <a:lumMod val="50000"/>
+                  </a:schemeClr>
+                </a:solidFill>
+              </a:rPr>
+              <a:t>|</a:t>
+            </a:r>
+            <a:r>
+              <a:rPr lang="en-US" smtClean="0"/>
+              <a:t> library.rice.edu/dss</a:t>
+            </a:r>
+            <a:endParaRPr lang="en-US" dirty="0"/>
+          </a:p>
+        </p:txBody>
+      </p:sp>
+      <p:sp>
+        <p:nvSpPr>
+          <p:cNvPr id="6" name="Slide Number Placeholder 5"/>
+          <p:cNvSpPr>
+            <a:spLocks noGrp="1"/>
+          </p:cNvSpPr>
+          <p:nvPr>
+            <p:ph type="sldNum" sz="quarter" idx="12"/>
+          </p:nvPr>
+        </p:nvSpPr>
+        <p:spPr/>
+        <p:txBody>
+          <a:bodyPr/>
+          <a:lstStyle/>
+          <a:p>
+            <a:fld id="{D57F1E4F-1CFF-5643-939E-02111984F565}" type="slidenum">
+              <a:rPr lang="en-US" smtClean="0"/>
+              <a:t>20</a:t>
+            </a:fld>
+            <a:endParaRPr lang="en-US" dirty="0"/>
+          </a:p>
+        </p:txBody>
+      </p:sp>
+    </p:spTree>
+    <p:extLst>
+      <p:ext uri="{BB962C8B-B14F-4D97-AF65-F5344CB8AC3E}">
+        <p14:creationId xmlns:p14="http://schemas.microsoft.com/office/powerpoint/2010/main" val="3227388485"/>
+      </p:ext>
+    </p:extLst>
+  </p:cSld>
+  <p:clrMapOvr>
+    <a:masterClrMapping/>
+  </p:clrMapOvr>
+</p:sld>
+</file>
+
+<file path=ppt/slides/slide21.xml><?xml version="1.0" encoding="utf-8"?>
+<p:sld xmlns:a="http://schemas.openxmlformats.org/drawingml/2006/main" xmlns:r="http://schemas.openxmlformats.org/officeDocument/2006/relationships" xmlns:p="http://schemas.openxmlformats.org/presentationml/2006/main">
+  <p:cSld>
+    <p:spTree>
+      <p:nvGrpSpPr>
+        <p:cNvPr id="1" name=""/>
+        <p:cNvGrpSpPr/>
+        <p:nvPr/>
+      </p:nvGrpSpPr>
+      <p:grpSpPr>
+        <a:xfrm>
+          <a:off x="0" y="0"/>
+          <a:ext cx="0" cy="0"/>
+          <a:chOff x="0" y="0"/>
+          <a:chExt cx="0" cy="0"/>
+        </a:xfrm>
+      </p:grpSpPr>
+      <p:sp>
+        <p:nvSpPr>
+          <p:cNvPr id="7" name="Title 6"/>
+          <p:cNvSpPr>
+            <a:spLocks noGrp="1"/>
+          </p:cNvSpPr>
+          <p:nvPr>
+            <p:ph type="title"/>
+          </p:nvPr>
+        </p:nvSpPr>
+        <p:spPr/>
+        <p:txBody>
+          <a:bodyPr/>
+          <a:lstStyle/>
+          <a:p>
+            <a:r>
+              <a:rPr lang="en-US" dirty="0" smtClean="0"/>
+              <a:t>WHAT CAN A NEURAL NET DO?</a:t>
+            </a:r>
+            <a:endParaRPr lang="en-US" dirty="0"/>
+          </a:p>
+        </p:txBody>
+      </p:sp>
+      <p:sp>
+        <p:nvSpPr>
+          <p:cNvPr id="8" name="Content Placeholder 7"/>
+          <p:cNvSpPr>
+            <a:spLocks noGrp="1"/>
+          </p:cNvSpPr>
+          <p:nvPr>
+            <p:ph idx="1"/>
+          </p:nvPr>
+        </p:nvSpPr>
+        <p:spPr/>
+        <p:txBody>
+          <a:bodyPr/>
+          <a:lstStyle/>
+          <a:p>
+            <a:r>
+              <a:rPr lang="en-US" dirty="0" smtClean="0"/>
+              <a:t>Neural nets work so well because they can ‘form their own conclusions’</a:t>
+            </a:r>
+          </a:p>
+          <a:p>
+            <a:pPr lvl="1"/>
+            <a:r>
+              <a:rPr lang="en-US" dirty="0" smtClean="0"/>
+              <a:t>The net adaptively changes when confronted with new information</a:t>
+            </a:r>
+          </a:p>
+          <a:p>
+            <a:pPr lvl="1"/>
+            <a:r>
+              <a:rPr lang="en-US" dirty="0" smtClean="0"/>
+              <a:t>Often, neural nets will seem to figure out what is important during the training process, although this is at its core just fairly simple optimization</a:t>
+            </a:r>
+          </a:p>
+          <a:p>
+            <a:pPr lvl="1"/>
+            <a:r>
+              <a:rPr lang="en-US" dirty="0" smtClean="0"/>
+              <a:t>No magic!</a:t>
+            </a:r>
+          </a:p>
+          <a:p>
+            <a:pPr marL="0" indent="0">
+              <a:buNone/>
+            </a:pPr>
+            <a:endParaRPr lang="en-US" dirty="0"/>
+          </a:p>
+        </p:txBody>
+      </p:sp>
+      <p:sp>
+        <p:nvSpPr>
+          <p:cNvPr id="4" name="Date Placeholder 3"/>
+          <p:cNvSpPr>
+            <a:spLocks noGrp="1"/>
+          </p:cNvSpPr>
+          <p:nvPr>
+            <p:ph type="dt" sz="half" idx="10"/>
+          </p:nvPr>
+        </p:nvSpPr>
+        <p:spPr/>
+        <p:txBody>
+          <a:bodyPr/>
+          <a:lstStyle/>
+          <a:p>
+            <a:fld id="{B08FEED8-D7D4-44E9-BFBC-ED06B5996D94}" type="datetime4">
+              <a:rPr lang="en-US" smtClean="0"/>
+              <a:t>November 6, 2019</a:t>
+            </a:fld>
+            <a:endParaRPr lang="en-US" dirty="0"/>
+          </a:p>
+        </p:txBody>
+      </p:sp>
+      <p:sp>
+        <p:nvSpPr>
+          <p:cNvPr id="5" name="Footer Placeholder 4"/>
+          <p:cNvSpPr>
+            <a:spLocks noGrp="1"/>
+          </p:cNvSpPr>
+          <p:nvPr>
+            <p:ph type="ftr" sz="quarter" idx="11"/>
+          </p:nvPr>
+        </p:nvSpPr>
+        <p:spPr/>
+        <p:txBody>
+          <a:bodyPr/>
+          <a:lstStyle/>
+          <a:p>
+            <a:r>
+              <a:rPr lang="en-US" smtClean="0"/>
+              <a:t>Digital Scholarship Services </a:t>
+            </a:r>
+            <a:r>
+              <a:rPr lang="en-US" smtClean="0">
+                <a:solidFill>
+                  <a:schemeClr val="accent1">
+                    <a:lumMod val="50000"/>
+                  </a:schemeClr>
+                </a:solidFill>
+              </a:rPr>
+              <a:t>| Email</a:t>
+            </a:r>
+            <a:r>
+              <a:rPr lang="en-US" smtClean="0"/>
+              <a:t> cf24@rice.edu </a:t>
+            </a:r>
+            <a:r>
+              <a:rPr lang="en-US" smtClean="0">
+                <a:solidFill>
+                  <a:schemeClr val="accent1">
+                    <a:lumMod val="50000"/>
+                  </a:schemeClr>
+                </a:solidFill>
+              </a:rPr>
+              <a:t>|</a:t>
+            </a:r>
+            <a:r>
+              <a:rPr lang="en-US" smtClean="0"/>
+              <a:t> library.rice.edu/dss</a:t>
+            </a:r>
+            <a:endParaRPr lang="en-US" dirty="0"/>
+          </a:p>
+        </p:txBody>
+      </p:sp>
+      <p:sp>
+        <p:nvSpPr>
+          <p:cNvPr id="6" name="Slide Number Placeholder 5"/>
+          <p:cNvSpPr>
+            <a:spLocks noGrp="1"/>
+          </p:cNvSpPr>
+          <p:nvPr>
+            <p:ph type="sldNum" sz="quarter" idx="12"/>
+          </p:nvPr>
+        </p:nvSpPr>
+        <p:spPr/>
+        <p:txBody>
+          <a:bodyPr/>
+          <a:lstStyle/>
+          <a:p>
+            <a:fld id="{D57F1E4F-1CFF-5643-939E-02111984F565}" type="slidenum">
+              <a:rPr lang="en-US" smtClean="0"/>
+              <a:t>21</a:t>
+            </a:fld>
+            <a:endParaRPr lang="en-US" dirty="0"/>
+          </a:p>
+        </p:txBody>
+      </p:sp>
+    </p:spTree>
+    <p:extLst>
+      <p:ext uri="{BB962C8B-B14F-4D97-AF65-F5344CB8AC3E}">
+        <p14:creationId xmlns:p14="http://schemas.microsoft.com/office/powerpoint/2010/main" val="267443022"/>
+      </p:ext>
+    </p:extLst>
+  </p:cSld>
+  <p:clrMapOvr>
+    <a:masterClrMapping/>
+  </p:clrMapOvr>
+</p:sld>
+</file>
+
+<file path=ppt/slides/slide22.xml><?xml version="1.0" encoding="utf-8"?>
+<p:sld xmlns:a="http://schemas.openxmlformats.org/drawingml/2006/main" xmlns:r="http://schemas.openxmlformats.org/officeDocument/2006/relationships" xmlns:p="http://schemas.openxmlformats.org/presentationml/2006/main">
+  <p:cSld>
+    <p:spTree>
+      <p:nvGrpSpPr>
+        <p:cNvPr id="1" name=""/>
+        <p:cNvGrpSpPr/>
+        <p:nvPr/>
+      </p:nvGrpSpPr>
+      <p:grpSpPr>
+        <a:xfrm>
+          <a:off x="0" y="0"/>
+          <a:ext cx="0" cy="0"/>
+          <a:chOff x="0" y="0"/>
+          <a:chExt cx="0" cy="0"/>
+        </a:xfrm>
+      </p:grpSpPr>
+      <p:sp>
+        <p:nvSpPr>
+          <p:cNvPr id="7" name="Title 6"/>
+          <p:cNvSpPr>
+            <a:spLocks noGrp="1"/>
+          </p:cNvSpPr>
+          <p:nvPr>
+            <p:ph type="title"/>
+          </p:nvPr>
+        </p:nvSpPr>
+        <p:spPr/>
+        <p:txBody>
+          <a:bodyPr/>
+          <a:lstStyle/>
+          <a:p>
+            <a:r>
+              <a:rPr lang="en-US" dirty="0" smtClean="0"/>
+              <a:t>WHAT ARE THE DRAWBACKS?</a:t>
+            </a:r>
+            <a:endParaRPr lang="en-US" dirty="0"/>
+          </a:p>
+        </p:txBody>
+      </p:sp>
+      <p:sp>
+        <p:nvSpPr>
+          <p:cNvPr id="8" name="Content Placeholder 7"/>
+          <p:cNvSpPr>
+            <a:spLocks noGrp="1"/>
+          </p:cNvSpPr>
+          <p:nvPr>
+            <p:ph idx="1"/>
+          </p:nvPr>
+        </p:nvSpPr>
+        <p:spPr/>
+        <p:txBody>
+          <a:bodyPr/>
+          <a:lstStyle/>
+          <a:p>
+            <a:r>
+              <a:rPr lang="en-US" dirty="0" smtClean="0"/>
+              <a:t>Just because a net can get a perfect result doesn’t mean it will!</a:t>
+            </a:r>
+          </a:p>
+          <a:p>
+            <a:pPr lvl="1"/>
+            <a:r>
+              <a:rPr lang="en-US" dirty="0" smtClean="0"/>
+              <a:t>Success is not guaranteed! Small changes in training data can lead to wildly different results</a:t>
+            </a:r>
+          </a:p>
+          <a:p>
+            <a:r>
+              <a:rPr lang="en-US" dirty="0" smtClean="0"/>
+              <a:t>It’s hard to tell what’s really going on!</a:t>
+            </a:r>
+          </a:p>
+          <a:p>
+            <a:pPr lvl="1"/>
+            <a:r>
+              <a:rPr lang="en-US" dirty="0" smtClean="0"/>
+              <a:t>Interpretability issues</a:t>
+            </a:r>
+          </a:p>
+          <a:p>
+            <a:pPr lvl="1"/>
+            <a:r>
+              <a:rPr lang="en-US" dirty="0" smtClean="0"/>
+              <a:t>Can we trust the conclusions of a neural net? Should we?</a:t>
+            </a:r>
+            <a:endParaRPr lang="en-US" dirty="0"/>
+          </a:p>
+        </p:txBody>
+      </p:sp>
+      <p:sp>
+        <p:nvSpPr>
+          <p:cNvPr id="4" name="Date Placeholder 3"/>
+          <p:cNvSpPr>
+            <a:spLocks noGrp="1"/>
+          </p:cNvSpPr>
+          <p:nvPr>
+            <p:ph type="dt" sz="half" idx="10"/>
+          </p:nvPr>
+        </p:nvSpPr>
+        <p:spPr/>
+        <p:txBody>
+          <a:bodyPr/>
+          <a:lstStyle/>
+          <a:p>
+            <a:fld id="{B08FEED8-D7D4-44E9-BFBC-ED06B5996D94}" type="datetime4">
+              <a:rPr lang="en-US" smtClean="0"/>
+              <a:t>November 6, 2019</a:t>
+            </a:fld>
+            <a:endParaRPr lang="en-US" dirty="0"/>
+          </a:p>
+        </p:txBody>
+      </p:sp>
+      <p:sp>
+        <p:nvSpPr>
+          <p:cNvPr id="5" name="Footer Placeholder 4"/>
+          <p:cNvSpPr>
+            <a:spLocks noGrp="1"/>
+          </p:cNvSpPr>
+          <p:nvPr>
+            <p:ph type="ftr" sz="quarter" idx="11"/>
+          </p:nvPr>
+        </p:nvSpPr>
+        <p:spPr/>
+        <p:txBody>
+          <a:bodyPr/>
+          <a:lstStyle/>
+          <a:p>
+            <a:r>
+              <a:rPr lang="en-US" smtClean="0"/>
+              <a:t>Digital Scholarship Services </a:t>
+            </a:r>
+            <a:r>
+              <a:rPr lang="en-US" smtClean="0">
+                <a:solidFill>
+                  <a:schemeClr val="accent1">
+                    <a:lumMod val="50000"/>
+                  </a:schemeClr>
+                </a:solidFill>
+              </a:rPr>
+              <a:t>| Email</a:t>
+            </a:r>
+            <a:r>
+              <a:rPr lang="en-US" smtClean="0"/>
+              <a:t> cf24@rice.edu </a:t>
+            </a:r>
+            <a:r>
+              <a:rPr lang="en-US" smtClean="0">
+                <a:solidFill>
+                  <a:schemeClr val="accent1">
+                    <a:lumMod val="50000"/>
+                  </a:schemeClr>
+                </a:solidFill>
+              </a:rPr>
+              <a:t>|</a:t>
+            </a:r>
+            <a:r>
+              <a:rPr lang="en-US" smtClean="0"/>
+              <a:t> library.rice.edu/dss</a:t>
+            </a:r>
+            <a:endParaRPr lang="en-US" dirty="0"/>
+          </a:p>
+        </p:txBody>
+      </p:sp>
+      <p:sp>
+        <p:nvSpPr>
+          <p:cNvPr id="6" name="Slide Number Placeholder 5"/>
+          <p:cNvSpPr>
+            <a:spLocks noGrp="1"/>
+          </p:cNvSpPr>
+          <p:nvPr>
+            <p:ph type="sldNum" sz="quarter" idx="12"/>
+          </p:nvPr>
+        </p:nvSpPr>
+        <p:spPr/>
+        <p:txBody>
+          <a:bodyPr/>
+          <a:lstStyle/>
+          <a:p>
+            <a:fld id="{D57F1E4F-1CFF-5643-939E-02111984F565}" type="slidenum">
+              <a:rPr lang="en-US" smtClean="0"/>
+              <a:t>22</a:t>
+            </a:fld>
+            <a:endParaRPr lang="en-US" dirty="0"/>
+          </a:p>
+        </p:txBody>
+      </p:sp>
+    </p:spTree>
+    <p:extLst>
+      <p:ext uri="{BB962C8B-B14F-4D97-AF65-F5344CB8AC3E}">
+        <p14:creationId xmlns:p14="http://schemas.microsoft.com/office/powerpoint/2010/main" val="2613927498"/>
+      </p:ext>
+    </p:extLst>
+  </p:cSld>
+  <p:clrMapOvr>
+    <a:masterClrMapping/>
+  </p:clrMapOvr>
+</p:sld>
+</file>
+
+<file path=ppt/slides/slide23.xml><?xml version="1.0" encoding="utf-8"?>
+<p:sld xmlns:a="http://schemas.openxmlformats.org/drawingml/2006/main" xmlns:r="http://schemas.openxmlformats.org/officeDocument/2006/relationships" xmlns:p="http://schemas.openxmlformats.org/presentationml/2006/main">
+  <p:cSld>
+    <p:spTree>
+      <p:nvGrpSpPr>
+        <p:cNvPr id="1" name=""/>
+        <p:cNvGrpSpPr/>
+        <p:nvPr/>
+      </p:nvGrpSpPr>
+      <p:grpSpPr>
+        <a:xfrm>
+          <a:off x="0" y="0"/>
+          <a:ext cx="0" cy="0"/>
+          <a:chOff x="0" y="0"/>
+          <a:chExt cx="0" cy="0"/>
+        </a:xfrm>
+      </p:grpSpPr>
+      <p:sp>
+        <p:nvSpPr>
+          <p:cNvPr id="7" name="Title 6"/>
+          <p:cNvSpPr>
+            <a:spLocks noGrp="1"/>
+          </p:cNvSpPr>
+          <p:nvPr>
+            <p:ph type="title"/>
+          </p:nvPr>
+        </p:nvSpPr>
+        <p:spPr/>
+        <p:txBody>
+          <a:bodyPr/>
+          <a:lstStyle/>
+          <a:p>
+            <a:r>
+              <a:rPr lang="en-US" dirty="0" smtClean="0"/>
+              <a:t>NEURAL NETWORKS</a:t>
+            </a:r>
+            <a:br>
+              <a:rPr lang="en-US" dirty="0" smtClean="0"/>
+            </a:br>
+            <a:r>
+              <a:rPr lang="en-US" dirty="0" smtClean="0"/>
+              <a:t>&amp; CONVOLUTION</a:t>
+            </a:r>
+            <a:endParaRPr lang="en-US" dirty="0"/>
+          </a:p>
+        </p:txBody>
+      </p:sp>
+      <p:sp>
+        <p:nvSpPr>
+          <p:cNvPr id="8" name="Text Placeholder 7"/>
+          <p:cNvSpPr>
+            <a:spLocks noGrp="1"/>
+          </p:cNvSpPr>
+          <p:nvPr>
+            <p:ph type="body" idx="1"/>
+          </p:nvPr>
+        </p:nvSpPr>
+        <p:spPr/>
+        <p:txBody>
+          <a:bodyPr/>
+          <a:lstStyle/>
+          <a:p>
+            <a:r>
+              <a:rPr lang="en-US" dirty="0" smtClean="0"/>
+              <a:t>Leveraging spatial information in neural nets</a:t>
+            </a:r>
+            <a:endParaRPr lang="en-US" dirty="0"/>
+          </a:p>
+        </p:txBody>
+      </p:sp>
+      <p:sp>
+        <p:nvSpPr>
+          <p:cNvPr id="4" name="Date Placeholder 3"/>
+          <p:cNvSpPr>
+            <a:spLocks noGrp="1"/>
+          </p:cNvSpPr>
+          <p:nvPr>
+            <p:ph type="dt" sz="half" idx="10"/>
+          </p:nvPr>
+        </p:nvSpPr>
+        <p:spPr/>
+        <p:txBody>
+          <a:bodyPr/>
+          <a:lstStyle/>
+          <a:p>
+            <a:fld id="{8AAE40A0-A7D8-4DC3-BC9E-BADA32DA2004}" type="datetime4">
+              <a:rPr lang="en-US" smtClean="0"/>
+              <a:t>November 4, 2019</a:t>
+            </a:fld>
+            <a:endParaRPr lang="en-US" dirty="0"/>
+          </a:p>
+        </p:txBody>
+      </p:sp>
+      <p:sp>
+        <p:nvSpPr>
+          <p:cNvPr id="5" name="Footer Placeholder 4"/>
+          <p:cNvSpPr>
+            <a:spLocks noGrp="1"/>
+          </p:cNvSpPr>
+          <p:nvPr>
+            <p:ph type="ftr" sz="quarter" idx="11"/>
+          </p:nvPr>
+        </p:nvSpPr>
+        <p:spPr/>
+        <p:txBody>
+          <a:bodyPr/>
+          <a:lstStyle/>
+          <a:p>
+            <a:r>
+              <a:rPr lang="en-US" smtClean="0"/>
+              <a:t>Digital Scholarship Services </a:t>
+            </a:r>
+            <a:r>
+              <a:rPr lang="en-US" smtClean="0">
+                <a:solidFill>
+                  <a:schemeClr val="accent1">
+                    <a:lumMod val="50000"/>
+                  </a:schemeClr>
+                </a:solidFill>
+              </a:rPr>
+              <a:t>| Email</a:t>
+            </a:r>
+            <a:r>
+              <a:rPr lang="en-US" smtClean="0"/>
+              <a:t> cf24@rice.edu </a:t>
+            </a:r>
+            <a:r>
+              <a:rPr lang="en-US" smtClean="0">
+                <a:solidFill>
+                  <a:schemeClr val="accent1">
+                    <a:lumMod val="50000"/>
+                  </a:schemeClr>
+                </a:solidFill>
+              </a:rPr>
+              <a:t>|</a:t>
+            </a:r>
+            <a:r>
+              <a:rPr lang="en-US" smtClean="0"/>
+              <a:t> library.rice.edu/dss</a:t>
+            </a:r>
+            <a:endParaRPr lang="en-US" dirty="0"/>
+          </a:p>
+        </p:txBody>
+      </p:sp>
+      <p:sp>
+        <p:nvSpPr>
+          <p:cNvPr id="6" name="Slide Number Placeholder 5"/>
+          <p:cNvSpPr>
+            <a:spLocks noGrp="1"/>
+          </p:cNvSpPr>
+          <p:nvPr>
+            <p:ph type="sldNum" sz="quarter" idx="12"/>
+          </p:nvPr>
+        </p:nvSpPr>
+        <p:spPr/>
+        <p:txBody>
+          <a:bodyPr/>
+          <a:lstStyle/>
+          <a:p>
+            <a:fld id="{D57F1E4F-1CFF-5643-939E-02111984F565}" type="slidenum">
+              <a:rPr lang="en-US" smtClean="0"/>
+              <a:t>23</a:t>
+            </a:fld>
+            <a:endParaRPr lang="en-US" dirty="0"/>
+          </a:p>
+        </p:txBody>
+      </p:sp>
+    </p:spTree>
+    <p:extLst>
+      <p:ext uri="{BB962C8B-B14F-4D97-AF65-F5344CB8AC3E}">
+        <p14:creationId xmlns:p14="http://schemas.microsoft.com/office/powerpoint/2010/main" val="2033922517"/>
+      </p:ext>
+    </p:extLst>
+  </p:cSld>
+  <p:clrMapOvr>
+    <a:masterClrMapping/>
+  </p:clrMapOvr>
+</p:sld>
+</file>
+
+<file path=ppt/slides/slide24.xml><?xml version="1.0" encoding="utf-8"?>
+<p:sld xmlns:a="http://schemas.openxmlformats.org/drawingml/2006/main" xmlns:r="http://schemas.openxmlformats.org/officeDocument/2006/relationships" xmlns:p="http://schemas.openxmlformats.org/presentationml/2006/main">
+  <p:cSld>
+    <p:spTree>
+      <p:nvGrpSpPr>
+        <p:cNvPr id="1" name=""/>
+        <p:cNvGrpSpPr/>
+        <p:nvPr/>
+      </p:nvGrpSpPr>
+      <p:grpSpPr>
+        <a:xfrm>
+          <a:off x="0" y="0"/>
+          <a:ext cx="0" cy="0"/>
+          <a:chOff x="0" y="0"/>
+          <a:chExt cx="0" cy="0"/>
+        </a:xfrm>
+      </p:grpSpPr>
+      <p:sp>
+        <p:nvSpPr>
+          <p:cNvPr id="7" name="Title 6"/>
+          <p:cNvSpPr>
+            <a:spLocks noGrp="1"/>
+          </p:cNvSpPr>
+          <p:nvPr>
+            <p:ph type="title"/>
+          </p:nvPr>
+        </p:nvSpPr>
+        <p:spPr/>
+        <p:txBody>
+          <a:bodyPr/>
+          <a:lstStyle/>
+          <a:p>
+            <a:r>
+              <a:rPr lang="en-US" dirty="0" smtClean="0"/>
+              <a:t>WHY CONVOLUTION NEURAL NETS?</a:t>
+            </a:r>
+            <a:endParaRPr lang="en-US" dirty="0"/>
+          </a:p>
+        </p:txBody>
+      </p:sp>
+      <p:sp>
+        <p:nvSpPr>
+          <p:cNvPr id="8" name="Content Placeholder 7"/>
+          <p:cNvSpPr>
+            <a:spLocks noGrp="1"/>
+          </p:cNvSpPr>
+          <p:nvPr>
+            <p:ph idx="1"/>
+          </p:nvPr>
+        </p:nvSpPr>
+        <p:spPr/>
+        <p:txBody>
+          <a:bodyPr/>
+          <a:lstStyle/>
+          <a:p>
+            <a:r>
+              <a:rPr lang="en-US" dirty="0" smtClean="0"/>
+              <a:t>Upgrade to neural nets for a significant class of problems</a:t>
+            </a:r>
+          </a:p>
+          <a:p>
+            <a:r>
+              <a:rPr lang="en-US" dirty="0" smtClean="0"/>
+              <a:t>Spatial data matters! It doesn’t make sense to ‘flatten’ an image to a row of pixels, because then you’re losing vertical and diagonal relationships</a:t>
+            </a:r>
+          </a:p>
+          <a:p>
+            <a:r>
+              <a:rPr lang="en-US" dirty="0" smtClean="0"/>
+              <a:t>Solution: find a way to extract features!</a:t>
+            </a:r>
+          </a:p>
+          <a:p>
+            <a:pPr lvl="1"/>
+            <a:r>
+              <a:rPr lang="en-US" dirty="0" smtClean="0"/>
+              <a:t>What matters in a 3x3 square, for example?</a:t>
+            </a:r>
+          </a:p>
+          <a:p>
+            <a:r>
+              <a:rPr lang="en-US" dirty="0" smtClean="0"/>
+              <a:t>We don’t have to figure this out ourselves!</a:t>
+            </a:r>
+          </a:p>
+          <a:p>
+            <a:pPr lvl="1"/>
+            <a:r>
+              <a:rPr lang="en-US" dirty="0" smtClean="0"/>
+              <a:t>Neural nets will do this during training</a:t>
+            </a:r>
+          </a:p>
+        </p:txBody>
+      </p:sp>
+      <p:sp>
+        <p:nvSpPr>
+          <p:cNvPr id="4" name="Date Placeholder 3"/>
+          <p:cNvSpPr>
+            <a:spLocks noGrp="1"/>
+          </p:cNvSpPr>
+          <p:nvPr>
+            <p:ph type="dt" sz="half" idx="10"/>
+          </p:nvPr>
+        </p:nvSpPr>
+        <p:spPr/>
+        <p:txBody>
+          <a:bodyPr/>
+          <a:lstStyle/>
+          <a:p>
+            <a:fld id="{B08FEED8-D7D4-44E9-BFBC-ED06B5996D94}" type="datetime4">
+              <a:rPr lang="en-US" smtClean="0"/>
+              <a:t>November 6, 2019</a:t>
+            </a:fld>
+            <a:endParaRPr lang="en-US" dirty="0"/>
+          </a:p>
+        </p:txBody>
+      </p:sp>
+      <p:sp>
+        <p:nvSpPr>
+          <p:cNvPr id="5" name="Footer Placeholder 4"/>
+          <p:cNvSpPr>
+            <a:spLocks noGrp="1"/>
+          </p:cNvSpPr>
+          <p:nvPr>
+            <p:ph type="ftr" sz="quarter" idx="11"/>
+          </p:nvPr>
+        </p:nvSpPr>
+        <p:spPr/>
+        <p:txBody>
+          <a:bodyPr/>
+          <a:lstStyle/>
+          <a:p>
+            <a:r>
+              <a:rPr lang="en-US" smtClean="0"/>
+              <a:t>Digital Scholarship Services </a:t>
+            </a:r>
+            <a:r>
+              <a:rPr lang="en-US" smtClean="0">
+                <a:solidFill>
+                  <a:schemeClr val="accent1">
+                    <a:lumMod val="50000"/>
+                  </a:schemeClr>
+                </a:solidFill>
+              </a:rPr>
+              <a:t>| Email</a:t>
+            </a:r>
+            <a:r>
+              <a:rPr lang="en-US" smtClean="0"/>
+              <a:t> cf24@rice.edu </a:t>
+            </a:r>
+            <a:r>
+              <a:rPr lang="en-US" smtClean="0">
+                <a:solidFill>
+                  <a:schemeClr val="accent1">
+                    <a:lumMod val="50000"/>
+                  </a:schemeClr>
+                </a:solidFill>
+              </a:rPr>
+              <a:t>|</a:t>
+            </a:r>
+            <a:r>
+              <a:rPr lang="en-US" smtClean="0"/>
+              <a:t> library.rice.edu/dss</a:t>
+            </a:r>
+            <a:endParaRPr lang="en-US" dirty="0"/>
+          </a:p>
+        </p:txBody>
+      </p:sp>
+      <p:sp>
+        <p:nvSpPr>
+          <p:cNvPr id="6" name="Slide Number Placeholder 5"/>
+          <p:cNvSpPr>
+            <a:spLocks noGrp="1"/>
+          </p:cNvSpPr>
+          <p:nvPr>
+            <p:ph type="sldNum" sz="quarter" idx="12"/>
+          </p:nvPr>
+        </p:nvSpPr>
+        <p:spPr/>
+        <p:txBody>
+          <a:bodyPr/>
+          <a:lstStyle/>
+          <a:p>
+            <a:fld id="{D57F1E4F-1CFF-5643-939E-02111984F565}" type="slidenum">
+              <a:rPr lang="en-US" smtClean="0"/>
+              <a:t>24</a:t>
+            </a:fld>
+            <a:endParaRPr lang="en-US" dirty="0"/>
+          </a:p>
+        </p:txBody>
+      </p:sp>
+    </p:spTree>
+    <p:extLst>
+      <p:ext uri="{BB962C8B-B14F-4D97-AF65-F5344CB8AC3E}">
+        <p14:creationId xmlns:p14="http://schemas.microsoft.com/office/powerpoint/2010/main" val="1743726185"/>
+      </p:ext>
+    </p:extLst>
+  </p:cSld>
+  <p:clrMapOvr>
+    <a:masterClrMapping/>
+  </p:clrMapOvr>
+</p:sld>
+</file>
+
+<file path=ppt/slides/slide25.xml><?xml version="1.0" encoding="utf-8"?>
+<p:sld xmlns:a="http://schemas.openxmlformats.org/drawingml/2006/main" xmlns:r="http://schemas.openxmlformats.org/officeDocument/2006/relationships" xmlns:p="http://schemas.openxmlformats.org/presentationml/2006/main">
+  <p:cSld>
+    <p:spTree>
+      <p:nvGrpSpPr>
+        <p:cNvPr id="1" name=""/>
+        <p:cNvGrpSpPr/>
+        <p:nvPr/>
+      </p:nvGrpSpPr>
+      <p:grpSpPr>
+        <a:xfrm>
+          <a:off x="0" y="0"/>
+          <a:ext cx="0" cy="0"/>
+          <a:chOff x="0" y="0"/>
+          <a:chExt cx="0" cy="0"/>
+        </a:xfrm>
+      </p:grpSpPr>
+      <p:sp>
+        <p:nvSpPr>
+          <p:cNvPr id="7" name="Title 6"/>
+          <p:cNvSpPr>
+            <a:spLocks noGrp="1"/>
+          </p:cNvSpPr>
+          <p:nvPr>
+            <p:ph type="title"/>
+          </p:nvPr>
+        </p:nvSpPr>
+        <p:spPr/>
+        <p:txBody>
+          <a:bodyPr/>
+          <a:lstStyle/>
+          <a:p>
+            <a:r>
+              <a:rPr lang="en-US" dirty="0" smtClean="0"/>
+              <a:t>ARTIFICIAL INTELLIGENCE</a:t>
+            </a:r>
+            <a:endParaRPr lang="en-US" dirty="0"/>
+          </a:p>
+        </p:txBody>
+      </p:sp>
+      <p:sp>
+        <p:nvSpPr>
+          <p:cNvPr id="8" name="Text Placeholder 7"/>
+          <p:cNvSpPr>
+            <a:spLocks noGrp="1"/>
+          </p:cNvSpPr>
+          <p:nvPr>
+            <p:ph type="body" idx="1"/>
+          </p:nvPr>
+        </p:nvSpPr>
+        <p:spPr/>
+        <p:txBody>
+          <a:bodyPr/>
+          <a:lstStyle/>
+          <a:p>
+            <a:r>
+              <a:rPr lang="en-US" dirty="0" smtClean="0"/>
+              <a:t>How intelligent is it?</a:t>
+            </a:r>
+            <a:endParaRPr lang="en-US" dirty="0"/>
+          </a:p>
+        </p:txBody>
+      </p:sp>
+      <p:sp>
+        <p:nvSpPr>
+          <p:cNvPr id="4" name="Date Placeholder 3"/>
+          <p:cNvSpPr>
+            <a:spLocks noGrp="1"/>
+          </p:cNvSpPr>
+          <p:nvPr>
+            <p:ph type="dt" sz="half" idx="10"/>
+          </p:nvPr>
+        </p:nvSpPr>
+        <p:spPr/>
+        <p:txBody>
+          <a:bodyPr/>
+          <a:lstStyle/>
+          <a:p>
+            <a:fld id="{8AAE40A0-A7D8-4DC3-BC9E-BADA32DA2004}" type="datetime4">
+              <a:rPr lang="en-US" smtClean="0"/>
+              <a:t>November 4, 2019</a:t>
+            </a:fld>
+            <a:endParaRPr lang="en-US" dirty="0"/>
+          </a:p>
+        </p:txBody>
+      </p:sp>
+      <p:sp>
+        <p:nvSpPr>
+          <p:cNvPr id="5" name="Footer Placeholder 4"/>
+          <p:cNvSpPr>
+            <a:spLocks noGrp="1"/>
+          </p:cNvSpPr>
+          <p:nvPr>
+            <p:ph type="ftr" sz="quarter" idx="11"/>
+          </p:nvPr>
+        </p:nvSpPr>
+        <p:spPr/>
+        <p:txBody>
+          <a:bodyPr/>
+          <a:lstStyle/>
+          <a:p>
+            <a:r>
+              <a:rPr lang="en-US" smtClean="0"/>
+              <a:t>Digital Scholarship Services </a:t>
+            </a:r>
+            <a:r>
+              <a:rPr lang="en-US" smtClean="0">
+                <a:solidFill>
+                  <a:schemeClr val="accent1">
+                    <a:lumMod val="50000"/>
+                  </a:schemeClr>
+                </a:solidFill>
+              </a:rPr>
+              <a:t>| Email</a:t>
+            </a:r>
+            <a:r>
+              <a:rPr lang="en-US" smtClean="0"/>
+              <a:t> cf24@rice.edu </a:t>
+            </a:r>
+            <a:r>
+              <a:rPr lang="en-US" smtClean="0">
+                <a:solidFill>
+                  <a:schemeClr val="accent1">
+                    <a:lumMod val="50000"/>
+                  </a:schemeClr>
+                </a:solidFill>
+              </a:rPr>
+              <a:t>|</a:t>
+            </a:r>
+            <a:r>
+              <a:rPr lang="en-US" smtClean="0"/>
+              <a:t> library.rice.edu/dss</a:t>
+            </a:r>
+            <a:endParaRPr lang="en-US" dirty="0"/>
+          </a:p>
+        </p:txBody>
+      </p:sp>
+      <p:sp>
+        <p:nvSpPr>
+          <p:cNvPr id="6" name="Slide Number Placeholder 5"/>
+          <p:cNvSpPr>
+            <a:spLocks noGrp="1"/>
+          </p:cNvSpPr>
+          <p:nvPr>
+            <p:ph type="sldNum" sz="quarter" idx="12"/>
+          </p:nvPr>
+        </p:nvSpPr>
+        <p:spPr/>
+        <p:txBody>
+          <a:bodyPr/>
+          <a:lstStyle/>
+          <a:p>
+            <a:fld id="{D57F1E4F-1CFF-5643-939E-02111984F565}" type="slidenum">
+              <a:rPr lang="en-US" smtClean="0"/>
+              <a:t>25</a:t>
+            </a:fld>
+            <a:endParaRPr lang="en-US" dirty="0"/>
+          </a:p>
+        </p:txBody>
+      </p:sp>
+    </p:spTree>
+    <p:extLst>
+      <p:ext uri="{BB962C8B-B14F-4D97-AF65-F5344CB8AC3E}">
+        <p14:creationId xmlns:p14="http://schemas.microsoft.com/office/powerpoint/2010/main" val="2833101456"/>
+      </p:ext>
+    </p:extLst>
+  </p:cSld>
+  <p:clrMapOvr>
+    <a:masterClrMapping/>
+  </p:clrMapOvr>
+</p:sld>
+</file>
+
+<file path=ppt/slides/slide26.xml><?xml version="1.0" encoding="utf-8"?>
+<p:sld xmlns:a="http://schemas.openxmlformats.org/drawingml/2006/main" xmlns:r="http://schemas.openxmlformats.org/officeDocument/2006/relationships" xmlns:p="http://schemas.openxmlformats.org/presentationml/2006/main">
+  <p:cSld>
+    <p:spTree>
+      <p:nvGrpSpPr>
+        <p:cNvPr id="1" name=""/>
+        <p:cNvGrpSpPr/>
+        <p:nvPr/>
+      </p:nvGrpSpPr>
+      <p:grpSpPr>
+        <a:xfrm>
+          <a:off x="0" y="0"/>
+          <a:ext cx="0" cy="0"/>
+          <a:chOff x="0" y="0"/>
+          <a:chExt cx="0" cy="0"/>
+        </a:xfrm>
+      </p:grpSpPr>
+      <p:sp>
+        <p:nvSpPr>
+          <p:cNvPr id="4" name="Title 3"/>
+          <p:cNvSpPr>
+            <a:spLocks noGrp="1"/>
+          </p:cNvSpPr>
+          <p:nvPr>
+            <p:ph type="title"/>
+          </p:nvPr>
+        </p:nvSpPr>
+        <p:spPr/>
+        <p:txBody>
+          <a:bodyPr/>
+          <a:lstStyle/>
+          <a:p>
+            <a:r>
+              <a:rPr lang="en-US" dirty="0" smtClean="0"/>
+              <a:t>PERCEPTRONS</a:t>
+            </a:r>
+            <a:endParaRPr lang="en-US" dirty="0"/>
+          </a:p>
+        </p:txBody>
+      </p:sp>
+      <p:sp>
+        <p:nvSpPr>
+          <p:cNvPr id="5" name="Content Placeholder 4"/>
+          <p:cNvSpPr>
+            <a:spLocks noGrp="1"/>
+          </p:cNvSpPr>
+          <p:nvPr>
+            <p:ph idx="1"/>
+          </p:nvPr>
+        </p:nvSpPr>
+        <p:spPr/>
+        <p:txBody>
+          <a:bodyPr/>
+          <a:lstStyle/>
+          <a:p>
+            <a:r>
+              <a:rPr lang="en-US" dirty="0" smtClean="0"/>
+              <a:t>Similar to logistic regression, but sequential updates</a:t>
+            </a:r>
+          </a:p>
+          <a:p>
+            <a:pPr lvl="1"/>
+            <a:r>
+              <a:rPr lang="en-US" dirty="0" smtClean="0"/>
+              <a:t>Responding to the environment!</a:t>
+            </a:r>
+          </a:p>
+          <a:p>
+            <a:r>
+              <a:rPr lang="en-US" dirty="0" smtClean="0"/>
+              <a:t>Idea: come in with a hypothesis of how to divide two classes</a:t>
+            </a:r>
+          </a:p>
+          <a:p>
+            <a:pPr lvl="1"/>
+            <a:r>
+              <a:rPr lang="en-US" dirty="0" smtClean="0"/>
+              <a:t>Perform updates until we can divide them fully (or give up)</a:t>
+            </a:r>
+          </a:p>
+          <a:p>
+            <a:r>
+              <a:rPr lang="en-US" dirty="0" smtClean="0"/>
+              <a:t>This can be seen as a single neuron in a neural net</a:t>
+            </a:r>
+            <a:endParaRPr lang="en-US" dirty="0"/>
+          </a:p>
+        </p:txBody>
+      </p:sp>
+    </p:spTree>
+    <p:extLst>
+      <p:ext uri="{BB962C8B-B14F-4D97-AF65-F5344CB8AC3E}">
+        <p14:creationId xmlns:p14="http://schemas.microsoft.com/office/powerpoint/2010/main" val="4246251967"/>
+      </p:ext>
+    </p:extLst>
+  </p:cSld>
+  <p:clrMapOvr>
+    <a:masterClrMapping/>
+  </p:clrMapOvr>
+</p:sld>
+</file>
+
+<file path=ppt/slides/slide27.xml><?xml version="1.0" encoding="utf-8"?>
+<p:sld xmlns:a="http://schemas.openxmlformats.org/drawingml/2006/main" xmlns:r="http://schemas.openxmlformats.org/officeDocument/2006/relationships" xmlns:p="http://schemas.openxmlformats.org/presentationml/2006/main">
+  <p:cSld>
+    <p:spTree>
+      <p:nvGrpSpPr>
+        <p:cNvPr id="1" name=""/>
+        <p:cNvGrpSpPr/>
+        <p:nvPr/>
+      </p:nvGrpSpPr>
+      <p:grpSpPr>
+        <a:xfrm>
+          <a:off x="0" y="0"/>
+          <a:ext cx="0" cy="0"/>
+          <a:chOff x="0" y="0"/>
+          <a:chExt cx="0" cy="0"/>
+        </a:xfrm>
+      </p:grpSpPr>
+      <p:sp>
+        <p:nvSpPr>
+          <p:cNvPr id="4" name="Title 3"/>
+          <p:cNvSpPr>
+            <a:spLocks noGrp="1"/>
+          </p:cNvSpPr>
+          <p:nvPr>
+            <p:ph type="title"/>
+          </p:nvPr>
+        </p:nvSpPr>
+        <p:spPr/>
+        <p:txBody>
+          <a:bodyPr/>
+          <a:lstStyle/>
+          <a:p>
+            <a:r>
+              <a:rPr lang="en-US" dirty="0" smtClean="0"/>
+              <a:t>NEURAL NETS AND AI</a:t>
+            </a:r>
+            <a:endParaRPr lang="en-US" dirty="0"/>
+          </a:p>
+        </p:txBody>
+      </p:sp>
+      <p:sp>
+        <p:nvSpPr>
+          <p:cNvPr id="5" name="Content Placeholder 4"/>
+          <p:cNvSpPr>
+            <a:spLocks noGrp="1"/>
+          </p:cNvSpPr>
+          <p:nvPr>
+            <p:ph idx="1"/>
+          </p:nvPr>
+        </p:nvSpPr>
+        <p:spPr/>
+        <p:txBody>
+          <a:bodyPr/>
+          <a:lstStyle/>
+          <a:p>
+            <a:r>
+              <a:rPr lang="en-US" dirty="0" smtClean="0"/>
+              <a:t>We can do the same thing we’ve done with other problems</a:t>
+            </a:r>
+          </a:p>
+          <a:p>
+            <a:pPr lvl="1"/>
+            <a:r>
+              <a:rPr lang="en-US" dirty="0" smtClean="0"/>
+              <a:t>Throw neural nets at them and see what happens!</a:t>
+            </a:r>
+          </a:p>
+          <a:p>
+            <a:r>
+              <a:rPr lang="en-US" dirty="0" smtClean="0"/>
+              <a:t>Neural nets are incredibly good in the context of AI</a:t>
+            </a:r>
+          </a:p>
+          <a:p>
+            <a:r>
+              <a:rPr lang="en-US" dirty="0" smtClean="0"/>
+              <a:t>Recently, for the first time in the game of Go, a computer beat the highest-ranked human player</a:t>
+            </a:r>
+          </a:p>
+          <a:p>
+            <a:pPr lvl="1"/>
+            <a:r>
+              <a:rPr lang="en-US" dirty="0" smtClean="0"/>
+              <a:t>This happened in chess in 1997</a:t>
+            </a:r>
+          </a:p>
+          <a:p>
+            <a:pPr lvl="1"/>
+            <a:r>
+              <a:rPr lang="en-US" dirty="0" smtClean="0"/>
+              <a:t>Only possible due to amazing advancements in artificial intelligence!</a:t>
+            </a:r>
+            <a:endParaRPr lang="en-US" dirty="0"/>
+          </a:p>
+        </p:txBody>
+      </p:sp>
+    </p:spTree>
+    <p:extLst>
+      <p:ext uri="{BB962C8B-B14F-4D97-AF65-F5344CB8AC3E}">
+        <p14:creationId xmlns:p14="http://schemas.microsoft.com/office/powerpoint/2010/main" val="3378277948"/>
+      </p:ext>
+    </p:extLst>
+  </p:cSld>
+  <p:clrMapOvr>
+    <a:masterClrMapping/>
+  </p:clrMapOvr>
+</p:sld>
+</file>
+
+<file path=ppt/slides/slide28.xml><?xml version="1.0" encoding="utf-8"?>
+<p:sld xmlns:a="http://schemas.openxmlformats.org/drawingml/2006/main" xmlns:r="http://schemas.openxmlformats.org/officeDocument/2006/relationships" xmlns:p="http://schemas.openxmlformats.org/presentationml/2006/main">
+  <p:cSld>
+    <p:spTree>
+      <p:nvGrpSpPr>
+        <p:cNvPr id="1" name=""/>
+        <p:cNvGrpSpPr/>
+        <p:nvPr/>
+      </p:nvGrpSpPr>
+      <p:grpSpPr>
+        <a:xfrm>
+          <a:off x="0" y="0"/>
+          <a:ext cx="0" cy="0"/>
+          <a:chOff x="0" y="0"/>
+          <a:chExt cx="0" cy="0"/>
+        </a:xfrm>
+      </p:grpSpPr>
+      <p:sp>
+        <p:nvSpPr>
+          <p:cNvPr id="7" name="Title 6"/>
+          <p:cNvSpPr>
+            <a:spLocks noGrp="1"/>
+          </p:cNvSpPr>
+          <p:nvPr>
+            <p:ph type="title"/>
+          </p:nvPr>
+        </p:nvSpPr>
+        <p:spPr/>
+        <p:txBody>
+          <a:bodyPr/>
+          <a:lstStyle/>
+          <a:p>
+            <a:r>
+              <a:rPr lang="en-US" dirty="0" smtClean="0"/>
+              <a:t>FURTHER DIRECTIONS</a:t>
+            </a:r>
+            <a:endParaRPr lang="en-US" dirty="0"/>
+          </a:p>
+        </p:txBody>
+      </p:sp>
+      <p:sp>
+        <p:nvSpPr>
+          <p:cNvPr id="8" name="Text Placeholder 7"/>
+          <p:cNvSpPr>
+            <a:spLocks noGrp="1"/>
+          </p:cNvSpPr>
+          <p:nvPr>
+            <p:ph type="body" idx="1"/>
+          </p:nvPr>
+        </p:nvSpPr>
+        <p:spPr/>
+        <p:txBody>
+          <a:bodyPr/>
+          <a:lstStyle/>
+          <a:p>
+            <a:r>
+              <a:rPr lang="en-US" dirty="0" smtClean="0"/>
+              <a:t>An overview of current research topics</a:t>
+            </a:r>
+            <a:endParaRPr lang="en-US" dirty="0"/>
+          </a:p>
+        </p:txBody>
+      </p:sp>
+      <p:sp>
+        <p:nvSpPr>
+          <p:cNvPr id="4" name="Date Placeholder 3"/>
+          <p:cNvSpPr>
+            <a:spLocks noGrp="1"/>
+          </p:cNvSpPr>
+          <p:nvPr>
+            <p:ph type="dt" sz="half" idx="10"/>
+          </p:nvPr>
+        </p:nvSpPr>
+        <p:spPr/>
+        <p:txBody>
+          <a:bodyPr/>
+          <a:lstStyle/>
+          <a:p>
+            <a:fld id="{8AAE40A0-A7D8-4DC3-BC9E-BADA32DA2004}" type="datetime4">
+              <a:rPr lang="en-US" smtClean="0"/>
+              <a:t>November 4, 2019</a:t>
+            </a:fld>
+            <a:endParaRPr lang="en-US" dirty="0"/>
+          </a:p>
+        </p:txBody>
+      </p:sp>
+      <p:sp>
+        <p:nvSpPr>
+          <p:cNvPr id="5" name="Footer Placeholder 4"/>
+          <p:cNvSpPr>
+            <a:spLocks noGrp="1"/>
+          </p:cNvSpPr>
+          <p:nvPr>
+            <p:ph type="ftr" sz="quarter" idx="11"/>
+          </p:nvPr>
+        </p:nvSpPr>
+        <p:spPr/>
+        <p:txBody>
+          <a:bodyPr/>
+          <a:lstStyle/>
+          <a:p>
+            <a:r>
+              <a:rPr lang="en-US" smtClean="0"/>
+              <a:t>Digital Scholarship Services </a:t>
+            </a:r>
+            <a:r>
+              <a:rPr lang="en-US" smtClean="0">
+                <a:solidFill>
+                  <a:schemeClr val="accent1">
+                    <a:lumMod val="50000"/>
+                  </a:schemeClr>
+                </a:solidFill>
+              </a:rPr>
+              <a:t>| Email</a:t>
+            </a:r>
+            <a:r>
+              <a:rPr lang="en-US" smtClean="0"/>
+              <a:t> cf24@rice.edu </a:t>
+            </a:r>
+            <a:r>
+              <a:rPr lang="en-US" smtClean="0">
+                <a:solidFill>
+                  <a:schemeClr val="accent1">
+                    <a:lumMod val="50000"/>
+                  </a:schemeClr>
+                </a:solidFill>
+              </a:rPr>
+              <a:t>|</a:t>
+            </a:r>
+            <a:r>
+              <a:rPr lang="en-US" smtClean="0"/>
+              <a:t> library.rice.edu/dss</a:t>
+            </a:r>
+            <a:endParaRPr lang="en-US" dirty="0"/>
+          </a:p>
+        </p:txBody>
+      </p:sp>
+      <p:sp>
+        <p:nvSpPr>
+          <p:cNvPr id="6" name="Slide Number Placeholder 5"/>
+          <p:cNvSpPr>
+            <a:spLocks noGrp="1"/>
+          </p:cNvSpPr>
+          <p:nvPr>
+            <p:ph type="sldNum" sz="quarter" idx="12"/>
+          </p:nvPr>
+        </p:nvSpPr>
+        <p:spPr/>
+        <p:txBody>
+          <a:bodyPr/>
+          <a:lstStyle/>
+          <a:p>
+            <a:fld id="{D57F1E4F-1CFF-5643-939E-02111984F565}" type="slidenum">
+              <a:rPr lang="en-US" smtClean="0"/>
+              <a:t>28</a:t>
+            </a:fld>
+            <a:endParaRPr lang="en-US" dirty="0"/>
+          </a:p>
+        </p:txBody>
+      </p:sp>
+    </p:spTree>
+    <p:extLst>
+      <p:ext uri="{BB962C8B-B14F-4D97-AF65-F5344CB8AC3E}">
+        <p14:creationId xmlns:p14="http://schemas.microsoft.com/office/powerpoint/2010/main" val="1706520227"/>
+      </p:ext>
+    </p:extLst>
+  </p:cSld>
+  <p:clrMapOvr>
+    <a:masterClrMapping/>
+  </p:clrMapOvr>
+</p:sld>
+</file>
+
+<file path=ppt/slides/slide29.xml><?xml version="1.0" encoding="utf-8"?>
+<p:sld xmlns:a="http://schemas.openxmlformats.org/drawingml/2006/main" xmlns:r="http://schemas.openxmlformats.org/officeDocument/2006/relationships" xmlns:p="http://schemas.openxmlformats.org/presentationml/2006/main">
+  <p:cSld>
+    <p:spTree>
+      <p:nvGrpSpPr>
+        <p:cNvPr id="1" name=""/>
+        <p:cNvGrpSpPr/>
+        <p:nvPr/>
+      </p:nvGrpSpPr>
+      <p:grpSpPr>
+        <a:xfrm>
+          <a:off x="0" y="0"/>
+          <a:ext cx="0" cy="0"/>
+          <a:chOff x="0" y="0"/>
+          <a:chExt cx="0" cy="0"/>
+        </a:xfrm>
+      </p:grpSpPr>
+      <p:sp>
+        <p:nvSpPr>
+          <p:cNvPr id="4" name="Title 3"/>
+          <p:cNvSpPr>
+            <a:spLocks noGrp="1"/>
+          </p:cNvSpPr>
+          <p:nvPr>
+            <p:ph type="title"/>
+          </p:nvPr>
+        </p:nvSpPr>
+        <p:spPr/>
+        <p:txBody>
+          <a:bodyPr/>
+          <a:lstStyle/>
+          <a:p>
+            <a:r>
+              <a:rPr lang="en-US" dirty="0" smtClean="0"/>
+              <a:t>TEXT-BASED MODELS</a:t>
+            </a:r>
+            <a:endParaRPr lang="en-US" dirty="0"/>
+          </a:p>
+        </p:txBody>
+      </p:sp>
+      <p:sp>
+        <p:nvSpPr>
+          <p:cNvPr id="5" name="Content Placeholder 4"/>
+          <p:cNvSpPr>
+            <a:spLocks noGrp="1"/>
+          </p:cNvSpPr>
+          <p:nvPr>
+            <p:ph idx="1"/>
+          </p:nvPr>
+        </p:nvSpPr>
+        <p:spPr/>
+        <p:txBody>
+          <a:bodyPr/>
+          <a:lstStyle/>
+          <a:p>
+            <a:r>
+              <a:rPr lang="en-US" dirty="0" smtClean="0"/>
+              <a:t>Predicting part-of-speech, emotional orientation (happy? sad? angry?)</a:t>
+            </a:r>
+          </a:p>
+          <a:p>
+            <a:r>
+              <a:rPr lang="en-US" dirty="0" smtClean="0"/>
+              <a:t>Neural nets are great for dealing with longer term relationships</a:t>
+            </a:r>
+          </a:p>
+          <a:p>
+            <a:pPr lvl="1"/>
+            <a:r>
+              <a:rPr lang="en-US" dirty="0" smtClean="0"/>
+              <a:t>If we have an antecedent 10 words back, it’s very hard for conventional models to even detect this has happened, much less deal with it constructively, without absurd increases in complexity</a:t>
+            </a:r>
+          </a:p>
+          <a:p>
+            <a:r>
+              <a:rPr lang="en-US" dirty="0" smtClean="0"/>
+              <a:t>We can even find ways to represent words algebraically!</a:t>
+            </a:r>
+          </a:p>
+          <a:p>
+            <a:pPr lvl="1"/>
+            <a:r>
+              <a:rPr lang="en-US" dirty="0" smtClean="0"/>
+              <a:t>Queen = King – Man</a:t>
+            </a:r>
+          </a:p>
+          <a:p>
+            <a:pPr lvl="1"/>
+            <a:r>
+              <a:rPr lang="en-US" dirty="0" smtClean="0"/>
+              <a:t>This process is called ‘word </a:t>
+            </a:r>
+            <a:r>
+              <a:rPr lang="en-US" dirty="0" err="1" smtClean="0"/>
+              <a:t>embeddings</a:t>
+            </a:r>
+            <a:r>
+              <a:rPr lang="en-US" dirty="0" smtClean="0"/>
+              <a:t>’</a:t>
+            </a:r>
+            <a:endParaRPr lang="en-US" dirty="0"/>
+          </a:p>
+        </p:txBody>
+      </p:sp>
+    </p:spTree>
+    <p:extLst>
+      <p:ext uri="{BB962C8B-B14F-4D97-AF65-F5344CB8AC3E}">
+        <p14:creationId xmlns:p14="http://schemas.microsoft.com/office/powerpoint/2010/main" val="2031667520"/>
       </p:ext>
     </p:extLst>
   </p:cSld>
@@ -4328,7 +7536,7 @@
       </p:grpSpPr>
       <p:sp>
         <p:nvSpPr>
-          <p:cNvPr id="7" name="Title 6"/>
+          <p:cNvPr id="4" name="Title 3"/>
           <p:cNvSpPr>
             <a:spLocks noGrp="1"/>
           </p:cNvSpPr>
@@ -4343,45 +7551,501 @@
           <a:p>
             <a:r>
               <a:rPr lang="en-US" dirty="0" smtClean="0"/>
-              <a:t>WHAT IS</a:t>
-            </a:r>
-            <a:br>
-              <a:rPr lang="en-US" dirty="0" smtClean="0"/>
-            </a:br>
-            <a:r>
-              <a:rPr lang="en-US" dirty="0" smtClean="0"/>
-              <a:t>MACHINE LEARNING?</a:t>
-            </a:r>
-            <a:endParaRPr lang="en-US" dirty="0"/>
-          </a:p>
-        </p:txBody>
-      </p:sp>
-      <p:sp>
-        <p:nvSpPr>
-          <p:cNvPr id="8" name="Text Placeholder 7"/>
-          <p:cNvSpPr>
-            <a:spLocks noGrp="1"/>
-          </p:cNvSpPr>
-          <p:nvPr>
-            <p:ph type="body" idx="1"/>
-          </p:nvPr>
-        </p:nvSpPr>
-        <p:spPr/>
-        <p:txBody>
-          <a:bodyPr/>
-          <a:lstStyle/>
-          <a:p>
-            <a:r>
-              <a:rPr lang="en-US" dirty="0" smtClean="0"/>
-              <a:t>Regression, Classification, Artificial Intelligence, Reinforcement Learning</a:t>
-            </a:r>
-            <a:endParaRPr lang="en-US" dirty="0"/>
-          </a:p>
-        </p:txBody>
-      </p:sp>
-      <p:sp>
-        <p:nvSpPr>
-          <p:cNvPr id="4" name="Date Placeholder 3"/>
+              <a:t>ABOUT </a:t>
+            </a:r>
+            <a:r>
+              <a:rPr lang="en-US" dirty="0" smtClean="0"/>
+              <a:t>KERAS</a:t>
+            </a:r>
+            <a:endParaRPr lang="en-US" dirty="0"/>
+          </a:p>
+        </p:txBody>
+      </p:sp>
+      <p:sp>
+        <p:nvSpPr>
+          <p:cNvPr id="5" name="Content Placeholder 4"/>
+          <p:cNvSpPr>
+            <a:spLocks noGrp="1"/>
+          </p:cNvSpPr>
+          <p:nvPr>
+            <p:ph idx="1"/>
+          </p:nvPr>
+        </p:nvSpPr>
+        <p:spPr/>
+        <p:txBody>
+          <a:bodyPr/>
+          <a:lstStyle/>
+          <a:p>
+            <a:r>
+              <a:rPr lang="en-US" dirty="0" smtClean="0"/>
+              <a:t>Very user-friendly</a:t>
+            </a:r>
+          </a:p>
+          <a:p>
+            <a:r>
+              <a:rPr lang="en-US" dirty="0" smtClean="0"/>
+              <a:t>A bit of a trade-off in achievable performance (usually worth it!)</a:t>
+            </a:r>
+          </a:p>
+          <a:p>
+            <a:r>
+              <a:rPr lang="en-US" dirty="0" smtClean="0"/>
+              <a:t>Intuitive interface on top of </a:t>
+            </a:r>
+            <a:r>
+              <a:rPr lang="en-US" dirty="0" err="1" smtClean="0"/>
+              <a:t>TensorFlow</a:t>
+            </a:r>
+            <a:r>
+              <a:rPr lang="en-US" dirty="0" smtClean="0"/>
+              <a:t> </a:t>
+            </a:r>
+            <a:endParaRPr lang="en-US" dirty="0"/>
+          </a:p>
+        </p:txBody>
+      </p:sp>
+    </p:spTree>
+    <p:extLst>
+      <p:ext uri="{BB962C8B-B14F-4D97-AF65-F5344CB8AC3E}">
+        <p14:creationId xmlns:p14="http://schemas.microsoft.com/office/powerpoint/2010/main" val="798818269"/>
+      </p:ext>
+    </p:extLst>
+  </p:cSld>
+  <p:clrMapOvr>
+    <a:masterClrMapping/>
+  </p:clrMapOvr>
+</p:sld>
+</file>
+
+<file path=ppt/slides/slide30.xml><?xml version="1.0" encoding="utf-8"?>
+<p:sld xmlns:a="http://schemas.openxmlformats.org/drawingml/2006/main" xmlns:r="http://schemas.openxmlformats.org/officeDocument/2006/relationships" xmlns:p="http://schemas.openxmlformats.org/presentationml/2006/main">
+  <p:cSld>
+    <p:spTree>
+      <p:nvGrpSpPr>
+        <p:cNvPr id="1" name=""/>
+        <p:cNvGrpSpPr/>
+        <p:nvPr/>
+      </p:nvGrpSpPr>
+      <p:grpSpPr>
+        <a:xfrm>
+          <a:off x="0" y="0"/>
+          <a:ext cx="0" cy="0"/>
+          <a:chOff x="0" y="0"/>
+          <a:chExt cx="0" cy="0"/>
+        </a:xfrm>
+      </p:grpSpPr>
+      <p:sp>
+        <p:nvSpPr>
+          <p:cNvPr id="4" name="Title 3"/>
+          <p:cNvSpPr>
+            <a:spLocks noGrp="1"/>
+          </p:cNvSpPr>
+          <p:nvPr>
+            <p:ph type="title"/>
+          </p:nvPr>
+        </p:nvSpPr>
+        <p:spPr/>
+        <p:txBody>
+          <a:bodyPr/>
+          <a:lstStyle/>
+          <a:p>
+            <a:r>
+              <a:rPr lang="en-US" dirty="0" smtClean="0"/>
+              <a:t>VIDEO MODELS</a:t>
+            </a:r>
+            <a:endParaRPr lang="en-US" dirty="0"/>
+          </a:p>
+        </p:txBody>
+      </p:sp>
+      <p:sp>
+        <p:nvSpPr>
+          <p:cNvPr id="5" name="Content Placeholder 4"/>
+          <p:cNvSpPr>
+            <a:spLocks noGrp="1"/>
+          </p:cNvSpPr>
+          <p:nvPr>
+            <p:ph idx="1"/>
+          </p:nvPr>
+        </p:nvSpPr>
+        <p:spPr/>
+        <p:txBody>
+          <a:bodyPr/>
+          <a:lstStyle/>
+          <a:p>
+            <a:r>
+              <a:rPr lang="en-US" dirty="0" smtClean="0"/>
+              <a:t>We’ve seen image models, but what do we do with continuous input?</a:t>
+            </a:r>
+          </a:p>
+          <a:p>
+            <a:r>
+              <a:rPr lang="en-US" dirty="0" smtClean="0"/>
+              <a:t>Sequential information in conjunction with spatial relationships</a:t>
+            </a:r>
+          </a:p>
+          <a:p>
+            <a:r>
+              <a:rPr lang="en-US" dirty="0" smtClean="0"/>
+              <a:t>Speed extremely important!</a:t>
+            </a:r>
+          </a:p>
+          <a:p>
+            <a:pPr lvl="1"/>
+            <a:r>
+              <a:rPr lang="en-US" dirty="0" smtClean="0"/>
+              <a:t>We can get 60 images a second</a:t>
+            </a:r>
+          </a:p>
+          <a:p>
+            <a:r>
+              <a:rPr lang="en-US" dirty="0" smtClean="0"/>
+              <a:t>Security cameras can detect threats without constant human surveillance</a:t>
+            </a:r>
+          </a:p>
+          <a:p>
+            <a:pPr lvl="1"/>
+            <a:r>
+              <a:rPr lang="en-US" dirty="0" smtClean="0"/>
+              <a:t>And, if you’ve seen movies… humans aren’t always the most reliable when it comes to watching security feeds</a:t>
+            </a:r>
+            <a:endParaRPr lang="en-US" dirty="0"/>
+          </a:p>
+        </p:txBody>
+      </p:sp>
+    </p:spTree>
+    <p:extLst>
+      <p:ext uri="{BB962C8B-B14F-4D97-AF65-F5344CB8AC3E}">
+        <p14:creationId xmlns:p14="http://schemas.microsoft.com/office/powerpoint/2010/main" val="113501044"/>
+      </p:ext>
+    </p:extLst>
+  </p:cSld>
+  <p:clrMapOvr>
+    <a:masterClrMapping/>
+  </p:clrMapOvr>
+</p:sld>
+</file>
+
+<file path=ppt/slides/slide31.xml><?xml version="1.0" encoding="utf-8"?>
+<p:sld xmlns:a="http://schemas.openxmlformats.org/drawingml/2006/main" xmlns:r="http://schemas.openxmlformats.org/officeDocument/2006/relationships" xmlns:p="http://schemas.openxmlformats.org/presentationml/2006/main">
+  <p:cSld>
+    <p:spTree>
+      <p:nvGrpSpPr>
+        <p:cNvPr id="1" name=""/>
+        <p:cNvGrpSpPr/>
+        <p:nvPr/>
+      </p:nvGrpSpPr>
+      <p:grpSpPr>
+        <a:xfrm>
+          <a:off x="0" y="0"/>
+          <a:ext cx="0" cy="0"/>
+          <a:chOff x="0" y="0"/>
+          <a:chExt cx="0" cy="0"/>
+        </a:xfrm>
+      </p:grpSpPr>
+      <p:sp>
+        <p:nvSpPr>
+          <p:cNvPr id="4" name="Title 3"/>
+          <p:cNvSpPr>
+            <a:spLocks noGrp="1"/>
+          </p:cNvSpPr>
+          <p:nvPr>
+            <p:ph type="title"/>
+          </p:nvPr>
+        </p:nvSpPr>
+        <p:spPr/>
+        <p:txBody>
+          <a:bodyPr/>
+          <a:lstStyle/>
+          <a:p>
+            <a:r>
+              <a:rPr lang="en-US" dirty="0" smtClean="0"/>
+              <a:t>INTERPRETABILITY</a:t>
+            </a:r>
+            <a:endParaRPr lang="en-US" dirty="0"/>
+          </a:p>
+        </p:txBody>
+      </p:sp>
+      <p:sp>
+        <p:nvSpPr>
+          <p:cNvPr id="5" name="Content Placeholder 4"/>
+          <p:cNvSpPr>
+            <a:spLocks noGrp="1"/>
+          </p:cNvSpPr>
+          <p:nvPr>
+            <p:ph idx="1"/>
+          </p:nvPr>
+        </p:nvSpPr>
+        <p:spPr/>
+        <p:txBody>
+          <a:bodyPr/>
+          <a:lstStyle/>
+          <a:p>
+            <a:r>
+              <a:rPr lang="en-US" dirty="0" smtClean="0"/>
+              <a:t>Adversarial learning</a:t>
+            </a:r>
+          </a:p>
+          <a:p>
+            <a:pPr lvl="1"/>
+            <a:r>
+              <a:rPr lang="en-US" dirty="0" smtClean="0"/>
+              <a:t>Deliberately give the net the worst possible inputs while training or testing to ‘sabotage’ it</a:t>
+            </a:r>
+          </a:p>
+          <a:p>
+            <a:pPr lvl="1"/>
+            <a:r>
+              <a:rPr lang="en-US" dirty="0" smtClean="0"/>
+              <a:t>We can learn how to train very robust models!</a:t>
+            </a:r>
+          </a:p>
+          <a:p>
+            <a:r>
+              <a:rPr lang="en-US" dirty="0" smtClean="0"/>
+              <a:t>Making small changes and seeing how that affects the predictions</a:t>
+            </a:r>
+          </a:p>
+          <a:p>
+            <a:pPr lvl="1"/>
+            <a:r>
+              <a:rPr lang="en-US" dirty="0" smtClean="0"/>
+              <a:t>Does adding a little red smudge in an image make a cat into a dog?</a:t>
+            </a:r>
+            <a:endParaRPr lang="en-US" dirty="0"/>
+          </a:p>
+        </p:txBody>
+      </p:sp>
+    </p:spTree>
+    <p:extLst>
+      <p:ext uri="{BB962C8B-B14F-4D97-AF65-F5344CB8AC3E}">
+        <p14:creationId xmlns:p14="http://schemas.microsoft.com/office/powerpoint/2010/main" val="3018532001"/>
+      </p:ext>
+    </p:extLst>
+  </p:cSld>
+  <p:clrMapOvr>
+    <a:masterClrMapping/>
+  </p:clrMapOvr>
+</p:sld>
+</file>
+
+<file path=ppt/slides/slide32.xml><?xml version="1.0" encoding="utf-8"?>
+<p:sld xmlns:a="http://schemas.openxmlformats.org/drawingml/2006/main" xmlns:r="http://schemas.openxmlformats.org/officeDocument/2006/relationships" xmlns:p="http://schemas.openxmlformats.org/presentationml/2006/main">
+  <p:cSld>
+    <p:spTree>
+      <p:nvGrpSpPr>
+        <p:cNvPr id="1" name=""/>
+        <p:cNvGrpSpPr/>
+        <p:nvPr/>
+      </p:nvGrpSpPr>
+      <p:grpSpPr>
+        <a:xfrm>
+          <a:off x="0" y="0"/>
+          <a:ext cx="0" cy="0"/>
+          <a:chOff x="0" y="0"/>
+          <a:chExt cx="0" cy="0"/>
+        </a:xfrm>
+      </p:grpSpPr>
+      <p:sp>
+        <p:nvSpPr>
+          <p:cNvPr id="4" name="Title 3"/>
+          <p:cNvSpPr>
+            <a:spLocks noGrp="1"/>
+          </p:cNvSpPr>
+          <p:nvPr>
+            <p:ph type="title"/>
+          </p:nvPr>
+        </p:nvSpPr>
+        <p:spPr/>
+        <p:txBody>
+          <a:bodyPr/>
+          <a:lstStyle/>
+          <a:p>
+            <a:r>
+              <a:rPr lang="en-US" dirty="0" smtClean="0"/>
+              <a:t>RECAP</a:t>
+            </a:r>
+            <a:endParaRPr lang="en-US" dirty="0"/>
+          </a:p>
+        </p:txBody>
+      </p:sp>
+      <p:sp>
+        <p:nvSpPr>
+          <p:cNvPr id="5" name="Content Placeholder 4"/>
+          <p:cNvSpPr>
+            <a:spLocks noGrp="1"/>
+          </p:cNvSpPr>
+          <p:nvPr>
+            <p:ph idx="1"/>
+          </p:nvPr>
+        </p:nvSpPr>
+        <p:spPr/>
+        <p:txBody>
+          <a:bodyPr/>
+          <a:lstStyle/>
+          <a:p>
+            <a:r>
+              <a:rPr lang="en-US" dirty="0" smtClean="0"/>
+              <a:t>Don’t just jump into neural networks!</a:t>
+            </a:r>
+          </a:p>
+          <a:p>
+            <a:pPr lvl="1"/>
+            <a:r>
+              <a:rPr lang="en-US" dirty="0" smtClean="0"/>
+              <a:t>Try simpler things out</a:t>
+            </a:r>
+          </a:p>
+          <a:p>
+            <a:r>
+              <a:rPr lang="en-US" dirty="0" smtClean="0"/>
+              <a:t>Extraordinarily flexible</a:t>
+            </a:r>
+          </a:p>
+          <a:p>
+            <a:r>
+              <a:rPr lang="en-US" dirty="0" smtClean="0"/>
+              <a:t>Often can outperform humans at complex tasks!</a:t>
+            </a:r>
+          </a:p>
+          <a:p>
+            <a:pPr lvl="1"/>
+            <a:r>
+              <a:rPr lang="en-US" dirty="0" smtClean="0"/>
+              <a:t>Chess, Go, </a:t>
+            </a:r>
+            <a:r>
+              <a:rPr lang="en-US" dirty="0" err="1" smtClean="0"/>
+              <a:t>etc</a:t>
+            </a:r>
+            <a:endParaRPr lang="en-US" dirty="0" smtClean="0"/>
+          </a:p>
+          <a:p>
+            <a:r>
+              <a:rPr lang="en-US" dirty="0" smtClean="0"/>
+              <a:t>Despite some significant drawbacks, neural networks are one of the most exciting developments of the 21</a:t>
+            </a:r>
+            <a:r>
+              <a:rPr lang="en-US" baseline="30000" dirty="0" smtClean="0"/>
+              <a:t>st</a:t>
+            </a:r>
+            <a:r>
+              <a:rPr lang="en-US" dirty="0" smtClean="0"/>
+              <a:t> century and can be applied to an amazing variety </a:t>
+            </a:r>
+            <a:r>
+              <a:rPr lang="en-US" smtClean="0"/>
+              <a:t>of problems</a:t>
+            </a:r>
+            <a:endParaRPr lang="en-US" dirty="0"/>
+          </a:p>
+        </p:txBody>
+      </p:sp>
+    </p:spTree>
+    <p:extLst>
+      <p:ext uri="{BB962C8B-B14F-4D97-AF65-F5344CB8AC3E}">
+        <p14:creationId xmlns:p14="http://schemas.microsoft.com/office/powerpoint/2010/main" val="825822352"/>
+      </p:ext>
+    </p:extLst>
+  </p:cSld>
+  <p:clrMapOvr>
+    <a:masterClrMapping/>
+  </p:clrMapOvr>
+</p:sld>
+</file>
+
+<file path=ppt/slides/slide33.xml><?xml version="1.0" encoding="utf-8"?>
+<p:sld xmlns:a="http://schemas.openxmlformats.org/drawingml/2006/main" xmlns:r="http://schemas.openxmlformats.org/officeDocument/2006/relationships" xmlns:p="http://schemas.openxmlformats.org/presentationml/2006/main">
+  <p:cSld>
+    <p:spTree>
+      <p:nvGrpSpPr>
+        <p:cNvPr id="1" name=""/>
+        <p:cNvGrpSpPr/>
+        <p:nvPr/>
+      </p:nvGrpSpPr>
+      <p:grpSpPr>
+        <a:xfrm>
+          <a:off x="0" y="0"/>
+          <a:ext cx="0" cy="0"/>
+          <a:chOff x="0" y="0"/>
+          <a:chExt cx="0" cy="0"/>
+        </a:xfrm>
+      </p:grpSpPr>
+      <p:sp>
+        <p:nvSpPr>
+          <p:cNvPr id="7" name="Title 6">
+            <a:extLst>
+              <a:ext uri="{FF2B5EF4-FFF2-40B4-BE49-F238E27FC236}">
+                <a16:creationId xmlns:a16="http://schemas.microsoft.com/office/drawing/2014/main" id="{495B4BC0-844B-4414-A623-BEF78AAC1BA1}"/>
+              </a:ext>
+            </a:extLst>
+          </p:cNvPr>
+          <p:cNvSpPr>
+            <a:spLocks noGrp="1"/>
+          </p:cNvSpPr>
+          <p:nvPr>
+            <p:ph type="title"/>
+          </p:nvPr>
+        </p:nvSpPr>
+        <p:spPr/>
+        <p:txBody>
+          <a:bodyPr/>
+          <a:lstStyle/>
+          <a:p>
+            <a:r>
+              <a:rPr lang="en-US" dirty="0"/>
+              <a:t>ACKNOWLEDGMENTS</a:t>
+            </a:r>
+          </a:p>
+        </p:txBody>
+      </p:sp>
+      <p:sp>
+        <p:nvSpPr>
+          <p:cNvPr id="8" name="Content Placeholder 7">
+            <a:extLst>
+              <a:ext uri="{FF2B5EF4-FFF2-40B4-BE49-F238E27FC236}">
+                <a16:creationId xmlns:a16="http://schemas.microsoft.com/office/drawing/2014/main" id="{2BED3EB3-7E98-4A82-8335-7321D9E37B16}"/>
+              </a:ext>
+            </a:extLst>
+          </p:cNvPr>
+          <p:cNvSpPr>
+            <a:spLocks noGrp="1"/>
+          </p:cNvSpPr>
+          <p:nvPr>
+            <p:ph idx="1"/>
+          </p:nvPr>
+        </p:nvSpPr>
+        <p:spPr/>
+        <p:txBody>
+          <a:bodyPr/>
+          <a:lstStyle/>
+          <a:p>
+            <a:r>
+              <a:rPr lang="en-US" dirty="0"/>
+              <a:t>TensorFlow, the TensorFlow logo, and any related marks are trademarks of Google Inc</a:t>
+            </a:r>
+            <a:r>
+              <a:rPr lang="en-US" dirty="0" smtClean="0"/>
+              <a:t>.</a:t>
+            </a:r>
+          </a:p>
+          <a:p>
+            <a:r>
+              <a:rPr lang="en-US" dirty="0" smtClean="0"/>
+              <a:t>The diagram of a neural network on the Neural Networks slide is used under the terms of CC-BY-SA 3.0 license.</a:t>
+            </a:r>
+            <a:endParaRPr lang="en-US" dirty="0"/>
+          </a:p>
+        </p:txBody>
+      </p:sp>
+      <p:sp>
+        <p:nvSpPr>
+          <p:cNvPr id="4" name="Date Placeholder 3">
+            <a:extLst>
+              <a:ext uri="{FF2B5EF4-FFF2-40B4-BE49-F238E27FC236}">
+                <a16:creationId xmlns:a16="http://schemas.microsoft.com/office/drawing/2014/main" id="{540F37F1-4F33-429F-A568-1A3ADC499E54}"/>
+              </a:ext>
+            </a:extLst>
+          </p:cNvPr>
           <p:cNvSpPr>
             <a:spLocks noGrp="1"/>
           </p:cNvSpPr>
@@ -4394,9 +8058,9 @@
           <a:bodyPr/>
           <a:lstStyle/>
           <a:p>
-            <a:fld id="{8AAE40A0-A7D8-4DC3-BC9E-BADA32DA2004}" type="datetime4">
-              <a:rPr lang="en-US" smtClean="0"/>
-              <a:t>October 28, 2019</a:t>
+            <a:fld id="{B08FEED8-D7D4-44E9-BFBC-ED06B5996D94}" type="datetime4">
+              <a:rPr lang="en-US" smtClean="0"/>
+              <a:t>November 4, 2019</a:t>
             </a:fld>
             <a:endParaRPr lang="en-US" dirty="0"/>
           </a:p>
@@ -4404,7 +8068,13 @@
       </p:sp>
       <p:sp>
         <p:nvSpPr>
-          <p:cNvPr id="5" name="Footer Placeholder 4"/>
+          <p:cNvPr id="5" name="Footer Placeholder 4">
+            <a:extLst>
+              <a:ext uri="{FF2B5EF4-FFF2-40B4-BE49-F238E27FC236}">
+                <a16:creationId xmlns:a16="http://schemas.microsoft.com/office/drawing/2014/main" id="{673FFA57-C126-4795-A5F6-DD33AAC5ACBD}"/>
+              </a:ext>
+            </a:extLst>
+          </p:cNvPr>
           <p:cNvSpPr>
             <a:spLocks noGrp="1"/>
           </p:cNvSpPr>
@@ -4418,11 +8088,11 @@
           <a:lstStyle/>
           <a:p>
             <a:r>
-              <a:rPr lang="en-US" smtClean="0"/>
+              <a:rPr lang="en-US"/>
               <a:t>Digital Scholarship Services </a:t>
             </a:r>
             <a:r>
-              <a:rPr lang="en-US" smtClean="0">
+              <a:rPr lang="en-US">
                 <a:solidFill>
                   <a:schemeClr val="accent1">
                     <a:lumMod val="50000"/>
@@ -4432,11 +8102,11 @@
               <a:t>| Email</a:t>
             </a:r>
             <a:r>
-              <a:rPr lang="en-US" smtClean="0"/>
+              <a:rPr lang="en-US"/>
               <a:t> cf24@rice.edu </a:t>
             </a:r>
             <a:r>
-              <a:rPr lang="en-US" smtClean="0">
+              <a:rPr lang="en-US">
                 <a:solidFill>
                   <a:schemeClr val="accent1">
                     <a:lumMod val="50000"/>
@@ -4446,7 +8116,7 @@
               <a:t>|</a:t>
             </a:r>
             <a:r>
-              <a:rPr lang="en-US" smtClean="0"/>
+              <a:rPr lang="en-US"/>
               <a:t> library.rice.edu/dss</a:t>
             </a:r>
             <a:endParaRPr lang="en-US" dirty="0"/>
@@ -4455,7 +8125,13 @@
       </p:sp>
       <p:sp>
         <p:nvSpPr>
-          <p:cNvPr id="6" name="Slide Number Placeholder 5"/>
+          <p:cNvPr id="6" name="Slide Number Placeholder 5">
+            <a:extLst>
+              <a:ext uri="{FF2B5EF4-FFF2-40B4-BE49-F238E27FC236}">
+                <a16:creationId xmlns:a16="http://schemas.microsoft.com/office/drawing/2014/main" id="{2FA49567-BB70-4798-8746-D0B522CCEE20}"/>
+              </a:ext>
+            </a:extLst>
+          </p:cNvPr>
           <p:cNvSpPr>
             <a:spLocks noGrp="1"/>
           </p:cNvSpPr>
@@ -4470,7 +8146,7 @@
           <a:p>
             <a:fld id="{D57F1E4F-1CFF-5643-939E-02111984F565}" type="slidenum">
               <a:rPr lang="en-US" smtClean="0"/>
-              <a:t>3</a:t>
+              <a:t>33</a:t>
             </a:fld>
             <a:endParaRPr lang="en-US" dirty="0"/>
           </a:p>
@@ -4479,7 +8155,7 @@
     </p:spTree>
     <p:extLst>
       <p:ext uri="{BB962C8B-B14F-4D97-AF65-F5344CB8AC3E}">
-        <p14:creationId xmlns:p14="http://schemas.microsoft.com/office/powerpoint/2010/main" val="2634181450"/>
+        <p14:creationId xmlns:p14="http://schemas.microsoft.com/office/powerpoint/2010/main" val="1585568494"/>
       </p:ext>
     </p:extLst>
   </p:cSld>
@@ -4523,7 +8199,14 @@
           <a:p>
             <a:r>
               <a:rPr lang="en-US" dirty="0" smtClean="0"/>
-              <a:t>LINEAR REGRESSION</a:t>
+              <a:t>WHAT IS</a:t>
+            </a:r>
+            <a:br>
+              <a:rPr lang="en-US" dirty="0" smtClean="0"/>
+            </a:br>
+            <a:r>
+              <a:rPr lang="en-US" dirty="0" smtClean="0"/>
+              <a:t>MACHINE LEARNING?</a:t>
             </a:r>
             <a:endParaRPr lang="en-US" dirty="0"/>
           </a:p>
@@ -4546,7 +8229,7 @@
           <a:p>
             <a:r>
               <a:rPr lang="en-US" dirty="0" smtClean="0"/>
-              <a:t>Simple Modeling</a:t>
+              <a:t>Regression, Classification, Artificial Intelligence, Reinforcement Learning</a:t>
             </a:r>
             <a:endParaRPr lang="en-US" dirty="0"/>
           </a:p>
@@ -4569,7 +8252,7 @@
           <a:p>
             <a:fld id="{8AAE40A0-A7D8-4DC3-BC9E-BADA32DA2004}" type="datetime4">
               <a:rPr lang="en-US" smtClean="0"/>
-              <a:t>October 28, 2019</a:t>
+              <a:t>November 4, 2019</a:t>
             </a:fld>
             <a:endParaRPr lang="en-US" dirty="0"/>
           </a:p>
@@ -4652,7 +8335,7 @@
     </p:spTree>
     <p:extLst>
       <p:ext uri="{BB962C8B-B14F-4D97-AF65-F5344CB8AC3E}">
-        <p14:creationId xmlns:p14="http://schemas.microsoft.com/office/powerpoint/2010/main" val="2415813672"/>
+        <p14:creationId xmlns:p14="http://schemas.microsoft.com/office/powerpoint/2010/main" val="2634181450"/>
       </p:ext>
     </p:extLst>
   </p:cSld>
@@ -4681,7 +8364,7 @@
       </p:grpSpPr>
       <p:sp>
         <p:nvSpPr>
-          <p:cNvPr id="7" name="Title 6"/>
+          <p:cNvPr id="4" name="Title 3"/>
           <p:cNvSpPr>
             <a:spLocks noGrp="1"/>
           </p:cNvSpPr>
@@ -4696,128 +8379,65 @@
           <a:p>
             <a:r>
               <a:rPr lang="en-US" dirty="0" smtClean="0"/>
-              <a:t>LOGISTIC REGRESSION</a:t>
-            </a:r>
-            <a:endParaRPr lang="en-US" dirty="0"/>
-          </a:p>
-        </p:txBody>
-      </p:sp>
-      <p:sp>
-        <p:nvSpPr>
-          <p:cNvPr id="8" name="Text Placeholder 7"/>
-          <p:cNvSpPr>
-            <a:spLocks noGrp="1"/>
-          </p:cNvSpPr>
-          <p:nvPr>
-            <p:ph type="body" idx="1"/>
-          </p:nvPr>
-        </p:nvSpPr>
-        <p:spPr/>
-        <p:txBody>
-          <a:bodyPr/>
-          <a:lstStyle/>
-          <a:p>
-            <a:r>
-              <a:rPr lang="en-US" dirty="0" smtClean="0"/>
-              <a:t>Not regression at all! Simple classification</a:t>
-            </a:r>
-            <a:endParaRPr lang="en-US" dirty="0"/>
-          </a:p>
-        </p:txBody>
-      </p:sp>
-      <p:sp>
-        <p:nvSpPr>
-          <p:cNvPr id="4" name="Date Placeholder 3"/>
-          <p:cNvSpPr>
-            <a:spLocks noGrp="1"/>
-          </p:cNvSpPr>
-          <p:nvPr>
-            <p:ph type="dt" sz="half" idx="10"/>
-          </p:nvPr>
-        </p:nvSpPr>
-        <p:spPr/>
-        <p:txBody>
-          <a:bodyPr/>
-          <a:lstStyle/>
-          <a:p>
-            <a:fld id="{8AAE40A0-A7D8-4DC3-BC9E-BADA32DA2004}" type="datetime4">
-              <a:rPr lang="en-US" smtClean="0"/>
-              <a:t>October 28, 2019</a:t>
-            </a:fld>
-            <a:endParaRPr lang="en-US" dirty="0"/>
-          </a:p>
-        </p:txBody>
-      </p:sp>
-      <p:sp>
-        <p:nvSpPr>
-          <p:cNvPr id="5" name="Footer Placeholder 4"/>
-          <p:cNvSpPr>
-            <a:spLocks noGrp="1"/>
-          </p:cNvSpPr>
-          <p:nvPr>
-            <p:ph type="ftr" sz="quarter" idx="11"/>
-          </p:nvPr>
-        </p:nvSpPr>
-        <p:spPr/>
-        <p:txBody>
-          <a:bodyPr/>
-          <a:lstStyle/>
-          <a:p>
-            <a:r>
-              <a:rPr lang="en-US" smtClean="0"/>
-              <a:t>Digital Scholarship Services </a:t>
-            </a:r>
-            <a:r>
-              <a:rPr lang="en-US" smtClean="0">
-                <a:solidFill>
-                  <a:schemeClr val="accent1">
-                    <a:lumMod val="50000"/>
-                  </a:schemeClr>
-                </a:solidFill>
-              </a:rPr>
-              <a:t>| Email</a:t>
-            </a:r>
-            <a:r>
-              <a:rPr lang="en-US" smtClean="0"/>
-              <a:t> cf24@rice.edu </a:t>
-            </a:r>
-            <a:r>
-              <a:rPr lang="en-US" smtClean="0">
-                <a:solidFill>
-                  <a:schemeClr val="accent1">
-                    <a:lumMod val="50000"/>
-                  </a:schemeClr>
-                </a:solidFill>
-              </a:rPr>
-              <a:t>|</a:t>
-            </a:r>
-            <a:r>
-              <a:rPr lang="en-US" smtClean="0"/>
-              <a:t> library.rice.edu/dss</a:t>
-            </a:r>
-            <a:endParaRPr lang="en-US" dirty="0"/>
-          </a:p>
-        </p:txBody>
-      </p:sp>
-      <p:sp>
-        <p:nvSpPr>
-          <p:cNvPr id="6" name="Slide Number Placeholder 5"/>
-          <p:cNvSpPr>
-            <a:spLocks noGrp="1"/>
-          </p:cNvSpPr>
-          <p:nvPr>
-            <p:ph type="sldNum" sz="quarter" idx="12"/>
-          </p:nvPr>
-        </p:nvSpPr>
-        <p:spPr/>
-        <p:txBody>
-          <a:bodyPr/>
-          <a:lstStyle/>
-          <a:p>
-            <a:fld id="{D57F1E4F-1CFF-5643-939E-02111984F565}" type="slidenum">
-              <a:rPr lang="en-US" smtClean="0"/>
-              <a:t>5</a:t>
-            </a:fld>
+              <a:t>FOUR KINDS OF MACHINE LEARNING</a:t>
+            </a:r>
+            <a:endParaRPr lang="en-US" dirty="0"/>
+          </a:p>
+        </p:txBody>
+      </p:sp>
+      <p:sp>
+        <p:nvSpPr>
+          <p:cNvPr id="5" name="Content Placeholder 4"/>
+          <p:cNvSpPr>
+            <a:spLocks noGrp="1"/>
+          </p:cNvSpPr>
+          <p:nvPr>
+            <p:ph idx="1"/>
+          </p:nvPr>
+        </p:nvSpPr>
+        <p:spPr/>
+        <p:txBody>
+          <a:bodyPr/>
+          <a:lstStyle/>
+          <a:p>
+            <a:r>
+              <a:rPr lang="en-US" dirty="0" smtClean="0"/>
+              <a:t>Machine Learning is an umbrella term</a:t>
+            </a:r>
+          </a:p>
+          <a:p>
+            <a:r>
+              <a:rPr lang="en-US" dirty="0" smtClean="0"/>
+              <a:t>As a new field, there are a lot of discussions</a:t>
+            </a:r>
+          </a:p>
+          <a:p>
+            <a:pPr lvl="1"/>
+            <a:r>
+              <a:rPr lang="en-US" dirty="0" smtClean="0"/>
+              <a:t>Electrical Engineering?</a:t>
+            </a:r>
+          </a:p>
+          <a:p>
+            <a:pPr lvl="1"/>
+            <a:r>
+              <a:rPr lang="en-US" dirty="0" smtClean="0"/>
+              <a:t>Computer Science?</a:t>
+            </a:r>
+          </a:p>
+          <a:p>
+            <a:pPr lvl="1"/>
+            <a:r>
+              <a:rPr lang="en-US" dirty="0" smtClean="0"/>
+              <a:t>Data Science?</a:t>
+            </a:r>
+          </a:p>
+          <a:p>
+            <a:pPr lvl="1"/>
+            <a:r>
+              <a:rPr lang="en-US" dirty="0" smtClean="0"/>
+              <a:t>A combination?</a:t>
+            </a:r>
             <a:endParaRPr lang="en-US" dirty="0"/>
           </a:p>
         </p:txBody>
@@ -4825,7 +8445,7 @@
     </p:spTree>
     <p:extLst>
       <p:ext uri="{BB962C8B-B14F-4D97-AF65-F5344CB8AC3E}">
-        <p14:creationId xmlns:p14="http://schemas.microsoft.com/office/powerpoint/2010/main" val="1100806539"/>
+        <p14:creationId xmlns:p14="http://schemas.microsoft.com/office/powerpoint/2010/main" val="4065137757"/>
       </p:ext>
     </p:extLst>
   </p:cSld>
@@ -4854,7 +8474,7 @@
       </p:grpSpPr>
       <p:sp>
         <p:nvSpPr>
-          <p:cNvPr id="7" name="Title 6"/>
+          <p:cNvPr id="4" name="Title 3"/>
           <p:cNvSpPr>
             <a:spLocks noGrp="1"/>
           </p:cNvSpPr>
@@ -4869,135 +8489,45 @@
           <a:p>
             <a:r>
               <a:rPr lang="en-US" dirty="0" smtClean="0"/>
-              <a:t>NEURAL NETWORKS</a:t>
-            </a:r>
-            <a:br>
-              <a:rPr lang="en-US" dirty="0" smtClean="0"/>
-            </a:br>
-            <a:r>
-              <a:rPr lang="en-US" dirty="0" smtClean="0"/>
-              <a:t>&amp; CONVOLUTION</a:t>
-            </a:r>
-            <a:endParaRPr lang="en-US" dirty="0"/>
-          </a:p>
-        </p:txBody>
-      </p:sp>
-      <p:sp>
-        <p:nvSpPr>
-          <p:cNvPr id="8" name="Text Placeholder 7"/>
-          <p:cNvSpPr>
-            <a:spLocks noGrp="1"/>
-          </p:cNvSpPr>
-          <p:nvPr>
-            <p:ph type="body" idx="1"/>
-          </p:nvPr>
-        </p:nvSpPr>
-        <p:spPr/>
-        <p:txBody>
-          <a:bodyPr/>
-          <a:lstStyle/>
-          <a:p>
-            <a:r>
-              <a:rPr lang="en-US" dirty="0" smtClean="0"/>
-              <a:t>More flexible, more costly to train and use</a:t>
-            </a:r>
-            <a:endParaRPr lang="en-US" dirty="0"/>
-          </a:p>
-        </p:txBody>
-      </p:sp>
-      <p:sp>
-        <p:nvSpPr>
-          <p:cNvPr id="4" name="Date Placeholder 3"/>
-          <p:cNvSpPr>
-            <a:spLocks noGrp="1"/>
-          </p:cNvSpPr>
-          <p:nvPr>
-            <p:ph type="dt" sz="half" idx="10"/>
-          </p:nvPr>
-        </p:nvSpPr>
-        <p:spPr/>
-        <p:txBody>
-          <a:bodyPr/>
-          <a:lstStyle/>
-          <a:p>
-            <a:fld id="{8AAE40A0-A7D8-4DC3-BC9E-BADA32DA2004}" type="datetime4">
-              <a:rPr lang="en-US" smtClean="0"/>
-              <a:t>October 28, 2019</a:t>
-            </a:fld>
-            <a:endParaRPr lang="en-US" dirty="0"/>
-          </a:p>
-        </p:txBody>
-      </p:sp>
-      <p:sp>
-        <p:nvSpPr>
-          <p:cNvPr id="5" name="Footer Placeholder 4"/>
-          <p:cNvSpPr>
-            <a:spLocks noGrp="1"/>
-          </p:cNvSpPr>
-          <p:nvPr>
-            <p:ph type="ftr" sz="quarter" idx="11"/>
-          </p:nvPr>
-        </p:nvSpPr>
-        <p:spPr/>
-        <p:txBody>
-          <a:bodyPr/>
-          <a:lstStyle/>
-          <a:p>
-            <a:r>
-              <a:rPr lang="en-US" smtClean="0"/>
-              <a:t>Digital Scholarship Services </a:t>
-            </a:r>
-            <a:r>
-              <a:rPr lang="en-US" smtClean="0">
-                <a:solidFill>
-                  <a:schemeClr val="accent1">
-                    <a:lumMod val="50000"/>
-                  </a:schemeClr>
-                </a:solidFill>
-              </a:rPr>
-              <a:t>| Email</a:t>
-            </a:r>
-            <a:r>
-              <a:rPr lang="en-US" smtClean="0"/>
-              <a:t> cf24@rice.edu </a:t>
-            </a:r>
-            <a:r>
-              <a:rPr lang="en-US" smtClean="0">
-                <a:solidFill>
-                  <a:schemeClr val="accent1">
-                    <a:lumMod val="50000"/>
-                  </a:schemeClr>
-                </a:solidFill>
-              </a:rPr>
-              <a:t>|</a:t>
-            </a:r>
-            <a:r>
-              <a:rPr lang="en-US" smtClean="0"/>
-              <a:t> library.rice.edu/dss</a:t>
-            </a:r>
-            <a:endParaRPr lang="en-US" dirty="0"/>
-          </a:p>
-        </p:txBody>
-      </p:sp>
-      <p:sp>
-        <p:nvSpPr>
-          <p:cNvPr id="6" name="Slide Number Placeholder 5"/>
-          <p:cNvSpPr>
-            <a:spLocks noGrp="1"/>
-          </p:cNvSpPr>
-          <p:nvPr>
-            <p:ph type="sldNum" sz="quarter" idx="12"/>
-          </p:nvPr>
-        </p:nvSpPr>
-        <p:spPr/>
-        <p:txBody>
-          <a:bodyPr/>
-          <a:lstStyle/>
-          <a:p>
-            <a:fld id="{D57F1E4F-1CFF-5643-939E-02111984F565}" type="slidenum">
-              <a:rPr lang="en-US" smtClean="0"/>
-              <a:t>6</a:t>
-            </a:fld>
+              <a:t>REGRESSION</a:t>
+            </a:r>
+            <a:endParaRPr lang="en-US" dirty="0"/>
+          </a:p>
+        </p:txBody>
+      </p:sp>
+      <p:sp>
+        <p:nvSpPr>
+          <p:cNvPr id="5" name="Content Placeholder 4"/>
+          <p:cNvSpPr>
+            <a:spLocks noGrp="1"/>
+          </p:cNvSpPr>
+          <p:nvPr>
+            <p:ph idx="1"/>
+          </p:nvPr>
+        </p:nvSpPr>
+        <p:spPr/>
+        <p:txBody>
+          <a:bodyPr/>
+          <a:lstStyle/>
+          <a:p>
+            <a:r>
+              <a:rPr lang="en-US" dirty="0" smtClean="0"/>
+              <a:t>Modeling problem wherein we want to predict a continuous value</a:t>
+            </a:r>
+          </a:p>
+          <a:p>
+            <a:pPr lvl="1"/>
+            <a:r>
+              <a:rPr lang="en-US" dirty="0" smtClean="0"/>
+              <a:t>i.e. the value can take a large range, not just a few</a:t>
+            </a:r>
+            <a:endParaRPr lang="en-US" dirty="0" smtClean="0"/>
+          </a:p>
+          <a:p>
+            <a:r>
+              <a:rPr lang="en-US" dirty="0" smtClean="0"/>
+              <a:t>Example: Predicting university acceptance rates from number of books in the school’s library</a:t>
+            </a:r>
             <a:endParaRPr lang="en-US" dirty="0"/>
           </a:p>
         </p:txBody>
@@ -5005,7 +8535,7 @@
     </p:spTree>
     <p:extLst>
       <p:ext uri="{BB962C8B-B14F-4D97-AF65-F5344CB8AC3E}">
-        <p14:creationId xmlns:p14="http://schemas.microsoft.com/office/powerpoint/2010/main" val="2033922517"/>
+        <p14:creationId xmlns:p14="http://schemas.microsoft.com/office/powerpoint/2010/main" val="534001452"/>
       </p:ext>
     </p:extLst>
   </p:cSld>
@@ -5034,7 +8564,7 @@
       </p:grpSpPr>
       <p:sp>
         <p:nvSpPr>
-          <p:cNvPr id="7" name="Title 6"/>
+          <p:cNvPr id="4" name="Title 3"/>
           <p:cNvSpPr>
             <a:spLocks noGrp="1"/>
           </p:cNvSpPr>
@@ -5049,128 +8579,45 @@
           <a:p>
             <a:r>
               <a:rPr lang="en-US" dirty="0" smtClean="0"/>
-              <a:t>ARTIFICIAL INTELLIGENCE</a:t>
-            </a:r>
-            <a:endParaRPr lang="en-US" dirty="0"/>
-          </a:p>
-        </p:txBody>
-      </p:sp>
-      <p:sp>
-        <p:nvSpPr>
-          <p:cNvPr id="8" name="Text Placeholder 7"/>
-          <p:cNvSpPr>
-            <a:spLocks noGrp="1"/>
-          </p:cNvSpPr>
-          <p:nvPr>
-            <p:ph type="body" idx="1"/>
-          </p:nvPr>
-        </p:nvSpPr>
-        <p:spPr/>
-        <p:txBody>
-          <a:bodyPr/>
-          <a:lstStyle/>
-          <a:p>
-            <a:r>
-              <a:rPr lang="en-US" dirty="0" smtClean="0"/>
-              <a:t>How intelligent is it?</a:t>
-            </a:r>
-            <a:endParaRPr lang="en-US" dirty="0"/>
-          </a:p>
-        </p:txBody>
-      </p:sp>
-      <p:sp>
-        <p:nvSpPr>
-          <p:cNvPr id="4" name="Date Placeholder 3"/>
-          <p:cNvSpPr>
-            <a:spLocks noGrp="1"/>
-          </p:cNvSpPr>
-          <p:nvPr>
-            <p:ph type="dt" sz="half" idx="10"/>
-          </p:nvPr>
-        </p:nvSpPr>
-        <p:spPr/>
-        <p:txBody>
-          <a:bodyPr/>
-          <a:lstStyle/>
-          <a:p>
-            <a:fld id="{8AAE40A0-A7D8-4DC3-BC9E-BADA32DA2004}" type="datetime4">
-              <a:rPr lang="en-US" smtClean="0"/>
-              <a:t>October 28, 2019</a:t>
-            </a:fld>
-            <a:endParaRPr lang="en-US" dirty="0"/>
-          </a:p>
-        </p:txBody>
-      </p:sp>
-      <p:sp>
-        <p:nvSpPr>
-          <p:cNvPr id="5" name="Footer Placeholder 4"/>
-          <p:cNvSpPr>
-            <a:spLocks noGrp="1"/>
-          </p:cNvSpPr>
-          <p:nvPr>
-            <p:ph type="ftr" sz="quarter" idx="11"/>
-          </p:nvPr>
-        </p:nvSpPr>
-        <p:spPr/>
-        <p:txBody>
-          <a:bodyPr/>
-          <a:lstStyle/>
-          <a:p>
-            <a:r>
-              <a:rPr lang="en-US" smtClean="0"/>
-              <a:t>Digital Scholarship Services </a:t>
-            </a:r>
-            <a:r>
-              <a:rPr lang="en-US" smtClean="0">
-                <a:solidFill>
-                  <a:schemeClr val="accent1">
-                    <a:lumMod val="50000"/>
-                  </a:schemeClr>
-                </a:solidFill>
-              </a:rPr>
-              <a:t>| Email</a:t>
-            </a:r>
-            <a:r>
-              <a:rPr lang="en-US" smtClean="0"/>
-              <a:t> cf24@rice.edu </a:t>
-            </a:r>
-            <a:r>
-              <a:rPr lang="en-US" smtClean="0">
-                <a:solidFill>
-                  <a:schemeClr val="accent1">
-                    <a:lumMod val="50000"/>
-                  </a:schemeClr>
-                </a:solidFill>
-              </a:rPr>
-              <a:t>|</a:t>
-            </a:r>
-            <a:r>
-              <a:rPr lang="en-US" smtClean="0"/>
-              <a:t> library.rice.edu/dss</a:t>
-            </a:r>
-            <a:endParaRPr lang="en-US" dirty="0"/>
-          </a:p>
-        </p:txBody>
-      </p:sp>
-      <p:sp>
-        <p:nvSpPr>
-          <p:cNvPr id="6" name="Slide Number Placeholder 5"/>
-          <p:cNvSpPr>
-            <a:spLocks noGrp="1"/>
-          </p:cNvSpPr>
-          <p:nvPr>
-            <p:ph type="sldNum" sz="quarter" idx="12"/>
-          </p:nvPr>
-        </p:nvSpPr>
-        <p:spPr/>
-        <p:txBody>
-          <a:bodyPr/>
-          <a:lstStyle/>
-          <a:p>
-            <a:fld id="{D57F1E4F-1CFF-5643-939E-02111984F565}" type="slidenum">
-              <a:rPr lang="en-US" smtClean="0"/>
-              <a:t>7</a:t>
-            </a:fld>
+              <a:t>CLASSIFICATION</a:t>
+            </a:r>
+            <a:endParaRPr lang="en-US" dirty="0"/>
+          </a:p>
+        </p:txBody>
+      </p:sp>
+      <p:sp>
+        <p:nvSpPr>
+          <p:cNvPr id="5" name="Content Placeholder 4"/>
+          <p:cNvSpPr>
+            <a:spLocks noGrp="1"/>
+          </p:cNvSpPr>
+          <p:nvPr>
+            <p:ph idx="1"/>
+          </p:nvPr>
+        </p:nvSpPr>
+        <p:spPr/>
+        <p:txBody>
+          <a:bodyPr/>
+          <a:lstStyle/>
+          <a:p>
+            <a:r>
+              <a:rPr lang="en-US" dirty="0" smtClean="0"/>
+              <a:t>Modeling problem wherein we want to predict a membership</a:t>
+            </a:r>
+          </a:p>
+          <a:p>
+            <a:pPr lvl="1"/>
+            <a:r>
+              <a:rPr lang="en-US" dirty="0" smtClean="0"/>
+              <a:t>i.e. there are a limited number of groups and we want to know which one to assign this example to</a:t>
+            </a:r>
+            <a:endParaRPr lang="en-US" dirty="0" smtClean="0"/>
+          </a:p>
+          <a:p>
+            <a:r>
+              <a:rPr lang="en-US" dirty="0" smtClean="0"/>
+              <a:t>Example: Predicting whether an image is of a cat or a dog</a:t>
+            </a:r>
             <a:endParaRPr lang="en-US" dirty="0"/>
           </a:p>
         </p:txBody>
@@ -5178,7 +8625,7 @@
     </p:spTree>
     <p:extLst>
       <p:ext uri="{BB962C8B-B14F-4D97-AF65-F5344CB8AC3E}">
-        <p14:creationId xmlns:p14="http://schemas.microsoft.com/office/powerpoint/2010/main" val="2833101456"/>
+        <p14:creationId xmlns:p14="http://schemas.microsoft.com/office/powerpoint/2010/main" val="1517172352"/>
       </p:ext>
     </p:extLst>
   </p:cSld>
@@ -5222,7 +8669,7 @@
           <a:p>
             <a:r>
               <a:rPr lang="en-US" dirty="0" smtClean="0"/>
-              <a:t>PERCEPTRONS</a:t>
+              <a:t>REINFORCEMENT LEARNING</a:t>
             </a:r>
             <a:endParaRPr lang="en-US" dirty="0"/>
           </a:p>
@@ -5242,6 +8689,31 @@
         <p:txBody>
           <a:bodyPr/>
           <a:lstStyle/>
+          <a:p>
+            <a:r>
+              <a:rPr lang="en-US" dirty="0"/>
+              <a:t>Modeling </a:t>
+            </a:r>
+            <a:r>
+              <a:rPr lang="en-US" dirty="0" smtClean="0"/>
+              <a:t>problem wherein we have sequential, continuous input and feedback from the model interacting with the environment</a:t>
+            </a:r>
+          </a:p>
+          <a:p>
+            <a:r>
+              <a:rPr lang="en-US" dirty="0" smtClean="0"/>
+              <a:t>Example</a:t>
+            </a:r>
+            <a:r>
+              <a:rPr lang="en-US" dirty="0"/>
+              <a:t>: </a:t>
+            </a:r>
+            <a:r>
+              <a:rPr lang="en-US" dirty="0" smtClean="0"/>
+              <a:t>Trying to get out of a maze, and changing our algorithm based on how long it took to get out (maybe by switching from random choice to always turning left)</a:t>
+            </a:r>
+            <a:endParaRPr lang="en-US" dirty="0" smtClean="0"/>
+          </a:p>
           <a:p>
             <a:endParaRPr lang="en-US" dirty="0"/>
           </a:p>
@@ -5250,7 +8722,7 @@
     </p:spTree>
     <p:extLst>
       <p:ext uri="{BB962C8B-B14F-4D97-AF65-F5344CB8AC3E}">
-        <p14:creationId xmlns:p14="http://schemas.microsoft.com/office/powerpoint/2010/main" val="4246251967"/>
+        <p14:creationId xmlns:p14="http://schemas.microsoft.com/office/powerpoint/2010/main" val="1326114256"/>
       </p:ext>
     </p:extLst>
   </p:cSld>
@@ -5279,7 +8751,7 @@
       </p:grpSpPr>
       <p:sp>
         <p:nvSpPr>
-          <p:cNvPr id="7" name="Title 6"/>
+          <p:cNvPr id="4" name="Title 3"/>
           <p:cNvSpPr>
             <a:spLocks noGrp="1"/>
           </p:cNvSpPr>
@@ -5294,128 +8766,58 @@
           <a:p>
             <a:r>
               <a:rPr lang="en-US" dirty="0" smtClean="0"/>
-              <a:t>FURTHER DIRECTIONS</a:t>
-            </a:r>
-            <a:endParaRPr lang="en-US" dirty="0"/>
-          </a:p>
-        </p:txBody>
-      </p:sp>
-      <p:sp>
-        <p:nvSpPr>
-          <p:cNvPr id="8" name="Text Placeholder 7"/>
-          <p:cNvSpPr>
-            <a:spLocks noGrp="1"/>
-          </p:cNvSpPr>
-          <p:nvPr>
-            <p:ph type="body" idx="1"/>
-          </p:nvPr>
-        </p:nvSpPr>
-        <p:spPr/>
-        <p:txBody>
-          <a:bodyPr/>
-          <a:lstStyle/>
-          <a:p>
-            <a:r>
-              <a:rPr lang="en-US" dirty="0" smtClean="0"/>
-              <a:t>An overview of current research topics</a:t>
-            </a:r>
-            <a:endParaRPr lang="en-US" dirty="0"/>
-          </a:p>
-        </p:txBody>
-      </p:sp>
-      <p:sp>
-        <p:nvSpPr>
-          <p:cNvPr id="4" name="Date Placeholder 3"/>
-          <p:cNvSpPr>
-            <a:spLocks noGrp="1"/>
-          </p:cNvSpPr>
-          <p:nvPr>
-            <p:ph type="dt" sz="half" idx="10"/>
-          </p:nvPr>
-        </p:nvSpPr>
-        <p:spPr/>
-        <p:txBody>
-          <a:bodyPr/>
-          <a:lstStyle/>
-          <a:p>
-            <a:fld id="{8AAE40A0-A7D8-4DC3-BC9E-BADA32DA2004}" type="datetime4">
-              <a:rPr lang="en-US" smtClean="0"/>
-              <a:t>October 28, 2019</a:t>
-            </a:fld>
-            <a:endParaRPr lang="en-US" dirty="0"/>
-          </a:p>
-        </p:txBody>
-      </p:sp>
-      <p:sp>
-        <p:nvSpPr>
-          <p:cNvPr id="5" name="Footer Placeholder 4"/>
-          <p:cNvSpPr>
-            <a:spLocks noGrp="1"/>
-          </p:cNvSpPr>
-          <p:nvPr>
-            <p:ph type="ftr" sz="quarter" idx="11"/>
-          </p:nvPr>
-        </p:nvSpPr>
-        <p:spPr/>
-        <p:txBody>
-          <a:bodyPr/>
-          <a:lstStyle/>
-          <a:p>
-            <a:r>
-              <a:rPr lang="en-US" smtClean="0"/>
-              <a:t>Digital Scholarship Services </a:t>
-            </a:r>
-            <a:r>
-              <a:rPr lang="en-US" smtClean="0">
-                <a:solidFill>
-                  <a:schemeClr val="accent1">
-                    <a:lumMod val="50000"/>
-                  </a:schemeClr>
-                </a:solidFill>
-              </a:rPr>
-              <a:t>| Email</a:t>
-            </a:r>
-            <a:r>
-              <a:rPr lang="en-US" smtClean="0"/>
-              <a:t> cf24@rice.edu </a:t>
-            </a:r>
-            <a:r>
-              <a:rPr lang="en-US" smtClean="0">
-                <a:solidFill>
-                  <a:schemeClr val="accent1">
-                    <a:lumMod val="50000"/>
-                  </a:schemeClr>
-                </a:solidFill>
-              </a:rPr>
-              <a:t>|</a:t>
-            </a:r>
-            <a:r>
-              <a:rPr lang="en-US" smtClean="0"/>
-              <a:t> library.rice.edu/dss</a:t>
-            </a:r>
-            <a:endParaRPr lang="en-US" dirty="0"/>
-          </a:p>
-        </p:txBody>
-      </p:sp>
-      <p:sp>
-        <p:nvSpPr>
-          <p:cNvPr id="6" name="Slide Number Placeholder 5"/>
-          <p:cNvSpPr>
-            <a:spLocks noGrp="1"/>
-          </p:cNvSpPr>
-          <p:nvPr>
-            <p:ph type="sldNum" sz="quarter" idx="12"/>
-          </p:nvPr>
-        </p:nvSpPr>
-        <p:spPr/>
-        <p:txBody>
-          <a:bodyPr/>
-          <a:lstStyle/>
-          <a:p>
-            <a:fld id="{D57F1E4F-1CFF-5643-939E-02111984F565}" type="slidenum">
-              <a:rPr lang="en-US" smtClean="0"/>
-              <a:t>9</a:t>
-            </a:fld>
+              <a:t>ARTIFICIAL INTELLIGENCE</a:t>
+            </a:r>
+            <a:endParaRPr lang="en-US" dirty="0"/>
+          </a:p>
+        </p:txBody>
+      </p:sp>
+      <p:sp>
+        <p:nvSpPr>
+          <p:cNvPr id="5" name="Content Placeholder 4"/>
+          <p:cNvSpPr>
+            <a:spLocks noGrp="1"/>
+          </p:cNvSpPr>
+          <p:nvPr>
+            <p:ph idx="1"/>
+          </p:nvPr>
+        </p:nvSpPr>
+        <p:spPr/>
+        <p:txBody>
+          <a:bodyPr/>
+          <a:lstStyle/>
+          <a:p>
+            <a:r>
+              <a:rPr lang="en-US" dirty="0" smtClean="0"/>
+              <a:t>A very vague phrase with tons of possible meanings</a:t>
+            </a:r>
+          </a:p>
+          <a:p>
+            <a:r>
+              <a:rPr lang="en-US" dirty="0"/>
+              <a:t>Modeling technique </a:t>
+            </a:r>
+            <a:r>
+              <a:rPr lang="en-US" dirty="0" smtClean="0"/>
+              <a:t>wherein we use artificial neural networks to produce more in-depth results</a:t>
+            </a:r>
+          </a:p>
+          <a:p>
+            <a:r>
+              <a:rPr lang="en-US" dirty="0" smtClean="0"/>
+              <a:t>Example</a:t>
+            </a:r>
+            <a:r>
+              <a:rPr lang="en-US" dirty="0"/>
+              <a:t>: Predicting whether an image is of a cat or a </a:t>
+            </a:r>
+            <a:r>
+              <a:rPr lang="en-US" dirty="0" smtClean="0"/>
+              <a:t>dog using neural networks</a:t>
+            </a:r>
+            <a:endParaRPr lang="en-US" dirty="0" smtClean="0"/>
+          </a:p>
+          <a:p>
             <a:endParaRPr lang="en-US" dirty="0"/>
           </a:p>
         </p:txBody>
@@ -5423,7 +8825,7 @@
     </p:spTree>
     <p:extLst>
       <p:ext uri="{BB962C8B-B14F-4D97-AF65-F5344CB8AC3E}">
-        <p14:creationId xmlns:p14="http://schemas.microsoft.com/office/powerpoint/2010/main" val="1706520227"/>
+        <p14:creationId xmlns:p14="http://schemas.microsoft.com/office/powerpoint/2010/main" val="599699102"/>
       </p:ext>
     </p:extLst>
   </p:cSld>

--- a/tf/Introduction to TensorFlow.pptx
+++ b/tf/Introduction to TensorFlow.pptx
@@ -5,7 +5,7 @@
     <p:sldMasterId id="2147483707" r:id="rId1"/>
   </p:sldMasterIdLst>
   <p:notesMasterIdLst>
-    <p:notesMasterId r:id="rId35"/>
+    <p:notesMasterId r:id="rId37"/>
   </p:notesMasterIdLst>
   <p:sldIdLst>
     <p:sldId id="266" r:id="rId2"/>
@@ -32,15 +32,17 @@
     <p:sldId id="298" r:id="rId23"/>
     <p:sldId id="272" r:id="rId24"/>
     <p:sldId id="294" r:id="rId25"/>
-    <p:sldId id="275" r:id="rId26"/>
-    <p:sldId id="276" r:id="rId27"/>
-    <p:sldId id="299" r:id="rId28"/>
-    <p:sldId id="274" r:id="rId29"/>
-    <p:sldId id="277" r:id="rId30"/>
-    <p:sldId id="278" r:id="rId31"/>
-    <p:sldId id="279" r:id="rId32"/>
-    <p:sldId id="300" r:id="rId33"/>
-    <p:sldId id="268" r:id="rId34"/>
+    <p:sldId id="301" r:id="rId26"/>
+    <p:sldId id="302" r:id="rId27"/>
+    <p:sldId id="275" r:id="rId28"/>
+    <p:sldId id="276" r:id="rId29"/>
+    <p:sldId id="299" r:id="rId30"/>
+    <p:sldId id="274" r:id="rId31"/>
+    <p:sldId id="277" r:id="rId32"/>
+    <p:sldId id="278" r:id="rId33"/>
+    <p:sldId id="279" r:id="rId34"/>
+    <p:sldId id="300" r:id="rId35"/>
+    <p:sldId id="268" r:id="rId36"/>
   </p:sldIdLst>
   <p:sldSz cx="12192000" cy="6858000"/>
   <p:notesSz cx="6858000" cy="9144000"/>
@@ -6673,7 +6675,7 @@
           <a:p>
             <a:r>
               <a:rPr lang="en-US" dirty="0" smtClean="0"/>
-              <a:t>WHY CONVOLUTION NEURAL NETS?</a:t>
+              <a:t>WHY CONVOLUTION &amp; NEURAL NETS?</a:t>
             </a:r>
             <a:endParaRPr lang="en-US" dirty="0"/>
           </a:p>
@@ -6862,7 +6864,7 @@
       </p:grpSpPr>
       <p:sp>
         <p:nvSpPr>
-          <p:cNvPr id="7" name="Title 6"/>
+          <p:cNvPr id="2" name="Title 1"/>
           <p:cNvSpPr>
             <a:spLocks noGrp="1"/>
           </p:cNvSpPr>
@@ -6877,30 +6879,7 @@
           <a:p>
             <a:r>
               <a:rPr lang="en-US" dirty="0" smtClean="0"/>
-              <a:t>ARTIFICIAL INTELLIGENCE</a:t>
-            </a:r>
-            <a:endParaRPr lang="en-US" dirty="0"/>
-          </a:p>
-        </p:txBody>
-      </p:sp>
-      <p:sp>
-        <p:nvSpPr>
-          <p:cNvPr id="8" name="Text Placeholder 7"/>
-          <p:cNvSpPr>
-            <a:spLocks noGrp="1"/>
-          </p:cNvSpPr>
-          <p:nvPr>
-            <p:ph type="body" idx="1"/>
-          </p:nvPr>
-        </p:nvSpPr>
-        <p:spPr/>
-        <p:txBody>
-          <a:bodyPr/>
-          <a:lstStyle/>
-          <a:p>
-            <a:r>
-              <a:rPr lang="en-US" dirty="0" smtClean="0"/>
-              <a:t>How intelligent is it?</a:t>
+              <a:t>SAMPLE CNN ARCHITECTURE</a:t>
             </a:r>
             <a:endParaRPr lang="en-US" dirty="0"/>
           </a:p>
@@ -6923,7 +6902,7 @@
           <a:p>
             <a:fld id="{8AAE40A0-A7D8-4DC3-BC9E-BADA32DA2004}" type="datetime4">
               <a:rPr lang="en-US" smtClean="0"/>
-              <a:t>November 4, 2019</a:t>
+              <a:t>November 6, 2019</a:t>
             </a:fld>
             <a:endParaRPr lang="en-US" dirty="0"/>
           </a:p>
@@ -7003,10 +6982,51 @@
           </a:p>
         </p:txBody>
       </p:sp>
+      <p:pic>
+        <p:nvPicPr>
+          <p:cNvPr id="2050" name="Picture 2" descr="https://upload.wikimedia.org/wikipedia/commons/6/63/Typical_cnn.png"/>
+          <p:cNvPicPr>
+            <a:picLocks noChangeAspect="1" noChangeArrowheads="1"/>
+          </p:cNvPicPr>
+          <p:nvPr/>
+        </p:nvPicPr>
+        <p:blipFill>
+          <a:blip r:embed="rId2">
+            <a:extLst>
+              <a:ext uri="{28A0092B-C50C-407E-A947-70E740481C1C}">
+                <a14:useLocalDpi xmlns:a14="http://schemas.microsoft.com/office/drawing/2010/main" val="0"/>
+              </a:ext>
+            </a:extLst>
+          </a:blip>
+          <a:srcRect/>
+          <a:stretch>
+            <a:fillRect/>
+          </a:stretch>
+        </p:blipFill>
+        <p:spPr bwMode="auto">
+          <a:xfrm>
+            <a:off x="1143000" y="2477293"/>
+            <a:ext cx="9906000" cy="3048001"/>
+          </a:xfrm>
+          <a:prstGeom prst="rect">
+            <a:avLst/>
+          </a:prstGeom>
+          <a:noFill/>
+          <a:extLst>
+            <a:ext uri="{909E8E84-426E-40DD-AFC4-6F175D3DCCD1}">
+              <a14:hiddenFill xmlns:a14="http://schemas.microsoft.com/office/drawing/2010/main">
+                <a:solidFill>
+                  <a:srgbClr val="FFFFFF"/>
+                </a:solidFill>
+              </a14:hiddenFill>
+            </a:ext>
+          </a:extLst>
+        </p:spPr>
+      </p:pic>
     </p:spTree>
     <p:extLst>
       <p:ext uri="{BB962C8B-B14F-4D97-AF65-F5344CB8AC3E}">
-        <p14:creationId xmlns:p14="http://schemas.microsoft.com/office/powerpoint/2010/main" val="2833101456"/>
+        <p14:creationId xmlns:p14="http://schemas.microsoft.com/office/powerpoint/2010/main" val="3754848722"/>
       </p:ext>
     </p:extLst>
   </p:cSld>
@@ -7035,7 +7055,7 @@
       </p:grpSpPr>
       <p:sp>
         <p:nvSpPr>
-          <p:cNvPr id="4" name="Title 3"/>
+          <p:cNvPr id="2" name="Title 1"/>
           <p:cNvSpPr>
             <a:spLocks noGrp="1"/>
           </p:cNvSpPr>
@@ -7050,15 +7070,15 @@
           <a:p>
             <a:r>
               <a:rPr lang="en-US" dirty="0" smtClean="0"/>
-              <a:t>PERCEPTRONS</a:t>
-            </a:r>
-            <a:endParaRPr lang="en-US" dirty="0"/>
-          </a:p>
-        </p:txBody>
-      </p:sp>
-      <p:sp>
-        <p:nvSpPr>
-          <p:cNvPr id="5" name="Content Placeholder 4"/>
+              <a:t>INTERPRETING LAYERS</a:t>
+            </a:r>
+            <a:endParaRPr lang="en-US" dirty="0"/>
+          </a:p>
+        </p:txBody>
+      </p:sp>
+      <p:sp>
+        <p:nvSpPr>
+          <p:cNvPr id="3" name="Content Placeholder 2"/>
           <p:cNvSpPr>
             <a:spLocks noGrp="1"/>
           </p:cNvSpPr>
@@ -7073,34 +7093,125 @@
           <a:p>
             <a:r>
               <a:rPr lang="en-US" dirty="0" smtClean="0"/>
-              <a:t>Similar to logistic regression, but sequential updates</a:t>
+              <a:t>Subsampling</a:t>
             </a:r>
           </a:p>
           <a:p>
             <a:pPr lvl="1"/>
             <a:r>
               <a:rPr lang="en-US" dirty="0" smtClean="0"/>
-              <a:t>Responding to the environment!</a:t>
-            </a:r>
-          </a:p>
-          <a:p>
-            <a:r>
-              <a:rPr lang="en-US" dirty="0" smtClean="0"/>
-              <a:t>Idea: come in with a hypothesis of how to divide two classes</a:t>
+              <a:t>Condensing information, zooming in/out</a:t>
+            </a:r>
+          </a:p>
+          <a:p>
+            <a:r>
+              <a:rPr lang="en-US" dirty="0" smtClean="0"/>
+              <a:t>Convolutions</a:t>
             </a:r>
           </a:p>
           <a:p>
             <a:pPr lvl="1"/>
             <a:r>
               <a:rPr lang="en-US" dirty="0" smtClean="0"/>
-              <a:t>Perform updates until we can divide them fully (or give up)</a:t>
-            </a:r>
-          </a:p>
-          <a:p>
-            <a:r>
-              <a:rPr lang="en-US" dirty="0" smtClean="0"/>
-              <a:t>This can be seen as a single neuron in a neural net</a:t>
-            </a:r>
+              <a:t>Extracting features</a:t>
+            </a:r>
+            <a:endParaRPr lang="en-US" dirty="0"/>
+          </a:p>
+        </p:txBody>
+      </p:sp>
+      <p:sp>
+        <p:nvSpPr>
+          <p:cNvPr id="4" name="Date Placeholder 3"/>
+          <p:cNvSpPr>
+            <a:spLocks noGrp="1"/>
+          </p:cNvSpPr>
+          <p:nvPr>
+            <p:ph type="dt" sz="half" idx="10"/>
+          </p:nvPr>
+        </p:nvSpPr>
+        <p:spPr/>
+        <p:txBody>
+          <a:bodyPr/>
+          <a:lstStyle/>
+          <a:p>
+            <a:fld id="{8AAE40A0-A7D8-4DC3-BC9E-BADA32DA2004}" type="datetime4">
+              <a:rPr lang="en-US" smtClean="0"/>
+              <a:t>November 6, 2019</a:t>
+            </a:fld>
+            <a:endParaRPr lang="en-US" dirty="0"/>
+          </a:p>
+        </p:txBody>
+      </p:sp>
+      <p:sp>
+        <p:nvSpPr>
+          <p:cNvPr id="5" name="Footer Placeholder 4"/>
+          <p:cNvSpPr>
+            <a:spLocks noGrp="1"/>
+          </p:cNvSpPr>
+          <p:nvPr>
+            <p:ph type="ftr" sz="quarter" idx="11"/>
+          </p:nvPr>
+        </p:nvSpPr>
+        <p:spPr/>
+        <p:txBody>
+          <a:bodyPr/>
+          <a:lstStyle/>
+          <a:p>
+            <a:r>
+              <a:rPr lang="en-US" smtClean="0"/>
+              <a:t>Digital Scholarship Services </a:t>
+            </a:r>
+            <a:r>
+              <a:rPr lang="en-US" smtClean="0">
+                <a:solidFill>
+                  <a:schemeClr val="accent1">
+                    <a:lumMod val="50000"/>
+                  </a:schemeClr>
+                </a:solidFill>
+              </a:rPr>
+              <a:t>| Email</a:t>
+            </a:r>
+            <a:r>
+              <a:rPr lang="en-US" smtClean="0"/>
+              <a:t> cf24@rice.edu </a:t>
+            </a:r>
+            <a:r>
+              <a:rPr lang="en-US" smtClean="0">
+                <a:solidFill>
+                  <a:schemeClr val="accent1">
+                    <a:lumMod val="50000"/>
+                  </a:schemeClr>
+                </a:solidFill>
+              </a:rPr>
+              <a:t>|</a:t>
+            </a:r>
+            <a:r>
+              <a:rPr lang="en-US" smtClean="0"/>
+              <a:t> library.rice.edu/dss</a:t>
+            </a:r>
+            <a:endParaRPr lang="en-US" dirty="0"/>
+          </a:p>
+        </p:txBody>
+      </p:sp>
+      <p:sp>
+        <p:nvSpPr>
+          <p:cNvPr id="6" name="Slide Number Placeholder 5"/>
+          <p:cNvSpPr>
+            <a:spLocks noGrp="1"/>
+          </p:cNvSpPr>
+          <p:nvPr>
+            <p:ph type="sldNum" sz="quarter" idx="12"/>
+          </p:nvPr>
+        </p:nvSpPr>
+        <p:spPr/>
+        <p:txBody>
+          <a:bodyPr/>
+          <a:lstStyle/>
+          <a:p>
+            <a:fld id="{D57F1E4F-1CFF-5643-939E-02111984F565}" type="slidenum">
+              <a:rPr lang="en-US" smtClean="0"/>
+              <a:t>26</a:t>
+            </a:fld>
             <a:endParaRPr lang="en-US" dirty="0"/>
           </a:p>
         </p:txBody>
@@ -7108,7 +7219,7 @@
     </p:spTree>
     <p:extLst>
       <p:ext uri="{BB962C8B-B14F-4D97-AF65-F5344CB8AC3E}">
-        <p14:creationId xmlns:p14="http://schemas.microsoft.com/office/powerpoint/2010/main" val="4246251967"/>
+        <p14:creationId xmlns:p14="http://schemas.microsoft.com/office/powerpoint/2010/main" val="2646231901"/>
       </p:ext>
     </p:extLst>
   </p:cSld>
@@ -7137,7 +7248,7 @@
       </p:grpSpPr>
       <p:sp>
         <p:nvSpPr>
-          <p:cNvPr id="4" name="Title 3"/>
+          <p:cNvPr id="7" name="Title 6"/>
           <p:cNvSpPr>
             <a:spLocks noGrp="1"/>
           </p:cNvSpPr>
@@ -7152,64 +7263,128 @@
           <a:p>
             <a:r>
               <a:rPr lang="en-US" dirty="0" smtClean="0"/>
-              <a:t>NEURAL NETS AND AI</a:t>
-            </a:r>
-            <a:endParaRPr lang="en-US" dirty="0"/>
-          </a:p>
-        </p:txBody>
-      </p:sp>
-      <p:sp>
-        <p:nvSpPr>
-          <p:cNvPr id="5" name="Content Placeholder 4"/>
-          <p:cNvSpPr>
-            <a:spLocks noGrp="1"/>
-          </p:cNvSpPr>
-          <p:nvPr>
-            <p:ph idx="1"/>
-          </p:nvPr>
-        </p:nvSpPr>
-        <p:spPr/>
-        <p:txBody>
-          <a:bodyPr/>
-          <a:lstStyle/>
-          <a:p>
-            <a:r>
-              <a:rPr lang="en-US" dirty="0" smtClean="0"/>
-              <a:t>We can do the same thing we’ve done with other problems</a:t>
-            </a:r>
-          </a:p>
-          <a:p>
-            <a:pPr lvl="1"/>
-            <a:r>
-              <a:rPr lang="en-US" dirty="0" smtClean="0"/>
-              <a:t>Throw neural nets at them and see what happens!</a:t>
-            </a:r>
-          </a:p>
-          <a:p>
-            <a:r>
-              <a:rPr lang="en-US" dirty="0" smtClean="0"/>
-              <a:t>Neural nets are incredibly good in the context of AI</a:t>
-            </a:r>
-          </a:p>
-          <a:p>
-            <a:r>
-              <a:rPr lang="en-US" dirty="0" smtClean="0"/>
-              <a:t>Recently, for the first time in the game of Go, a computer beat the highest-ranked human player</a:t>
-            </a:r>
-          </a:p>
-          <a:p>
-            <a:pPr lvl="1"/>
-            <a:r>
-              <a:rPr lang="en-US" dirty="0" smtClean="0"/>
-              <a:t>This happened in chess in 1997</a:t>
-            </a:r>
-          </a:p>
-          <a:p>
-            <a:pPr lvl="1"/>
-            <a:r>
-              <a:rPr lang="en-US" dirty="0" smtClean="0"/>
-              <a:t>Only possible due to amazing advancements in artificial intelligence!</a:t>
-            </a:r>
+              <a:t>ARTIFICIAL INTELLIGENCE</a:t>
+            </a:r>
+            <a:endParaRPr lang="en-US" dirty="0"/>
+          </a:p>
+        </p:txBody>
+      </p:sp>
+      <p:sp>
+        <p:nvSpPr>
+          <p:cNvPr id="8" name="Text Placeholder 7"/>
+          <p:cNvSpPr>
+            <a:spLocks noGrp="1"/>
+          </p:cNvSpPr>
+          <p:nvPr>
+            <p:ph type="body" idx="1"/>
+          </p:nvPr>
+        </p:nvSpPr>
+        <p:spPr/>
+        <p:txBody>
+          <a:bodyPr/>
+          <a:lstStyle/>
+          <a:p>
+            <a:r>
+              <a:rPr lang="en-US" dirty="0" smtClean="0"/>
+              <a:t>How intelligent is it?</a:t>
+            </a:r>
+            <a:endParaRPr lang="en-US" dirty="0"/>
+          </a:p>
+        </p:txBody>
+      </p:sp>
+      <p:sp>
+        <p:nvSpPr>
+          <p:cNvPr id="4" name="Date Placeholder 3"/>
+          <p:cNvSpPr>
+            <a:spLocks noGrp="1"/>
+          </p:cNvSpPr>
+          <p:nvPr>
+            <p:ph type="dt" sz="half" idx="10"/>
+          </p:nvPr>
+        </p:nvSpPr>
+        <p:spPr/>
+        <p:txBody>
+          <a:bodyPr/>
+          <a:lstStyle/>
+          <a:p>
+            <a:fld id="{8AAE40A0-A7D8-4DC3-BC9E-BADA32DA2004}" type="datetime4">
+              <a:rPr lang="en-US" smtClean="0"/>
+              <a:t>November 4, 2019</a:t>
+            </a:fld>
+            <a:endParaRPr lang="en-US" dirty="0"/>
+          </a:p>
+        </p:txBody>
+      </p:sp>
+      <p:sp>
+        <p:nvSpPr>
+          <p:cNvPr id="5" name="Footer Placeholder 4"/>
+          <p:cNvSpPr>
+            <a:spLocks noGrp="1"/>
+          </p:cNvSpPr>
+          <p:nvPr>
+            <p:ph type="ftr" sz="quarter" idx="11"/>
+          </p:nvPr>
+        </p:nvSpPr>
+        <p:spPr/>
+        <p:txBody>
+          <a:bodyPr/>
+          <a:lstStyle/>
+          <a:p>
+            <a:r>
+              <a:rPr lang="en-US" smtClean="0"/>
+              <a:t>Digital Scholarship Services </a:t>
+            </a:r>
+            <a:r>
+              <a:rPr lang="en-US" smtClean="0">
+                <a:solidFill>
+                  <a:schemeClr val="accent1">
+                    <a:lumMod val="50000"/>
+                  </a:schemeClr>
+                </a:solidFill>
+              </a:rPr>
+              <a:t>| Email</a:t>
+            </a:r>
+            <a:r>
+              <a:rPr lang="en-US" smtClean="0"/>
+              <a:t> cf24@rice.edu </a:t>
+            </a:r>
+            <a:r>
+              <a:rPr lang="en-US" smtClean="0">
+                <a:solidFill>
+                  <a:schemeClr val="accent1">
+                    <a:lumMod val="50000"/>
+                  </a:schemeClr>
+                </a:solidFill>
+              </a:rPr>
+              <a:t>|</a:t>
+            </a:r>
+            <a:r>
+              <a:rPr lang="en-US" smtClean="0"/>
+              <a:t> library.rice.edu/dss</a:t>
+            </a:r>
+            <a:endParaRPr lang="en-US" dirty="0"/>
+          </a:p>
+        </p:txBody>
+      </p:sp>
+      <p:sp>
+        <p:nvSpPr>
+          <p:cNvPr id="6" name="Slide Number Placeholder 5"/>
+          <p:cNvSpPr>
+            <a:spLocks noGrp="1"/>
+          </p:cNvSpPr>
+          <p:nvPr>
+            <p:ph type="sldNum" sz="quarter" idx="12"/>
+          </p:nvPr>
+        </p:nvSpPr>
+        <p:spPr/>
+        <p:txBody>
+          <a:bodyPr/>
+          <a:lstStyle/>
+          <a:p>
+            <a:fld id="{D57F1E4F-1CFF-5643-939E-02111984F565}" type="slidenum">
+              <a:rPr lang="en-US" smtClean="0"/>
+              <a:t>27</a:t>
+            </a:fld>
             <a:endParaRPr lang="en-US" dirty="0"/>
           </a:p>
         </p:txBody>
@@ -7217,7 +7392,7 @@
     </p:spTree>
     <p:extLst>
       <p:ext uri="{BB962C8B-B14F-4D97-AF65-F5344CB8AC3E}">
-        <p14:creationId xmlns:p14="http://schemas.microsoft.com/office/powerpoint/2010/main" val="3378277948"/>
+        <p14:creationId xmlns:p14="http://schemas.microsoft.com/office/powerpoint/2010/main" val="2833101456"/>
       </p:ext>
     </p:extLst>
   </p:cSld>
@@ -7246,7 +7421,7 @@
       </p:grpSpPr>
       <p:sp>
         <p:nvSpPr>
-          <p:cNvPr id="7" name="Title 6"/>
+          <p:cNvPr id="4" name="Title 3"/>
           <p:cNvSpPr>
             <a:spLocks noGrp="1"/>
           </p:cNvSpPr>
@@ -7261,128 +7436,57 @@
           <a:p>
             <a:r>
               <a:rPr lang="en-US" dirty="0" smtClean="0"/>
-              <a:t>FURTHER DIRECTIONS</a:t>
-            </a:r>
-            <a:endParaRPr lang="en-US" dirty="0"/>
-          </a:p>
-        </p:txBody>
-      </p:sp>
-      <p:sp>
-        <p:nvSpPr>
-          <p:cNvPr id="8" name="Text Placeholder 7"/>
-          <p:cNvSpPr>
-            <a:spLocks noGrp="1"/>
-          </p:cNvSpPr>
-          <p:nvPr>
-            <p:ph type="body" idx="1"/>
-          </p:nvPr>
-        </p:nvSpPr>
-        <p:spPr/>
-        <p:txBody>
-          <a:bodyPr/>
-          <a:lstStyle/>
-          <a:p>
-            <a:r>
-              <a:rPr lang="en-US" dirty="0" smtClean="0"/>
-              <a:t>An overview of current research topics</a:t>
-            </a:r>
-            <a:endParaRPr lang="en-US" dirty="0"/>
-          </a:p>
-        </p:txBody>
-      </p:sp>
-      <p:sp>
-        <p:nvSpPr>
-          <p:cNvPr id="4" name="Date Placeholder 3"/>
-          <p:cNvSpPr>
-            <a:spLocks noGrp="1"/>
-          </p:cNvSpPr>
-          <p:nvPr>
-            <p:ph type="dt" sz="half" idx="10"/>
-          </p:nvPr>
-        </p:nvSpPr>
-        <p:spPr/>
-        <p:txBody>
-          <a:bodyPr/>
-          <a:lstStyle/>
-          <a:p>
-            <a:fld id="{8AAE40A0-A7D8-4DC3-BC9E-BADA32DA2004}" type="datetime4">
-              <a:rPr lang="en-US" smtClean="0"/>
-              <a:t>November 4, 2019</a:t>
-            </a:fld>
-            <a:endParaRPr lang="en-US" dirty="0"/>
-          </a:p>
-        </p:txBody>
-      </p:sp>
-      <p:sp>
-        <p:nvSpPr>
-          <p:cNvPr id="5" name="Footer Placeholder 4"/>
-          <p:cNvSpPr>
-            <a:spLocks noGrp="1"/>
-          </p:cNvSpPr>
-          <p:nvPr>
-            <p:ph type="ftr" sz="quarter" idx="11"/>
-          </p:nvPr>
-        </p:nvSpPr>
-        <p:spPr/>
-        <p:txBody>
-          <a:bodyPr/>
-          <a:lstStyle/>
-          <a:p>
-            <a:r>
-              <a:rPr lang="en-US" smtClean="0"/>
-              <a:t>Digital Scholarship Services </a:t>
-            </a:r>
-            <a:r>
-              <a:rPr lang="en-US" smtClean="0">
-                <a:solidFill>
-                  <a:schemeClr val="accent1">
-                    <a:lumMod val="50000"/>
-                  </a:schemeClr>
-                </a:solidFill>
-              </a:rPr>
-              <a:t>| Email</a:t>
-            </a:r>
-            <a:r>
-              <a:rPr lang="en-US" smtClean="0"/>
-              <a:t> cf24@rice.edu </a:t>
-            </a:r>
-            <a:r>
-              <a:rPr lang="en-US" smtClean="0">
-                <a:solidFill>
-                  <a:schemeClr val="accent1">
-                    <a:lumMod val="50000"/>
-                  </a:schemeClr>
-                </a:solidFill>
-              </a:rPr>
-              <a:t>|</a:t>
-            </a:r>
-            <a:r>
-              <a:rPr lang="en-US" smtClean="0"/>
-              <a:t> library.rice.edu/dss</a:t>
-            </a:r>
-            <a:endParaRPr lang="en-US" dirty="0"/>
-          </a:p>
-        </p:txBody>
-      </p:sp>
-      <p:sp>
-        <p:nvSpPr>
-          <p:cNvPr id="6" name="Slide Number Placeholder 5"/>
-          <p:cNvSpPr>
-            <a:spLocks noGrp="1"/>
-          </p:cNvSpPr>
-          <p:nvPr>
-            <p:ph type="sldNum" sz="quarter" idx="12"/>
-          </p:nvPr>
-        </p:nvSpPr>
-        <p:spPr/>
-        <p:txBody>
-          <a:bodyPr/>
-          <a:lstStyle/>
-          <a:p>
-            <a:fld id="{D57F1E4F-1CFF-5643-939E-02111984F565}" type="slidenum">
-              <a:rPr lang="en-US" smtClean="0"/>
-              <a:t>28</a:t>
-            </a:fld>
+              <a:t>PERCEPTRONS</a:t>
+            </a:r>
+            <a:endParaRPr lang="en-US" dirty="0"/>
+          </a:p>
+        </p:txBody>
+      </p:sp>
+      <p:sp>
+        <p:nvSpPr>
+          <p:cNvPr id="5" name="Content Placeholder 4"/>
+          <p:cNvSpPr>
+            <a:spLocks noGrp="1"/>
+          </p:cNvSpPr>
+          <p:nvPr>
+            <p:ph idx="1"/>
+          </p:nvPr>
+        </p:nvSpPr>
+        <p:spPr/>
+        <p:txBody>
+          <a:bodyPr/>
+          <a:lstStyle/>
+          <a:p>
+            <a:r>
+              <a:rPr lang="en-US" dirty="0" smtClean="0"/>
+              <a:t>Similar to logistic regression, but sequential updates</a:t>
+            </a:r>
+          </a:p>
+          <a:p>
+            <a:pPr lvl="1"/>
+            <a:r>
+              <a:rPr lang="en-US" dirty="0" smtClean="0"/>
+              <a:t>Responding to the environment!</a:t>
+            </a:r>
+          </a:p>
+          <a:p>
+            <a:r>
+              <a:rPr lang="en-US" dirty="0" smtClean="0"/>
+              <a:t>Idea: come in with a hypothesis of how to divide two classes</a:t>
+            </a:r>
+          </a:p>
+          <a:p>
+            <a:pPr lvl="1"/>
+            <a:r>
+              <a:rPr lang="en-US" dirty="0" smtClean="0"/>
+              <a:t>Perform updates until we can divide them fully (or give up)</a:t>
+            </a:r>
+          </a:p>
+          <a:p>
+            <a:r>
+              <a:rPr lang="en-US" dirty="0" smtClean="0"/>
+              <a:t>This can be seen as a single neuron in a neural net</a:t>
+            </a:r>
             <a:endParaRPr lang="en-US" dirty="0"/>
           </a:p>
         </p:txBody>
@@ -7390,7 +7494,7 @@
     </p:spTree>
     <p:extLst>
       <p:ext uri="{BB962C8B-B14F-4D97-AF65-F5344CB8AC3E}">
-        <p14:creationId xmlns:p14="http://schemas.microsoft.com/office/powerpoint/2010/main" val="1706520227"/>
+        <p14:creationId xmlns:p14="http://schemas.microsoft.com/office/powerpoint/2010/main" val="4246251967"/>
       </p:ext>
     </p:extLst>
   </p:cSld>
@@ -7434,7 +7538,7 @@
           <a:p>
             <a:r>
               <a:rPr lang="en-US" dirty="0" smtClean="0"/>
-              <a:t>TEXT-BASED MODELS</a:t>
+              <a:t>NEURAL NETS AND AI</a:t>
             </a:r>
             <a:endParaRPr lang="en-US" dirty="0"/>
           </a:p>
@@ -7457,48 +7561,49 @@
           <a:p>
             <a:r>
               <a:rPr lang="en-US" dirty="0" smtClean="0"/>
-              <a:t>Predicting part-of-speech, emotional orientation (happy? sad? angry?)</a:t>
-            </a:r>
-          </a:p>
-          <a:p>
-            <a:r>
-              <a:rPr lang="en-US" dirty="0" smtClean="0"/>
-              <a:t>Neural nets are great for dealing with longer term relationships</a:t>
+              <a:t>We can do the same thing we’ve done with other problems</a:t>
             </a:r>
           </a:p>
           <a:p>
             <a:pPr lvl="1"/>
             <a:r>
               <a:rPr lang="en-US" dirty="0" smtClean="0"/>
-              <a:t>If we have an antecedent 10 words back, it’s very hard for conventional models to even detect this has happened, much less deal with it constructively, without absurd increases in complexity</a:t>
-            </a:r>
-          </a:p>
-          <a:p>
-            <a:r>
-              <a:rPr lang="en-US" dirty="0" smtClean="0"/>
-              <a:t>We can even find ways to represent words algebraically!</a:t>
-            </a:r>
+              <a:t>Throw neural nets at them and see what happens!</a:t>
+            </a:r>
+          </a:p>
+          <a:p>
+            <a:r>
+              <a:rPr lang="en-US" dirty="0" smtClean="0"/>
+              <a:t>Neural nets are incredibly good in the context of AI</a:t>
+            </a:r>
+          </a:p>
+          <a:p>
+            <a:r>
+              <a:rPr lang="en-US" dirty="0" smtClean="0"/>
+              <a:t>Recently, for the first time in the game of Go, a computer beat the highest-ranked human player (Google’s </a:t>
+            </a:r>
+            <a:r>
+              <a:rPr lang="en-US" dirty="0" err="1" smtClean="0"/>
+              <a:t>AlphaGo</a:t>
+            </a:r>
+            <a:r>
+              <a:rPr lang="en-US" dirty="0"/>
+              <a:t>)</a:t>
+            </a:r>
+            <a:endParaRPr lang="en-US" dirty="0" smtClean="0"/>
           </a:p>
           <a:p>
             <a:pPr lvl="1"/>
             <a:r>
               <a:rPr lang="en-US" dirty="0" smtClean="0"/>
-              <a:t>Queen = King – Man</a:t>
+              <a:t>This happened in chess in 1997</a:t>
             </a:r>
           </a:p>
           <a:p>
             <a:pPr lvl="1"/>
             <a:r>
               <a:rPr lang="en-US" dirty="0" smtClean="0"/>
-              <a:t>This process is called ‘word </a:t>
-            </a:r>
-            <a:r>
-              <a:rPr lang="en-US" dirty="0" err="1" smtClean="0"/>
-              <a:t>embeddings</a:t>
-            </a:r>
-            <a:r>
-              <a:rPr lang="en-US" dirty="0" smtClean="0"/>
-              <a:t>’</a:t>
+              <a:t>Only possible due to amazing advancements in artificial intelligence!</a:t>
             </a:r>
             <a:endParaRPr lang="en-US" dirty="0"/>
           </a:p>
@@ -7507,7 +7612,7 @@
     </p:spTree>
     <p:extLst>
       <p:ext uri="{BB962C8B-B14F-4D97-AF65-F5344CB8AC3E}">
-        <p14:creationId xmlns:p14="http://schemas.microsoft.com/office/powerpoint/2010/main" val="2031667520"/>
+        <p14:creationId xmlns:p14="http://schemas.microsoft.com/office/powerpoint/2010/main" val="3378277948"/>
       </p:ext>
     </p:extLst>
   </p:cSld>
@@ -7636,7 +7741,7 @@
       </p:grpSpPr>
       <p:sp>
         <p:nvSpPr>
-          <p:cNvPr id="4" name="Title 3"/>
+          <p:cNvPr id="7" name="Title 6"/>
           <p:cNvSpPr>
             <a:spLocks noGrp="1"/>
           </p:cNvSpPr>
@@ -7651,63 +7756,128 @@
           <a:p>
             <a:r>
               <a:rPr lang="en-US" dirty="0" smtClean="0"/>
-              <a:t>VIDEO MODELS</a:t>
-            </a:r>
-            <a:endParaRPr lang="en-US" dirty="0"/>
-          </a:p>
-        </p:txBody>
-      </p:sp>
-      <p:sp>
-        <p:nvSpPr>
-          <p:cNvPr id="5" name="Content Placeholder 4"/>
-          <p:cNvSpPr>
-            <a:spLocks noGrp="1"/>
-          </p:cNvSpPr>
-          <p:nvPr>
-            <p:ph idx="1"/>
-          </p:nvPr>
-        </p:nvSpPr>
-        <p:spPr/>
-        <p:txBody>
-          <a:bodyPr/>
-          <a:lstStyle/>
-          <a:p>
-            <a:r>
-              <a:rPr lang="en-US" dirty="0" smtClean="0"/>
-              <a:t>We’ve seen image models, but what do we do with continuous input?</a:t>
-            </a:r>
-          </a:p>
-          <a:p>
-            <a:r>
-              <a:rPr lang="en-US" dirty="0" smtClean="0"/>
-              <a:t>Sequential information in conjunction with spatial relationships</a:t>
-            </a:r>
-          </a:p>
-          <a:p>
-            <a:r>
-              <a:rPr lang="en-US" dirty="0" smtClean="0"/>
-              <a:t>Speed extremely important!</a:t>
-            </a:r>
-          </a:p>
-          <a:p>
-            <a:pPr lvl="1"/>
-            <a:r>
-              <a:rPr lang="en-US" dirty="0" smtClean="0"/>
-              <a:t>We can get 60 images a second</a:t>
-            </a:r>
-          </a:p>
-          <a:p>
-            <a:r>
-              <a:rPr lang="en-US" dirty="0" smtClean="0"/>
-              <a:t>Security cameras can detect threats without constant human surveillance</a:t>
-            </a:r>
-          </a:p>
-          <a:p>
-            <a:pPr lvl="1"/>
-            <a:r>
-              <a:rPr lang="en-US" dirty="0" smtClean="0"/>
-              <a:t>And, if you’ve seen movies… humans aren’t always the most reliable when it comes to watching security feeds</a:t>
-            </a:r>
+              <a:t>FURTHER DIRECTIONS</a:t>
+            </a:r>
+            <a:endParaRPr lang="en-US" dirty="0"/>
+          </a:p>
+        </p:txBody>
+      </p:sp>
+      <p:sp>
+        <p:nvSpPr>
+          <p:cNvPr id="8" name="Text Placeholder 7"/>
+          <p:cNvSpPr>
+            <a:spLocks noGrp="1"/>
+          </p:cNvSpPr>
+          <p:nvPr>
+            <p:ph type="body" idx="1"/>
+          </p:nvPr>
+        </p:nvSpPr>
+        <p:spPr/>
+        <p:txBody>
+          <a:bodyPr/>
+          <a:lstStyle/>
+          <a:p>
+            <a:r>
+              <a:rPr lang="en-US" dirty="0" smtClean="0"/>
+              <a:t>An overview of current research topics</a:t>
+            </a:r>
+            <a:endParaRPr lang="en-US" dirty="0"/>
+          </a:p>
+        </p:txBody>
+      </p:sp>
+      <p:sp>
+        <p:nvSpPr>
+          <p:cNvPr id="4" name="Date Placeholder 3"/>
+          <p:cNvSpPr>
+            <a:spLocks noGrp="1"/>
+          </p:cNvSpPr>
+          <p:nvPr>
+            <p:ph type="dt" sz="half" idx="10"/>
+          </p:nvPr>
+        </p:nvSpPr>
+        <p:spPr/>
+        <p:txBody>
+          <a:bodyPr/>
+          <a:lstStyle/>
+          <a:p>
+            <a:fld id="{8AAE40A0-A7D8-4DC3-BC9E-BADA32DA2004}" type="datetime4">
+              <a:rPr lang="en-US" smtClean="0"/>
+              <a:t>November 4, 2019</a:t>
+            </a:fld>
+            <a:endParaRPr lang="en-US" dirty="0"/>
+          </a:p>
+        </p:txBody>
+      </p:sp>
+      <p:sp>
+        <p:nvSpPr>
+          <p:cNvPr id="5" name="Footer Placeholder 4"/>
+          <p:cNvSpPr>
+            <a:spLocks noGrp="1"/>
+          </p:cNvSpPr>
+          <p:nvPr>
+            <p:ph type="ftr" sz="quarter" idx="11"/>
+          </p:nvPr>
+        </p:nvSpPr>
+        <p:spPr/>
+        <p:txBody>
+          <a:bodyPr/>
+          <a:lstStyle/>
+          <a:p>
+            <a:r>
+              <a:rPr lang="en-US" smtClean="0"/>
+              <a:t>Digital Scholarship Services </a:t>
+            </a:r>
+            <a:r>
+              <a:rPr lang="en-US" smtClean="0">
+                <a:solidFill>
+                  <a:schemeClr val="accent1">
+                    <a:lumMod val="50000"/>
+                  </a:schemeClr>
+                </a:solidFill>
+              </a:rPr>
+              <a:t>| Email</a:t>
+            </a:r>
+            <a:r>
+              <a:rPr lang="en-US" smtClean="0"/>
+              <a:t> cf24@rice.edu </a:t>
+            </a:r>
+            <a:r>
+              <a:rPr lang="en-US" smtClean="0">
+                <a:solidFill>
+                  <a:schemeClr val="accent1">
+                    <a:lumMod val="50000"/>
+                  </a:schemeClr>
+                </a:solidFill>
+              </a:rPr>
+              <a:t>|</a:t>
+            </a:r>
+            <a:r>
+              <a:rPr lang="en-US" smtClean="0"/>
+              <a:t> library.rice.edu/dss</a:t>
+            </a:r>
+            <a:endParaRPr lang="en-US" dirty="0"/>
+          </a:p>
+        </p:txBody>
+      </p:sp>
+      <p:sp>
+        <p:nvSpPr>
+          <p:cNvPr id="6" name="Slide Number Placeholder 5"/>
+          <p:cNvSpPr>
+            <a:spLocks noGrp="1"/>
+          </p:cNvSpPr>
+          <p:nvPr>
+            <p:ph type="sldNum" sz="quarter" idx="12"/>
+          </p:nvPr>
+        </p:nvSpPr>
+        <p:spPr/>
+        <p:txBody>
+          <a:bodyPr/>
+          <a:lstStyle/>
+          <a:p>
+            <a:fld id="{D57F1E4F-1CFF-5643-939E-02111984F565}" type="slidenum">
+              <a:rPr lang="en-US" smtClean="0"/>
+              <a:t>30</a:t>
+            </a:fld>
             <a:endParaRPr lang="en-US" dirty="0"/>
           </a:p>
         </p:txBody>
@@ -7715,7 +7885,7 @@
     </p:spTree>
     <p:extLst>
       <p:ext uri="{BB962C8B-B14F-4D97-AF65-F5344CB8AC3E}">
-        <p14:creationId xmlns:p14="http://schemas.microsoft.com/office/powerpoint/2010/main" val="113501044"/>
+        <p14:creationId xmlns:p14="http://schemas.microsoft.com/office/powerpoint/2010/main" val="1706520227"/>
       </p:ext>
     </p:extLst>
   </p:cSld>
@@ -7759,7 +7929,7 @@
           <a:p>
             <a:r>
               <a:rPr lang="en-US" dirty="0" smtClean="0"/>
-              <a:t>INTERPRETABILITY</a:t>
+              <a:t>TEXT-BASED MODELS</a:t>
             </a:r>
             <a:endParaRPr lang="en-US" dirty="0"/>
           </a:p>
@@ -7782,34 +7952,48 @@
           <a:p>
             <a:r>
               <a:rPr lang="en-US" dirty="0" smtClean="0"/>
-              <a:t>Adversarial learning</a:t>
+              <a:t>Predicting part-of-speech, emotional orientation (happy? sad? angry?)</a:t>
+            </a:r>
+          </a:p>
+          <a:p>
+            <a:r>
+              <a:rPr lang="en-US" dirty="0" smtClean="0"/>
+              <a:t>Neural nets are great for dealing with longer term relationships</a:t>
             </a:r>
           </a:p>
           <a:p>
             <a:pPr lvl="1"/>
             <a:r>
               <a:rPr lang="en-US" dirty="0" smtClean="0"/>
-              <a:t>Deliberately give the net the worst possible inputs while training or testing to ‘sabotage’ it</a:t>
+              <a:t>If we have an antecedent 10 words back, it’s very hard for conventional models to even detect this has happened, much less deal with it constructively, without absurd increases in complexity</a:t>
+            </a:r>
+          </a:p>
+          <a:p>
+            <a:r>
+              <a:rPr lang="en-US" dirty="0" smtClean="0"/>
+              <a:t>We can even find ways to represent words algebraically!</a:t>
             </a:r>
           </a:p>
           <a:p>
             <a:pPr lvl="1"/>
             <a:r>
               <a:rPr lang="en-US" dirty="0" smtClean="0"/>
-              <a:t>We can learn how to train very robust models!</a:t>
-            </a:r>
-          </a:p>
-          <a:p>
-            <a:r>
-              <a:rPr lang="en-US" dirty="0" smtClean="0"/>
-              <a:t>Making small changes and seeing how that affects the predictions</a:t>
+              <a:t>Queen = King – Man</a:t>
             </a:r>
           </a:p>
           <a:p>
             <a:pPr lvl="1"/>
             <a:r>
               <a:rPr lang="en-US" dirty="0" smtClean="0"/>
-              <a:t>Does adding a little red smudge in an image make a cat into a dog?</a:t>
+              <a:t>This process is called ‘word </a:t>
+            </a:r>
+            <a:r>
+              <a:rPr lang="en-US" dirty="0" err="1" smtClean="0"/>
+              <a:t>embeddings</a:t>
+            </a:r>
+            <a:r>
+              <a:rPr lang="en-US" dirty="0" smtClean="0"/>
+              <a:t>’</a:t>
             </a:r>
             <a:endParaRPr lang="en-US" dirty="0"/>
           </a:p>
@@ -7818,7 +8002,7 @@
     </p:spTree>
     <p:extLst>
       <p:ext uri="{BB962C8B-B14F-4D97-AF65-F5344CB8AC3E}">
-        <p14:creationId xmlns:p14="http://schemas.microsoft.com/office/powerpoint/2010/main" val="3018532001"/>
+        <p14:creationId xmlns:p14="http://schemas.microsoft.com/office/powerpoint/2010/main" val="2031667520"/>
       </p:ext>
     </p:extLst>
   </p:cSld>
@@ -7862,7 +8046,7 @@
           <a:p>
             <a:r>
               <a:rPr lang="en-US" dirty="0" smtClean="0"/>
-              <a:t>RECAP</a:t>
+              <a:t>VIDEO MODELS</a:t>
             </a:r>
             <a:endParaRPr lang="en-US" dirty="0"/>
           </a:p>
@@ -7885,56 +8069,39 @@
           <a:p>
             <a:r>
               <a:rPr lang="en-US" dirty="0" smtClean="0"/>
-              <a:t>Don’t just jump into neural networks!</a:t>
+              <a:t>We’ve seen image models, but what do we do with continuous input?</a:t>
+            </a:r>
+          </a:p>
+          <a:p>
+            <a:r>
+              <a:rPr lang="en-US" dirty="0" smtClean="0"/>
+              <a:t>Sequential information in conjunction with spatial relationships</a:t>
+            </a:r>
+          </a:p>
+          <a:p>
+            <a:r>
+              <a:rPr lang="en-US" dirty="0" smtClean="0"/>
+              <a:t>Speed extremely important!</a:t>
             </a:r>
           </a:p>
           <a:p>
             <a:pPr lvl="1"/>
             <a:r>
               <a:rPr lang="en-US" dirty="0" smtClean="0"/>
-              <a:t>Try simpler things out</a:t>
-            </a:r>
-          </a:p>
-          <a:p>
-            <a:r>
-              <a:rPr lang="en-US" dirty="0" smtClean="0"/>
-              <a:t>Extraordinarily flexible</a:t>
-            </a:r>
-          </a:p>
-          <a:p>
-            <a:r>
-              <a:rPr lang="en-US" dirty="0" smtClean="0"/>
-              <a:t>Often can outperform humans at complex tasks!</a:t>
+              <a:t>We can get 60 images a second</a:t>
+            </a:r>
+          </a:p>
+          <a:p>
+            <a:r>
+              <a:rPr lang="en-US" dirty="0" smtClean="0"/>
+              <a:t>Security cameras can detect threats without constant human surveillance</a:t>
             </a:r>
           </a:p>
           <a:p>
             <a:pPr lvl="1"/>
             <a:r>
               <a:rPr lang="en-US" dirty="0" smtClean="0"/>
-              <a:t>Chess, Go, </a:t>
-            </a:r>
-            <a:r>
-              <a:rPr lang="en-US" dirty="0" err="1" smtClean="0"/>
-              <a:t>etc</a:t>
-            </a:r>
-            <a:endParaRPr lang="en-US" dirty="0" smtClean="0"/>
-          </a:p>
-          <a:p>
-            <a:r>
-              <a:rPr lang="en-US" dirty="0" smtClean="0"/>
-              <a:t>Despite some significant drawbacks, neural networks are one of the most exciting developments of the 21</a:t>
-            </a:r>
-            <a:r>
-              <a:rPr lang="en-US" baseline="30000" dirty="0" smtClean="0"/>
-              <a:t>st</a:t>
-            </a:r>
-            <a:r>
-              <a:rPr lang="en-US" dirty="0" smtClean="0"/>
-              <a:t> century and can be applied to an amazing variety </a:t>
-            </a:r>
-            <a:r>
-              <a:rPr lang="en-US" smtClean="0"/>
-              <a:t>of problems</a:t>
+              <a:t>And, if you’ve seen movies… humans aren’t always the most reliable when it comes to watching security feeds</a:t>
             </a:r>
             <a:endParaRPr lang="en-US" dirty="0"/>
           </a:p>
@@ -7943,7 +8110,7 @@
     </p:spTree>
     <p:extLst>
       <p:ext uri="{BB962C8B-B14F-4D97-AF65-F5344CB8AC3E}">
-        <p14:creationId xmlns:p14="http://schemas.microsoft.com/office/powerpoint/2010/main" val="825822352"/>
+        <p14:creationId xmlns:p14="http://schemas.microsoft.com/office/powerpoint/2010/main" val="113501044"/>
       </p:ext>
     </p:extLst>
   </p:cSld>
@@ -7972,6 +8139,230 @@
       </p:grpSpPr>
       <p:sp>
         <p:nvSpPr>
+          <p:cNvPr id="4" name="Title 3"/>
+          <p:cNvSpPr>
+            <a:spLocks noGrp="1"/>
+          </p:cNvSpPr>
+          <p:nvPr>
+            <p:ph type="title"/>
+          </p:nvPr>
+        </p:nvSpPr>
+        <p:spPr/>
+        <p:txBody>
+          <a:bodyPr/>
+          <a:lstStyle/>
+          <a:p>
+            <a:r>
+              <a:rPr lang="en-US" dirty="0" smtClean="0"/>
+              <a:t>INTERPRETABILITY</a:t>
+            </a:r>
+            <a:endParaRPr lang="en-US" dirty="0"/>
+          </a:p>
+        </p:txBody>
+      </p:sp>
+      <p:sp>
+        <p:nvSpPr>
+          <p:cNvPr id="5" name="Content Placeholder 4"/>
+          <p:cNvSpPr>
+            <a:spLocks noGrp="1"/>
+          </p:cNvSpPr>
+          <p:nvPr>
+            <p:ph idx="1"/>
+          </p:nvPr>
+        </p:nvSpPr>
+        <p:spPr/>
+        <p:txBody>
+          <a:bodyPr/>
+          <a:lstStyle/>
+          <a:p>
+            <a:r>
+              <a:rPr lang="en-US" dirty="0" smtClean="0"/>
+              <a:t>Adversarial learning</a:t>
+            </a:r>
+          </a:p>
+          <a:p>
+            <a:pPr lvl="1"/>
+            <a:r>
+              <a:rPr lang="en-US" dirty="0" smtClean="0"/>
+              <a:t>Deliberately give the net the worst possible inputs while training or testing to ‘sabotage’ it</a:t>
+            </a:r>
+          </a:p>
+          <a:p>
+            <a:pPr lvl="1"/>
+            <a:r>
+              <a:rPr lang="en-US" dirty="0" smtClean="0"/>
+              <a:t>We can learn how to train very robust models!</a:t>
+            </a:r>
+          </a:p>
+          <a:p>
+            <a:r>
+              <a:rPr lang="en-US" dirty="0" smtClean="0"/>
+              <a:t>Making small changes and seeing how that affects the predictions</a:t>
+            </a:r>
+          </a:p>
+          <a:p>
+            <a:pPr lvl="1"/>
+            <a:r>
+              <a:rPr lang="en-US" dirty="0" smtClean="0"/>
+              <a:t>Does adding a little red smudge in an image make a cat into a dog?</a:t>
+            </a:r>
+            <a:endParaRPr lang="en-US" dirty="0"/>
+          </a:p>
+        </p:txBody>
+      </p:sp>
+    </p:spTree>
+    <p:extLst>
+      <p:ext uri="{BB962C8B-B14F-4D97-AF65-F5344CB8AC3E}">
+        <p14:creationId xmlns:p14="http://schemas.microsoft.com/office/powerpoint/2010/main" val="3018532001"/>
+      </p:ext>
+    </p:extLst>
+  </p:cSld>
+  <p:clrMapOvr>
+    <a:masterClrMapping/>
+  </p:clrMapOvr>
+</p:sld>
+</file>
+
+<file path=ppt/slides/slide34.xml><?xml version="1.0" encoding="utf-8"?>
+<p:sld xmlns:a="http://schemas.openxmlformats.org/drawingml/2006/main" xmlns:r="http://schemas.openxmlformats.org/officeDocument/2006/relationships" xmlns:p="http://schemas.openxmlformats.org/presentationml/2006/main">
+  <p:cSld>
+    <p:spTree>
+      <p:nvGrpSpPr>
+        <p:cNvPr id="1" name=""/>
+        <p:cNvGrpSpPr/>
+        <p:nvPr/>
+      </p:nvGrpSpPr>
+      <p:grpSpPr>
+        <a:xfrm>
+          <a:off x="0" y="0"/>
+          <a:ext cx="0" cy="0"/>
+          <a:chOff x="0" y="0"/>
+          <a:chExt cx="0" cy="0"/>
+        </a:xfrm>
+      </p:grpSpPr>
+      <p:sp>
+        <p:nvSpPr>
+          <p:cNvPr id="4" name="Title 3"/>
+          <p:cNvSpPr>
+            <a:spLocks noGrp="1"/>
+          </p:cNvSpPr>
+          <p:nvPr>
+            <p:ph type="title"/>
+          </p:nvPr>
+        </p:nvSpPr>
+        <p:spPr/>
+        <p:txBody>
+          <a:bodyPr/>
+          <a:lstStyle/>
+          <a:p>
+            <a:r>
+              <a:rPr lang="en-US" dirty="0" smtClean="0"/>
+              <a:t>RECAP</a:t>
+            </a:r>
+            <a:endParaRPr lang="en-US" dirty="0"/>
+          </a:p>
+        </p:txBody>
+      </p:sp>
+      <p:sp>
+        <p:nvSpPr>
+          <p:cNvPr id="5" name="Content Placeholder 4"/>
+          <p:cNvSpPr>
+            <a:spLocks noGrp="1"/>
+          </p:cNvSpPr>
+          <p:nvPr>
+            <p:ph idx="1"/>
+          </p:nvPr>
+        </p:nvSpPr>
+        <p:spPr/>
+        <p:txBody>
+          <a:bodyPr/>
+          <a:lstStyle/>
+          <a:p>
+            <a:r>
+              <a:rPr lang="en-US" dirty="0" smtClean="0"/>
+              <a:t>Don’t just jump into neural networks!</a:t>
+            </a:r>
+          </a:p>
+          <a:p>
+            <a:pPr lvl="1"/>
+            <a:r>
+              <a:rPr lang="en-US" dirty="0" smtClean="0"/>
+              <a:t>Try simpler things out</a:t>
+            </a:r>
+          </a:p>
+          <a:p>
+            <a:r>
+              <a:rPr lang="en-US" dirty="0" smtClean="0"/>
+              <a:t>Extraordinarily flexible</a:t>
+            </a:r>
+          </a:p>
+          <a:p>
+            <a:r>
+              <a:rPr lang="en-US" dirty="0" smtClean="0"/>
+              <a:t>Often can outperform humans at complex tasks!</a:t>
+            </a:r>
+          </a:p>
+          <a:p>
+            <a:pPr lvl="1"/>
+            <a:r>
+              <a:rPr lang="en-US" dirty="0" smtClean="0"/>
+              <a:t>Chess, Go, </a:t>
+            </a:r>
+            <a:r>
+              <a:rPr lang="en-US" dirty="0" err="1" smtClean="0"/>
+              <a:t>etc</a:t>
+            </a:r>
+            <a:endParaRPr lang="en-US" dirty="0" smtClean="0"/>
+          </a:p>
+          <a:p>
+            <a:r>
+              <a:rPr lang="en-US" dirty="0" smtClean="0"/>
+              <a:t>Despite some significant drawbacks, neural networks are one of the most exciting developments of the 21</a:t>
+            </a:r>
+            <a:r>
+              <a:rPr lang="en-US" baseline="30000" dirty="0" smtClean="0"/>
+              <a:t>st</a:t>
+            </a:r>
+            <a:r>
+              <a:rPr lang="en-US" dirty="0" smtClean="0"/>
+              <a:t> century and can be applied to an amazing variety of problems</a:t>
+            </a:r>
+            <a:endParaRPr lang="en-US" dirty="0"/>
+          </a:p>
+        </p:txBody>
+      </p:sp>
+    </p:spTree>
+    <p:extLst>
+      <p:ext uri="{BB962C8B-B14F-4D97-AF65-F5344CB8AC3E}">
+        <p14:creationId xmlns:p14="http://schemas.microsoft.com/office/powerpoint/2010/main" val="825822352"/>
+      </p:ext>
+    </p:extLst>
+  </p:cSld>
+  <p:clrMapOvr>
+    <a:masterClrMapping/>
+  </p:clrMapOvr>
+</p:sld>
+</file>
+
+<file path=ppt/slides/slide35.xml><?xml version="1.0" encoding="utf-8"?>
+<p:sld xmlns:a="http://schemas.openxmlformats.org/drawingml/2006/main" xmlns:r="http://schemas.openxmlformats.org/officeDocument/2006/relationships" xmlns:p="http://schemas.openxmlformats.org/presentationml/2006/main">
+  <p:cSld>
+    <p:spTree>
+      <p:nvGrpSpPr>
+        <p:cNvPr id="1" name=""/>
+        <p:cNvGrpSpPr/>
+        <p:nvPr/>
+      </p:nvGrpSpPr>
+      <p:grpSpPr>
+        <a:xfrm>
+          <a:off x="0" y="0"/>
+          <a:ext cx="0" cy="0"/>
+          <a:chOff x="0" y="0"/>
+          <a:chExt cx="0" cy="0"/>
+        </a:xfrm>
+      </p:grpSpPr>
+      <p:sp>
+        <p:nvSpPr>
           <p:cNvPr id="7" name="Title 6">
             <a:extLst>
               <a:ext uri="{FF2B5EF4-FFF2-40B4-BE49-F238E27FC236}">
@@ -8033,6 +8424,24 @@
               <a:rPr lang="en-US" dirty="0" smtClean="0"/>
               <a:t>The diagram of a neural network on the Neural Networks slide is used under the terms of CC-BY-SA 3.0 license.</a:t>
             </a:r>
+          </a:p>
+          <a:p>
+            <a:r>
+              <a:rPr lang="en-US" dirty="0" smtClean="0"/>
+              <a:t>CNN </a:t>
+            </a:r>
+            <a:r>
+              <a:rPr lang="en-US" dirty="0" err="1" smtClean="0"/>
+              <a:t>Architeture</a:t>
+            </a:r>
+            <a:r>
+              <a:rPr lang="en-US" dirty="0" smtClean="0"/>
+              <a:t> is by </a:t>
+            </a:r>
+            <a:r>
+              <a:rPr lang="en-US" dirty="0"/>
+              <a:t>Aphex34 - Own work, CC BY-SA 4.0, https://commons.wikimedia.org/w/index.php?curid=45679374</a:t>
+            </a:r>
             <a:endParaRPr lang="en-US" dirty="0"/>
           </a:p>
         </p:txBody>
@@ -8060,7 +8469,7 @@
           <a:p>
             <a:fld id="{B08FEED8-D7D4-44E9-BFBC-ED06B5996D94}" type="datetime4">
               <a:rPr lang="en-US" smtClean="0"/>
-              <a:t>November 4, 2019</a:t>
+              <a:t>November 6, 2019</a:t>
             </a:fld>
             <a:endParaRPr lang="en-US" dirty="0"/>
           </a:p>
@@ -8146,7 +8555,7 @@
           <a:p>
             <a:fld id="{D57F1E4F-1CFF-5643-939E-02111984F565}" type="slidenum">
               <a:rPr lang="en-US" smtClean="0"/>
-              <a:t>33</a:t>
+              <a:t>35</a:t>
             </a:fld>
             <a:endParaRPr lang="en-US" dirty="0"/>
           </a:p>

--- a/tf/Introduction to TensorFlow.pptx
+++ b/tf/Introduction to TensorFlow.pptx
@@ -5,44 +5,45 @@
     <p:sldMasterId id="2147483707" r:id="rId1"/>
   </p:sldMasterIdLst>
   <p:notesMasterIdLst>
-    <p:notesMasterId r:id="rId37"/>
+    <p:notesMasterId r:id="rId38"/>
   </p:notesMasterIdLst>
   <p:sldIdLst>
     <p:sldId id="266" r:id="rId2"/>
     <p:sldId id="269" r:id="rId3"/>
     <p:sldId id="287" r:id="rId4"/>
-    <p:sldId id="273" r:id="rId5"/>
-    <p:sldId id="280" r:id="rId6"/>
-    <p:sldId id="281" r:id="rId7"/>
-    <p:sldId id="283" r:id="rId8"/>
-    <p:sldId id="286" r:id="rId9"/>
-    <p:sldId id="284" r:id="rId10"/>
-    <p:sldId id="285" r:id="rId11"/>
-    <p:sldId id="270" r:id="rId12"/>
-    <p:sldId id="288" r:id="rId13"/>
-    <p:sldId id="289" r:id="rId14"/>
-    <p:sldId id="271" r:id="rId15"/>
-    <p:sldId id="290" r:id="rId16"/>
-    <p:sldId id="292" r:id="rId17"/>
-    <p:sldId id="291" r:id="rId18"/>
-    <p:sldId id="293" r:id="rId19"/>
-    <p:sldId id="295" r:id="rId20"/>
-    <p:sldId id="296" r:id="rId21"/>
-    <p:sldId id="297" r:id="rId22"/>
-    <p:sldId id="298" r:id="rId23"/>
-    <p:sldId id="272" r:id="rId24"/>
-    <p:sldId id="294" r:id="rId25"/>
-    <p:sldId id="301" r:id="rId26"/>
-    <p:sldId id="302" r:id="rId27"/>
-    <p:sldId id="275" r:id="rId28"/>
-    <p:sldId id="276" r:id="rId29"/>
-    <p:sldId id="299" r:id="rId30"/>
-    <p:sldId id="274" r:id="rId31"/>
-    <p:sldId id="277" r:id="rId32"/>
-    <p:sldId id="278" r:id="rId33"/>
-    <p:sldId id="279" r:id="rId34"/>
-    <p:sldId id="300" r:id="rId35"/>
-    <p:sldId id="268" r:id="rId36"/>
+    <p:sldId id="303" r:id="rId5"/>
+    <p:sldId id="273" r:id="rId6"/>
+    <p:sldId id="280" r:id="rId7"/>
+    <p:sldId id="281" r:id="rId8"/>
+    <p:sldId id="283" r:id="rId9"/>
+    <p:sldId id="286" r:id="rId10"/>
+    <p:sldId id="284" r:id="rId11"/>
+    <p:sldId id="285" r:id="rId12"/>
+    <p:sldId id="270" r:id="rId13"/>
+    <p:sldId id="288" r:id="rId14"/>
+    <p:sldId id="289" r:id="rId15"/>
+    <p:sldId id="271" r:id="rId16"/>
+    <p:sldId id="290" r:id="rId17"/>
+    <p:sldId id="292" r:id="rId18"/>
+    <p:sldId id="291" r:id="rId19"/>
+    <p:sldId id="293" r:id="rId20"/>
+    <p:sldId id="295" r:id="rId21"/>
+    <p:sldId id="296" r:id="rId22"/>
+    <p:sldId id="297" r:id="rId23"/>
+    <p:sldId id="298" r:id="rId24"/>
+    <p:sldId id="272" r:id="rId25"/>
+    <p:sldId id="294" r:id="rId26"/>
+    <p:sldId id="301" r:id="rId27"/>
+    <p:sldId id="302" r:id="rId28"/>
+    <p:sldId id="275" r:id="rId29"/>
+    <p:sldId id="276" r:id="rId30"/>
+    <p:sldId id="299" r:id="rId31"/>
+    <p:sldId id="274" r:id="rId32"/>
+    <p:sldId id="277" r:id="rId33"/>
+    <p:sldId id="278" r:id="rId34"/>
+    <p:sldId id="279" r:id="rId35"/>
+    <p:sldId id="300" r:id="rId36"/>
+    <p:sldId id="268" r:id="rId37"/>
   </p:sldIdLst>
   <p:sldSz cx="12192000" cy="6858000"/>
   <p:notesSz cx="6858000" cy="9144000"/>
@@ -231,7 +232,7 @@
           <a:p>
             <a:fld id="{D46E3B93-8523-4DBC-8FC5-65A9B9CDE5EE}" type="datetimeFigureOut">
               <a:rPr lang="en-US" smtClean="0"/>
-              <a:t>11/4/2019</a:t>
+              <a:t>11/14/2019</a:t>
             </a:fld>
             <a:endParaRPr lang="en-US"/>
           </a:p>
@@ -627,7 +628,7 @@
           <a:p>
             <a:fld id="{CE8F6EB4-B6EF-44F6-BBD1-CD5E279CFAE2}" type="datetime4">
               <a:rPr lang="en-US" smtClean="0"/>
-              <a:t>November 4, 2019</a:t>
+              <a:t>November 14, 2019</a:t>
             </a:fld>
             <a:endParaRPr lang="en-US" dirty="0"/>
           </a:p>
@@ -799,7 +800,7 @@
           <a:p>
             <a:fld id="{8A405AA7-4C18-4A99-8AAA-8677C1976FC9}" type="datetime4">
               <a:rPr lang="en-US" smtClean="0"/>
-              <a:t>November 4, 2019</a:t>
+              <a:t>November 14, 2019</a:t>
             </a:fld>
             <a:endParaRPr lang="en-US" dirty="0"/>
           </a:p>
@@ -981,7 +982,7 @@
           <a:p>
             <a:fld id="{4EA0D668-33DD-41B9-B668-7E7FF430C345}" type="datetime4">
               <a:rPr lang="en-US" smtClean="0"/>
-              <a:t>November 4, 2019</a:t>
+              <a:t>November 14, 2019</a:t>
             </a:fld>
             <a:endParaRPr lang="en-US" dirty="0"/>
           </a:p>
@@ -1164,7 +1165,7 @@
           <a:p>
             <a:fld id="{8AAE40A0-A7D8-4DC3-BC9E-BADA32DA2004}" type="datetime4">
               <a:rPr lang="en-US" smtClean="0"/>
-              <a:t>November 4, 2019</a:t>
+              <a:t>November 14, 2019</a:t>
             </a:fld>
             <a:endParaRPr lang="en-US" dirty="0"/>
           </a:p>
@@ -1481,7 +1482,7 @@
           <a:p>
             <a:fld id="{B08FEED8-D7D4-44E9-BFBC-ED06B5996D94}" type="datetime4">
               <a:rPr lang="en-US" smtClean="0"/>
-              <a:t>November 4, 2019</a:t>
+              <a:t>November 14, 2019</a:t>
             </a:fld>
             <a:endParaRPr lang="en-US" dirty="0"/>
           </a:p>
@@ -1781,7 +1782,7 @@
           <a:p>
             <a:fld id="{A143C325-9442-4629-8CC6-5CAC69736C93}" type="datetime4">
               <a:rPr lang="en-US" smtClean="0"/>
-              <a:t>November 4, 2019</a:t>
+              <a:t>November 14, 2019</a:t>
             </a:fld>
             <a:endParaRPr lang="en-US" dirty="0"/>
           </a:p>
@@ -2149,7 +2150,7 @@
           <a:p>
             <a:fld id="{EEDAFACB-3FED-4607-9FDD-34A82581A119}" type="datetime4">
               <a:rPr lang="en-US" smtClean="0"/>
-              <a:t>November 4, 2019</a:t>
+              <a:t>November 14, 2019</a:t>
             </a:fld>
             <a:endParaRPr lang="en-US" dirty="0"/>
           </a:p>
@@ -2270,7 +2271,7 @@
           <a:p>
             <a:fld id="{EC2805D6-2E3E-42F7-ABBA-DCD51C704328}" type="datetime4">
               <a:rPr lang="en-US" smtClean="0"/>
-              <a:t>November 4, 2019</a:t>
+              <a:t>November 14, 2019</a:t>
             </a:fld>
             <a:endParaRPr lang="en-US" dirty="0"/>
           </a:p>
@@ -2369,7 +2370,7 @@
           <a:p>
             <a:fld id="{7A745AAB-8888-45FB-8C4E-B86AF9A05200}" type="datetime4">
               <a:rPr lang="en-US" smtClean="0"/>
-              <a:t>November 4, 2019</a:t>
+              <a:t>November 14, 2019</a:t>
             </a:fld>
             <a:endParaRPr lang="en-US" dirty="0"/>
           </a:p>
@@ -2648,7 +2649,7 @@
           <a:p>
             <a:fld id="{9F896CED-8AFA-412F-B61A-472E6093CDBA}" type="datetime4">
               <a:rPr lang="en-US" smtClean="0"/>
-              <a:t>November 4, 2019</a:t>
+              <a:t>November 14, 2019</a:t>
             </a:fld>
             <a:endParaRPr lang="en-US" dirty="0"/>
           </a:p>
@@ -2907,7 +2908,7 @@
           <a:p>
             <a:fld id="{61078AB2-2970-444D-B1FF-A9F37FC020F5}" type="datetime4">
               <a:rPr lang="en-US" smtClean="0"/>
-              <a:t>November 4, 2019</a:t>
+              <a:t>November 14, 2019</a:t>
             </a:fld>
             <a:endParaRPr lang="en-US" dirty="0"/>
           </a:p>
@@ -3125,7 +3126,7 @@
           <a:p>
             <a:fld id="{1148AE1E-D441-45CD-8192-49B13802301D}" type="datetime4">
               <a:rPr lang="en-US" smtClean="0"/>
-              <a:t>November 4, 2019</a:t>
+              <a:t>November 14, 2019</a:t>
             </a:fld>
             <a:endParaRPr lang="en-US" dirty="0"/>
           </a:p>
@@ -3876,6 +3877,108 @@
           <a:p>
             <a:r>
               <a:rPr lang="en-US" dirty="0" smtClean="0"/>
+              <a:t>ARTIFICIAL INTELLIGENCE</a:t>
+            </a:r>
+            <a:endParaRPr lang="en-US" dirty="0"/>
+          </a:p>
+        </p:txBody>
+      </p:sp>
+      <p:sp>
+        <p:nvSpPr>
+          <p:cNvPr id="5" name="Content Placeholder 4"/>
+          <p:cNvSpPr>
+            <a:spLocks noGrp="1"/>
+          </p:cNvSpPr>
+          <p:nvPr>
+            <p:ph idx="1"/>
+          </p:nvPr>
+        </p:nvSpPr>
+        <p:spPr/>
+        <p:txBody>
+          <a:bodyPr/>
+          <a:lstStyle/>
+          <a:p>
+            <a:r>
+              <a:rPr lang="en-US" dirty="0" smtClean="0"/>
+              <a:t>A very vague phrase with tons of possible meanings</a:t>
+            </a:r>
+          </a:p>
+          <a:p>
+            <a:r>
+              <a:rPr lang="en-US" dirty="0"/>
+              <a:t>Modeling technique </a:t>
+            </a:r>
+            <a:r>
+              <a:rPr lang="en-US" dirty="0" smtClean="0"/>
+              <a:t>wherein we use artificial neural networks to produce more in-depth results</a:t>
+            </a:r>
+          </a:p>
+          <a:p>
+            <a:r>
+              <a:rPr lang="en-US" dirty="0" smtClean="0"/>
+              <a:t>Example</a:t>
+            </a:r>
+            <a:r>
+              <a:rPr lang="en-US" dirty="0"/>
+              <a:t>: Predicting whether an image is of a cat or a </a:t>
+            </a:r>
+            <a:r>
+              <a:rPr lang="en-US" dirty="0" smtClean="0"/>
+              <a:t>dog using neural networks</a:t>
+            </a:r>
+          </a:p>
+          <a:p>
+            <a:endParaRPr lang="en-US" dirty="0"/>
+          </a:p>
+        </p:txBody>
+      </p:sp>
+    </p:spTree>
+    <p:extLst>
+      <p:ext uri="{BB962C8B-B14F-4D97-AF65-F5344CB8AC3E}">
+        <p14:creationId xmlns:p14="http://schemas.microsoft.com/office/powerpoint/2010/main" val="599699102"/>
+      </p:ext>
+    </p:extLst>
+  </p:cSld>
+  <p:clrMapOvr>
+    <a:masterClrMapping/>
+  </p:clrMapOvr>
+</p:sld>
+</file>
+
+<file path=ppt/slides/slide11.xml><?xml version="1.0" encoding="utf-8"?>
+<p:sld xmlns:a="http://schemas.openxmlformats.org/drawingml/2006/main" xmlns:r="http://schemas.openxmlformats.org/officeDocument/2006/relationships" xmlns:p="http://schemas.openxmlformats.org/presentationml/2006/main">
+  <p:cSld>
+    <p:spTree>
+      <p:nvGrpSpPr>
+        <p:cNvPr id="1" name=""/>
+        <p:cNvGrpSpPr/>
+        <p:nvPr/>
+      </p:nvGrpSpPr>
+      <p:grpSpPr>
+        <a:xfrm>
+          <a:off x="0" y="0"/>
+          <a:ext cx="0" cy="0"/>
+          <a:chOff x="0" y="0"/>
+          <a:chExt cx="0" cy="0"/>
+        </a:xfrm>
+      </p:grpSpPr>
+      <p:sp>
+        <p:nvSpPr>
+          <p:cNvPr id="4" name="Title 3"/>
+          <p:cNvSpPr>
+            <a:spLocks noGrp="1"/>
+          </p:cNvSpPr>
+          <p:nvPr>
+            <p:ph type="title"/>
+          </p:nvPr>
+        </p:nvSpPr>
+        <p:spPr/>
+        <p:txBody>
+          <a:bodyPr/>
+          <a:lstStyle/>
+          <a:p>
+            <a:r>
+              <a:rPr lang="en-US" dirty="0" smtClean="0"/>
               <a:t>NEURAL NETWORKS</a:t>
             </a:r>
             <a:endParaRPr lang="en-US" dirty="0"/>
@@ -3984,179 +4087,6 @@
 </p:sld>
 </file>
 
-<file path=ppt/slides/slide11.xml><?xml version="1.0" encoding="utf-8"?>
-<p:sld xmlns:a="http://schemas.openxmlformats.org/drawingml/2006/main" xmlns:r="http://schemas.openxmlformats.org/officeDocument/2006/relationships" xmlns:p="http://schemas.openxmlformats.org/presentationml/2006/main">
-  <p:cSld>
-    <p:spTree>
-      <p:nvGrpSpPr>
-        <p:cNvPr id="1" name=""/>
-        <p:cNvGrpSpPr/>
-        <p:nvPr/>
-      </p:nvGrpSpPr>
-      <p:grpSpPr>
-        <a:xfrm>
-          <a:off x="0" y="0"/>
-          <a:ext cx="0" cy="0"/>
-          <a:chOff x="0" y="0"/>
-          <a:chExt cx="0" cy="0"/>
-        </a:xfrm>
-      </p:grpSpPr>
-      <p:sp>
-        <p:nvSpPr>
-          <p:cNvPr id="7" name="Title 6"/>
-          <p:cNvSpPr>
-            <a:spLocks noGrp="1"/>
-          </p:cNvSpPr>
-          <p:nvPr>
-            <p:ph type="title"/>
-          </p:nvPr>
-        </p:nvSpPr>
-        <p:spPr/>
-        <p:txBody>
-          <a:bodyPr/>
-          <a:lstStyle/>
-          <a:p>
-            <a:r>
-              <a:rPr lang="en-US" dirty="0" smtClean="0"/>
-              <a:t>LINEAR REGRESSION</a:t>
-            </a:r>
-            <a:endParaRPr lang="en-US" dirty="0"/>
-          </a:p>
-        </p:txBody>
-      </p:sp>
-      <p:sp>
-        <p:nvSpPr>
-          <p:cNvPr id="8" name="Text Placeholder 7"/>
-          <p:cNvSpPr>
-            <a:spLocks noGrp="1"/>
-          </p:cNvSpPr>
-          <p:nvPr>
-            <p:ph type="body" idx="1"/>
-          </p:nvPr>
-        </p:nvSpPr>
-        <p:spPr/>
-        <p:txBody>
-          <a:bodyPr/>
-          <a:lstStyle/>
-          <a:p>
-            <a:r>
-              <a:rPr lang="en-US" dirty="0" smtClean="0"/>
-              <a:t>Simple Modeling</a:t>
-            </a:r>
-            <a:endParaRPr lang="en-US" dirty="0"/>
-          </a:p>
-        </p:txBody>
-      </p:sp>
-      <p:sp>
-        <p:nvSpPr>
-          <p:cNvPr id="4" name="Date Placeholder 3"/>
-          <p:cNvSpPr>
-            <a:spLocks noGrp="1"/>
-          </p:cNvSpPr>
-          <p:nvPr>
-            <p:ph type="dt" sz="half" idx="10"/>
-          </p:nvPr>
-        </p:nvSpPr>
-        <p:spPr/>
-        <p:txBody>
-          <a:bodyPr/>
-          <a:lstStyle/>
-          <a:p>
-            <a:fld id="{8AAE40A0-A7D8-4DC3-BC9E-BADA32DA2004}" type="datetime4">
-              <a:rPr lang="en-US" smtClean="0"/>
-              <a:t>November 4, 2019</a:t>
-            </a:fld>
-            <a:endParaRPr lang="en-US" dirty="0"/>
-          </a:p>
-        </p:txBody>
-      </p:sp>
-      <p:sp>
-        <p:nvSpPr>
-          <p:cNvPr id="5" name="Footer Placeholder 4"/>
-          <p:cNvSpPr>
-            <a:spLocks noGrp="1"/>
-          </p:cNvSpPr>
-          <p:nvPr>
-            <p:ph type="ftr" sz="quarter" idx="11"/>
-          </p:nvPr>
-        </p:nvSpPr>
-        <p:spPr/>
-        <p:txBody>
-          <a:bodyPr/>
-          <a:lstStyle/>
-          <a:p>
-            <a:r>
-              <a:rPr lang="en-US" smtClean="0"/>
-              <a:t>Digital Scholarship Services </a:t>
-            </a:r>
-            <a:r>
-              <a:rPr lang="en-US" smtClean="0">
-                <a:solidFill>
-                  <a:schemeClr val="accent1">
-                    <a:lumMod val="50000"/>
-                  </a:schemeClr>
-                </a:solidFill>
-              </a:rPr>
-              <a:t>| Email</a:t>
-            </a:r>
-            <a:r>
-              <a:rPr lang="en-US" smtClean="0"/>
-              <a:t> cf24@rice.edu </a:t>
-            </a:r>
-            <a:r>
-              <a:rPr lang="en-US" smtClean="0">
-                <a:solidFill>
-                  <a:schemeClr val="accent1">
-                    <a:lumMod val="50000"/>
-                  </a:schemeClr>
-                </a:solidFill>
-              </a:rPr>
-              <a:t>|</a:t>
-            </a:r>
-            <a:r>
-              <a:rPr lang="en-US" smtClean="0"/>
-              <a:t> library.rice.edu/dss</a:t>
-            </a:r>
-            <a:endParaRPr lang="en-US" dirty="0"/>
-          </a:p>
-        </p:txBody>
-      </p:sp>
-      <p:sp>
-        <p:nvSpPr>
-          <p:cNvPr id="6" name="Slide Number Placeholder 5"/>
-          <p:cNvSpPr>
-            <a:spLocks noGrp="1"/>
-          </p:cNvSpPr>
-          <p:nvPr>
-            <p:ph type="sldNum" sz="quarter" idx="12"/>
-          </p:nvPr>
-        </p:nvSpPr>
-        <p:spPr/>
-        <p:txBody>
-          <a:bodyPr/>
-          <a:lstStyle/>
-          <a:p>
-            <a:fld id="{D57F1E4F-1CFF-5643-939E-02111984F565}" type="slidenum">
-              <a:rPr lang="en-US" smtClean="0"/>
-              <a:t>11</a:t>
-            </a:fld>
-            <a:endParaRPr lang="en-US" dirty="0"/>
-          </a:p>
-        </p:txBody>
-      </p:sp>
-    </p:spTree>
-    <p:extLst>
-      <p:ext uri="{BB962C8B-B14F-4D97-AF65-F5344CB8AC3E}">
-        <p14:creationId xmlns:p14="http://schemas.microsoft.com/office/powerpoint/2010/main" val="2415813672"/>
-      </p:ext>
-    </p:extLst>
-  </p:cSld>
-  <p:clrMapOvr>
-    <a:masterClrMapping/>
-  </p:clrMapOvr>
-</p:sld>
-</file>
-
 <file path=ppt/slides/slide12.xml><?xml version="1.0" encoding="utf-8"?>
 <p:sld xmlns:a="http://schemas.openxmlformats.org/drawingml/2006/main" xmlns:r="http://schemas.openxmlformats.org/officeDocument/2006/relationships" xmlns:p="http://schemas.openxmlformats.org/presentationml/2006/main">
   <p:cSld>
@@ -4191,36 +4121,30 @@
           <a:p>
             <a:r>
               <a:rPr lang="en-US" dirty="0" smtClean="0"/>
-              <a:t>BASIC LINEAR REGRESSION</a:t>
-            </a:r>
-            <a:endParaRPr lang="en-US" dirty="0"/>
-          </a:p>
-        </p:txBody>
-      </p:sp>
-      <p:sp>
-        <p:nvSpPr>
-          <p:cNvPr id="8" name="Content Placeholder 7"/>
-          <p:cNvSpPr>
-            <a:spLocks noGrp="1"/>
-          </p:cNvSpPr>
-          <p:nvPr>
-            <p:ph idx="1"/>
-          </p:nvPr>
-        </p:nvSpPr>
-        <p:spPr/>
-        <p:txBody>
-          <a:bodyPr/>
-          <a:lstStyle/>
-          <a:p>
-            <a:r>
-              <a:rPr lang="en-US" dirty="0" smtClean="0"/>
-              <a:t>Commonly referred to as ‘line of best fit’, ‘trend line,’ and similar things</a:t>
-            </a:r>
-          </a:p>
-          <a:p>
-            <a:r>
-              <a:rPr lang="en-US" dirty="0" smtClean="0"/>
-              <a:t>Basic idea: minimizing the squared prediction error</a:t>
+              <a:t>LINEAR REGRESSION</a:t>
+            </a:r>
+            <a:endParaRPr lang="en-US" dirty="0"/>
+          </a:p>
+        </p:txBody>
+      </p:sp>
+      <p:sp>
+        <p:nvSpPr>
+          <p:cNvPr id="8" name="Text Placeholder 7"/>
+          <p:cNvSpPr>
+            <a:spLocks noGrp="1"/>
+          </p:cNvSpPr>
+          <p:nvPr>
+            <p:ph type="body" idx="1"/>
+          </p:nvPr>
+        </p:nvSpPr>
+        <p:spPr/>
+        <p:txBody>
+          <a:bodyPr/>
+          <a:lstStyle/>
+          <a:p>
+            <a:r>
+              <a:rPr lang="en-US" dirty="0" smtClean="0"/>
+              <a:t>Simple Modeling</a:t>
             </a:r>
             <a:endParaRPr lang="en-US" dirty="0"/>
           </a:p>
@@ -4241,9 +4165,9 @@
           <a:bodyPr/>
           <a:lstStyle/>
           <a:p>
-            <a:fld id="{B08FEED8-D7D4-44E9-BFBC-ED06B5996D94}" type="datetime4">
-              <a:rPr lang="en-US" smtClean="0"/>
-              <a:t>November 6, 2019</a:t>
+            <a:fld id="{8AAE40A0-A7D8-4DC3-BC9E-BADA32DA2004}" type="datetime4">
+              <a:rPr lang="en-US" smtClean="0"/>
+              <a:t>November 14, 2019</a:t>
             </a:fld>
             <a:endParaRPr lang="en-US" dirty="0"/>
           </a:p>
@@ -4326,7 +4250,7 @@
     </p:spTree>
     <p:extLst>
       <p:ext uri="{BB962C8B-B14F-4D97-AF65-F5344CB8AC3E}">
-        <p14:creationId xmlns:p14="http://schemas.microsoft.com/office/powerpoint/2010/main" val="1553564871"/>
+        <p14:creationId xmlns:p14="http://schemas.microsoft.com/office/powerpoint/2010/main" val="2415813672"/>
       </p:ext>
     </p:extLst>
   </p:cSld>
@@ -4370,7 +4294,7 @@
           <a:p>
             <a:r>
               <a:rPr lang="en-US" dirty="0" smtClean="0"/>
-              <a:t>WHY LINEAR REGRESSION?</a:t>
+              <a:t>BASIC LINEAR REGRESSION</a:t>
             </a:r>
             <a:endParaRPr lang="en-US" dirty="0"/>
           </a:p>
@@ -4386,33 +4310,25 @@
             <p:ph idx="1"/>
           </p:nvPr>
         </p:nvSpPr>
-        <p:spPr/>
-        <p:txBody>
-          <a:bodyPr/>
-          <a:lstStyle/>
-          <a:p>
-            <a:r>
-              <a:rPr lang="en-US" dirty="0" smtClean="0"/>
-              <a:t>There’s a tendency among people new to machine learning to immediately jump to deep neural networks when they don’t need to</a:t>
-            </a:r>
-          </a:p>
-          <a:p>
-            <a:r>
-              <a:rPr lang="en-US" dirty="0" smtClean="0"/>
-              <a:t>Simple model, easy to interpret, extremely fast!</a:t>
-            </a:r>
-          </a:p>
-          <a:p>
-            <a:r>
-              <a:rPr lang="en-US" dirty="0" smtClean="0"/>
-              <a:t>Often, the most appropriate method</a:t>
-            </a:r>
-          </a:p>
-          <a:p>
-            <a:pPr lvl="1"/>
-            <a:r>
-              <a:rPr lang="en-US" dirty="0" smtClean="0"/>
-              <a:t>Occam’s razor</a:t>
+        <p:spPr>
+          <a:xfrm>
+            <a:off x="838200" y="1825625"/>
+            <a:ext cx="5833820" cy="4351338"/>
+          </a:xfrm>
+        </p:spPr>
+        <p:txBody>
+          <a:bodyPr/>
+          <a:lstStyle/>
+          <a:p>
+            <a:r>
+              <a:rPr lang="en-US" dirty="0" smtClean="0"/>
+              <a:t>Commonly referred to as ‘line of best fit’, ‘trend line,’ and similar things</a:t>
+            </a:r>
+          </a:p>
+          <a:p>
+            <a:r>
+              <a:rPr lang="en-US" dirty="0" smtClean="0"/>
+              <a:t>Basic idea: minimizing the squared prediction error</a:t>
             </a:r>
             <a:endParaRPr lang="en-US" dirty="0"/>
           </a:p>
@@ -4435,7 +4351,7 @@
           <a:p>
             <a:fld id="{B08FEED8-D7D4-44E9-BFBC-ED06B5996D94}" type="datetime4">
               <a:rPr lang="en-US" smtClean="0"/>
-              <a:t>November 6, 2019</a:t>
+              <a:t>November 14, 2019</a:t>
             </a:fld>
             <a:endParaRPr lang="en-US" dirty="0"/>
           </a:p>
@@ -4515,10 +4431,51 @@
           </a:p>
         </p:txBody>
       </p:sp>
+      <p:pic>
+        <p:nvPicPr>
+          <p:cNvPr id="1026" name="Picture 2" descr="File:Linear least squares example2.png"/>
+          <p:cNvPicPr>
+            <a:picLocks noChangeAspect="1" noChangeArrowheads="1"/>
+          </p:cNvPicPr>
+          <p:nvPr/>
+        </p:nvPicPr>
+        <p:blipFill>
+          <a:blip r:embed="rId2">
+            <a:extLst>
+              <a:ext uri="{28A0092B-C50C-407E-A947-70E740481C1C}">
+                <a14:useLocalDpi xmlns:a14="http://schemas.microsoft.com/office/drawing/2010/main" val="0"/>
+              </a:ext>
+            </a:extLst>
+          </a:blip>
+          <a:srcRect/>
+          <a:stretch>
+            <a:fillRect/>
+          </a:stretch>
+        </p:blipFill>
+        <p:spPr bwMode="auto">
+          <a:xfrm>
+            <a:off x="7106565" y="1582295"/>
+            <a:ext cx="3716261" cy="4684362"/>
+          </a:xfrm>
+          <a:prstGeom prst="rect">
+            <a:avLst/>
+          </a:prstGeom>
+          <a:noFill/>
+          <a:extLst>
+            <a:ext uri="{909E8E84-426E-40DD-AFC4-6F175D3DCCD1}">
+              <a14:hiddenFill xmlns:a14="http://schemas.microsoft.com/office/drawing/2010/main">
+                <a:solidFill>
+                  <a:srgbClr val="FFFFFF"/>
+                </a:solidFill>
+              </a14:hiddenFill>
+            </a:ext>
+          </a:extLst>
+        </p:spPr>
+      </p:pic>
     </p:spTree>
     <p:extLst>
       <p:ext uri="{BB962C8B-B14F-4D97-AF65-F5344CB8AC3E}">
-        <p14:creationId xmlns:p14="http://schemas.microsoft.com/office/powerpoint/2010/main" val="2699442216"/>
+        <p14:creationId xmlns:p14="http://schemas.microsoft.com/office/powerpoint/2010/main" val="1553564871"/>
       </p:ext>
     </p:extLst>
   </p:cSld>
@@ -4562,30 +4519,49 @@
           <a:p>
             <a:r>
               <a:rPr lang="en-US" dirty="0" smtClean="0"/>
-              <a:t>LOGISTIC REGRESSION</a:t>
-            </a:r>
-            <a:endParaRPr lang="en-US" dirty="0"/>
-          </a:p>
-        </p:txBody>
-      </p:sp>
-      <p:sp>
-        <p:nvSpPr>
-          <p:cNvPr id="8" name="Text Placeholder 7"/>
-          <p:cNvSpPr>
-            <a:spLocks noGrp="1"/>
-          </p:cNvSpPr>
-          <p:nvPr>
-            <p:ph type="body" idx="1"/>
-          </p:nvPr>
-        </p:nvSpPr>
-        <p:spPr/>
-        <p:txBody>
-          <a:bodyPr/>
-          <a:lstStyle/>
-          <a:p>
-            <a:r>
-              <a:rPr lang="en-US" dirty="0" smtClean="0"/>
-              <a:t>Not regression at all! Simple classification</a:t>
+              <a:t>WHY LINEAR REGRESSION?</a:t>
+            </a:r>
+            <a:endParaRPr lang="en-US" dirty="0"/>
+          </a:p>
+        </p:txBody>
+      </p:sp>
+      <p:sp>
+        <p:nvSpPr>
+          <p:cNvPr id="8" name="Content Placeholder 7"/>
+          <p:cNvSpPr>
+            <a:spLocks noGrp="1"/>
+          </p:cNvSpPr>
+          <p:nvPr>
+            <p:ph idx="1"/>
+          </p:nvPr>
+        </p:nvSpPr>
+        <p:spPr/>
+        <p:txBody>
+          <a:bodyPr/>
+          <a:lstStyle/>
+          <a:p>
+            <a:r>
+              <a:rPr lang="en-US" dirty="0" smtClean="0"/>
+              <a:t>There’s a tendency among people new to machine learning to immediately jump to deep neural networks when they don’t need to</a:t>
+            </a:r>
+          </a:p>
+          <a:p>
+            <a:r>
+              <a:rPr lang="en-US" dirty="0" smtClean="0"/>
+              <a:t>Simple model, easy to interpret, extremely fast!</a:t>
+            </a:r>
+          </a:p>
+          <a:p>
+            <a:r>
+              <a:rPr lang="en-US" dirty="0" smtClean="0"/>
+              <a:t>Often, the most appropriate method</a:t>
+            </a:r>
+          </a:p>
+          <a:p>
+            <a:pPr lvl="1"/>
+            <a:r>
+              <a:rPr lang="en-US" dirty="0" smtClean="0"/>
+              <a:t>Occam’s razor</a:t>
             </a:r>
             <a:endParaRPr lang="en-US" dirty="0"/>
           </a:p>
@@ -4606,9 +4582,9 @@
           <a:bodyPr/>
           <a:lstStyle/>
           <a:p>
-            <a:fld id="{8AAE40A0-A7D8-4DC3-BC9E-BADA32DA2004}" type="datetime4">
-              <a:rPr lang="en-US" smtClean="0"/>
-              <a:t>November 4, 2019</a:t>
+            <a:fld id="{B08FEED8-D7D4-44E9-BFBC-ED06B5996D94}" type="datetime4">
+              <a:rPr lang="en-US" smtClean="0"/>
+              <a:t>November 14, 2019</a:t>
             </a:fld>
             <a:endParaRPr lang="en-US" dirty="0"/>
           </a:p>
@@ -4691,7 +4667,7 @@
     </p:spTree>
     <p:extLst>
       <p:ext uri="{BB962C8B-B14F-4D97-AF65-F5344CB8AC3E}">
-        <p14:creationId xmlns:p14="http://schemas.microsoft.com/office/powerpoint/2010/main" val="1100806539"/>
+        <p14:creationId xmlns:p14="http://schemas.microsoft.com/office/powerpoint/2010/main" val="2699442216"/>
       </p:ext>
     </p:extLst>
   </p:cSld>
@@ -4735,54 +4711,30 @@
           <a:p>
             <a:r>
               <a:rPr lang="en-US" dirty="0" smtClean="0"/>
-              <a:t>BASIC LOGISTIC REGRESSION</a:t>
-            </a:r>
-            <a:endParaRPr lang="en-US" dirty="0"/>
-          </a:p>
-        </p:txBody>
-      </p:sp>
-      <p:sp>
-        <p:nvSpPr>
-          <p:cNvPr id="8" name="Content Placeholder 7"/>
-          <p:cNvSpPr>
-            <a:spLocks noGrp="1"/>
-          </p:cNvSpPr>
-          <p:nvPr>
-            <p:ph idx="1"/>
-          </p:nvPr>
-        </p:nvSpPr>
-        <p:spPr/>
-        <p:txBody>
-          <a:bodyPr/>
-          <a:lstStyle/>
-          <a:p>
-            <a:r>
-              <a:rPr lang="en-US" dirty="0" smtClean="0"/>
-              <a:t>Not regression!</a:t>
-            </a:r>
-          </a:p>
-          <a:p>
-            <a:pPr lvl="1"/>
-            <a:r>
-              <a:rPr lang="en-US" dirty="0" smtClean="0"/>
-              <a:t>Sadly, a lot of terms are confusing in machine learning</a:t>
-            </a:r>
-          </a:p>
-          <a:p>
-            <a:r>
-              <a:rPr lang="en-US" dirty="0" smtClean="0"/>
-              <a:t>Basic idea: predict the probability that each sample belongs to a class (consistency is key!) and minimize the difference between predicted probability and actual membership</a:t>
-            </a:r>
-          </a:p>
-          <a:p>
-            <a:pPr lvl="1"/>
-            <a:r>
-              <a:rPr lang="en-US" dirty="0"/>
-              <a:t>e</a:t>
-            </a:r>
-            <a:r>
-              <a:rPr lang="en-US" dirty="0" smtClean="0"/>
-              <a:t>.g. if we predict a picture is of a cat with 95% probability and it isn’t, that’s a pretty big penalty, but predicting 51% cat is significantly less</a:t>
+              <a:t>LOGISTIC REGRESSION</a:t>
+            </a:r>
+            <a:endParaRPr lang="en-US" dirty="0"/>
+          </a:p>
+        </p:txBody>
+      </p:sp>
+      <p:sp>
+        <p:nvSpPr>
+          <p:cNvPr id="8" name="Text Placeholder 7"/>
+          <p:cNvSpPr>
+            <a:spLocks noGrp="1"/>
+          </p:cNvSpPr>
+          <p:nvPr>
+            <p:ph type="body" idx="1"/>
+          </p:nvPr>
+        </p:nvSpPr>
+        <p:spPr/>
+        <p:txBody>
+          <a:bodyPr/>
+          <a:lstStyle/>
+          <a:p>
+            <a:r>
+              <a:rPr lang="en-US" dirty="0" smtClean="0"/>
+              <a:t>Not regression at all! Simple classification</a:t>
             </a:r>
             <a:endParaRPr lang="en-US" dirty="0"/>
           </a:p>
@@ -4803,9 +4755,9 @@
           <a:bodyPr/>
           <a:lstStyle/>
           <a:p>
-            <a:fld id="{B08FEED8-D7D4-44E9-BFBC-ED06B5996D94}" type="datetime4">
-              <a:rPr lang="en-US" smtClean="0"/>
-              <a:t>November 6, 2019</a:t>
+            <a:fld id="{8AAE40A0-A7D8-4DC3-BC9E-BADA32DA2004}" type="datetime4">
+              <a:rPr lang="en-US" smtClean="0"/>
+              <a:t>November 14, 2019</a:t>
             </a:fld>
             <a:endParaRPr lang="en-US" dirty="0"/>
           </a:p>
@@ -4888,7 +4840,7 @@
     </p:spTree>
     <p:extLst>
       <p:ext uri="{BB962C8B-B14F-4D97-AF65-F5344CB8AC3E}">
-        <p14:creationId xmlns:p14="http://schemas.microsoft.com/office/powerpoint/2010/main" val="3875514367"/>
+        <p14:creationId xmlns:p14="http://schemas.microsoft.com/office/powerpoint/2010/main" val="1100806539"/>
       </p:ext>
     </p:extLst>
   </p:cSld>
@@ -4932,7 +4884,7 @@
           <a:p>
             <a:r>
               <a:rPr lang="en-US" dirty="0" smtClean="0"/>
-              <a:t>WHY LOGISTIC REGRESSION?</a:t>
+              <a:t>BASIC LOGISTIC REGRESSION</a:t>
             </a:r>
             <a:endParaRPr lang="en-US" dirty="0"/>
           </a:p>
@@ -4948,26 +4900,43 @@
             <p:ph idx="1"/>
           </p:nvPr>
         </p:nvSpPr>
-        <p:spPr/>
-        <p:txBody>
-          <a:bodyPr/>
-          <a:lstStyle/>
-          <a:p>
-            <a:r>
-              <a:rPr lang="en-US" dirty="0" smtClean="0"/>
-              <a:t>There’s a tendency among people new to machine learning to immediately jump to deep neural networks when they don’t need to</a:t>
-            </a:r>
-          </a:p>
-          <a:p>
-            <a:r>
-              <a:rPr lang="en-US" dirty="0" smtClean="0"/>
-              <a:t>Simple model, easy to interpret, extremely fast!</a:t>
-            </a:r>
-          </a:p>
-          <a:p>
-            <a:r>
-              <a:rPr lang="en-US" dirty="0" smtClean="0"/>
-              <a:t>And, it can outperform neural networks on a wide range of problems in a fraction of the time!</a:t>
+        <p:spPr>
+          <a:xfrm>
+            <a:off x="427495" y="1847850"/>
+            <a:ext cx="7448700" cy="4351338"/>
+          </a:xfrm>
+        </p:spPr>
+        <p:txBody>
+          <a:bodyPr/>
+          <a:lstStyle/>
+          <a:p>
+            <a:r>
+              <a:rPr lang="en-US" dirty="0" smtClean="0"/>
+              <a:t>Not regression!</a:t>
+            </a:r>
+          </a:p>
+          <a:p>
+            <a:pPr lvl="1"/>
+            <a:r>
+              <a:rPr lang="en-US" dirty="0" smtClean="0"/>
+              <a:t>Sadly, a lot of terms are confusing in machine learning</a:t>
+            </a:r>
+          </a:p>
+          <a:p>
+            <a:r>
+              <a:rPr lang="en-US" dirty="0" smtClean="0"/>
+              <a:t>Basic idea: predict the probability that each sample belongs to a class (consistency is key!) and minimize the difference between predicted probability and actual membership</a:t>
+            </a:r>
+          </a:p>
+          <a:p>
+            <a:pPr lvl="1"/>
+            <a:r>
+              <a:rPr lang="en-US" dirty="0"/>
+              <a:t>e</a:t>
+            </a:r>
+            <a:r>
+              <a:rPr lang="en-US" dirty="0" smtClean="0"/>
+              <a:t>.g. if we predict a picture is of a cat with 95% probability and it isn’t, that’s a pretty big penalty, but predicting 51% cat is significantly less</a:t>
             </a:r>
             <a:endParaRPr lang="en-US" dirty="0"/>
           </a:p>
@@ -4990,7 +4959,7 @@
           <a:p>
             <a:fld id="{B08FEED8-D7D4-44E9-BFBC-ED06B5996D94}" type="datetime4">
               <a:rPr lang="en-US" smtClean="0"/>
-              <a:t>November 6, 2019</a:t>
+              <a:t>November 14, 2019</a:t>
             </a:fld>
             <a:endParaRPr lang="en-US" dirty="0"/>
           </a:p>
@@ -5070,10 +5039,51 @@
           </a:p>
         </p:txBody>
       </p:sp>
+      <p:pic>
+        <p:nvPicPr>
+          <p:cNvPr id="2050" name="Picture 2" descr="File:Exam pass logistic curve.jpeg"/>
+          <p:cNvPicPr>
+            <a:picLocks noChangeAspect="1" noChangeArrowheads="1"/>
+          </p:cNvPicPr>
+          <p:nvPr/>
+        </p:nvPicPr>
+        <p:blipFill>
+          <a:blip r:embed="rId2">
+            <a:extLst>
+              <a:ext uri="{28A0092B-C50C-407E-A947-70E740481C1C}">
+                <a14:useLocalDpi xmlns:a14="http://schemas.microsoft.com/office/drawing/2010/main" val="0"/>
+              </a:ext>
+            </a:extLst>
+          </a:blip>
+          <a:srcRect/>
+          <a:stretch>
+            <a:fillRect/>
+          </a:stretch>
+        </p:blipFill>
+        <p:spPr bwMode="auto">
+          <a:xfrm>
+            <a:off x="7824297" y="2347994"/>
+            <a:ext cx="4315805" cy="3127618"/>
+          </a:xfrm>
+          <a:prstGeom prst="rect">
+            <a:avLst/>
+          </a:prstGeom>
+          <a:noFill/>
+          <a:extLst>
+            <a:ext uri="{909E8E84-426E-40DD-AFC4-6F175D3DCCD1}">
+              <a14:hiddenFill xmlns:a14="http://schemas.microsoft.com/office/drawing/2010/main">
+                <a:solidFill>
+                  <a:srgbClr val="FFFFFF"/>
+                </a:solidFill>
+              </a14:hiddenFill>
+            </a:ext>
+          </a:extLst>
+        </p:spPr>
+      </p:pic>
     </p:spTree>
     <p:extLst>
       <p:ext uri="{BB962C8B-B14F-4D97-AF65-F5344CB8AC3E}">
-        <p14:creationId xmlns:p14="http://schemas.microsoft.com/office/powerpoint/2010/main" val="348744355"/>
+        <p14:creationId xmlns:p14="http://schemas.microsoft.com/office/powerpoint/2010/main" val="3875514367"/>
       </p:ext>
     </p:extLst>
   </p:cSld>
@@ -5117,34 +5127,42 @@
           <a:p>
             <a:r>
               <a:rPr lang="en-US" dirty="0" smtClean="0"/>
-              <a:t>NEURAL </a:t>
-            </a:r>
-            <a:r>
-              <a:rPr lang="en-US" dirty="0" smtClean="0"/>
-              <a:t>NETWORKS</a:t>
-            </a:r>
-            <a:endParaRPr lang="en-US" dirty="0"/>
-          </a:p>
-        </p:txBody>
-      </p:sp>
-      <p:sp>
-        <p:nvSpPr>
-          <p:cNvPr id="8" name="Text Placeholder 7"/>
-          <p:cNvSpPr>
-            <a:spLocks noGrp="1"/>
-          </p:cNvSpPr>
-          <p:nvPr>
-            <p:ph type="body" idx="1"/>
-          </p:nvPr>
-        </p:nvSpPr>
-        <p:spPr/>
-        <p:txBody>
-          <a:bodyPr/>
-          <a:lstStyle/>
-          <a:p>
-            <a:r>
-              <a:rPr lang="en-US" dirty="0" smtClean="0"/>
-              <a:t>More flexible, more costly to train and use</a:t>
+              <a:t>WHY LOGISTIC REGRESSION?</a:t>
+            </a:r>
+            <a:endParaRPr lang="en-US" dirty="0"/>
+          </a:p>
+        </p:txBody>
+      </p:sp>
+      <p:sp>
+        <p:nvSpPr>
+          <p:cNvPr id="8" name="Content Placeholder 7"/>
+          <p:cNvSpPr>
+            <a:spLocks noGrp="1"/>
+          </p:cNvSpPr>
+          <p:nvPr>
+            <p:ph idx="1"/>
+          </p:nvPr>
+        </p:nvSpPr>
+        <p:spPr/>
+        <p:txBody>
+          <a:bodyPr/>
+          <a:lstStyle/>
+          <a:p>
+            <a:r>
+              <a:rPr lang="en-US" dirty="0" smtClean="0"/>
+              <a:t>There’s a tendency among people new to machine learning to immediately jump to deep neural networks when they don’t need to</a:t>
+            </a:r>
+          </a:p>
+          <a:p>
+            <a:r>
+              <a:rPr lang="en-US" dirty="0" smtClean="0"/>
+              <a:t>Simple model, easy to interpret, extremely fast!</a:t>
+            </a:r>
+          </a:p>
+          <a:p>
+            <a:r>
+              <a:rPr lang="en-US" dirty="0" smtClean="0"/>
+              <a:t>And, it can outperform neural networks on a wide range of problems in a fraction of the time!</a:t>
             </a:r>
             <a:endParaRPr lang="en-US" dirty="0"/>
           </a:p>
@@ -5165,9 +5183,9 @@
           <a:bodyPr/>
           <a:lstStyle/>
           <a:p>
-            <a:fld id="{8AAE40A0-A7D8-4DC3-BC9E-BADA32DA2004}" type="datetime4">
-              <a:rPr lang="en-US" smtClean="0"/>
-              <a:t>November 6, 2019</a:t>
+            <a:fld id="{B08FEED8-D7D4-44E9-BFBC-ED06B5996D94}" type="datetime4">
+              <a:rPr lang="en-US" smtClean="0"/>
+              <a:t>November 14, 2019</a:t>
             </a:fld>
             <a:endParaRPr lang="en-US" dirty="0"/>
           </a:p>
@@ -5250,7 +5268,7 @@
     </p:spTree>
     <p:extLst>
       <p:ext uri="{BB962C8B-B14F-4D97-AF65-F5344CB8AC3E}">
-        <p14:creationId xmlns:p14="http://schemas.microsoft.com/office/powerpoint/2010/main" val="4032952738"/>
+        <p14:creationId xmlns:p14="http://schemas.microsoft.com/office/powerpoint/2010/main" val="348744355"/>
       </p:ext>
     </p:extLst>
   </p:cSld>
@@ -5294,63 +5312,30 @@
           <a:p>
             <a:r>
               <a:rPr lang="en-US" dirty="0" smtClean="0"/>
-              <a:t>WHY NEURAL NETWORKS?</a:t>
-            </a:r>
-            <a:endParaRPr lang="en-US" dirty="0"/>
-          </a:p>
-        </p:txBody>
-      </p:sp>
-      <p:sp>
-        <p:nvSpPr>
-          <p:cNvPr id="8" name="Content Placeholder 7"/>
-          <p:cNvSpPr>
-            <a:spLocks noGrp="1"/>
-          </p:cNvSpPr>
-          <p:nvPr>
-            <p:ph idx="1"/>
-          </p:nvPr>
-        </p:nvSpPr>
-        <p:spPr/>
-        <p:txBody>
-          <a:bodyPr/>
-          <a:lstStyle/>
-          <a:p>
-            <a:r>
-              <a:rPr lang="en-US" dirty="0" smtClean="0"/>
-              <a:t>Extraordinarily flexible</a:t>
-            </a:r>
-          </a:p>
-          <a:p>
-            <a:r>
-              <a:rPr lang="en-US" dirty="0" smtClean="0"/>
-              <a:t>Can capture relationships linear and logistic regression are unable to</a:t>
-            </a:r>
-          </a:p>
-          <a:p>
-            <a:r>
-              <a:rPr lang="en-US" dirty="0" smtClean="0"/>
-              <a:t>Decide the tradeoffs are worth it</a:t>
-            </a:r>
-          </a:p>
-          <a:p>
-            <a:pPr lvl="1"/>
-            <a:r>
-              <a:rPr lang="en-US" dirty="0" smtClean="0"/>
-              <a:t>Time</a:t>
-            </a:r>
-          </a:p>
-          <a:p>
-            <a:pPr lvl="1"/>
-            <a:r>
-              <a:rPr lang="en-US" dirty="0" smtClean="0"/>
-              <a:t>Computing power</a:t>
-            </a:r>
-          </a:p>
-          <a:p>
-            <a:pPr lvl="1"/>
-            <a:r>
-              <a:rPr lang="en-US" dirty="0" smtClean="0"/>
-              <a:t>Interpretability</a:t>
+              <a:t>NEURAL NETWORKS</a:t>
+            </a:r>
+            <a:endParaRPr lang="en-US" dirty="0"/>
+          </a:p>
+        </p:txBody>
+      </p:sp>
+      <p:sp>
+        <p:nvSpPr>
+          <p:cNvPr id="8" name="Text Placeholder 7"/>
+          <p:cNvSpPr>
+            <a:spLocks noGrp="1"/>
+          </p:cNvSpPr>
+          <p:nvPr>
+            <p:ph type="body" idx="1"/>
+          </p:nvPr>
+        </p:nvSpPr>
+        <p:spPr/>
+        <p:txBody>
+          <a:bodyPr/>
+          <a:lstStyle/>
+          <a:p>
+            <a:r>
+              <a:rPr lang="en-US" dirty="0" smtClean="0"/>
+              <a:t>More flexible, more costly to train and use</a:t>
             </a:r>
             <a:endParaRPr lang="en-US" dirty="0"/>
           </a:p>
@@ -5371,9 +5356,9 @@
           <a:bodyPr/>
           <a:lstStyle/>
           <a:p>
-            <a:fld id="{B08FEED8-D7D4-44E9-BFBC-ED06B5996D94}" type="datetime4">
-              <a:rPr lang="en-US" smtClean="0"/>
-              <a:t>November 6, 2019</a:t>
+            <a:fld id="{8AAE40A0-A7D8-4DC3-BC9E-BADA32DA2004}" type="datetime4">
+              <a:rPr lang="en-US" smtClean="0"/>
+              <a:t>November 14, 2019</a:t>
             </a:fld>
             <a:endParaRPr lang="en-US" dirty="0"/>
           </a:p>
@@ -5456,7 +5441,7 @@
     </p:spTree>
     <p:extLst>
       <p:ext uri="{BB962C8B-B14F-4D97-AF65-F5344CB8AC3E}">
-        <p14:creationId xmlns:p14="http://schemas.microsoft.com/office/powerpoint/2010/main" val="2870469920"/>
+        <p14:creationId xmlns:p14="http://schemas.microsoft.com/office/powerpoint/2010/main" val="4032952738"/>
       </p:ext>
     </p:extLst>
   </p:cSld>
@@ -5500,7 +5485,7 @@
           <a:p>
             <a:r>
               <a:rPr lang="en-US" dirty="0" smtClean="0"/>
-              <a:t>HOW DO NEURAL NETS WORK?</a:t>
+              <a:t>WHY NEURAL NETWORKS?</a:t>
             </a:r>
             <a:endParaRPr lang="en-US" dirty="0"/>
           </a:p>
@@ -5523,54 +5508,40 @@
           <a:p>
             <a:r>
               <a:rPr lang="en-US" dirty="0" smtClean="0"/>
-              <a:t>Forward and backward</a:t>
-            </a:r>
-          </a:p>
-          <a:p>
-            <a:r>
-              <a:rPr lang="en-US" dirty="0" smtClean="0"/>
-              <a:t>Forward:</a:t>
+              <a:t>Extraordinarily flexible</a:t>
+            </a:r>
+          </a:p>
+          <a:p>
+            <a:r>
+              <a:rPr lang="en-US" dirty="0" smtClean="0"/>
+              <a:t>Can capture relationships linear and logistic regression are unable to</a:t>
+            </a:r>
+          </a:p>
+          <a:p>
+            <a:r>
+              <a:rPr lang="en-US" dirty="0" smtClean="0"/>
+              <a:t>Decide the tradeoffs are worth it</a:t>
             </a:r>
           </a:p>
           <a:p>
             <a:pPr lvl="1"/>
             <a:r>
               <a:rPr lang="en-US" dirty="0" smtClean="0"/>
-              <a:t>Each layer ‘feeds forward’ to the next</a:t>
+              <a:t>Time</a:t>
             </a:r>
           </a:p>
           <a:p>
             <a:pPr lvl="1"/>
             <a:r>
               <a:rPr lang="en-US" dirty="0" smtClean="0"/>
-              <a:t>This continues until we hit ‘output’</a:t>
-            </a:r>
-          </a:p>
-          <a:p>
-            <a:r>
-              <a:rPr lang="en-US" dirty="0" smtClean="0"/>
-              <a:t>Backward:</a:t>
+              <a:t>Computing power</a:t>
             </a:r>
           </a:p>
           <a:p>
             <a:pPr lvl="1"/>
             <a:r>
               <a:rPr lang="en-US" dirty="0" smtClean="0"/>
-              <a:t>Updating based on our results</a:t>
-            </a:r>
-          </a:p>
-          <a:p>
-            <a:pPr lvl="1"/>
-            <a:r>
-              <a:rPr lang="en-US" dirty="0" smtClean="0"/>
-              <a:t>If we’re really off base, change.</a:t>
-            </a:r>
-          </a:p>
-          <a:p>
-            <a:pPr lvl="1"/>
-            <a:r>
-              <a:rPr lang="en-US" dirty="0" smtClean="0"/>
-              <a:t>If not, don’t.</a:t>
+              <a:t>Interpretability</a:t>
             </a:r>
             <a:endParaRPr lang="en-US" dirty="0"/>
           </a:p>
@@ -5593,7 +5564,7 @@
           <a:p>
             <a:fld id="{B08FEED8-D7D4-44E9-BFBC-ED06B5996D94}" type="datetime4">
               <a:rPr lang="en-US" smtClean="0"/>
-              <a:t>November 6, 2019</a:t>
+              <a:t>November 14, 2019</a:t>
             </a:fld>
             <a:endParaRPr lang="en-US" dirty="0"/>
           </a:p>
@@ -5668,6 +5639,341 @@
             <a:fld id="{D57F1E4F-1CFF-5643-939E-02111984F565}" type="slidenum">
               <a:rPr lang="en-US" smtClean="0"/>
               <a:t>19</a:t>
+            </a:fld>
+            <a:endParaRPr lang="en-US" dirty="0"/>
+          </a:p>
+        </p:txBody>
+      </p:sp>
+    </p:spTree>
+    <p:extLst>
+      <p:ext uri="{BB962C8B-B14F-4D97-AF65-F5344CB8AC3E}">
+        <p14:creationId xmlns:p14="http://schemas.microsoft.com/office/powerpoint/2010/main" val="2870469920"/>
+      </p:ext>
+    </p:extLst>
+  </p:cSld>
+  <p:clrMapOvr>
+    <a:masterClrMapping/>
+  </p:clrMapOvr>
+</p:sld>
+</file>
+
+<file path=ppt/slides/slide2.xml><?xml version="1.0" encoding="utf-8"?>
+<p:sld xmlns:a="http://schemas.openxmlformats.org/drawingml/2006/main" xmlns:r="http://schemas.openxmlformats.org/officeDocument/2006/relationships" xmlns:p="http://schemas.openxmlformats.org/presentationml/2006/main">
+  <p:cSld>
+    <p:spTree>
+      <p:nvGrpSpPr>
+        <p:cNvPr id="1" name=""/>
+        <p:cNvGrpSpPr/>
+        <p:nvPr/>
+      </p:nvGrpSpPr>
+      <p:grpSpPr>
+        <a:xfrm>
+          <a:off x="0" y="0"/>
+          <a:ext cx="0" cy="0"/>
+          <a:chOff x="0" y="0"/>
+          <a:chExt cx="0" cy="0"/>
+        </a:xfrm>
+      </p:grpSpPr>
+      <p:sp>
+        <p:nvSpPr>
+          <p:cNvPr id="4" name="Title 3"/>
+          <p:cNvSpPr>
+            <a:spLocks noGrp="1"/>
+          </p:cNvSpPr>
+          <p:nvPr>
+            <p:ph type="title"/>
+          </p:nvPr>
+        </p:nvSpPr>
+        <p:spPr/>
+        <p:txBody>
+          <a:bodyPr/>
+          <a:lstStyle/>
+          <a:p>
+            <a:r>
+              <a:rPr lang="en-US" dirty="0" smtClean="0"/>
+              <a:t>ABOUT TENSORFLOW</a:t>
+            </a:r>
+            <a:endParaRPr lang="en-US" dirty="0"/>
+          </a:p>
+        </p:txBody>
+      </p:sp>
+      <p:sp>
+        <p:nvSpPr>
+          <p:cNvPr id="5" name="Content Placeholder 4"/>
+          <p:cNvSpPr>
+            <a:spLocks noGrp="1"/>
+          </p:cNvSpPr>
+          <p:nvPr>
+            <p:ph idx="1"/>
+          </p:nvPr>
+        </p:nvSpPr>
+        <p:spPr/>
+        <p:txBody>
+          <a:bodyPr/>
+          <a:lstStyle/>
+          <a:p>
+            <a:r>
+              <a:rPr lang="en-US" dirty="0" smtClean="0"/>
+              <a:t>Created by </a:t>
+            </a:r>
+            <a:r>
+              <a:rPr lang="en-US" dirty="0"/>
+              <a:t>G</a:t>
+            </a:r>
+            <a:r>
+              <a:rPr lang="en-US" dirty="0" smtClean="0"/>
+              <a:t>oogle in 2015</a:t>
+            </a:r>
+          </a:p>
+          <a:p>
+            <a:r>
+              <a:rPr lang="en-US" dirty="0" smtClean="0"/>
+              <a:t>Wide industry use, especially within Google</a:t>
+            </a:r>
+          </a:p>
+          <a:p>
+            <a:r>
+              <a:rPr lang="en-US" dirty="0" smtClean="0"/>
+              <a:t>Optimized methods for extremely fast computation</a:t>
+            </a:r>
+          </a:p>
+          <a:p>
+            <a:r>
+              <a:rPr lang="en-US" dirty="0" smtClean="0"/>
+              <a:t>Great for research as well!</a:t>
+            </a:r>
+          </a:p>
+          <a:p>
+            <a:r>
+              <a:rPr lang="en-US" dirty="0" smtClean="0"/>
+              <a:t>Very low-level</a:t>
+            </a:r>
+          </a:p>
+          <a:p>
+            <a:pPr lvl="1"/>
+            <a:r>
+              <a:rPr lang="en-US" dirty="0" smtClean="0"/>
+              <a:t>i.e. not user-friendly, but extremely powerful</a:t>
+            </a:r>
+            <a:endParaRPr lang="en-US" dirty="0"/>
+          </a:p>
+        </p:txBody>
+      </p:sp>
+    </p:spTree>
+    <p:extLst>
+      <p:ext uri="{BB962C8B-B14F-4D97-AF65-F5344CB8AC3E}">
+        <p14:creationId xmlns:p14="http://schemas.microsoft.com/office/powerpoint/2010/main" val="1975586487"/>
+      </p:ext>
+    </p:extLst>
+  </p:cSld>
+  <p:clrMapOvr>
+    <a:masterClrMapping/>
+  </p:clrMapOvr>
+</p:sld>
+</file>
+
+<file path=ppt/slides/slide20.xml><?xml version="1.0" encoding="utf-8"?>
+<p:sld xmlns:a="http://schemas.openxmlformats.org/drawingml/2006/main" xmlns:r="http://schemas.openxmlformats.org/officeDocument/2006/relationships" xmlns:p="http://schemas.openxmlformats.org/presentationml/2006/main">
+  <p:cSld>
+    <p:spTree>
+      <p:nvGrpSpPr>
+        <p:cNvPr id="1" name=""/>
+        <p:cNvGrpSpPr/>
+        <p:nvPr/>
+      </p:nvGrpSpPr>
+      <p:grpSpPr>
+        <a:xfrm>
+          <a:off x="0" y="0"/>
+          <a:ext cx="0" cy="0"/>
+          <a:chOff x="0" y="0"/>
+          <a:chExt cx="0" cy="0"/>
+        </a:xfrm>
+      </p:grpSpPr>
+      <p:sp>
+        <p:nvSpPr>
+          <p:cNvPr id="7" name="Title 6"/>
+          <p:cNvSpPr>
+            <a:spLocks noGrp="1"/>
+          </p:cNvSpPr>
+          <p:nvPr>
+            <p:ph type="title"/>
+          </p:nvPr>
+        </p:nvSpPr>
+        <p:spPr/>
+        <p:txBody>
+          <a:bodyPr/>
+          <a:lstStyle/>
+          <a:p>
+            <a:r>
+              <a:rPr lang="en-US" dirty="0" smtClean="0"/>
+              <a:t>HOW DO NEURAL NETS WORK?</a:t>
+            </a:r>
+            <a:endParaRPr lang="en-US" dirty="0"/>
+          </a:p>
+        </p:txBody>
+      </p:sp>
+      <p:sp>
+        <p:nvSpPr>
+          <p:cNvPr id="8" name="Content Placeholder 7"/>
+          <p:cNvSpPr>
+            <a:spLocks noGrp="1"/>
+          </p:cNvSpPr>
+          <p:nvPr>
+            <p:ph idx="1"/>
+          </p:nvPr>
+        </p:nvSpPr>
+        <p:spPr/>
+        <p:txBody>
+          <a:bodyPr/>
+          <a:lstStyle/>
+          <a:p>
+            <a:r>
+              <a:rPr lang="en-US" dirty="0" smtClean="0"/>
+              <a:t>Forward and backward</a:t>
+            </a:r>
+          </a:p>
+          <a:p>
+            <a:r>
+              <a:rPr lang="en-US" dirty="0" smtClean="0"/>
+              <a:t>Forward:</a:t>
+            </a:r>
+          </a:p>
+          <a:p>
+            <a:pPr lvl="1"/>
+            <a:r>
+              <a:rPr lang="en-US" dirty="0" smtClean="0"/>
+              <a:t>Each layer ‘feeds forward’ to the next</a:t>
+            </a:r>
+          </a:p>
+          <a:p>
+            <a:pPr lvl="1"/>
+            <a:r>
+              <a:rPr lang="en-US" dirty="0" smtClean="0"/>
+              <a:t>This continues until we hit ‘output’</a:t>
+            </a:r>
+          </a:p>
+          <a:p>
+            <a:r>
+              <a:rPr lang="en-US" dirty="0" smtClean="0"/>
+              <a:t>Backward:</a:t>
+            </a:r>
+          </a:p>
+          <a:p>
+            <a:pPr lvl="1"/>
+            <a:r>
+              <a:rPr lang="en-US" dirty="0" smtClean="0"/>
+              <a:t>Updating based on our results</a:t>
+            </a:r>
+          </a:p>
+          <a:p>
+            <a:pPr lvl="1"/>
+            <a:r>
+              <a:rPr lang="en-US" dirty="0" smtClean="0"/>
+              <a:t>If we’re really off base, change.</a:t>
+            </a:r>
+          </a:p>
+          <a:p>
+            <a:pPr lvl="1"/>
+            <a:r>
+              <a:rPr lang="en-US" dirty="0" smtClean="0"/>
+              <a:t>If not, don’t.</a:t>
+            </a:r>
+            <a:endParaRPr lang="en-US" dirty="0"/>
+          </a:p>
+        </p:txBody>
+      </p:sp>
+      <p:sp>
+        <p:nvSpPr>
+          <p:cNvPr id="4" name="Date Placeholder 3"/>
+          <p:cNvSpPr>
+            <a:spLocks noGrp="1"/>
+          </p:cNvSpPr>
+          <p:nvPr>
+            <p:ph type="dt" sz="half" idx="10"/>
+          </p:nvPr>
+        </p:nvSpPr>
+        <p:spPr/>
+        <p:txBody>
+          <a:bodyPr/>
+          <a:lstStyle/>
+          <a:p>
+            <a:fld id="{B08FEED8-D7D4-44E9-BFBC-ED06B5996D94}" type="datetime4">
+              <a:rPr lang="en-US" smtClean="0"/>
+              <a:t>November 14, 2019</a:t>
+            </a:fld>
+            <a:endParaRPr lang="en-US" dirty="0"/>
+          </a:p>
+        </p:txBody>
+      </p:sp>
+      <p:sp>
+        <p:nvSpPr>
+          <p:cNvPr id="5" name="Footer Placeholder 4"/>
+          <p:cNvSpPr>
+            <a:spLocks noGrp="1"/>
+          </p:cNvSpPr>
+          <p:nvPr>
+            <p:ph type="ftr" sz="quarter" idx="11"/>
+          </p:nvPr>
+        </p:nvSpPr>
+        <p:spPr/>
+        <p:txBody>
+          <a:bodyPr/>
+          <a:lstStyle/>
+          <a:p>
+            <a:r>
+              <a:rPr lang="en-US" smtClean="0"/>
+              <a:t>Digital Scholarship Services </a:t>
+            </a:r>
+            <a:r>
+              <a:rPr lang="en-US" smtClean="0">
+                <a:solidFill>
+                  <a:schemeClr val="accent1">
+                    <a:lumMod val="50000"/>
+                  </a:schemeClr>
+                </a:solidFill>
+              </a:rPr>
+              <a:t>| Email</a:t>
+            </a:r>
+            <a:r>
+              <a:rPr lang="en-US" smtClean="0"/>
+              <a:t> cf24@rice.edu </a:t>
+            </a:r>
+            <a:r>
+              <a:rPr lang="en-US" smtClean="0">
+                <a:solidFill>
+                  <a:schemeClr val="accent1">
+                    <a:lumMod val="50000"/>
+                  </a:schemeClr>
+                </a:solidFill>
+              </a:rPr>
+              <a:t>|</a:t>
+            </a:r>
+            <a:r>
+              <a:rPr lang="en-US" smtClean="0"/>
+              <a:t> library.rice.edu/dss</a:t>
+            </a:r>
+            <a:endParaRPr lang="en-US" dirty="0"/>
+          </a:p>
+        </p:txBody>
+      </p:sp>
+      <p:sp>
+        <p:nvSpPr>
+          <p:cNvPr id="6" name="Slide Number Placeholder 5"/>
+          <p:cNvSpPr>
+            <a:spLocks noGrp="1"/>
+          </p:cNvSpPr>
+          <p:nvPr>
+            <p:ph type="sldNum" sz="quarter" idx="12"/>
+          </p:nvPr>
+        </p:nvSpPr>
+        <p:spPr/>
+        <p:txBody>
+          <a:bodyPr/>
+          <a:lstStyle/>
+          <a:p>
+            <a:fld id="{D57F1E4F-1CFF-5643-939E-02111984F565}" type="slidenum">
+              <a:rPr lang="en-US" smtClean="0"/>
+              <a:t>20</a:t>
             </a:fld>
             <a:endParaRPr lang="en-US" dirty="0"/>
           </a:p>
@@ -5727,341 +6033,6 @@
 </p:sld>
 </file>
 
-<file path=ppt/slides/slide2.xml><?xml version="1.0" encoding="utf-8"?>
-<p:sld xmlns:a="http://schemas.openxmlformats.org/drawingml/2006/main" xmlns:r="http://schemas.openxmlformats.org/officeDocument/2006/relationships" xmlns:p="http://schemas.openxmlformats.org/presentationml/2006/main">
-  <p:cSld>
-    <p:spTree>
-      <p:nvGrpSpPr>
-        <p:cNvPr id="1" name=""/>
-        <p:cNvGrpSpPr/>
-        <p:nvPr/>
-      </p:nvGrpSpPr>
-      <p:grpSpPr>
-        <a:xfrm>
-          <a:off x="0" y="0"/>
-          <a:ext cx="0" cy="0"/>
-          <a:chOff x="0" y="0"/>
-          <a:chExt cx="0" cy="0"/>
-        </a:xfrm>
-      </p:grpSpPr>
-      <p:sp>
-        <p:nvSpPr>
-          <p:cNvPr id="4" name="Title 3"/>
-          <p:cNvSpPr>
-            <a:spLocks noGrp="1"/>
-          </p:cNvSpPr>
-          <p:nvPr>
-            <p:ph type="title"/>
-          </p:nvPr>
-        </p:nvSpPr>
-        <p:spPr/>
-        <p:txBody>
-          <a:bodyPr/>
-          <a:lstStyle/>
-          <a:p>
-            <a:r>
-              <a:rPr lang="en-US" dirty="0" smtClean="0"/>
-              <a:t>ABOUT TENSORFLOW</a:t>
-            </a:r>
-            <a:endParaRPr lang="en-US" dirty="0"/>
-          </a:p>
-        </p:txBody>
-      </p:sp>
-      <p:sp>
-        <p:nvSpPr>
-          <p:cNvPr id="5" name="Content Placeholder 4"/>
-          <p:cNvSpPr>
-            <a:spLocks noGrp="1"/>
-          </p:cNvSpPr>
-          <p:nvPr>
-            <p:ph idx="1"/>
-          </p:nvPr>
-        </p:nvSpPr>
-        <p:spPr/>
-        <p:txBody>
-          <a:bodyPr/>
-          <a:lstStyle/>
-          <a:p>
-            <a:r>
-              <a:rPr lang="en-US" dirty="0" smtClean="0"/>
-              <a:t>Created by </a:t>
-            </a:r>
-            <a:r>
-              <a:rPr lang="en-US" dirty="0"/>
-              <a:t>G</a:t>
-            </a:r>
-            <a:r>
-              <a:rPr lang="en-US" dirty="0" smtClean="0"/>
-              <a:t>oogle in 2015</a:t>
-            </a:r>
-          </a:p>
-          <a:p>
-            <a:r>
-              <a:rPr lang="en-US" dirty="0" smtClean="0"/>
-              <a:t>Wide industry use, especially within Google</a:t>
-            </a:r>
-          </a:p>
-          <a:p>
-            <a:r>
-              <a:rPr lang="en-US" dirty="0" smtClean="0"/>
-              <a:t>Optimized methods for extremely fast computation</a:t>
-            </a:r>
-          </a:p>
-          <a:p>
-            <a:r>
-              <a:rPr lang="en-US" dirty="0" smtClean="0"/>
-              <a:t>Great for research as well!</a:t>
-            </a:r>
-          </a:p>
-          <a:p>
-            <a:r>
-              <a:rPr lang="en-US" dirty="0" smtClean="0"/>
-              <a:t>Very low-level</a:t>
-            </a:r>
-          </a:p>
-          <a:p>
-            <a:pPr lvl="1"/>
-            <a:r>
-              <a:rPr lang="en-US" dirty="0" smtClean="0"/>
-              <a:t>i.e. not user-friendly, but extremely powerful</a:t>
-            </a:r>
-            <a:endParaRPr lang="en-US" dirty="0"/>
-          </a:p>
-        </p:txBody>
-      </p:sp>
-    </p:spTree>
-    <p:extLst>
-      <p:ext uri="{BB962C8B-B14F-4D97-AF65-F5344CB8AC3E}">
-        <p14:creationId xmlns:p14="http://schemas.microsoft.com/office/powerpoint/2010/main" val="1975586487"/>
-      </p:ext>
-    </p:extLst>
-  </p:cSld>
-  <p:clrMapOvr>
-    <a:masterClrMapping/>
-  </p:clrMapOvr>
-</p:sld>
-</file>
-
-<file path=ppt/slides/slide20.xml><?xml version="1.0" encoding="utf-8"?>
-<p:sld xmlns:a="http://schemas.openxmlformats.org/drawingml/2006/main" xmlns:r="http://schemas.openxmlformats.org/officeDocument/2006/relationships" xmlns:p="http://schemas.openxmlformats.org/presentationml/2006/main">
-  <p:cSld>
-    <p:spTree>
-      <p:nvGrpSpPr>
-        <p:cNvPr id="1" name=""/>
-        <p:cNvGrpSpPr/>
-        <p:nvPr/>
-      </p:nvGrpSpPr>
-      <p:grpSpPr>
-        <a:xfrm>
-          <a:off x="0" y="0"/>
-          <a:ext cx="0" cy="0"/>
-          <a:chOff x="0" y="0"/>
-          <a:chExt cx="0" cy="0"/>
-        </a:xfrm>
-      </p:grpSpPr>
-      <p:sp>
-        <p:nvSpPr>
-          <p:cNvPr id="7" name="Title 6"/>
-          <p:cNvSpPr>
-            <a:spLocks noGrp="1"/>
-          </p:cNvSpPr>
-          <p:nvPr>
-            <p:ph type="title"/>
-          </p:nvPr>
-        </p:nvSpPr>
-        <p:spPr/>
-        <p:txBody>
-          <a:bodyPr/>
-          <a:lstStyle/>
-          <a:p>
-            <a:r>
-              <a:rPr lang="en-US" dirty="0" smtClean="0"/>
-              <a:t>NEURAL NETWORK PHASES</a:t>
-            </a:r>
-            <a:endParaRPr lang="en-US" dirty="0"/>
-          </a:p>
-        </p:txBody>
-      </p:sp>
-      <p:sp>
-        <p:nvSpPr>
-          <p:cNvPr id="8" name="Content Placeholder 7"/>
-          <p:cNvSpPr>
-            <a:spLocks noGrp="1"/>
-          </p:cNvSpPr>
-          <p:nvPr>
-            <p:ph idx="1"/>
-          </p:nvPr>
-        </p:nvSpPr>
-        <p:spPr/>
-        <p:txBody>
-          <a:bodyPr/>
-          <a:lstStyle/>
-          <a:p>
-            <a:r>
-              <a:rPr lang="en-US" dirty="0" smtClean="0"/>
-              <a:t>Training: </a:t>
-            </a:r>
-          </a:p>
-          <a:p>
-            <a:pPr lvl="1"/>
-            <a:r>
-              <a:rPr lang="en-US" dirty="0" smtClean="0"/>
-              <a:t>Give the neural net labelled data</a:t>
-            </a:r>
-          </a:p>
-          <a:p>
-            <a:pPr lvl="1"/>
-            <a:r>
-              <a:rPr lang="en-US" dirty="0" smtClean="0"/>
-              <a:t>Allow it to update based on mistakes</a:t>
-            </a:r>
-          </a:p>
-          <a:p>
-            <a:r>
-              <a:rPr lang="en-US" dirty="0" smtClean="0"/>
-              <a:t>Validation:</a:t>
-            </a:r>
-          </a:p>
-          <a:p>
-            <a:pPr lvl="1"/>
-            <a:r>
-              <a:rPr lang="en-US" dirty="0" smtClean="0"/>
-              <a:t>An intermediate step</a:t>
-            </a:r>
-          </a:p>
-          <a:p>
-            <a:pPr lvl="1"/>
-            <a:r>
-              <a:rPr lang="en-US" dirty="0" smtClean="0"/>
-              <a:t>A hold-out test set of unseen examples, just to get a baseline reading, and see how training is going (diagnostic)</a:t>
-            </a:r>
-          </a:p>
-          <a:p>
-            <a:r>
-              <a:rPr lang="en-US" dirty="0" smtClean="0"/>
-              <a:t>Testing:</a:t>
-            </a:r>
-          </a:p>
-          <a:p>
-            <a:pPr lvl="1"/>
-            <a:r>
-              <a:rPr lang="en-US" dirty="0" smtClean="0"/>
-              <a:t>After we’re completely done training &amp; validating, see how well it generalizes to a completely unseen set, and evaluate our final performance!</a:t>
-            </a:r>
-            <a:endParaRPr lang="en-US" dirty="0"/>
-          </a:p>
-        </p:txBody>
-      </p:sp>
-      <p:sp>
-        <p:nvSpPr>
-          <p:cNvPr id="4" name="Date Placeholder 3"/>
-          <p:cNvSpPr>
-            <a:spLocks noGrp="1"/>
-          </p:cNvSpPr>
-          <p:nvPr>
-            <p:ph type="dt" sz="half" idx="10"/>
-          </p:nvPr>
-        </p:nvSpPr>
-        <p:spPr/>
-        <p:txBody>
-          <a:bodyPr/>
-          <a:lstStyle/>
-          <a:p>
-            <a:fld id="{B08FEED8-D7D4-44E9-BFBC-ED06B5996D94}" type="datetime4">
-              <a:rPr lang="en-US" smtClean="0"/>
-              <a:t>November 6, 2019</a:t>
-            </a:fld>
-            <a:endParaRPr lang="en-US" dirty="0"/>
-          </a:p>
-        </p:txBody>
-      </p:sp>
-      <p:sp>
-        <p:nvSpPr>
-          <p:cNvPr id="5" name="Footer Placeholder 4"/>
-          <p:cNvSpPr>
-            <a:spLocks noGrp="1"/>
-          </p:cNvSpPr>
-          <p:nvPr>
-            <p:ph type="ftr" sz="quarter" idx="11"/>
-          </p:nvPr>
-        </p:nvSpPr>
-        <p:spPr/>
-        <p:txBody>
-          <a:bodyPr/>
-          <a:lstStyle/>
-          <a:p>
-            <a:r>
-              <a:rPr lang="en-US" smtClean="0"/>
-              <a:t>Digital Scholarship Services </a:t>
-            </a:r>
-            <a:r>
-              <a:rPr lang="en-US" smtClean="0">
-                <a:solidFill>
-                  <a:schemeClr val="accent1">
-                    <a:lumMod val="50000"/>
-                  </a:schemeClr>
-                </a:solidFill>
-              </a:rPr>
-              <a:t>| Email</a:t>
-            </a:r>
-            <a:r>
-              <a:rPr lang="en-US" smtClean="0"/>
-              <a:t> cf24@rice.edu </a:t>
-            </a:r>
-            <a:r>
-              <a:rPr lang="en-US" smtClean="0">
-                <a:solidFill>
-                  <a:schemeClr val="accent1">
-                    <a:lumMod val="50000"/>
-                  </a:schemeClr>
-                </a:solidFill>
-              </a:rPr>
-              <a:t>|</a:t>
-            </a:r>
-            <a:r>
-              <a:rPr lang="en-US" smtClean="0"/>
-              <a:t> library.rice.edu/dss</a:t>
-            </a:r>
-            <a:endParaRPr lang="en-US" dirty="0"/>
-          </a:p>
-        </p:txBody>
-      </p:sp>
-      <p:sp>
-        <p:nvSpPr>
-          <p:cNvPr id="6" name="Slide Number Placeholder 5"/>
-          <p:cNvSpPr>
-            <a:spLocks noGrp="1"/>
-          </p:cNvSpPr>
-          <p:nvPr>
-            <p:ph type="sldNum" sz="quarter" idx="12"/>
-          </p:nvPr>
-        </p:nvSpPr>
-        <p:spPr/>
-        <p:txBody>
-          <a:bodyPr/>
-          <a:lstStyle/>
-          <a:p>
-            <a:fld id="{D57F1E4F-1CFF-5643-939E-02111984F565}" type="slidenum">
-              <a:rPr lang="en-US" smtClean="0"/>
-              <a:t>20</a:t>
-            </a:fld>
-            <a:endParaRPr lang="en-US" dirty="0"/>
-          </a:p>
-        </p:txBody>
-      </p:sp>
-    </p:spTree>
-    <p:extLst>
-      <p:ext uri="{BB962C8B-B14F-4D97-AF65-F5344CB8AC3E}">
-        <p14:creationId xmlns:p14="http://schemas.microsoft.com/office/powerpoint/2010/main" val="3227388485"/>
-      </p:ext>
-    </p:extLst>
-  </p:cSld>
-  <p:clrMapOvr>
-    <a:masterClrMapping/>
-  </p:clrMapOvr>
-</p:sld>
-</file>
-
 <file path=ppt/slides/slide21.xml><?xml version="1.0" encoding="utf-8"?>
 <p:sld xmlns:a="http://schemas.openxmlformats.org/drawingml/2006/main" xmlns:r="http://schemas.openxmlformats.org/officeDocument/2006/relationships" xmlns:p="http://schemas.openxmlformats.org/presentationml/2006/main">
   <p:cSld>
@@ -6096,7 +6067,7 @@
           <a:p>
             <a:r>
               <a:rPr lang="en-US" dirty="0" smtClean="0"/>
-              <a:t>WHAT CAN A NEURAL NET DO?</a:t>
+              <a:t>NEURAL NETWORK PHASES</a:t>
             </a:r>
             <a:endParaRPr lang="en-US" dirty="0"/>
           </a:p>
@@ -6119,34 +6090,55 @@
           <a:p>
             <a:r>
               <a:rPr lang="en-US" dirty="0" smtClean="0"/>
-              <a:t>Neural nets work so well because they can ‘form their own conclusions’</a:t>
+              <a:t>Training: </a:t>
             </a:r>
           </a:p>
           <a:p>
             <a:pPr lvl="1"/>
             <a:r>
               <a:rPr lang="en-US" dirty="0" smtClean="0"/>
-              <a:t>The net adaptively changes when confronted with new information</a:t>
+              <a:t>Give the neural net labelled data</a:t>
             </a:r>
           </a:p>
           <a:p>
             <a:pPr lvl="1"/>
             <a:r>
               <a:rPr lang="en-US" dirty="0" smtClean="0"/>
-              <a:t>Often, neural nets will seem to figure out what is important during the training process, although this is at its core just fairly simple optimization</a:t>
+              <a:t>Allow it to update based on mistakes</a:t>
+            </a:r>
+          </a:p>
+          <a:p>
+            <a:r>
+              <a:rPr lang="en-US" dirty="0" smtClean="0"/>
+              <a:t>Validation:</a:t>
             </a:r>
           </a:p>
           <a:p>
             <a:pPr lvl="1"/>
             <a:r>
               <a:rPr lang="en-US" dirty="0" smtClean="0"/>
-              <a:t>No magic!</a:t>
-            </a:r>
-          </a:p>
-          <a:p>
-            <a:pPr marL="0" indent="0">
-              <a:buNone/>
-            </a:pPr>
+              <a:t>An intermediate step</a:t>
+            </a:r>
+          </a:p>
+          <a:p>
+            <a:pPr lvl="1"/>
+            <a:r>
+              <a:rPr lang="en-US" dirty="0" smtClean="0"/>
+              <a:t>A hold-out test set of unseen examples, just to get a baseline reading, and see how training is going (diagnostic)</a:t>
+            </a:r>
+          </a:p>
+          <a:p>
+            <a:r>
+              <a:rPr lang="en-US" dirty="0" smtClean="0"/>
+              <a:t>Testing:</a:t>
+            </a:r>
+          </a:p>
+          <a:p>
+            <a:pPr lvl="1"/>
+            <a:r>
+              <a:rPr lang="en-US" dirty="0" smtClean="0"/>
+              <a:t>After we’re completely done training &amp; validating, see how well it generalizes to a completely unseen set, and evaluate our final performance!</a:t>
+            </a:r>
             <a:endParaRPr lang="en-US" dirty="0"/>
           </a:p>
         </p:txBody>
@@ -6168,7 +6160,7 @@
           <a:p>
             <a:fld id="{B08FEED8-D7D4-44E9-BFBC-ED06B5996D94}" type="datetime4">
               <a:rPr lang="en-US" smtClean="0"/>
-              <a:t>November 6, 2019</a:t>
+              <a:t>November 14, 2019</a:t>
             </a:fld>
             <a:endParaRPr lang="en-US" dirty="0"/>
           </a:p>
@@ -6251,7 +6243,7 @@
     </p:spTree>
     <p:extLst>
       <p:ext uri="{BB962C8B-B14F-4D97-AF65-F5344CB8AC3E}">
-        <p14:creationId xmlns:p14="http://schemas.microsoft.com/office/powerpoint/2010/main" val="267443022"/>
+        <p14:creationId xmlns:p14="http://schemas.microsoft.com/office/powerpoint/2010/main" val="3227388485"/>
       </p:ext>
     </p:extLst>
   </p:cSld>
@@ -6295,7 +6287,7 @@
           <a:p>
             <a:r>
               <a:rPr lang="en-US" dirty="0" smtClean="0"/>
-              <a:t>WHAT ARE THE DRAWBACKS?</a:t>
+              <a:t>WHAT CAN A NEURAL NET DO?</a:t>
             </a:r>
             <a:endParaRPr lang="en-US" dirty="0"/>
           </a:p>
@@ -6318,35 +6310,34 @@
           <a:p>
             <a:r>
               <a:rPr lang="en-US" dirty="0" smtClean="0"/>
-              <a:t>Just because a net can get a perfect result doesn’t mean it will!</a:t>
+              <a:t>Neural nets work so well because they can ‘form their own conclusions’</a:t>
             </a:r>
           </a:p>
           <a:p>
             <a:pPr lvl="1"/>
             <a:r>
               <a:rPr lang="en-US" dirty="0" smtClean="0"/>
-              <a:t>Success is not guaranteed! Small changes in training data can lead to wildly different results</a:t>
-            </a:r>
-          </a:p>
-          <a:p>
-            <a:r>
-              <a:rPr lang="en-US" dirty="0" smtClean="0"/>
-              <a:t>It’s hard to tell what’s really going on!</a:t>
+              <a:t>The net adaptively changes when confronted with new information</a:t>
             </a:r>
           </a:p>
           <a:p>
             <a:pPr lvl="1"/>
             <a:r>
               <a:rPr lang="en-US" dirty="0" smtClean="0"/>
-              <a:t>Interpretability issues</a:t>
+              <a:t>Often, neural nets will seem to figure out what is important during the training process, although this is at its core just fairly simple optimization</a:t>
             </a:r>
           </a:p>
           <a:p>
             <a:pPr lvl="1"/>
             <a:r>
               <a:rPr lang="en-US" dirty="0" smtClean="0"/>
-              <a:t>Can we trust the conclusions of a neural net? Should we?</a:t>
-            </a:r>
+              <a:t>No magic!</a:t>
+            </a:r>
+          </a:p>
+          <a:p>
+            <a:pPr marL="0" indent="0">
+              <a:buNone/>
+            </a:pPr>
             <a:endParaRPr lang="en-US" dirty="0"/>
           </a:p>
         </p:txBody>
@@ -6368,7 +6359,7 @@
           <a:p>
             <a:fld id="{B08FEED8-D7D4-44E9-BFBC-ED06B5996D94}" type="datetime4">
               <a:rPr lang="en-US" smtClean="0"/>
-              <a:t>November 6, 2019</a:t>
+              <a:t>November 14, 2019</a:t>
             </a:fld>
             <a:endParaRPr lang="en-US" dirty="0"/>
           </a:p>
@@ -6451,7 +6442,7 @@
     </p:spTree>
     <p:extLst>
       <p:ext uri="{BB962C8B-B14F-4D97-AF65-F5344CB8AC3E}">
-        <p14:creationId xmlns:p14="http://schemas.microsoft.com/office/powerpoint/2010/main" val="2613927498"/>
+        <p14:creationId xmlns:p14="http://schemas.microsoft.com/office/powerpoint/2010/main" val="267443022"/>
       </p:ext>
     </p:extLst>
   </p:cSld>
@@ -6495,37 +6486,57 @@
           <a:p>
             <a:r>
               <a:rPr lang="en-US" dirty="0" smtClean="0"/>
-              <a:t>NEURAL NETWORKS</a:t>
-            </a:r>
-            <a:br>
-              <a:rPr lang="en-US" dirty="0" smtClean="0"/>
-            </a:br>
-            <a:r>
-              <a:rPr lang="en-US" dirty="0" smtClean="0"/>
-              <a:t>&amp; CONVOLUTION</a:t>
-            </a:r>
-            <a:endParaRPr lang="en-US" dirty="0"/>
-          </a:p>
-        </p:txBody>
-      </p:sp>
-      <p:sp>
-        <p:nvSpPr>
-          <p:cNvPr id="8" name="Text Placeholder 7"/>
-          <p:cNvSpPr>
-            <a:spLocks noGrp="1"/>
-          </p:cNvSpPr>
-          <p:nvPr>
-            <p:ph type="body" idx="1"/>
-          </p:nvPr>
-        </p:nvSpPr>
-        <p:spPr/>
-        <p:txBody>
-          <a:bodyPr/>
-          <a:lstStyle/>
-          <a:p>
-            <a:r>
-              <a:rPr lang="en-US" dirty="0" smtClean="0"/>
-              <a:t>Leveraging spatial information in neural nets</a:t>
+              <a:t>WHAT ARE THE DRAWBACKS?</a:t>
+            </a:r>
+            <a:endParaRPr lang="en-US" dirty="0"/>
+          </a:p>
+        </p:txBody>
+      </p:sp>
+      <p:sp>
+        <p:nvSpPr>
+          <p:cNvPr id="8" name="Content Placeholder 7"/>
+          <p:cNvSpPr>
+            <a:spLocks noGrp="1"/>
+          </p:cNvSpPr>
+          <p:nvPr>
+            <p:ph idx="1"/>
+          </p:nvPr>
+        </p:nvSpPr>
+        <p:spPr/>
+        <p:txBody>
+          <a:bodyPr/>
+          <a:lstStyle/>
+          <a:p>
+            <a:r>
+              <a:rPr lang="en-US" dirty="0" smtClean="0"/>
+              <a:t>Just because a net can get a perfect result doesn’t mean it will!</a:t>
+            </a:r>
+          </a:p>
+          <a:p>
+            <a:pPr lvl="1"/>
+            <a:r>
+              <a:rPr lang="en-US" dirty="0" smtClean="0"/>
+              <a:t>Success is not guaranteed! Small changes in training data can lead to wildly different results</a:t>
+            </a:r>
+          </a:p>
+          <a:p>
+            <a:r>
+              <a:rPr lang="en-US" dirty="0" smtClean="0"/>
+              <a:t>It’s hard to tell what’s really going on!</a:t>
+            </a:r>
+          </a:p>
+          <a:p>
+            <a:pPr lvl="1"/>
+            <a:r>
+              <a:rPr lang="en-US" dirty="0" smtClean="0"/>
+              <a:t>Interpretability issues</a:t>
+            </a:r>
+          </a:p>
+          <a:p>
+            <a:pPr lvl="1"/>
+            <a:r>
+              <a:rPr lang="en-US" dirty="0" smtClean="0"/>
+              <a:t>Can we trust the conclusions of a neural net? Should we?</a:t>
             </a:r>
             <a:endParaRPr lang="en-US" dirty="0"/>
           </a:p>
@@ -6546,9 +6557,9 @@
           <a:bodyPr/>
           <a:lstStyle/>
           <a:p>
-            <a:fld id="{8AAE40A0-A7D8-4DC3-BC9E-BADA32DA2004}" type="datetime4">
-              <a:rPr lang="en-US" smtClean="0"/>
-              <a:t>November 4, 2019</a:t>
+            <a:fld id="{B08FEED8-D7D4-44E9-BFBC-ED06B5996D94}" type="datetime4">
+              <a:rPr lang="en-US" smtClean="0"/>
+              <a:t>November 14, 2019</a:t>
             </a:fld>
             <a:endParaRPr lang="en-US" dirty="0"/>
           </a:p>
@@ -6631,7 +6642,7 @@
     </p:spTree>
     <p:extLst>
       <p:ext uri="{BB962C8B-B14F-4D97-AF65-F5344CB8AC3E}">
-        <p14:creationId xmlns:p14="http://schemas.microsoft.com/office/powerpoint/2010/main" val="2033922517"/>
+        <p14:creationId xmlns:p14="http://schemas.microsoft.com/office/powerpoint/2010/main" val="2613927498"/>
       </p:ext>
     </p:extLst>
   </p:cSld>
@@ -6675,63 +6686,39 @@
           <a:p>
             <a:r>
               <a:rPr lang="en-US" dirty="0" smtClean="0"/>
-              <a:t>WHY CONVOLUTION &amp; NEURAL NETS?</a:t>
-            </a:r>
-            <a:endParaRPr lang="en-US" dirty="0"/>
-          </a:p>
-        </p:txBody>
-      </p:sp>
-      <p:sp>
-        <p:nvSpPr>
-          <p:cNvPr id="8" name="Content Placeholder 7"/>
-          <p:cNvSpPr>
-            <a:spLocks noGrp="1"/>
-          </p:cNvSpPr>
-          <p:nvPr>
-            <p:ph idx="1"/>
-          </p:nvPr>
-        </p:nvSpPr>
-        <p:spPr/>
-        <p:txBody>
-          <a:bodyPr/>
-          <a:lstStyle/>
-          <a:p>
-            <a:r>
-              <a:rPr lang="en-US" dirty="0" smtClean="0"/>
-              <a:t>Upgrade to neural nets for a significant class of problems</a:t>
-            </a:r>
-          </a:p>
-          <a:p>
-            <a:r>
-              <a:rPr lang="en-US" dirty="0" smtClean="0"/>
-              <a:t>Spatial data matters! It doesn’t make sense to ‘flatten’ an image to a row of pixels, because then you’re losing vertical and diagonal relationships</a:t>
-            </a:r>
-          </a:p>
-          <a:p>
-            <a:r>
-              <a:rPr lang="en-US" dirty="0" smtClean="0"/>
-              <a:t>Solution: find a way to extract features!</a:t>
-            </a:r>
-          </a:p>
-          <a:p>
-            <a:pPr lvl="1"/>
-            <a:r>
-              <a:rPr lang="en-US" dirty="0" smtClean="0"/>
-              <a:t>What matters in a 3x3 square, for example?</a:t>
-            </a:r>
-          </a:p>
-          <a:p>
-            <a:r>
-              <a:rPr lang="en-US" dirty="0" smtClean="0"/>
-              <a:t>We don’t have to figure this out ourselves!</a:t>
-            </a:r>
-          </a:p>
-          <a:p>
-            <a:pPr lvl="1"/>
-            <a:r>
-              <a:rPr lang="en-US" dirty="0" smtClean="0"/>
-              <a:t>Neural nets will do this during training</a:t>
-            </a:r>
+              <a:t>NEURAL NETWORKS</a:t>
+            </a:r>
+            <a:br>
+              <a:rPr lang="en-US" dirty="0" smtClean="0"/>
+            </a:br>
+            <a:r>
+              <a:rPr lang="en-US" dirty="0" smtClean="0"/>
+              <a:t>&amp; CONVOLUTION</a:t>
+            </a:r>
+            <a:endParaRPr lang="en-US" dirty="0"/>
+          </a:p>
+        </p:txBody>
+      </p:sp>
+      <p:sp>
+        <p:nvSpPr>
+          <p:cNvPr id="8" name="Text Placeholder 7"/>
+          <p:cNvSpPr>
+            <a:spLocks noGrp="1"/>
+          </p:cNvSpPr>
+          <p:nvPr>
+            <p:ph type="body" idx="1"/>
+          </p:nvPr>
+        </p:nvSpPr>
+        <p:spPr/>
+        <p:txBody>
+          <a:bodyPr/>
+          <a:lstStyle/>
+          <a:p>
+            <a:r>
+              <a:rPr lang="en-US" dirty="0" smtClean="0"/>
+              <a:t>Leveraging spatial information in neural nets</a:t>
+            </a:r>
+            <a:endParaRPr lang="en-US" dirty="0"/>
           </a:p>
         </p:txBody>
       </p:sp>
@@ -6750,9 +6737,9 @@
           <a:bodyPr/>
           <a:lstStyle/>
           <a:p>
-            <a:fld id="{B08FEED8-D7D4-44E9-BFBC-ED06B5996D94}" type="datetime4">
-              <a:rPr lang="en-US" smtClean="0"/>
-              <a:t>November 6, 2019</a:t>
+            <a:fld id="{8AAE40A0-A7D8-4DC3-BC9E-BADA32DA2004}" type="datetime4">
+              <a:rPr lang="en-US" smtClean="0"/>
+              <a:t>November 14, 2019</a:t>
             </a:fld>
             <a:endParaRPr lang="en-US" dirty="0"/>
           </a:p>
@@ -6835,7 +6822,7 @@
     </p:spTree>
     <p:extLst>
       <p:ext uri="{BB962C8B-B14F-4D97-AF65-F5344CB8AC3E}">
-        <p14:creationId xmlns:p14="http://schemas.microsoft.com/office/powerpoint/2010/main" val="1743726185"/>
+        <p14:creationId xmlns:p14="http://schemas.microsoft.com/office/powerpoint/2010/main" val="2033922517"/>
       </p:ext>
     </p:extLst>
   </p:cSld>
@@ -6864,7 +6851,7 @@
       </p:grpSpPr>
       <p:sp>
         <p:nvSpPr>
-          <p:cNvPr id="2" name="Title 1"/>
+          <p:cNvPr id="7" name="Title 6"/>
           <p:cNvSpPr>
             <a:spLocks noGrp="1"/>
           </p:cNvSpPr>
@@ -6879,9 +6866,63 @@
           <a:p>
             <a:r>
               <a:rPr lang="en-US" dirty="0" smtClean="0"/>
-              <a:t>SAMPLE CNN ARCHITECTURE</a:t>
-            </a:r>
-            <a:endParaRPr lang="en-US" dirty="0"/>
+              <a:t>WHY CONVOLUTION &amp; NEURAL NETS?</a:t>
+            </a:r>
+            <a:endParaRPr lang="en-US" dirty="0"/>
+          </a:p>
+        </p:txBody>
+      </p:sp>
+      <p:sp>
+        <p:nvSpPr>
+          <p:cNvPr id="8" name="Content Placeholder 7"/>
+          <p:cNvSpPr>
+            <a:spLocks noGrp="1"/>
+          </p:cNvSpPr>
+          <p:nvPr>
+            <p:ph idx="1"/>
+          </p:nvPr>
+        </p:nvSpPr>
+        <p:spPr/>
+        <p:txBody>
+          <a:bodyPr/>
+          <a:lstStyle/>
+          <a:p>
+            <a:r>
+              <a:rPr lang="en-US" dirty="0" smtClean="0"/>
+              <a:t>Upgrade to neural nets for a significant class of problems</a:t>
+            </a:r>
+          </a:p>
+          <a:p>
+            <a:r>
+              <a:rPr lang="en-US" dirty="0" smtClean="0"/>
+              <a:t>Spatial data matters! It doesn’t make sense to ‘flatten’ an image to a row of pixels, because then you’re losing vertical and diagonal relationships</a:t>
+            </a:r>
+          </a:p>
+          <a:p>
+            <a:r>
+              <a:rPr lang="en-US" dirty="0" smtClean="0"/>
+              <a:t>Solution: find a way to extract features!</a:t>
+            </a:r>
+          </a:p>
+          <a:p>
+            <a:pPr lvl="1"/>
+            <a:r>
+              <a:rPr lang="en-US" dirty="0" smtClean="0"/>
+              <a:t>What matters in a 3x3 square, for example?</a:t>
+            </a:r>
+          </a:p>
+          <a:p>
+            <a:r>
+              <a:rPr lang="en-US" dirty="0" smtClean="0"/>
+              <a:t>We don’t have to figure this out ourselves!</a:t>
+            </a:r>
+          </a:p>
+          <a:p>
+            <a:pPr lvl="1"/>
+            <a:r>
+              <a:rPr lang="en-US" dirty="0" smtClean="0"/>
+              <a:t>Neural nets will do this during training</a:t>
+            </a:r>
           </a:p>
         </p:txBody>
       </p:sp>
@@ -6900,9 +6941,9 @@
           <a:bodyPr/>
           <a:lstStyle/>
           <a:p>
-            <a:fld id="{8AAE40A0-A7D8-4DC3-BC9E-BADA32DA2004}" type="datetime4">
-              <a:rPr lang="en-US" smtClean="0"/>
-              <a:t>November 6, 2019</a:t>
+            <a:fld id="{B08FEED8-D7D4-44E9-BFBC-ED06B5996D94}" type="datetime4">
+              <a:rPr lang="en-US" smtClean="0"/>
+              <a:t>November 14, 2019</a:t>
             </a:fld>
             <a:endParaRPr lang="en-US" dirty="0"/>
           </a:p>
@@ -6977,6 +7018,156 @@
             <a:fld id="{D57F1E4F-1CFF-5643-939E-02111984F565}" type="slidenum">
               <a:rPr lang="en-US" smtClean="0"/>
               <a:t>25</a:t>
+            </a:fld>
+            <a:endParaRPr lang="en-US" dirty="0"/>
+          </a:p>
+        </p:txBody>
+      </p:sp>
+    </p:spTree>
+    <p:extLst>
+      <p:ext uri="{BB962C8B-B14F-4D97-AF65-F5344CB8AC3E}">
+        <p14:creationId xmlns:p14="http://schemas.microsoft.com/office/powerpoint/2010/main" val="1743726185"/>
+      </p:ext>
+    </p:extLst>
+  </p:cSld>
+  <p:clrMapOvr>
+    <a:masterClrMapping/>
+  </p:clrMapOvr>
+</p:sld>
+</file>
+
+<file path=ppt/slides/slide26.xml><?xml version="1.0" encoding="utf-8"?>
+<p:sld xmlns:a="http://schemas.openxmlformats.org/drawingml/2006/main" xmlns:r="http://schemas.openxmlformats.org/officeDocument/2006/relationships" xmlns:p="http://schemas.openxmlformats.org/presentationml/2006/main">
+  <p:cSld>
+    <p:spTree>
+      <p:nvGrpSpPr>
+        <p:cNvPr id="1" name=""/>
+        <p:cNvGrpSpPr/>
+        <p:nvPr/>
+      </p:nvGrpSpPr>
+      <p:grpSpPr>
+        <a:xfrm>
+          <a:off x="0" y="0"/>
+          <a:ext cx="0" cy="0"/>
+          <a:chOff x="0" y="0"/>
+          <a:chExt cx="0" cy="0"/>
+        </a:xfrm>
+      </p:grpSpPr>
+      <p:sp>
+        <p:nvSpPr>
+          <p:cNvPr id="2" name="Title 1"/>
+          <p:cNvSpPr>
+            <a:spLocks noGrp="1"/>
+          </p:cNvSpPr>
+          <p:nvPr>
+            <p:ph type="title"/>
+          </p:nvPr>
+        </p:nvSpPr>
+        <p:spPr/>
+        <p:txBody>
+          <a:bodyPr/>
+          <a:lstStyle/>
+          <a:p>
+            <a:r>
+              <a:rPr lang="en-US" dirty="0" smtClean="0"/>
+              <a:t>SAMPLE CNN ARCHITECTURE</a:t>
+            </a:r>
+            <a:endParaRPr lang="en-US" dirty="0"/>
+          </a:p>
+        </p:txBody>
+      </p:sp>
+      <p:sp>
+        <p:nvSpPr>
+          <p:cNvPr id="4" name="Date Placeholder 3"/>
+          <p:cNvSpPr>
+            <a:spLocks noGrp="1"/>
+          </p:cNvSpPr>
+          <p:nvPr>
+            <p:ph type="dt" sz="half" idx="10"/>
+          </p:nvPr>
+        </p:nvSpPr>
+        <p:spPr/>
+        <p:txBody>
+          <a:bodyPr/>
+          <a:lstStyle/>
+          <a:p>
+            <a:fld id="{8AAE40A0-A7D8-4DC3-BC9E-BADA32DA2004}" type="datetime4">
+              <a:rPr lang="en-US" smtClean="0"/>
+              <a:t>November 14, 2019</a:t>
+            </a:fld>
+            <a:endParaRPr lang="en-US" dirty="0"/>
+          </a:p>
+        </p:txBody>
+      </p:sp>
+      <p:sp>
+        <p:nvSpPr>
+          <p:cNvPr id="5" name="Footer Placeholder 4"/>
+          <p:cNvSpPr>
+            <a:spLocks noGrp="1"/>
+          </p:cNvSpPr>
+          <p:nvPr>
+            <p:ph type="ftr" sz="quarter" idx="11"/>
+          </p:nvPr>
+        </p:nvSpPr>
+        <p:spPr/>
+        <p:txBody>
+          <a:bodyPr/>
+          <a:lstStyle/>
+          <a:p>
+            <a:r>
+              <a:rPr lang="en-US" smtClean="0"/>
+              <a:t>Digital Scholarship Services </a:t>
+            </a:r>
+            <a:r>
+              <a:rPr lang="en-US" smtClean="0">
+                <a:solidFill>
+                  <a:schemeClr val="accent1">
+                    <a:lumMod val="50000"/>
+                  </a:schemeClr>
+                </a:solidFill>
+              </a:rPr>
+              <a:t>| Email</a:t>
+            </a:r>
+            <a:r>
+              <a:rPr lang="en-US" smtClean="0"/>
+              <a:t> cf24@rice.edu </a:t>
+            </a:r>
+            <a:r>
+              <a:rPr lang="en-US" smtClean="0">
+                <a:solidFill>
+                  <a:schemeClr val="accent1">
+                    <a:lumMod val="50000"/>
+                  </a:schemeClr>
+                </a:solidFill>
+              </a:rPr>
+              <a:t>|</a:t>
+            </a:r>
+            <a:r>
+              <a:rPr lang="en-US" smtClean="0"/>
+              <a:t> library.rice.edu/dss</a:t>
+            </a:r>
+            <a:endParaRPr lang="en-US" dirty="0"/>
+          </a:p>
+        </p:txBody>
+      </p:sp>
+      <p:sp>
+        <p:nvSpPr>
+          <p:cNvPr id="6" name="Slide Number Placeholder 5"/>
+          <p:cNvSpPr>
+            <a:spLocks noGrp="1"/>
+          </p:cNvSpPr>
+          <p:nvPr>
+            <p:ph type="sldNum" sz="quarter" idx="12"/>
+          </p:nvPr>
+        </p:nvSpPr>
+        <p:spPr/>
+        <p:txBody>
+          <a:bodyPr/>
+          <a:lstStyle/>
+          <a:p>
+            <a:fld id="{D57F1E4F-1CFF-5643-939E-02111984F565}" type="slidenum">
+              <a:rPr lang="en-US" smtClean="0"/>
+              <a:t>26</a:t>
             </a:fld>
             <a:endParaRPr lang="en-US" dirty="0"/>
           </a:p>
@@ -7036,199 +7227,6 @@
 </p:sld>
 </file>
 
-<file path=ppt/slides/slide26.xml><?xml version="1.0" encoding="utf-8"?>
-<p:sld xmlns:a="http://schemas.openxmlformats.org/drawingml/2006/main" xmlns:r="http://schemas.openxmlformats.org/officeDocument/2006/relationships" xmlns:p="http://schemas.openxmlformats.org/presentationml/2006/main">
-  <p:cSld>
-    <p:spTree>
-      <p:nvGrpSpPr>
-        <p:cNvPr id="1" name=""/>
-        <p:cNvGrpSpPr/>
-        <p:nvPr/>
-      </p:nvGrpSpPr>
-      <p:grpSpPr>
-        <a:xfrm>
-          <a:off x="0" y="0"/>
-          <a:ext cx="0" cy="0"/>
-          <a:chOff x="0" y="0"/>
-          <a:chExt cx="0" cy="0"/>
-        </a:xfrm>
-      </p:grpSpPr>
-      <p:sp>
-        <p:nvSpPr>
-          <p:cNvPr id="2" name="Title 1"/>
-          <p:cNvSpPr>
-            <a:spLocks noGrp="1"/>
-          </p:cNvSpPr>
-          <p:nvPr>
-            <p:ph type="title"/>
-          </p:nvPr>
-        </p:nvSpPr>
-        <p:spPr/>
-        <p:txBody>
-          <a:bodyPr/>
-          <a:lstStyle/>
-          <a:p>
-            <a:r>
-              <a:rPr lang="en-US" dirty="0" smtClean="0"/>
-              <a:t>INTERPRETING LAYERS</a:t>
-            </a:r>
-            <a:endParaRPr lang="en-US" dirty="0"/>
-          </a:p>
-        </p:txBody>
-      </p:sp>
-      <p:sp>
-        <p:nvSpPr>
-          <p:cNvPr id="3" name="Content Placeholder 2"/>
-          <p:cNvSpPr>
-            <a:spLocks noGrp="1"/>
-          </p:cNvSpPr>
-          <p:nvPr>
-            <p:ph idx="1"/>
-          </p:nvPr>
-        </p:nvSpPr>
-        <p:spPr/>
-        <p:txBody>
-          <a:bodyPr/>
-          <a:lstStyle/>
-          <a:p>
-            <a:r>
-              <a:rPr lang="en-US" dirty="0" smtClean="0"/>
-              <a:t>Subsampling</a:t>
-            </a:r>
-          </a:p>
-          <a:p>
-            <a:pPr lvl="1"/>
-            <a:r>
-              <a:rPr lang="en-US" dirty="0" smtClean="0"/>
-              <a:t>Condensing information, zooming in/out</a:t>
-            </a:r>
-          </a:p>
-          <a:p>
-            <a:r>
-              <a:rPr lang="en-US" dirty="0" smtClean="0"/>
-              <a:t>Convolutions</a:t>
-            </a:r>
-          </a:p>
-          <a:p>
-            <a:pPr lvl="1"/>
-            <a:r>
-              <a:rPr lang="en-US" dirty="0" smtClean="0"/>
-              <a:t>Extracting features</a:t>
-            </a:r>
-            <a:endParaRPr lang="en-US" dirty="0"/>
-          </a:p>
-        </p:txBody>
-      </p:sp>
-      <p:sp>
-        <p:nvSpPr>
-          <p:cNvPr id="4" name="Date Placeholder 3"/>
-          <p:cNvSpPr>
-            <a:spLocks noGrp="1"/>
-          </p:cNvSpPr>
-          <p:nvPr>
-            <p:ph type="dt" sz="half" idx="10"/>
-          </p:nvPr>
-        </p:nvSpPr>
-        <p:spPr/>
-        <p:txBody>
-          <a:bodyPr/>
-          <a:lstStyle/>
-          <a:p>
-            <a:fld id="{8AAE40A0-A7D8-4DC3-BC9E-BADA32DA2004}" type="datetime4">
-              <a:rPr lang="en-US" smtClean="0"/>
-              <a:t>November 6, 2019</a:t>
-            </a:fld>
-            <a:endParaRPr lang="en-US" dirty="0"/>
-          </a:p>
-        </p:txBody>
-      </p:sp>
-      <p:sp>
-        <p:nvSpPr>
-          <p:cNvPr id="5" name="Footer Placeholder 4"/>
-          <p:cNvSpPr>
-            <a:spLocks noGrp="1"/>
-          </p:cNvSpPr>
-          <p:nvPr>
-            <p:ph type="ftr" sz="quarter" idx="11"/>
-          </p:nvPr>
-        </p:nvSpPr>
-        <p:spPr/>
-        <p:txBody>
-          <a:bodyPr/>
-          <a:lstStyle/>
-          <a:p>
-            <a:r>
-              <a:rPr lang="en-US" smtClean="0"/>
-              <a:t>Digital Scholarship Services </a:t>
-            </a:r>
-            <a:r>
-              <a:rPr lang="en-US" smtClean="0">
-                <a:solidFill>
-                  <a:schemeClr val="accent1">
-                    <a:lumMod val="50000"/>
-                  </a:schemeClr>
-                </a:solidFill>
-              </a:rPr>
-              <a:t>| Email</a:t>
-            </a:r>
-            <a:r>
-              <a:rPr lang="en-US" smtClean="0"/>
-              <a:t> cf24@rice.edu </a:t>
-            </a:r>
-            <a:r>
-              <a:rPr lang="en-US" smtClean="0">
-                <a:solidFill>
-                  <a:schemeClr val="accent1">
-                    <a:lumMod val="50000"/>
-                  </a:schemeClr>
-                </a:solidFill>
-              </a:rPr>
-              <a:t>|</a:t>
-            </a:r>
-            <a:r>
-              <a:rPr lang="en-US" smtClean="0"/>
-              <a:t> library.rice.edu/dss</a:t>
-            </a:r>
-            <a:endParaRPr lang="en-US" dirty="0"/>
-          </a:p>
-        </p:txBody>
-      </p:sp>
-      <p:sp>
-        <p:nvSpPr>
-          <p:cNvPr id="6" name="Slide Number Placeholder 5"/>
-          <p:cNvSpPr>
-            <a:spLocks noGrp="1"/>
-          </p:cNvSpPr>
-          <p:nvPr>
-            <p:ph type="sldNum" sz="quarter" idx="12"/>
-          </p:nvPr>
-        </p:nvSpPr>
-        <p:spPr/>
-        <p:txBody>
-          <a:bodyPr/>
-          <a:lstStyle/>
-          <a:p>
-            <a:fld id="{D57F1E4F-1CFF-5643-939E-02111984F565}" type="slidenum">
-              <a:rPr lang="en-US" smtClean="0"/>
-              <a:t>26</a:t>
-            </a:fld>
-            <a:endParaRPr lang="en-US" dirty="0"/>
-          </a:p>
-        </p:txBody>
-      </p:sp>
-    </p:spTree>
-    <p:extLst>
-      <p:ext uri="{BB962C8B-B14F-4D97-AF65-F5344CB8AC3E}">
-        <p14:creationId xmlns:p14="http://schemas.microsoft.com/office/powerpoint/2010/main" val="2646231901"/>
-      </p:ext>
-    </p:extLst>
-  </p:cSld>
-  <p:clrMapOvr>
-    <a:masterClrMapping/>
-  </p:clrMapOvr>
-</p:sld>
-</file>
-
 <file path=ppt/slides/slide27.xml><?xml version="1.0" encoding="utf-8"?>
 <p:sld xmlns:a="http://schemas.openxmlformats.org/drawingml/2006/main" xmlns:r="http://schemas.openxmlformats.org/officeDocument/2006/relationships" xmlns:p="http://schemas.openxmlformats.org/presentationml/2006/main">
   <p:cSld>
@@ -7248,7 +7246,7 @@
       </p:grpSpPr>
       <p:sp>
         <p:nvSpPr>
-          <p:cNvPr id="7" name="Title 6"/>
+          <p:cNvPr id="2" name="Title 1"/>
           <p:cNvSpPr>
             <a:spLocks noGrp="1"/>
           </p:cNvSpPr>
@@ -7263,30 +7261,50 @@
           <a:p>
             <a:r>
               <a:rPr lang="en-US" dirty="0" smtClean="0"/>
-              <a:t>ARTIFICIAL INTELLIGENCE</a:t>
-            </a:r>
-            <a:endParaRPr lang="en-US" dirty="0"/>
-          </a:p>
-        </p:txBody>
-      </p:sp>
-      <p:sp>
-        <p:nvSpPr>
-          <p:cNvPr id="8" name="Text Placeholder 7"/>
-          <p:cNvSpPr>
-            <a:spLocks noGrp="1"/>
-          </p:cNvSpPr>
-          <p:nvPr>
-            <p:ph type="body" idx="1"/>
-          </p:nvPr>
-        </p:nvSpPr>
-        <p:spPr/>
-        <p:txBody>
-          <a:bodyPr/>
-          <a:lstStyle/>
-          <a:p>
-            <a:r>
-              <a:rPr lang="en-US" dirty="0" smtClean="0"/>
-              <a:t>How intelligent is it?</a:t>
+              <a:t>INTERPRETING LAYERS</a:t>
+            </a:r>
+            <a:endParaRPr lang="en-US" dirty="0"/>
+          </a:p>
+        </p:txBody>
+      </p:sp>
+      <p:sp>
+        <p:nvSpPr>
+          <p:cNvPr id="3" name="Content Placeholder 2"/>
+          <p:cNvSpPr>
+            <a:spLocks noGrp="1"/>
+          </p:cNvSpPr>
+          <p:nvPr>
+            <p:ph idx="1"/>
+          </p:nvPr>
+        </p:nvSpPr>
+        <p:spPr/>
+        <p:txBody>
+          <a:bodyPr/>
+          <a:lstStyle/>
+          <a:p>
+            <a:r>
+              <a:rPr lang="en-US" dirty="0" smtClean="0"/>
+              <a:t>Subsampling</a:t>
+            </a:r>
+          </a:p>
+          <a:p>
+            <a:pPr lvl="1"/>
+            <a:r>
+              <a:rPr lang="en-US" dirty="0" smtClean="0"/>
+              <a:t>Condensing information, zooming in/out</a:t>
+            </a:r>
+          </a:p>
+          <a:p>
+            <a:r>
+              <a:rPr lang="en-US" dirty="0" smtClean="0"/>
+              <a:t>Convolutions</a:t>
+            </a:r>
+          </a:p>
+          <a:p>
+            <a:pPr lvl="1"/>
+            <a:r>
+              <a:rPr lang="en-US" dirty="0" smtClean="0"/>
+              <a:t>Extracting features</a:t>
             </a:r>
             <a:endParaRPr lang="en-US" dirty="0"/>
           </a:p>
@@ -7309,7 +7327,7 @@
           <a:p>
             <a:fld id="{8AAE40A0-A7D8-4DC3-BC9E-BADA32DA2004}" type="datetime4">
               <a:rPr lang="en-US" smtClean="0"/>
-              <a:t>November 4, 2019</a:t>
+              <a:t>November 14, 2019</a:t>
             </a:fld>
             <a:endParaRPr lang="en-US" dirty="0"/>
           </a:p>
@@ -7392,7 +7410,7 @@
     </p:spTree>
     <p:extLst>
       <p:ext uri="{BB962C8B-B14F-4D97-AF65-F5344CB8AC3E}">
-        <p14:creationId xmlns:p14="http://schemas.microsoft.com/office/powerpoint/2010/main" val="2833101456"/>
+        <p14:creationId xmlns:p14="http://schemas.microsoft.com/office/powerpoint/2010/main" val="2646231901"/>
       </p:ext>
     </p:extLst>
   </p:cSld>
@@ -7421,7 +7439,7 @@
       </p:grpSpPr>
       <p:sp>
         <p:nvSpPr>
-          <p:cNvPr id="4" name="Title 3"/>
+          <p:cNvPr id="7" name="Title 6"/>
           <p:cNvSpPr>
             <a:spLocks noGrp="1"/>
           </p:cNvSpPr>
@@ -7436,57 +7454,128 @@
           <a:p>
             <a:r>
               <a:rPr lang="en-US" dirty="0" smtClean="0"/>
-              <a:t>PERCEPTRONS</a:t>
-            </a:r>
-            <a:endParaRPr lang="en-US" dirty="0"/>
-          </a:p>
-        </p:txBody>
-      </p:sp>
-      <p:sp>
-        <p:nvSpPr>
-          <p:cNvPr id="5" name="Content Placeholder 4"/>
-          <p:cNvSpPr>
-            <a:spLocks noGrp="1"/>
-          </p:cNvSpPr>
-          <p:nvPr>
-            <p:ph idx="1"/>
-          </p:nvPr>
-        </p:nvSpPr>
-        <p:spPr/>
-        <p:txBody>
-          <a:bodyPr/>
-          <a:lstStyle/>
-          <a:p>
-            <a:r>
-              <a:rPr lang="en-US" dirty="0" smtClean="0"/>
-              <a:t>Similar to logistic regression, but sequential updates</a:t>
-            </a:r>
-          </a:p>
-          <a:p>
-            <a:pPr lvl="1"/>
-            <a:r>
-              <a:rPr lang="en-US" dirty="0" smtClean="0"/>
-              <a:t>Responding to the environment!</a:t>
-            </a:r>
-          </a:p>
-          <a:p>
-            <a:r>
-              <a:rPr lang="en-US" dirty="0" smtClean="0"/>
-              <a:t>Idea: come in with a hypothesis of how to divide two classes</a:t>
-            </a:r>
-          </a:p>
-          <a:p>
-            <a:pPr lvl="1"/>
-            <a:r>
-              <a:rPr lang="en-US" dirty="0" smtClean="0"/>
-              <a:t>Perform updates until we can divide them fully (or give up)</a:t>
-            </a:r>
-          </a:p>
-          <a:p>
-            <a:r>
-              <a:rPr lang="en-US" dirty="0" smtClean="0"/>
-              <a:t>This can be seen as a single neuron in a neural net</a:t>
-            </a:r>
+              <a:t>ARTIFICIAL INTELLIGENCE</a:t>
+            </a:r>
+            <a:endParaRPr lang="en-US" dirty="0"/>
+          </a:p>
+        </p:txBody>
+      </p:sp>
+      <p:sp>
+        <p:nvSpPr>
+          <p:cNvPr id="8" name="Text Placeholder 7"/>
+          <p:cNvSpPr>
+            <a:spLocks noGrp="1"/>
+          </p:cNvSpPr>
+          <p:nvPr>
+            <p:ph type="body" idx="1"/>
+          </p:nvPr>
+        </p:nvSpPr>
+        <p:spPr/>
+        <p:txBody>
+          <a:bodyPr/>
+          <a:lstStyle/>
+          <a:p>
+            <a:r>
+              <a:rPr lang="en-US" dirty="0" smtClean="0"/>
+              <a:t>How intelligent is it?</a:t>
+            </a:r>
+            <a:endParaRPr lang="en-US" dirty="0"/>
+          </a:p>
+        </p:txBody>
+      </p:sp>
+      <p:sp>
+        <p:nvSpPr>
+          <p:cNvPr id="4" name="Date Placeholder 3"/>
+          <p:cNvSpPr>
+            <a:spLocks noGrp="1"/>
+          </p:cNvSpPr>
+          <p:nvPr>
+            <p:ph type="dt" sz="half" idx="10"/>
+          </p:nvPr>
+        </p:nvSpPr>
+        <p:spPr/>
+        <p:txBody>
+          <a:bodyPr/>
+          <a:lstStyle/>
+          <a:p>
+            <a:fld id="{8AAE40A0-A7D8-4DC3-BC9E-BADA32DA2004}" type="datetime4">
+              <a:rPr lang="en-US" smtClean="0"/>
+              <a:t>November 14, 2019</a:t>
+            </a:fld>
+            <a:endParaRPr lang="en-US" dirty="0"/>
+          </a:p>
+        </p:txBody>
+      </p:sp>
+      <p:sp>
+        <p:nvSpPr>
+          <p:cNvPr id="5" name="Footer Placeholder 4"/>
+          <p:cNvSpPr>
+            <a:spLocks noGrp="1"/>
+          </p:cNvSpPr>
+          <p:nvPr>
+            <p:ph type="ftr" sz="quarter" idx="11"/>
+          </p:nvPr>
+        </p:nvSpPr>
+        <p:spPr/>
+        <p:txBody>
+          <a:bodyPr/>
+          <a:lstStyle/>
+          <a:p>
+            <a:r>
+              <a:rPr lang="en-US" smtClean="0"/>
+              <a:t>Digital Scholarship Services </a:t>
+            </a:r>
+            <a:r>
+              <a:rPr lang="en-US" smtClean="0">
+                <a:solidFill>
+                  <a:schemeClr val="accent1">
+                    <a:lumMod val="50000"/>
+                  </a:schemeClr>
+                </a:solidFill>
+              </a:rPr>
+              <a:t>| Email</a:t>
+            </a:r>
+            <a:r>
+              <a:rPr lang="en-US" smtClean="0"/>
+              <a:t> cf24@rice.edu </a:t>
+            </a:r>
+            <a:r>
+              <a:rPr lang="en-US" smtClean="0">
+                <a:solidFill>
+                  <a:schemeClr val="accent1">
+                    <a:lumMod val="50000"/>
+                  </a:schemeClr>
+                </a:solidFill>
+              </a:rPr>
+              <a:t>|</a:t>
+            </a:r>
+            <a:r>
+              <a:rPr lang="en-US" smtClean="0"/>
+              <a:t> library.rice.edu/dss</a:t>
+            </a:r>
+            <a:endParaRPr lang="en-US" dirty="0"/>
+          </a:p>
+        </p:txBody>
+      </p:sp>
+      <p:sp>
+        <p:nvSpPr>
+          <p:cNvPr id="6" name="Slide Number Placeholder 5"/>
+          <p:cNvSpPr>
+            <a:spLocks noGrp="1"/>
+          </p:cNvSpPr>
+          <p:nvPr>
+            <p:ph type="sldNum" sz="quarter" idx="12"/>
+          </p:nvPr>
+        </p:nvSpPr>
+        <p:spPr/>
+        <p:txBody>
+          <a:bodyPr/>
+          <a:lstStyle/>
+          <a:p>
+            <a:fld id="{D57F1E4F-1CFF-5643-939E-02111984F565}" type="slidenum">
+              <a:rPr lang="en-US" smtClean="0"/>
+              <a:t>28</a:t>
+            </a:fld>
             <a:endParaRPr lang="en-US" dirty="0"/>
           </a:p>
         </p:txBody>
@@ -7494,7 +7583,7 @@
     </p:spTree>
     <p:extLst>
       <p:ext uri="{BB962C8B-B14F-4D97-AF65-F5344CB8AC3E}">
-        <p14:creationId xmlns:p14="http://schemas.microsoft.com/office/powerpoint/2010/main" val="4246251967"/>
+        <p14:creationId xmlns:p14="http://schemas.microsoft.com/office/powerpoint/2010/main" val="2833101456"/>
       </p:ext>
     </p:extLst>
   </p:cSld>
@@ -7538,7 +7627,7 @@
           <a:p>
             <a:r>
               <a:rPr lang="en-US" dirty="0" smtClean="0"/>
-              <a:t>NEURAL NETS AND AI</a:t>
+              <a:t>PERCEPTRONS</a:t>
             </a:r>
             <a:endParaRPr lang="en-US" dirty="0"/>
           </a:p>
@@ -7561,49 +7650,33 @@
           <a:p>
             <a:r>
               <a:rPr lang="en-US" dirty="0" smtClean="0"/>
-              <a:t>We can do the same thing we’ve done with other problems</a:t>
+              <a:t>Similar to logistic regression, but sequential updates</a:t>
             </a:r>
           </a:p>
           <a:p>
             <a:pPr lvl="1"/>
             <a:r>
               <a:rPr lang="en-US" dirty="0" smtClean="0"/>
-              <a:t>Throw neural nets at them and see what happens!</a:t>
-            </a:r>
-          </a:p>
-          <a:p>
-            <a:r>
-              <a:rPr lang="en-US" dirty="0" smtClean="0"/>
-              <a:t>Neural nets are incredibly good in the context of AI</a:t>
-            </a:r>
-          </a:p>
-          <a:p>
-            <a:r>
-              <a:rPr lang="en-US" dirty="0" smtClean="0"/>
-              <a:t>Recently, for the first time in the game of Go, a computer beat the highest-ranked human player (Google’s </a:t>
-            </a:r>
-            <a:r>
-              <a:rPr lang="en-US" dirty="0" err="1" smtClean="0"/>
-              <a:t>AlphaGo</a:t>
-            </a:r>
-            <a:r>
-              <a:rPr lang="en-US" dirty="0"/>
-              <a:t>)</a:t>
-            </a:r>
-            <a:endParaRPr lang="en-US" dirty="0" smtClean="0"/>
+              <a:t>Responding to the environment!</a:t>
+            </a:r>
+          </a:p>
+          <a:p>
+            <a:r>
+              <a:rPr lang="en-US" dirty="0" smtClean="0"/>
+              <a:t>Idea: come in with a hypothesis of how to divide two classes</a:t>
+            </a:r>
           </a:p>
           <a:p>
             <a:pPr lvl="1"/>
             <a:r>
               <a:rPr lang="en-US" dirty="0" smtClean="0"/>
-              <a:t>This happened in chess in 1997</a:t>
-            </a:r>
-          </a:p>
-          <a:p>
-            <a:pPr lvl="1"/>
-            <a:r>
-              <a:rPr lang="en-US" dirty="0" smtClean="0"/>
-              <a:t>Only possible due to amazing advancements in artificial intelligence!</a:t>
+              <a:t>Perform updates until we can divide them fully (or give up)</a:t>
+            </a:r>
+          </a:p>
+          <a:p>
+            <a:r>
+              <a:rPr lang="en-US" dirty="0" smtClean="0"/>
+              <a:t>This can be seen as a single neuron in a neural net</a:t>
             </a:r>
             <a:endParaRPr lang="en-US" dirty="0"/>
           </a:p>
@@ -7612,7 +7685,7 @@
     </p:spTree>
     <p:extLst>
       <p:ext uri="{BB962C8B-B14F-4D97-AF65-F5344CB8AC3E}">
-        <p14:creationId xmlns:p14="http://schemas.microsoft.com/office/powerpoint/2010/main" val="3378277948"/>
+        <p14:creationId xmlns:p14="http://schemas.microsoft.com/office/powerpoint/2010/main" val="4246251967"/>
       </p:ext>
     </p:extLst>
   </p:cSld>
@@ -7656,11 +7729,7 @@
           <a:p>
             <a:r>
               <a:rPr lang="en-US" dirty="0" smtClean="0"/>
-              <a:t>ABOUT </a:t>
-            </a:r>
-            <a:r>
-              <a:rPr lang="en-US" dirty="0" smtClean="0"/>
-              <a:t>KERAS</a:t>
+              <a:t>ABOUT KERAS</a:t>
             </a:r>
             <a:endParaRPr lang="en-US" dirty="0"/>
           </a:p>
@@ -7741,7 +7810,7 @@
       </p:grpSpPr>
       <p:sp>
         <p:nvSpPr>
-          <p:cNvPr id="7" name="Title 6"/>
+          <p:cNvPr id="4" name="Title 3"/>
           <p:cNvSpPr>
             <a:spLocks noGrp="1"/>
           </p:cNvSpPr>
@@ -7756,128 +7825,73 @@
           <a:p>
             <a:r>
               <a:rPr lang="en-US" dirty="0" smtClean="0"/>
-              <a:t>FURTHER DIRECTIONS</a:t>
-            </a:r>
-            <a:endParaRPr lang="en-US" dirty="0"/>
-          </a:p>
-        </p:txBody>
-      </p:sp>
-      <p:sp>
-        <p:nvSpPr>
-          <p:cNvPr id="8" name="Text Placeholder 7"/>
-          <p:cNvSpPr>
-            <a:spLocks noGrp="1"/>
-          </p:cNvSpPr>
-          <p:nvPr>
-            <p:ph type="body" idx="1"/>
-          </p:nvPr>
-        </p:nvSpPr>
-        <p:spPr/>
-        <p:txBody>
-          <a:bodyPr/>
-          <a:lstStyle/>
-          <a:p>
-            <a:r>
-              <a:rPr lang="en-US" dirty="0" smtClean="0"/>
-              <a:t>An overview of current research topics</a:t>
-            </a:r>
-            <a:endParaRPr lang="en-US" dirty="0"/>
-          </a:p>
-        </p:txBody>
-      </p:sp>
-      <p:sp>
-        <p:nvSpPr>
-          <p:cNvPr id="4" name="Date Placeholder 3"/>
-          <p:cNvSpPr>
-            <a:spLocks noGrp="1"/>
-          </p:cNvSpPr>
-          <p:nvPr>
-            <p:ph type="dt" sz="half" idx="10"/>
-          </p:nvPr>
-        </p:nvSpPr>
-        <p:spPr/>
-        <p:txBody>
-          <a:bodyPr/>
-          <a:lstStyle/>
-          <a:p>
-            <a:fld id="{8AAE40A0-A7D8-4DC3-BC9E-BADA32DA2004}" type="datetime4">
-              <a:rPr lang="en-US" smtClean="0"/>
-              <a:t>November 4, 2019</a:t>
-            </a:fld>
-            <a:endParaRPr lang="en-US" dirty="0"/>
-          </a:p>
-        </p:txBody>
-      </p:sp>
-      <p:sp>
-        <p:nvSpPr>
-          <p:cNvPr id="5" name="Footer Placeholder 4"/>
-          <p:cNvSpPr>
-            <a:spLocks noGrp="1"/>
-          </p:cNvSpPr>
-          <p:nvPr>
-            <p:ph type="ftr" sz="quarter" idx="11"/>
-          </p:nvPr>
-        </p:nvSpPr>
-        <p:spPr/>
-        <p:txBody>
-          <a:bodyPr/>
-          <a:lstStyle/>
-          <a:p>
-            <a:r>
-              <a:rPr lang="en-US" smtClean="0"/>
-              <a:t>Digital Scholarship Services </a:t>
-            </a:r>
-            <a:r>
-              <a:rPr lang="en-US" smtClean="0">
-                <a:solidFill>
-                  <a:schemeClr val="accent1">
-                    <a:lumMod val="50000"/>
-                  </a:schemeClr>
-                </a:solidFill>
-              </a:rPr>
-              <a:t>| Email</a:t>
-            </a:r>
-            <a:r>
-              <a:rPr lang="en-US" smtClean="0"/>
-              <a:t> cf24@rice.edu </a:t>
-            </a:r>
-            <a:r>
-              <a:rPr lang="en-US" smtClean="0">
-                <a:solidFill>
-                  <a:schemeClr val="accent1">
-                    <a:lumMod val="50000"/>
-                  </a:schemeClr>
-                </a:solidFill>
-              </a:rPr>
-              <a:t>|</a:t>
-            </a:r>
-            <a:r>
-              <a:rPr lang="en-US" smtClean="0"/>
-              <a:t> library.rice.edu/dss</a:t>
-            </a:r>
-            <a:endParaRPr lang="en-US" dirty="0"/>
-          </a:p>
-        </p:txBody>
-      </p:sp>
-      <p:sp>
-        <p:nvSpPr>
-          <p:cNvPr id="6" name="Slide Number Placeholder 5"/>
-          <p:cNvSpPr>
-            <a:spLocks noGrp="1"/>
-          </p:cNvSpPr>
-          <p:nvPr>
-            <p:ph type="sldNum" sz="quarter" idx="12"/>
-          </p:nvPr>
-        </p:nvSpPr>
-        <p:spPr/>
-        <p:txBody>
-          <a:bodyPr/>
-          <a:lstStyle/>
-          <a:p>
-            <a:fld id="{D57F1E4F-1CFF-5643-939E-02111984F565}" type="slidenum">
-              <a:rPr lang="en-US" smtClean="0"/>
-              <a:t>30</a:t>
-            </a:fld>
+              <a:t>NEURAL NETS AND AI</a:t>
+            </a:r>
+            <a:endParaRPr lang="en-US" dirty="0"/>
+          </a:p>
+        </p:txBody>
+      </p:sp>
+      <p:sp>
+        <p:nvSpPr>
+          <p:cNvPr id="5" name="Content Placeholder 4"/>
+          <p:cNvSpPr>
+            <a:spLocks noGrp="1"/>
+          </p:cNvSpPr>
+          <p:nvPr>
+            <p:ph idx="1"/>
+          </p:nvPr>
+        </p:nvSpPr>
+        <p:spPr/>
+        <p:txBody>
+          <a:bodyPr/>
+          <a:lstStyle/>
+          <a:p>
+            <a:r>
+              <a:rPr lang="en-US" dirty="0" smtClean="0"/>
+              <a:t>We can do the same thing we’ve done with other problems</a:t>
+            </a:r>
+          </a:p>
+          <a:p>
+            <a:pPr lvl="1"/>
+            <a:r>
+              <a:rPr lang="en-US" dirty="0" smtClean="0"/>
+              <a:t>Throw neural nets at them and see what happens!</a:t>
+            </a:r>
+          </a:p>
+          <a:p>
+            <a:r>
+              <a:rPr lang="en-US" dirty="0" smtClean="0"/>
+              <a:t>Neural nets are incredibly good in the context of AI</a:t>
+            </a:r>
+          </a:p>
+          <a:p>
+            <a:r>
+              <a:rPr lang="en-US" dirty="0" smtClean="0"/>
+              <a:t>Recently, for the first time in the game of Go, a computer beat the highest-ranked human player (Google’s </a:t>
+            </a:r>
+            <a:r>
+              <a:rPr lang="en-US" dirty="0" err="1" smtClean="0"/>
+              <a:t>AlphaGo</a:t>
+            </a:r>
+            <a:r>
+              <a:rPr lang="en-US" dirty="0"/>
+              <a:t>)</a:t>
+            </a:r>
+            <a:endParaRPr lang="en-US" dirty="0" smtClean="0"/>
+          </a:p>
+          <a:p>
+            <a:pPr lvl="1"/>
+            <a:r>
+              <a:rPr lang="en-US" dirty="0" smtClean="0"/>
+              <a:t>This happened in chess in 1997</a:t>
+            </a:r>
+          </a:p>
+          <a:p>
+            <a:pPr lvl="1"/>
+            <a:r>
+              <a:rPr lang="en-US" dirty="0" smtClean="0"/>
+              <a:t>Only possible due to amazing advancements in artificial intelligence!</a:t>
+            </a:r>
             <a:endParaRPr lang="en-US" dirty="0"/>
           </a:p>
         </p:txBody>
@@ -7885,7 +7899,7 @@
     </p:spTree>
     <p:extLst>
       <p:ext uri="{BB962C8B-B14F-4D97-AF65-F5344CB8AC3E}">
-        <p14:creationId xmlns:p14="http://schemas.microsoft.com/office/powerpoint/2010/main" val="1706520227"/>
+        <p14:creationId xmlns:p14="http://schemas.microsoft.com/office/powerpoint/2010/main" val="3378277948"/>
       </p:ext>
     </p:extLst>
   </p:cSld>
@@ -7914,7 +7928,7 @@
       </p:grpSpPr>
       <p:sp>
         <p:nvSpPr>
-          <p:cNvPr id="4" name="Title 3"/>
+          <p:cNvPr id="7" name="Title 6"/>
           <p:cNvSpPr>
             <a:spLocks noGrp="1"/>
           </p:cNvSpPr>
@@ -7929,72 +7943,128 @@
           <a:p>
             <a:r>
               <a:rPr lang="en-US" dirty="0" smtClean="0"/>
-              <a:t>TEXT-BASED MODELS</a:t>
-            </a:r>
-            <a:endParaRPr lang="en-US" dirty="0"/>
-          </a:p>
-        </p:txBody>
-      </p:sp>
-      <p:sp>
-        <p:nvSpPr>
-          <p:cNvPr id="5" name="Content Placeholder 4"/>
-          <p:cNvSpPr>
-            <a:spLocks noGrp="1"/>
-          </p:cNvSpPr>
-          <p:nvPr>
-            <p:ph idx="1"/>
-          </p:nvPr>
-        </p:nvSpPr>
-        <p:spPr/>
-        <p:txBody>
-          <a:bodyPr/>
-          <a:lstStyle/>
-          <a:p>
-            <a:r>
-              <a:rPr lang="en-US" dirty="0" smtClean="0"/>
-              <a:t>Predicting part-of-speech, emotional orientation (happy? sad? angry?)</a:t>
-            </a:r>
-          </a:p>
-          <a:p>
-            <a:r>
-              <a:rPr lang="en-US" dirty="0" smtClean="0"/>
-              <a:t>Neural nets are great for dealing with longer term relationships</a:t>
-            </a:r>
-          </a:p>
-          <a:p>
-            <a:pPr lvl="1"/>
-            <a:r>
-              <a:rPr lang="en-US" dirty="0" smtClean="0"/>
-              <a:t>If we have an antecedent 10 words back, it’s very hard for conventional models to even detect this has happened, much less deal with it constructively, without absurd increases in complexity</a:t>
-            </a:r>
-          </a:p>
-          <a:p>
-            <a:r>
-              <a:rPr lang="en-US" dirty="0" smtClean="0"/>
-              <a:t>We can even find ways to represent words algebraically!</a:t>
-            </a:r>
-          </a:p>
-          <a:p>
-            <a:pPr lvl="1"/>
-            <a:r>
-              <a:rPr lang="en-US" dirty="0" smtClean="0"/>
-              <a:t>Queen = King – Man</a:t>
-            </a:r>
-          </a:p>
-          <a:p>
-            <a:pPr lvl="1"/>
-            <a:r>
-              <a:rPr lang="en-US" dirty="0" smtClean="0"/>
-              <a:t>This process is called ‘word </a:t>
-            </a:r>
-            <a:r>
-              <a:rPr lang="en-US" dirty="0" err="1" smtClean="0"/>
-              <a:t>embeddings</a:t>
-            </a:r>
-            <a:r>
-              <a:rPr lang="en-US" dirty="0" smtClean="0"/>
-              <a:t>’</a:t>
-            </a:r>
+              <a:t>FURTHER DIRECTIONS</a:t>
+            </a:r>
+            <a:endParaRPr lang="en-US" dirty="0"/>
+          </a:p>
+        </p:txBody>
+      </p:sp>
+      <p:sp>
+        <p:nvSpPr>
+          <p:cNvPr id="8" name="Text Placeholder 7"/>
+          <p:cNvSpPr>
+            <a:spLocks noGrp="1"/>
+          </p:cNvSpPr>
+          <p:nvPr>
+            <p:ph type="body" idx="1"/>
+          </p:nvPr>
+        </p:nvSpPr>
+        <p:spPr/>
+        <p:txBody>
+          <a:bodyPr/>
+          <a:lstStyle/>
+          <a:p>
+            <a:r>
+              <a:rPr lang="en-US" dirty="0" smtClean="0"/>
+              <a:t>An overview of current research topics</a:t>
+            </a:r>
+            <a:endParaRPr lang="en-US" dirty="0"/>
+          </a:p>
+        </p:txBody>
+      </p:sp>
+      <p:sp>
+        <p:nvSpPr>
+          <p:cNvPr id="4" name="Date Placeholder 3"/>
+          <p:cNvSpPr>
+            <a:spLocks noGrp="1"/>
+          </p:cNvSpPr>
+          <p:nvPr>
+            <p:ph type="dt" sz="half" idx="10"/>
+          </p:nvPr>
+        </p:nvSpPr>
+        <p:spPr/>
+        <p:txBody>
+          <a:bodyPr/>
+          <a:lstStyle/>
+          <a:p>
+            <a:fld id="{8AAE40A0-A7D8-4DC3-BC9E-BADA32DA2004}" type="datetime4">
+              <a:rPr lang="en-US" smtClean="0"/>
+              <a:t>November 14, 2019</a:t>
+            </a:fld>
+            <a:endParaRPr lang="en-US" dirty="0"/>
+          </a:p>
+        </p:txBody>
+      </p:sp>
+      <p:sp>
+        <p:nvSpPr>
+          <p:cNvPr id="5" name="Footer Placeholder 4"/>
+          <p:cNvSpPr>
+            <a:spLocks noGrp="1"/>
+          </p:cNvSpPr>
+          <p:nvPr>
+            <p:ph type="ftr" sz="quarter" idx="11"/>
+          </p:nvPr>
+        </p:nvSpPr>
+        <p:spPr/>
+        <p:txBody>
+          <a:bodyPr/>
+          <a:lstStyle/>
+          <a:p>
+            <a:r>
+              <a:rPr lang="en-US" smtClean="0"/>
+              <a:t>Digital Scholarship Services </a:t>
+            </a:r>
+            <a:r>
+              <a:rPr lang="en-US" smtClean="0">
+                <a:solidFill>
+                  <a:schemeClr val="accent1">
+                    <a:lumMod val="50000"/>
+                  </a:schemeClr>
+                </a:solidFill>
+              </a:rPr>
+              <a:t>| Email</a:t>
+            </a:r>
+            <a:r>
+              <a:rPr lang="en-US" smtClean="0"/>
+              <a:t> cf24@rice.edu </a:t>
+            </a:r>
+            <a:r>
+              <a:rPr lang="en-US" smtClean="0">
+                <a:solidFill>
+                  <a:schemeClr val="accent1">
+                    <a:lumMod val="50000"/>
+                  </a:schemeClr>
+                </a:solidFill>
+              </a:rPr>
+              <a:t>|</a:t>
+            </a:r>
+            <a:r>
+              <a:rPr lang="en-US" smtClean="0"/>
+              <a:t> library.rice.edu/dss</a:t>
+            </a:r>
+            <a:endParaRPr lang="en-US" dirty="0"/>
+          </a:p>
+        </p:txBody>
+      </p:sp>
+      <p:sp>
+        <p:nvSpPr>
+          <p:cNvPr id="6" name="Slide Number Placeholder 5"/>
+          <p:cNvSpPr>
+            <a:spLocks noGrp="1"/>
+          </p:cNvSpPr>
+          <p:nvPr>
+            <p:ph type="sldNum" sz="quarter" idx="12"/>
+          </p:nvPr>
+        </p:nvSpPr>
+        <p:spPr/>
+        <p:txBody>
+          <a:bodyPr/>
+          <a:lstStyle/>
+          <a:p>
+            <a:fld id="{D57F1E4F-1CFF-5643-939E-02111984F565}" type="slidenum">
+              <a:rPr lang="en-US" smtClean="0"/>
+              <a:t>31</a:t>
+            </a:fld>
             <a:endParaRPr lang="en-US" dirty="0"/>
           </a:p>
         </p:txBody>
@@ -8002,7 +8072,7 @@
     </p:spTree>
     <p:extLst>
       <p:ext uri="{BB962C8B-B14F-4D97-AF65-F5344CB8AC3E}">
-        <p14:creationId xmlns:p14="http://schemas.microsoft.com/office/powerpoint/2010/main" val="2031667520"/>
+        <p14:creationId xmlns:p14="http://schemas.microsoft.com/office/powerpoint/2010/main" val="1706520227"/>
       </p:ext>
     </p:extLst>
   </p:cSld>
@@ -8046,7 +8116,7 @@
           <a:p>
             <a:r>
               <a:rPr lang="en-US" dirty="0" smtClean="0"/>
-              <a:t>VIDEO MODELS</a:t>
+              <a:t>TEXT-BASED MODELS</a:t>
             </a:r>
             <a:endParaRPr lang="en-US" dirty="0"/>
           </a:p>
@@ -8069,39 +8139,48 @@
           <a:p>
             <a:r>
               <a:rPr lang="en-US" dirty="0" smtClean="0"/>
-              <a:t>We’ve seen image models, but what do we do with continuous input?</a:t>
-            </a:r>
-          </a:p>
-          <a:p>
-            <a:r>
-              <a:rPr lang="en-US" dirty="0" smtClean="0"/>
-              <a:t>Sequential information in conjunction with spatial relationships</a:t>
-            </a:r>
-          </a:p>
-          <a:p>
-            <a:r>
-              <a:rPr lang="en-US" dirty="0" smtClean="0"/>
-              <a:t>Speed extremely important!</a:t>
+              <a:t>Predicting part-of-speech, emotional orientation (happy? sad? angry?)</a:t>
+            </a:r>
+          </a:p>
+          <a:p>
+            <a:r>
+              <a:rPr lang="en-US" dirty="0" smtClean="0"/>
+              <a:t>Neural nets are great for dealing with longer term relationships</a:t>
             </a:r>
           </a:p>
           <a:p>
             <a:pPr lvl="1"/>
             <a:r>
               <a:rPr lang="en-US" dirty="0" smtClean="0"/>
-              <a:t>We can get 60 images a second</a:t>
-            </a:r>
-          </a:p>
-          <a:p>
-            <a:r>
-              <a:rPr lang="en-US" dirty="0" smtClean="0"/>
-              <a:t>Security cameras can detect threats without constant human surveillance</a:t>
+              <a:t>If we have an antecedent 10 words back, it’s very hard for conventional models to even detect this has happened, much less deal with it constructively, without absurd increases in complexity</a:t>
+            </a:r>
+          </a:p>
+          <a:p>
+            <a:r>
+              <a:rPr lang="en-US" dirty="0" smtClean="0"/>
+              <a:t>We can even find ways to represent words algebraically!</a:t>
             </a:r>
           </a:p>
           <a:p>
             <a:pPr lvl="1"/>
             <a:r>
               <a:rPr lang="en-US" dirty="0" smtClean="0"/>
-              <a:t>And, if you’ve seen movies… humans aren’t always the most reliable when it comes to watching security feeds</a:t>
+              <a:t>Queen = King – Man</a:t>
+            </a:r>
+          </a:p>
+          <a:p>
+            <a:pPr lvl="1"/>
+            <a:r>
+              <a:rPr lang="en-US" dirty="0" smtClean="0"/>
+              <a:t>This process is called ‘word </a:t>
+            </a:r>
+            <a:r>
+              <a:rPr lang="en-US" dirty="0" err="1" smtClean="0"/>
+              <a:t>embeddings</a:t>
+            </a:r>
+            <a:r>
+              <a:rPr lang="en-US" dirty="0" smtClean="0"/>
+              <a:t>’</a:t>
             </a:r>
             <a:endParaRPr lang="en-US" dirty="0"/>
           </a:p>
@@ -8110,7 +8189,7 @@
     </p:spTree>
     <p:extLst>
       <p:ext uri="{BB962C8B-B14F-4D97-AF65-F5344CB8AC3E}">
-        <p14:creationId xmlns:p14="http://schemas.microsoft.com/office/powerpoint/2010/main" val="113501044"/>
+        <p14:creationId xmlns:p14="http://schemas.microsoft.com/office/powerpoint/2010/main" val="2031667520"/>
       </p:ext>
     </p:extLst>
   </p:cSld>
@@ -8154,7 +8233,7 @@
           <a:p>
             <a:r>
               <a:rPr lang="en-US" dirty="0" smtClean="0"/>
-              <a:t>INTERPRETABILITY</a:t>
+              <a:t>VIDEO MODELS</a:t>
             </a:r>
             <a:endParaRPr lang="en-US" dirty="0"/>
           </a:p>
@@ -8177,34 +8256,39 @@
           <a:p>
             <a:r>
               <a:rPr lang="en-US" dirty="0" smtClean="0"/>
-              <a:t>Adversarial learning</a:t>
+              <a:t>We’ve seen image models, but what do we do with continuous input?</a:t>
+            </a:r>
+          </a:p>
+          <a:p>
+            <a:r>
+              <a:rPr lang="en-US" dirty="0" smtClean="0"/>
+              <a:t>Sequential information in conjunction with spatial relationships</a:t>
+            </a:r>
+          </a:p>
+          <a:p>
+            <a:r>
+              <a:rPr lang="en-US" dirty="0" smtClean="0"/>
+              <a:t>Speed extremely important!</a:t>
             </a:r>
           </a:p>
           <a:p>
             <a:pPr lvl="1"/>
             <a:r>
               <a:rPr lang="en-US" dirty="0" smtClean="0"/>
-              <a:t>Deliberately give the net the worst possible inputs while training or testing to ‘sabotage’ it</a:t>
+              <a:t>We can get 60 images a second</a:t>
+            </a:r>
+          </a:p>
+          <a:p>
+            <a:r>
+              <a:rPr lang="en-US" dirty="0" smtClean="0"/>
+              <a:t>Security cameras can detect threats without constant human surveillance</a:t>
             </a:r>
           </a:p>
           <a:p>
             <a:pPr lvl="1"/>
             <a:r>
               <a:rPr lang="en-US" dirty="0" smtClean="0"/>
-              <a:t>We can learn how to train very robust models!</a:t>
-            </a:r>
-          </a:p>
-          <a:p>
-            <a:r>
-              <a:rPr lang="en-US" dirty="0" smtClean="0"/>
-              <a:t>Making small changes and seeing how that affects the predictions</a:t>
-            </a:r>
-          </a:p>
-          <a:p>
-            <a:pPr lvl="1"/>
-            <a:r>
-              <a:rPr lang="en-US" dirty="0" smtClean="0"/>
-              <a:t>Does adding a little red smudge in an image make a cat into a dog?</a:t>
+              <a:t>And, if you’ve seen movies… humans aren’t always the most reliable when it comes to watching security feeds</a:t>
             </a:r>
             <a:endParaRPr lang="en-US" dirty="0"/>
           </a:p>
@@ -8213,7 +8297,7 @@
     </p:spTree>
     <p:extLst>
       <p:ext uri="{BB962C8B-B14F-4D97-AF65-F5344CB8AC3E}">
-        <p14:creationId xmlns:p14="http://schemas.microsoft.com/office/powerpoint/2010/main" val="3018532001"/>
+        <p14:creationId xmlns:p14="http://schemas.microsoft.com/office/powerpoint/2010/main" val="113501044"/>
       </p:ext>
     </p:extLst>
   </p:cSld>
@@ -8257,7 +8341,7 @@
           <a:p>
             <a:r>
               <a:rPr lang="en-US" dirty="0" smtClean="0"/>
-              <a:t>RECAP</a:t>
+              <a:t>INTERPRETABILITY</a:t>
             </a:r>
             <a:endParaRPr lang="en-US" dirty="0"/>
           </a:p>
@@ -8280,52 +8364,34 @@
           <a:p>
             <a:r>
               <a:rPr lang="en-US" dirty="0" smtClean="0"/>
-              <a:t>Don’t just jump into neural networks!</a:t>
+              <a:t>Adversarial learning</a:t>
             </a:r>
           </a:p>
           <a:p>
             <a:pPr lvl="1"/>
             <a:r>
               <a:rPr lang="en-US" dirty="0" smtClean="0"/>
-              <a:t>Try simpler things out</a:t>
-            </a:r>
-          </a:p>
-          <a:p>
-            <a:r>
-              <a:rPr lang="en-US" dirty="0" smtClean="0"/>
-              <a:t>Extraordinarily flexible</a:t>
-            </a:r>
-          </a:p>
-          <a:p>
-            <a:r>
-              <a:rPr lang="en-US" dirty="0" smtClean="0"/>
-              <a:t>Often can outperform humans at complex tasks!</a:t>
+              <a:t>Deliberately give the net the worst possible inputs while training or testing to ‘sabotage’ it</a:t>
             </a:r>
           </a:p>
           <a:p>
             <a:pPr lvl="1"/>
             <a:r>
               <a:rPr lang="en-US" dirty="0" smtClean="0"/>
-              <a:t>Chess, Go, </a:t>
-            </a:r>
-            <a:r>
-              <a:rPr lang="en-US" dirty="0" err="1" smtClean="0"/>
-              <a:t>etc</a:t>
-            </a:r>
-            <a:endParaRPr lang="en-US" dirty="0" smtClean="0"/>
-          </a:p>
-          <a:p>
-            <a:r>
-              <a:rPr lang="en-US" dirty="0" smtClean="0"/>
-              <a:t>Despite some significant drawbacks, neural networks are one of the most exciting developments of the 21</a:t>
-            </a:r>
-            <a:r>
-              <a:rPr lang="en-US" baseline="30000" dirty="0" smtClean="0"/>
-              <a:t>st</a:t>
-            </a:r>
-            <a:r>
-              <a:rPr lang="en-US" dirty="0" smtClean="0"/>
-              <a:t> century and can be applied to an amazing variety of problems</a:t>
+              <a:t>We can learn how to train very robust models!</a:t>
+            </a:r>
+          </a:p>
+          <a:p>
+            <a:r>
+              <a:rPr lang="en-US" dirty="0" smtClean="0"/>
+              <a:t>Making small changes and seeing how that affects the predictions</a:t>
+            </a:r>
+          </a:p>
+          <a:p>
+            <a:pPr lvl="1"/>
+            <a:r>
+              <a:rPr lang="en-US" dirty="0" smtClean="0"/>
+              <a:t>Does adding a little red smudge in an image make a cat into a dog?</a:t>
             </a:r>
             <a:endParaRPr lang="en-US" dirty="0"/>
           </a:p>
@@ -8334,7 +8400,7 @@
     </p:spTree>
     <p:extLst>
       <p:ext uri="{BB962C8B-B14F-4D97-AF65-F5344CB8AC3E}">
-        <p14:creationId xmlns:p14="http://schemas.microsoft.com/office/powerpoint/2010/main" val="825822352"/>
+        <p14:creationId xmlns:p14="http://schemas.microsoft.com/office/powerpoint/2010/main" val="3018532001"/>
       </p:ext>
     </p:extLst>
   </p:cSld>
@@ -8363,6 +8429,127 @@
       </p:grpSpPr>
       <p:sp>
         <p:nvSpPr>
+          <p:cNvPr id="4" name="Title 3"/>
+          <p:cNvSpPr>
+            <a:spLocks noGrp="1"/>
+          </p:cNvSpPr>
+          <p:nvPr>
+            <p:ph type="title"/>
+          </p:nvPr>
+        </p:nvSpPr>
+        <p:spPr/>
+        <p:txBody>
+          <a:bodyPr/>
+          <a:lstStyle/>
+          <a:p>
+            <a:r>
+              <a:rPr lang="en-US" dirty="0" smtClean="0"/>
+              <a:t>RECAP</a:t>
+            </a:r>
+            <a:endParaRPr lang="en-US" dirty="0"/>
+          </a:p>
+        </p:txBody>
+      </p:sp>
+      <p:sp>
+        <p:nvSpPr>
+          <p:cNvPr id="5" name="Content Placeholder 4"/>
+          <p:cNvSpPr>
+            <a:spLocks noGrp="1"/>
+          </p:cNvSpPr>
+          <p:nvPr>
+            <p:ph idx="1"/>
+          </p:nvPr>
+        </p:nvSpPr>
+        <p:spPr/>
+        <p:txBody>
+          <a:bodyPr/>
+          <a:lstStyle/>
+          <a:p>
+            <a:r>
+              <a:rPr lang="en-US" dirty="0" smtClean="0"/>
+              <a:t>Don’t just jump into neural networks!</a:t>
+            </a:r>
+          </a:p>
+          <a:p>
+            <a:pPr lvl="1"/>
+            <a:r>
+              <a:rPr lang="en-US" dirty="0" smtClean="0"/>
+              <a:t>Try simpler things out</a:t>
+            </a:r>
+          </a:p>
+          <a:p>
+            <a:r>
+              <a:rPr lang="en-US" dirty="0" smtClean="0"/>
+              <a:t>Extraordinarily flexible</a:t>
+            </a:r>
+          </a:p>
+          <a:p>
+            <a:r>
+              <a:rPr lang="en-US" dirty="0" smtClean="0"/>
+              <a:t>Often can outperform humans at complex tasks!</a:t>
+            </a:r>
+          </a:p>
+          <a:p>
+            <a:pPr lvl="1"/>
+            <a:r>
+              <a:rPr lang="en-US" dirty="0" smtClean="0"/>
+              <a:t>Chess, Go, </a:t>
+            </a:r>
+            <a:r>
+              <a:rPr lang="en-US" dirty="0" err="1" smtClean="0"/>
+              <a:t>etc</a:t>
+            </a:r>
+            <a:endParaRPr lang="en-US" dirty="0" smtClean="0"/>
+          </a:p>
+          <a:p>
+            <a:r>
+              <a:rPr lang="en-US" dirty="0" smtClean="0"/>
+              <a:t>Despite some significant drawbacks, neural networks are one of the most exciting developments of the 21</a:t>
+            </a:r>
+            <a:r>
+              <a:rPr lang="en-US" baseline="30000" dirty="0" smtClean="0"/>
+              <a:t>st</a:t>
+            </a:r>
+            <a:r>
+              <a:rPr lang="en-US" dirty="0" smtClean="0"/>
+              <a:t> century and can be applied to an amazing variety of problems</a:t>
+            </a:r>
+            <a:endParaRPr lang="en-US" dirty="0"/>
+          </a:p>
+        </p:txBody>
+      </p:sp>
+    </p:spTree>
+    <p:extLst>
+      <p:ext uri="{BB962C8B-B14F-4D97-AF65-F5344CB8AC3E}">
+        <p14:creationId xmlns:p14="http://schemas.microsoft.com/office/powerpoint/2010/main" val="825822352"/>
+      </p:ext>
+    </p:extLst>
+  </p:cSld>
+  <p:clrMapOvr>
+    <a:masterClrMapping/>
+  </p:clrMapOvr>
+</p:sld>
+</file>
+
+<file path=ppt/slides/slide36.xml><?xml version="1.0" encoding="utf-8"?>
+<p:sld xmlns:a="http://schemas.openxmlformats.org/drawingml/2006/main" xmlns:r="http://schemas.openxmlformats.org/officeDocument/2006/relationships" xmlns:p="http://schemas.openxmlformats.org/presentationml/2006/main">
+  <p:cSld>
+    <p:spTree>
+      <p:nvGrpSpPr>
+        <p:cNvPr id="1" name=""/>
+        <p:cNvGrpSpPr/>
+        <p:nvPr/>
+      </p:nvGrpSpPr>
+      <p:grpSpPr>
+        <a:xfrm>
+          <a:off x="0" y="0"/>
+          <a:ext cx="0" cy="0"/>
+          <a:chOff x="0" y="0"/>
+          <a:chExt cx="0" cy="0"/>
+        </a:xfrm>
+      </p:grpSpPr>
+      <p:sp>
+        <p:nvSpPr>
           <p:cNvPr id="7" name="Title 6">
             <a:extLst>
               <a:ext uri="{FF2B5EF4-FFF2-40B4-BE49-F238E27FC236}">
@@ -8440,7 +8627,50 @@
             </a:r>
             <a:r>
               <a:rPr lang="en-US" dirty="0"/>
-              <a:t>Aphex34 - Own work, CC BY-SA 4.0, https://commons.wikimedia.org/w/index.php?curid=45679374</a:t>
+              <a:t>Aphex34 - Own work, CC BY-SA 4.0, </a:t>
+            </a:r>
+            <a:r>
+              <a:rPr lang="en-US" dirty="0">
+                <a:hlinkClick r:id="rId2"/>
+              </a:rPr>
+              <a:t>https://</a:t>
+            </a:r>
+            <a:r>
+              <a:rPr lang="en-US" dirty="0" smtClean="0">
+                <a:hlinkClick r:id="rId2"/>
+              </a:rPr>
+              <a:t>commons.wikimedia.org/w/index.php?curid=45679374</a:t>
+            </a:r>
+            <a:endParaRPr lang="en-US" dirty="0" smtClean="0"/>
+          </a:p>
+          <a:p>
+            <a:r>
+              <a:rPr lang="en-US" dirty="0" smtClean="0"/>
+              <a:t>The logistic regression figure, made by Michaelg2015, is </a:t>
+            </a:r>
+            <a:r>
+              <a:rPr lang="en-US" dirty="0"/>
+              <a:t>licensed under the </a:t>
+            </a:r>
+            <a:r>
+              <a:rPr lang="en-US" dirty="0">
+                <a:hlinkClick r:id="rId3" tooltip="w:en:Creative Commons"/>
+              </a:rPr>
+              <a:t>Creative Commons</a:t>
+            </a:r>
+            <a:r>
+              <a:rPr lang="en-US" dirty="0"/>
+              <a:t> </a:t>
+            </a:r>
+            <a:r>
+              <a:rPr lang="en-US" dirty="0">
+                <a:hlinkClick r:id="rId4"/>
+              </a:rPr>
+              <a:t>Attribution-Share Alike 4.0 International</a:t>
+            </a:r>
+            <a:r>
+              <a:rPr lang="en-US" dirty="0"/>
+              <a:t> license.</a:t>
             </a:r>
             <a:endParaRPr lang="en-US" dirty="0"/>
           </a:p>
@@ -8469,7 +8699,7 @@
           <a:p>
             <a:fld id="{B08FEED8-D7D4-44E9-BFBC-ED06B5996D94}" type="datetime4">
               <a:rPr lang="en-US" smtClean="0"/>
-              <a:t>November 6, 2019</a:t>
+              <a:t>November 14, 2019</a:t>
             </a:fld>
             <a:endParaRPr lang="en-US" dirty="0"/>
           </a:p>
@@ -8555,7 +8785,7 @@
           <a:p>
             <a:fld id="{D57F1E4F-1CFF-5643-939E-02111984F565}" type="slidenum">
               <a:rPr lang="en-US" smtClean="0"/>
-              <a:t>35</a:t>
+              <a:t>36</a:t>
             </a:fld>
             <a:endParaRPr lang="en-US" dirty="0"/>
           </a:p>
@@ -8593,7 +8823,7 @@
       </p:grpSpPr>
       <p:sp>
         <p:nvSpPr>
-          <p:cNvPr id="7" name="Title 6"/>
+          <p:cNvPr id="4" name="Title 3"/>
           <p:cNvSpPr>
             <a:spLocks noGrp="1"/>
           </p:cNvSpPr>
@@ -8608,135 +8838,102 @@
           <a:p>
             <a:r>
               <a:rPr lang="en-US" dirty="0" smtClean="0"/>
-              <a:t>WHAT IS</a:t>
-            </a:r>
-            <a:br>
-              <a:rPr lang="en-US" dirty="0" smtClean="0"/>
-            </a:br>
-            <a:r>
-              <a:rPr lang="en-US" dirty="0" smtClean="0"/>
-              <a:t>MACHINE LEARNING?</a:t>
-            </a:r>
-            <a:endParaRPr lang="en-US" dirty="0"/>
-          </a:p>
-        </p:txBody>
-      </p:sp>
-      <p:sp>
-        <p:nvSpPr>
-          <p:cNvPr id="8" name="Text Placeholder 7"/>
-          <p:cNvSpPr>
-            <a:spLocks noGrp="1"/>
-          </p:cNvSpPr>
-          <p:nvPr>
-            <p:ph type="body" idx="1"/>
-          </p:nvPr>
-        </p:nvSpPr>
-        <p:spPr/>
-        <p:txBody>
-          <a:bodyPr/>
-          <a:lstStyle/>
-          <a:p>
-            <a:r>
-              <a:rPr lang="en-US" dirty="0" smtClean="0"/>
-              <a:t>Regression, Classification, Artificial Intelligence, Reinforcement Learning</a:t>
-            </a:r>
-            <a:endParaRPr lang="en-US" dirty="0"/>
-          </a:p>
-        </p:txBody>
-      </p:sp>
-      <p:sp>
-        <p:nvSpPr>
-          <p:cNvPr id="4" name="Date Placeholder 3"/>
-          <p:cNvSpPr>
-            <a:spLocks noGrp="1"/>
-          </p:cNvSpPr>
-          <p:nvPr>
-            <p:ph type="dt" sz="half" idx="10"/>
-          </p:nvPr>
-        </p:nvSpPr>
-        <p:spPr/>
-        <p:txBody>
-          <a:bodyPr/>
-          <a:lstStyle/>
-          <a:p>
-            <a:fld id="{8AAE40A0-A7D8-4DC3-BC9E-BADA32DA2004}" type="datetime4">
-              <a:rPr lang="en-US" smtClean="0"/>
-              <a:t>November 4, 2019</a:t>
-            </a:fld>
-            <a:endParaRPr lang="en-US" dirty="0"/>
-          </a:p>
-        </p:txBody>
-      </p:sp>
-      <p:sp>
-        <p:nvSpPr>
-          <p:cNvPr id="5" name="Footer Placeholder 4"/>
-          <p:cNvSpPr>
-            <a:spLocks noGrp="1"/>
-          </p:cNvSpPr>
-          <p:nvPr>
-            <p:ph type="ftr" sz="quarter" idx="11"/>
-          </p:nvPr>
-        </p:nvSpPr>
-        <p:spPr/>
-        <p:txBody>
-          <a:bodyPr/>
-          <a:lstStyle/>
-          <a:p>
-            <a:r>
-              <a:rPr lang="en-US" smtClean="0"/>
-              <a:t>Digital Scholarship Services </a:t>
-            </a:r>
-            <a:r>
-              <a:rPr lang="en-US" smtClean="0">
-                <a:solidFill>
-                  <a:schemeClr val="accent1">
-                    <a:lumMod val="50000"/>
-                  </a:schemeClr>
-                </a:solidFill>
-              </a:rPr>
-              <a:t>| Email</a:t>
-            </a:r>
-            <a:r>
-              <a:rPr lang="en-US" smtClean="0"/>
-              <a:t> cf24@rice.edu </a:t>
-            </a:r>
-            <a:r>
-              <a:rPr lang="en-US" smtClean="0">
-                <a:solidFill>
-                  <a:schemeClr val="accent1">
-                    <a:lumMod val="50000"/>
-                  </a:schemeClr>
-                </a:solidFill>
-              </a:rPr>
-              <a:t>|</a:t>
-            </a:r>
-            <a:r>
-              <a:rPr lang="en-US" smtClean="0"/>
-              <a:t> library.rice.edu/dss</a:t>
-            </a:r>
-            <a:endParaRPr lang="en-US" dirty="0"/>
-          </a:p>
-        </p:txBody>
-      </p:sp>
-      <p:sp>
-        <p:nvSpPr>
-          <p:cNvPr id="6" name="Slide Number Placeholder 5"/>
-          <p:cNvSpPr>
-            <a:spLocks noGrp="1"/>
-          </p:cNvSpPr>
-          <p:nvPr>
-            <p:ph type="sldNum" sz="quarter" idx="12"/>
-          </p:nvPr>
-        </p:nvSpPr>
-        <p:spPr/>
-        <p:txBody>
-          <a:bodyPr/>
-          <a:lstStyle/>
-          <a:p>
-            <a:fld id="{D57F1E4F-1CFF-5643-939E-02111984F565}" type="slidenum">
-              <a:rPr lang="en-US" smtClean="0"/>
-              <a:t>4</a:t>
-            </a:fld>
+              <a:t>TENSORFLOW AND</a:t>
+            </a:r>
+            <a:r>
+              <a:rPr lang="en-US" dirty="0" smtClean="0"/>
+              <a:t> </a:t>
+            </a:r>
+            <a:r>
+              <a:rPr lang="en-US" dirty="0" smtClean="0"/>
+              <a:t>KERAS</a:t>
+            </a:r>
+            <a:endParaRPr lang="en-US" dirty="0"/>
+          </a:p>
+        </p:txBody>
+      </p:sp>
+      <p:sp>
+        <p:nvSpPr>
+          <p:cNvPr id="5" name="Content Placeholder 4"/>
+          <p:cNvSpPr>
+            <a:spLocks noGrp="1"/>
+          </p:cNvSpPr>
+          <p:nvPr>
+            <p:ph idx="1"/>
+          </p:nvPr>
+        </p:nvSpPr>
+        <p:spPr/>
+        <p:txBody>
+          <a:bodyPr/>
+          <a:lstStyle/>
+          <a:p>
+            <a:r>
+              <a:rPr lang="en-US" dirty="0" err="1" smtClean="0"/>
+              <a:t>TensorFlow</a:t>
+            </a:r>
+            <a:r>
+              <a:rPr lang="en-US" dirty="0" smtClean="0"/>
+              <a:t> handles the work behind the scenes</a:t>
+            </a:r>
+          </a:p>
+          <a:p>
+            <a:pPr lvl="1"/>
+            <a:r>
+              <a:rPr lang="en-US" dirty="0" smtClean="0"/>
+              <a:t>Although it doesn’t have to! </a:t>
+            </a:r>
+            <a:r>
+              <a:rPr lang="en-US" dirty="0" smtClean="0"/>
+              <a:t>Other frameworks (</a:t>
+            </a:r>
+            <a:r>
+              <a:rPr lang="en-US" dirty="0" err="1" smtClean="0"/>
+              <a:t>Theano</a:t>
+            </a:r>
+            <a:r>
+              <a:rPr lang="en-US" dirty="0" smtClean="0"/>
+              <a:t>, </a:t>
+            </a:r>
+            <a:r>
+              <a:rPr lang="en-US" dirty="0" err="1" smtClean="0"/>
+              <a:t>etc</a:t>
+            </a:r>
+            <a:r>
+              <a:rPr lang="en-US" dirty="0" smtClean="0"/>
+              <a:t>) exist</a:t>
+            </a:r>
+          </a:p>
+          <a:p>
+            <a:r>
+              <a:rPr lang="en-US" dirty="0" err="1" smtClean="0"/>
+              <a:t>Keras</a:t>
+            </a:r>
+            <a:r>
+              <a:rPr lang="en-US" dirty="0" smtClean="0"/>
+              <a:t> makes it easy and intuitive to build a complex model without manually specifying each operation</a:t>
+            </a:r>
+          </a:p>
+          <a:p>
+            <a:r>
+              <a:rPr lang="en-US" dirty="0" smtClean="0"/>
+              <a:t>This combination makes </a:t>
+            </a:r>
+            <a:r>
+              <a:rPr lang="en-US" dirty="0" err="1" smtClean="0"/>
+              <a:t>TensorFlow</a:t>
+            </a:r>
+            <a:r>
+              <a:rPr lang="en-US" dirty="0" smtClean="0"/>
+              <a:t> + </a:t>
+            </a:r>
+            <a:r>
+              <a:rPr lang="en-US" dirty="0" err="1" smtClean="0"/>
+              <a:t>Keras</a:t>
+            </a:r>
+            <a:r>
+              <a:rPr lang="en-US" dirty="0" smtClean="0"/>
+              <a:t> easy to use and extremely fast!</a:t>
+            </a:r>
             <a:endParaRPr lang="en-US" dirty="0"/>
           </a:p>
         </p:txBody>
@@ -8744,7 +8941,7 @@
     </p:spTree>
     <p:extLst>
       <p:ext uri="{BB962C8B-B14F-4D97-AF65-F5344CB8AC3E}">
-        <p14:creationId xmlns:p14="http://schemas.microsoft.com/office/powerpoint/2010/main" val="2634181450"/>
+        <p14:creationId xmlns:p14="http://schemas.microsoft.com/office/powerpoint/2010/main" val="2056254086"/>
       </p:ext>
     </p:extLst>
   </p:cSld>
@@ -8773,7 +8970,7 @@
       </p:grpSpPr>
       <p:sp>
         <p:nvSpPr>
-          <p:cNvPr id="4" name="Title 3"/>
+          <p:cNvPr id="7" name="Title 6"/>
           <p:cNvSpPr>
             <a:spLocks noGrp="1"/>
           </p:cNvSpPr>
@@ -8788,65 +8985,135 @@
           <a:p>
             <a:r>
               <a:rPr lang="en-US" dirty="0" smtClean="0"/>
-              <a:t>FOUR KINDS OF MACHINE LEARNING</a:t>
-            </a:r>
-            <a:endParaRPr lang="en-US" dirty="0"/>
-          </a:p>
-        </p:txBody>
-      </p:sp>
-      <p:sp>
-        <p:nvSpPr>
-          <p:cNvPr id="5" name="Content Placeholder 4"/>
-          <p:cNvSpPr>
-            <a:spLocks noGrp="1"/>
-          </p:cNvSpPr>
-          <p:nvPr>
-            <p:ph idx="1"/>
-          </p:nvPr>
-        </p:nvSpPr>
-        <p:spPr/>
-        <p:txBody>
-          <a:bodyPr/>
-          <a:lstStyle/>
-          <a:p>
-            <a:r>
-              <a:rPr lang="en-US" dirty="0" smtClean="0"/>
-              <a:t>Machine Learning is an umbrella term</a:t>
-            </a:r>
-          </a:p>
-          <a:p>
-            <a:r>
-              <a:rPr lang="en-US" dirty="0" smtClean="0"/>
-              <a:t>As a new field, there are a lot of discussions</a:t>
-            </a:r>
-          </a:p>
-          <a:p>
-            <a:pPr lvl="1"/>
-            <a:r>
-              <a:rPr lang="en-US" dirty="0" smtClean="0"/>
-              <a:t>Electrical Engineering?</a:t>
-            </a:r>
-          </a:p>
-          <a:p>
-            <a:pPr lvl="1"/>
-            <a:r>
-              <a:rPr lang="en-US" dirty="0" smtClean="0"/>
-              <a:t>Computer Science?</a:t>
-            </a:r>
-          </a:p>
-          <a:p>
-            <a:pPr lvl="1"/>
-            <a:r>
-              <a:rPr lang="en-US" dirty="0" smtClean="0"/>
-              <a:t>Data Science?</a:t>
-            </a:r>
-          </a:p>
-          <a:p>
-            <a:pPr lvl="1"/>
-            <a:r>
-              <a:rPr lang="en-US" dirty="0" smtClean="0"/>
-              <a:t>A combination?</a:t>
-            </a:r>
+              <a:t>WHAT IS</a:t>
+            </a:r>
+            <a:br>
+              <a:rPr lang="en-US" dirty="0" smtClean="0"/>
+            </a:br>
+            <a:r>
+              <a:rPr lang="en-US" dirty="0" smtClean="0"/>
+              <a:t>MACHINE LEARNING?</a:t>
+            </a:r>
+            <a:endParaRPr lang="en-US" dirty="0"/>
+          </a:p>
+        </p:txBody>
+      </p:sp>
+      <p:sp>
+        <p:nvSpPr>
+          <p:cNvPr id="8" name="Text Placeholder 7"/>
+          <p:cNvSpPr>
+            <a:spLocks noGrp="1"/>
+          </p:cNvSpPr>
+          <p:nvPr>
+            <p:ph type="body" idx="1"/>
+          </p:nvPr>
+        </p:nvSpPr>
+        <p:spPr/>
+        <p:txBody>
+          <a:bodyPr/>
+          <a:lstStyle/>
+          <a:p>
+            <a:r>
+              <a:rPr lang="en-US" dirty="0" smtClean="0"/>
+              <a:t>Regression, Classification, Artificial Intelligence, Reinforcement Learning</a:t>
+            </a:r>
+            <a:endParaRPr lang="en-US" dirty="0"/>
+          </a:p>
+        </p:txBody>
+      </p:sp>
+      <p:sp>
+        <p:nvSpPr>
+          <p:cNvPr id="4" name="Date Placeholder 3"/>
+          <p:cNvSpPr>
+            <a:spLocks noGrp="1"/>
+          </p:cNvSpPr>
+          <p:nvPr>
+            <p:ph type="dt" sz="half" idx="10"/>
+          </p:nvPr>
+        </p:nvSpPr>
+        <p:spPr/>
+        <p:txBody>
+          <a:bodyPr/>
+          <a:lstStyle/>
+          <a:p>
+            <a:fld id="{8AAE40A0-A7D8-4DC3-BC9E-BADA32DA2004}" type="datetime4">
+              <a:rPr lang="en-US" smtClean="0"/>
+              <a:t>November 14, 2019</a:t>
+            </a:fld>
+            <a:endParaRPr lang="en-US" dirty="0"/>
+          </a:p>
+        </p:txBody>
+      </p:sp>
+      <p:sp>
+        <p:nvSpPr>
+          <p:cNvPr id="5" name="Footer Placeholder 4"/>
+          <p:cNvSpPr>
+            <a:spLocks noGrp="1"/>
+          </p:cNvSpPr>
+          <p:nvPr>
+            <p:ph type="ftr" sz="quarter" idx="11"/>
+          </p:nvPr>
+        </p:nvSpPr>
+        <p:spPr/>
+        <p:txBody>
+          <a:bodyPr/>
+          <a:lstStyle/>
+          <a:p>
+            <a:r>
+              <a:rPr lang="en-US" smtClean="0"/>
+              <a:t>Digital Scholarship Services </a:t>
+            </a:r>
+            <a:r>
+              <a:rPr lang="en-US" smtClean="0">
+                <a:solidFill>
+                  <a:schemeClr val="accent1">
+                    <a:lumMod val="50000"/>
+                  </a:schemeClr>
+                </a:solidFill>
+              </a:rPr>
+              <a:t>| Email</a:t>
+            </a:r>
+            <a:r>
+              <a:rPr lang="en-US" smtClean="0"/>
+              <a:t> cf24@rice.edu </a:t>
+            </a:r>
+            <a:r>
+              <a:rPr lang="en-US" smtClean="0">
+                <a:solidFill>
+                  <a:schemeClr val="accent1">
+                    <a:lumMod val="50000"/>
+                  </a:schemeClr>
+                </a:solidFill>
+              </a:rPr>
+              <a:t>|</a:t>
+            </a:r>
+            <a:r>
+              <a:rPr lang="en-US" smtClean="0"/>
+              <a:t> library.rice.edu/dss</a:t>
+            </a:r>
+            <a:endParaRPr lang="en-US" dirty="0"/>
+          </a:p>
+        </p:txBody>
+      </p:sp>
+      <p:sp>
+        <p:nvSpPr>
+          <p:cNvPr id="6" name="Slide Number Placeholder 5"/>
+          <p:cNvSpPr>
+            <a:spLocks noGrp="1"/>
+          </p:cNvSpPr>
+          <p:nvPr>
+            <p:ph type="sldNum" sz="quarter" idx="12"/>
+          </p:nvPr>
+        </p:nvSpPr>
+        <p:spPr/>
+        <p:txBody>
+          <a:bodyPr/>
+          <a:lstStyle/>
+          <a:p>
+            <a:fld id="{D57F1E4F-1CFF-5643-939E-02111984F565}" type="slidenum">
+              <a:rPr lang="en-US" smtClean="0"/>
+              <a:t>5</a:t>
+            </a:fld>
             <a:endParaRPr lang="en-US" dirty="0"/>
           </a:p>
         </p:txBody>
@@ -8854,7 +9121,7 @@
     </p:spTree>
     <p:extLst>
       <p:ext uri="{BB962C8B-B14F-4D97-AF65-F5344CB8AC3E}">
-        <p14:creationId xmlns:p14="http://schemas.microsoft.com/office/powerpoint/2010/main" val="4065137757"/>
+        <p14:creationId xmlns:p14="http://schemas.microsoft.com/office/powerpoint/2010/main" val="2634181450"/>
       </p:ext>
     </p:extLst>
   </p:cSld>
@@ -8898,7 +9165,11 @@
           <a:p>
             <a:r>
               <a:rPr lang="en-US" dirty="0" smtClean="0"/>
-              <a:t>REGRESSION</a:t>
+              <a:t>THREE </a:t>
+            </a:r>
+            <a:r>
+              <a:rPr lang="en-US" dirty="0" smtClean="0"/>
+              <a:t>KINDS OF MACHINE LEARNING</a:t>
             </a:r>
             <a:endParaRPr lang="en-US" dirty="0"/>
           </a:p>
@@ -8921,21 +9192,53 @@
           <a:p>
             <a:r>
               <a:rPr lang="en-US" dirty="0" smtClean="0"/>
-              <a:t>Modeling problem wherein we want to predict a continuous value</a:t>
+              <a:t>Machine Learning is an umbrella term</a:t>
+            </a:r>
+          </a:p>
+          <a:p>
+            <a:r>
+              <a:rPr lang="en-US" dirty="0" smtClean="0"/>
+              <a:t>As a new field, there are a lot of discussions</a:t>
             </a:r>
           </a:p>
           <a:p>
             <a:pPr lvl="1"/>
             <a:r>
               <a:rPr lang="en-US" dirty="0" smtClean="0"/>
-              <a:t>i.e. the value can take a large range, not just a few</a:t>
+              <a:t>Electrical Engineering?</a:t>
+            </a:r>
+          </a:p>
+          <a:p>
+            <a:pPr lvl="1"/>
+            <a:r>
+              <a:rPr lang="en-US" dirty="0" smtClean="0"/>
+              <a:t>Computer Science?</a:t>
+            </a:r>
+          </a:p>
+          <a:p>
+            <a:pPr lvl="1"/>
+            <a:r>
+              <a:rPr lang="en-US" dirty="0" smtClean="0"/>
+              <a:t>Data Science</a:t>
+            </a:r>
+            <a:r>
+              <a:rPr lang="en-US" dirty="0" smtClean="0"/>
+              <a:t>?</a:t>
+            </a:r>
+          </a:p>
+          <a:p>
+            <a:pPr lvl="1"/>
+            <a:r>
+              <a:rPr lang="en-US" dirty="0" smtClean="0"/>
+              <a:t>Maybe information theory?</a:t>
             </a:r>
             <a:endParaRPr lang="en-US" dirty="0" smtClean="0"/>
           </a:p>
           <a:p>
-            <a:r>
-              <a:rPr lang="en-US" dirty="0" smtClean="0"/>
-              <a:t>Example: Predicting university acceptance rates from number of books in the school’s library</a:t>
+            <a:pPr lvl="1"/>
+            <a:r>
+              <a:rPr lang="en-US" dirty="0" smtClean="0"/>
+              <a:t>A combination?</a:t>
             </a:r>
             <a:endParaRPr lang="en-US" dirty="0"/>
           </a:p>
@@ -8944,7 +9247,7 @@
     </p:spTree>
     <p:extLst>
       <p:ext uri="{BB962C8B-B14F-4D97-AF65-F5344CB8AC3E}">
-        <p14:creationId xmlns:p14="http://schemas.microsoft.com/office/powerpoint/2010/main" val="534001452"/>
+        <p14:creationId xmlns:p14="http://schemas.microsoft.com/office/powerpoint/2010/main" val="4065137757"/>
       </p:ext>
     </p:extLst>
   </p:cSld>
@@ -8988,7 +9291,7 @@
           <a:p>
             <a:r>
               <a:rPr lang="en-US" dirty="0" smtClean="0"/>
-              <a:t>CLASSIFICATION</a:t>
+              <a:t>REGRESSION</a:t>
             </a:r>
             <a:endParaRPr lang="en-US" dirty="0"/>
           </a:p>
@@ -9011,21 +9314,20 @@
           <a:p>
             <a:r>
               <a:rPr lang="en-US" dirty="0" smtClean="0"/>
-              <a:t>Modeling problem wherein we want to predict a membership</a:t>
+              <a:t>Modeling problem wherein we want to predict a continuous value</a:t>
             </a:r>
           </a:p>
           <a:p>
             <a:pPr lvl="1"/>
             <a:r>
               <a:rPr lang="en-US" dirty="0" smtClean="0"/>
-              <a:t>i.e. there are a limited number of groups and we want to know which one to assign this example to</a:t>
-            </a:r>
-            <a:endParaRPr lang="en-US" dirty="0" smtClean="0"/>
-          </a:p>
-          <a:p>
-            <a:r>
-              <a:rPr lang="en-US" dirty="0" smtClean="0"/>
-              <a:t>Example: Predicting whether an image is of a cat or a dog</a:t>
+              <a:t>i.e. the value can take a large range, not just a few</a:t>
+            </a:r>
+          </a:p>
+          <a:p>
+            <a:r>
+              <a:rPr lang="en-US" dirty="0" smtClean="0"/>
+              <a:t>Example: Predicting university acceptance rates from number of books in the school’s library</a:t>
             </a:r>
             <a:endParaRPr lang="en-US" dirty="0"/>
           </a:p>
@@ -9034,7 +9336,7 @@
     </p:spTree>
     <p:extLst>
       <p:ext uri="{BB962C8B-B14F-4D97-AF65-F5344CB8AC3E}">
-        <p14:creationId xmlns:p14="http://schemas.microsoft.com/office/powerpoint/2010/main" val="1517172352"/>
+        <p14:creationId xmlns:p14="http://schemas.microsoft.com/office/powerpoint/2010/main" val="534001452"/>
       </p:ext>
     </p:extLst>
   </p:cSld>
@@ -9078,7 +9380,7 @@
           <a:p>
             <a:r>
               <a:rPr lang="en-US" dirty="0" smtClean="0"/>
-              <a:t>REINFORCEMENT LEARNING</a:t>
+              <a:t>CLASSIFICATION</a:t>
             </a:r>
             <a:endParaRPr lang="en-US" dirty="0"/>
           </a:p>
@@ -9100,30 +9402,22 @@
           <a:lstStyle/>
           <a:p>
             <a:r>
-              <a:rPr lang="en-US" dirty="0"/>
-              <a:t>Modeling </a:t>
-            </a:r>
-            <a:r>
-              <a:rPr lang="en-US" dirty="0" smtClean="0"/>
-              <a:t>problem wherein we have sequential, continuous input and feedback from the model interacting with the environment</a:t>
-            </a:r>
-          </a:p>
-          <a:p>
-            <a:r>
-              <a:rPr lang="en-US" dirty="0" smtClean="0"/>
-              <a:t>Example</a:t>
-            </a:r>
-            <a:r>
-              <a:rPr lang="en-US" dirty="0"/>
-              <a:t>: </a:t>
-            </a:r>
-            <a:r>
-              <a:rPr lang="en-US" dirty="0" smtClean="0"/>
-              <a:t>Trying to get out of a maze, and changing our algorithm based on how long it took to get out (maybe by switching from random choice to always turning left)</a:t>
-            </a:r>
-            <a:endParaRPr lang="en-US" dirty="0" smtClean="0"/>
-          </a:p>
-          <a:p>
+              <a:rPr lang="en-US" dirty="0" smtClean="0"/>
+              <a:t>Modeling problem wherein we want to predict a membership</a:t>
+            </a:r>
+          </a:p>
+          <a:p>
+            <a:pPr lvl="1"/>
+            <a:r>
+              <a:rPr lang="en-US" dirty="0" smtClean="0"/>
+              <a:t>i.e. there are a limited number of groups and we want to know which one to assign this example to</a:t>
+            </a:r>
+          </a:p>
+          <a:p>
+            <a:r>
+              <a:rPr lang="en-US" dirty="0" smtClean="0"/>
+              <a:t>Example: Predicting whether an image is of a cat or a dog</a:t>
+            </a:r>
             <a:endParaRPr lang="en-US" dirty="0"/>
           </a:p>
         </p:txBody>
@@ -9131,7 +9425,7 @@
     </p:spTree>
     <p:extLst>
       <p:ext uri="{BB962C8B-B14F-4D97-AF65-F5344CB8AC3E}">
-        <p14:creationId xmlns:p14="http://schemas.microsoft.com/office/powerpoint/2010/main" val="1326114256"/>
+        <p14:creationId xmlns:p14="http://schemas.microsoft.com/office/powerpoint/2010/main" val="1517172352"/>
       </p:ext>
     </p:extLst>
   </p:cSld>
@@ -9175,7 +9469,7 @@
           <a:p>
             <a:r>
               <a:rPr lang="en-US" dirty="0" smtClean="0"/>
-              <a:t>ARTIFICIAL INTELLIGENCE</a:t>
+              <a:t>REINFORCEMENT LEARNING</a:t>
             </a:r>
             <a:endParaRPr lang="en-US" dirty="0"/>
           </a:p>
@@ -9197,18 +9491,12 @@
           <a:lstStyle/>
           <a:p>
             <a:r>
-              <a:rPr lang="en-US" dirty="0" smtClean="0"/>
-              <a:t>A very vague phrase with tons of possible meanings</a:t>
-            </a:r>
-          </a:p>
-          <a:p>
-            <a:r>
               <a:rPr lang="en-US" dirty="0"/>
-              <a:t>Modeling technique </a:t>
-            </a:r>
-            <a:r>
-              <a:rPr lang="en-US" dirty="0" smtClean="0"/>
-              <a:t>wherein we use artificial neural networks to produce more in-depth results</a:t>
+              <a:t>Modeling </a:t>
+            </a:r>
+            <a:r>
+              <a:rPr lang="en-US" dirty="0" smtClean="0"/>
+              <a:t>problem wherein we have sequential, continuous input and feedback from the model interacting with the environment</a:t>
             </a:r>
           </a:p>
           <a:p>
@@ -9218,13 +9506,12 @@
             </a:r>
             <a:r>
               <a:rPr lang="en-US" dirty="0"/>
-              <a:t>: Predicting whether an image is of a cat or a </a:t>
-            </a:r>
-            <a:r>
-              <a:rPr lang="en-US" dirty="0" smtClean="0"/>
-              <a:t>dog using neural networks</a:t>
-            </a:r>
-            <a:endParaRPr lang="en-US" dirty="0" smtClean="0"/>
+              <a:t>: </a:t>
+            </a:r>
+            <a:r>
+              <a:rPr lang="en-US" dirty="0" smtClean="0"/>
+              <a:t>Trying to get out of a maze, and changing our algorithm based on how long it took to get out (maybe by switching from random choice to always turning left)</a:t>
+            </a:r>
           </a:p>
           <a:p>
             <a:endParaRPr lang="en-US" dirty="0"/>
@@ -9234,7 +9521,7 @@
     </p:spTree>
     <p:extLst>
       <p:ext uri="{BB962C8B-B14F-4D97-AF65-F5344CB8AC3E}">
-        <p14:creationId xmlns:p14="http://schemas.microsoft.com/office/powerpoint/2010/main" val="599699102"/>
+        <p14:creationId xmlns:p14="http://schemas.microsoft.com/office/powerpoint/2010/main" val="1326114256"/>
       </p:ext>
     </p:extLst>
   </p:cSld>
